--- a/defense-lab/NailgunDefense.pptx
+++ b/defense-lab/NailgunDefense.pptx
@@ -2,7 +2,7 @@
 <file path=ppt/presentation.xml><?xml version="1.0" encoding="utf-8"?>
 <p:presentation xmlns:a="http://schemas.openxmlformats.org/drawingml/2006/main" xmlns:r="http://schemas.openxmlformats.org/officeDocument/2006/relationships" xmlns:p="http://schemas.openxmlformats.org/presentationml/2006/main" saveSubsetFonts="1">
   <p:sldMasterIdLst>
-    <p:sldMasterId id="2147483648" r:id="rId1"/>
+    <p:sldMasterId id="2147483710" r:id="rId1"/>
   </p:sldMasterIdLst>
   <p:sldIdLst>
     <p:sldId id="256" r:id="rId2"/>
@@ -45,9 +45,9 @@
   <p:notesSz cx="6858000" cy="9144000"/>
   <p:defaultTextStyle>
     <a:defPPr>
-      <a:defRPr lang="zh-CN"/>
+      <a:defRPr lang="en-US"/>
     </a:defPPr>
-    <a:lvl1pPr marL="0" algn="l" defTabSz="914400" rtl="0" eaLnBrk="1" latinLnBrk="0" hangingPunct="1">
+    <a:lvl1pPr marL="0" algn="l" defTabSz="457200" rtl="0" eaLnBrk="1" latinLnBrk="0" hangingPunct="1">
       <a:defRPr sz="1800" kern="1200">
         <a:solidFill>
           <a:schemeClr val="tx1"/>
@@ -57,7 +57,7 @@
         <a:cs typeface="+mn-cs"/>
       </a:defRPr>
     </a:lvl1pPr>
-    <a:lvl2pPr marL="457200" algn="l" defTabSz="914400" rtl="0" eaLnBrk="1" latinLnBrk="0" hangingPunct="1">
+    <a:lvl2pPr marL="457200" algn="l" defTabSz="457200" rtl="0" eaLnBrk="1" latinLnBrk="0" hangingPunct="1">
       <a:defRPr sz="1800" kern="1200">
         <a:solidFill>
           <a:schemeClr val="tx1"/>
@@ -67,7 +67,7 @@
         <a:cs typeface="+mn-cs"/>
       </a:defRPr>
     </a:lvl2pPr>
-    <a:lvl3pPr marL="914400" algn="l" defTabSz="914400" rtl="0" eaLnBrk="1" latinLnBrk="0" hangingPunct="1">
+    <a:lvl3pPr marL="914400" algn="l" defTabSz="457200" rtl="0" eaLnBrk="1" latinLnBrk="0" hangingPunct="1">
       <a:defRPr sz="1800" kern="1200">
         <a:solidFill>
           <a:schemeClr val="tx1"/>
@@ -77,7 +77,7 @@
         <a:cs typeface="+mn-cs"/>
       </a:defRPr>
     </a:lvl3pPr>
-    <a:lvl4pPr marL="1371600" algn="l" defTabSz="914400" rtl="0" eaLnBrk="1" latinLnBrk="0" hangingPunct="1">
+    <a:lvl4pPr marL="1371600" algn="l" defTabSz="457200" rtl="0" eaLnBrk="1" latinLnBrk="0" hangingPunct="1">
       <a:defRPr sz="1800" kern="1200">
         <a:solidFill>
           <a:schemeClr val="tx1"/>
@@ -87,7 +87,7 @@
         <a:cs typeface="+mn-cs"/>
       </a:defRPr>
     </a:lvl4pPr>
-    <a:lvl5pPr marL="1828800" algn="l" defTabSz="914400" rtl="0" eaLnBrk="1" latinLnBrk="0" hangingPunct="1">
+    <a:lvl5pPr marL="1828800" algn="l" defTabSz="457200" rtl="0" eaLnBrk="1" latinLnBrk="0" hangingPunct="1">
       <a:defRPr sz="1800" kern="1200">
         <a:solidFill>
           <a:schemeClr val="tx1"/>
@@ -97,7 +97,7 @@
         <a:cs typeface="+mn-cs"/>
       </a:defRPr>
     </a:lvl5pPr>
-    <a:lvl6pPr marL="2286000" algn="l" defTabSz="914400" rtl="0" eaLnBrk="1" latinLnBrk="0" hangingPunct="1">
+    <a:lvl6pPr marL="2286000" algn="l" defTabSz="457200" rtl="0" eaLnBrk="1" latinLnBrk="0" hangingPunct="1">
       <a:defRPr sz="1800" kern="1200">
         <a:solidFill>
           <a:schemeClr val="tx1"/>
@@ -107,7 +107,7 @@
         <a:cs typeface="+mn-cs"/>
       </a:defRPr>
     </a:lvl6pPr>
-    <a:lvl7pPr marL="2743200" algn="l" defTabSz="914400" rtl="0" eaLnBrk="1" latinLnBrk="0" hangingPunct="1">
+    <a:lvl7pPr marL="2743200" algn="l" defTabSz="457200" rtl="0" eaLnBrk="1" latinLnBrk="0" hangingPunct="1">
       <a:defRPr sz="1800" kern="1200">
         <a:solidFill>
           <a:schemeClr val="tx1"/>
@@ -117,7 +117,7 @@
         <a:cs typeface="+mn-cs"/>
       </a:defRPr>
     </a:lvl7pPr>
-    <a:lvl8pPr marL="3200400" algn="l" defTabSz="914400" rtl="0" eaLnBrk="1" latinLnBrk="0" hangingPunct="1">
+    <a:lvl8pPr marL="3200400" algn="l" defTabSz="457200" rtl="0" eaLnBrk="1" latinLnBrk="0" hangingPunct="1">
       <a:defRPr sz="1800" kern="1200">
         <a:solidFill>
           <a:schemeClr val="tx1"/>
@@ -127,7 +127,7 @@
         <a:cs typeface="+mn-cs"/>
       </a:defRPr>
     </a:lvl8pPr>
-    <a:lvl9pPr marL="3657600" algn="l" defTabSz="914400" rtl="0" eaLnBrk="1" latinLnBrk="0" hangingPunct="1">
+    <a:lvl9pPr marL="3657600" algn="l" defTabSz="457200" rtl="0" eaLnBrk="1" latinLnBrk="0" hangingPunct="1">
       <a:defRPr sz="1800" kern="1200">
         <a:solidFill>
           <a:schemeClr val="tx1"/>
@@ -148,7 +148,7 @@
 
 <file path=ppt/slideLayouts/slideLayout1.xml><?xml version="1.0" encoding="utf-8"?>
 <p:sldLayout xmlns:a="http://schemas.openxmlformats.org/drawingml/2006/main" xmlns:r="http://schemas.openxmlformats.org/officeDocument/2006/relationships" xmlns:p="http://schemas.openxmlformats.org/presentationml/2006/main" type="title" preserve="1">
-  <p:cSld name="标题幻灯片">
+  <p:cSld name="Title Slide">
     <p:spTree>
       <p:nvGrpSpPr>
         <p:cNvPr id="1" name=""/>
@@ -165,13 +165,7 @@
       </p:grpSpPr>
       <p:sp>
         <p:nvSpPr>
-          <p:cNvPr id="2" name="标题 1">
-            <a:extLst>
-              <a:ext uri="{FF2B5EF4-FFF2-40B4-BE49-F238E27FC236}">
-                <a16:creationId xmlns:a16="http://schemas.microsoft.com/office/drawing/2014/main" id="{33375D87-FB21-49A9-B3CB-671423103A8A}"/>
-              </a:ext>
-            </a:extLst>
-          </p:cNvPr>
+          <p:cNvPr id="2" name="Title 1"/>
           <p:cNvSpPr>
             <a:spLocks noGrp="1"/>
           </p:cNvSpPr>
@@ -181,8 +175,8 @@
         </p:nvSpPr>
         <p:spPr>
           <a:xfrm>
-            <a:off x="1524000" y="1122363"/>
-            <a:ext cx="9144000" cy="2387600"/>
+            <a:off x="914400" y="1122363"/>
+            <a:ext cx="10363200" cy="2387600"/>
           </a:xfrm>
         </p:spPr>
         <p:txBody>
@@ -194,21 +188,16 @@
           </a:lstStyle>
           <a:p>
             <a:r>
-              <a:rPr lang="zh-CN" altLang="en-US"/>
-              <a:t>单击此处编辑母版标题样式</a:t>
-            </a:r>
-          </a:p>
-        </p:txBody>
-      </p:sp>
-      <p:sp>
-        <p:nvSpPr>
-          <p:cNvPr id="3" name="副标题 2">
-            <a:extLst>
-              <a:ext uri="{FF2B5EF4-FFF2-40B4-BE49-F238E27FC236}">
-                <a16:creationId xmlns:a16="http://schemas.microsoft.com/office/drawing/2014/main" id="{A4B1436B-5B60-41C8-9655-CA7F4F998C8A}"/>
-              </a:ext>
-            </a:extLst>
-          </p:cNvPr>
+              <a:rPr lang="en-US"/>
+              <a:t>Click to edit Master title style</a:t>
+            </a:r>
+            <a:endParaRPr lang="en-US" dirty="0"/>
+          </a:p>
+        </p:txBody>
+      </p:sp>
+      <p:sp>
+        <p:nvSpPr>
+          <p:cNvPr id="3" name="Subtitle 2"/>
           <p:cNvSpPr>
             <a:spLocks noGrp="1"/>
           </p:cNvSpPr>
@@ -264,21 +253,16 @@
           </a:lstStyle>
           <a:p>
             <a:r>
-              <a:rPr lang="zh-CN" altLang="en-US"/>
-              <a:t>单击此处编辑母版副标题样式</a:t>
-            </a:r>
-          </a:p>
-        </p:txBody>
-      </p:sp>
-      <p:sp>
-        <p:nvSpPr>
-          <p:cNvPr id="4" name="日期占位符 3">
-            <a:extLst>
-              <a:ext uri="{FF2B5EF4-FFF2-40B4-BE49-F238E27FC236}">
-                <a16:creationId xmlns:a16="http://schemas.microsoft.com/office/drawing/2014/main" id="{34BF4B78-60E0-4F3E-97DD-48B0C1B90469}"/>
-              </a:ext>
-            </a:extLst>
-          </p:cNvPr>
+              <a:rPr lang="en-US"/>
+              <a:t>Click to edit Master subtitle style</a:t>
+            </a:r>
+            <a:endParaRPr lang="en-US" dirty="0"/>
+          </a:p>
+        </p:txBody>
+      </p:sp>
+      <p:sp>
+        <p:nvSpPr>
+          <p:cNvPr id="4" name="Date Placeholder 3"/>
           <p:cNvSpPr>
             <a:spLocks noGrp="1"/>
           </p:cNvSpPr>
@@ -293,7 +277,7 @@
           <a:p>
             <a:fld id="{5AE41CFA-8DA5-4173-9573-628222844F03}" type="datetimeFigureOut">
               <a:rPr lang="zh-CN" altLang="en-US" smtClean="0"/>
-              <a:t>2021/10/10</a:t>
+              <a:t>2021/10/30</a:t>
             </a:fld>
             <a:endParaRPr lang="zh-CN" altLang="en-US"/>
           </a:p>
@@ -301,13 +285,7 @@
       </p:sp>
       <p:sp>
         <p:nvSpPr>
-          <p:cNvPr id="5" name="页脚占位符 4">
-            <a:extLst>
-              <a:ext uri="{FF2B5EF4-FFF2-40B4-BE49-F238E27FC236}">
-                <a16:creationId xmlns:a16="http://schemas.microsoft.com/office/drawing/2014/main" id="{6C4D88CE-9E87-4AAB-9A1E-7CDA4730B58D}"/>
-              </a:ext>
-            </a:extLst>
-          </p:cNvPr>
+          <p:cNvPr id="5" name="Footer Placeholder 4"/>
           <p:cNvSpPr>
             <a:spLocks noGrp="1"/>
           </p:cNvSpPr>
@@ -326,13 +304,7 @@
       </p:sp>
       <p:sp>
         <p:nvSpPr>
-          <p:cNvPr id="6" name="灯片编号占位符 5">
-            <a:extLst>
-              <a:ext uri="{FF2B5EF4-FFF2-40B4-BE49-F238E27FC236}">
-                <a16:creationId xmlns:a16="http://schemas.microsoft.com/office/drawing/2014/main" id="{33CAC9C5-9E3A-453B-8777-A7EE88564CB2}"/>
-              </a:ext>
-            </a:extLst>
-          </p:cNvPr>
+          <p:cNvPr id="6" name="Slide Number Placeholder 5"/>
           <p:cNvSpPr>
             <a:spLocks noGrp="1"/>
           </p:cNvSpPr>
@@ -356,7 +328,7 @@
     </p:spTree>
     <p:extLst>
       <p:ext uri="{BB962C8B-B14F-4D97-AF65-F5344CB8AC3E}">
-        <p14:creationId xmlns:p14="http://schemas.microsoft.com/office/powerpoint/2010/main" val="3485335483"/>
+        <p14:creationId xmlns:p14="http://schemas.microsoft.com/office/powerpoint/2010/main" val="3523702442"/>
       </p:ext>
     </p:extLst>
   </p:cSld>
@@ -368,7 +340,7 @@
 
 <file path=ppt/slideLayouts/slideLayout10.xml><?xml version="1.0" encoding="utf-8"?>
 <p:sldLayout xmlns:a="http://schemas.openxmlformats.org/drawingml/2006/main" xmlns:r="http://schemas.openxmlformats.org/officeDocument/2006/relationships" xmlns:p="http://schemas.openxmlformats.org/presentationml/2006/main" type="vertTx" preserve="1">
-  <p:cSld name="标题和竖排文字">
+  <p:cSld name="Title and Vertical Text">
     <p:spTree>
       <p:nvGrpSpPr>
         <p:cNvPr id="1" name=""/>
@@ -385,13 +357,7 @@
       </p:grpSpPr>
       <p:sp>
         <p:nvSpPr>
-          <p:cNvPr id="2" name="标题 1">
-            <a:extLst>
-              <a:ext uri="{FF2B5EF4-FFF2-40B4-BE49-F238E27FC236}">
-                <a16:creationId xmlns:a16="http://schemas.microsoft.com/office/drawing/2014/main" id="{A0C11569-1A3F-470C-A24E-E9B82DA50793}"/>
-              </a:ext>
-            </a:extLst>
-          </p:cNvPr>
+          <p:cNvPr id="2" name="Title 1"/>
           <p:cNvSpPr>
             <a:spLocks noGrp="1"/>
           </p:cNvSpPr>
@@ -405,21 +371,16 @@
           <a:lstStyle/>
           <a:p>
             <a:r>
-              <a:rPr lang="zh-CN" altLang="en-US"/>
-              <a:t>单击此处编辑母版标题样式</a:t>
-            </a:r>
-          </a:p>
-        </p:txBody>
-      </p:sp>
-      <p:sp>
-        <p:nvSpPr>
-          <p:cNvPr id="3" name="竖排文字占位符 2">
-            <a:extLst>
-              <a:ext uri="{FF2B5EF4-FFF2-40B4-BE49-F238E27FC236}">
-                <a16:creationId xmlns:a16="http://schemas.microsoft.com/office/drawing/2014/main" id="{60BF44C7-BCDE-4808-B648-03CCC6D9CAD6}"/>
-              </a:ext>
-            </a:extLst>
-          </p:cNvPr>
+              <a:rPr lang="en-US"/>
+              <a:t>Click to edit Master title style</a:t>
+            </a:r>
+            <a:endParaRPr lang="en-US" dirty="0"/>
+          </a:p>
+        </p:txBody>
+      </p:sp>
+      <p:sp>
+        <p:nvSpPr>
+          <p:cNvPr id="3" name="Vertical Text Placeholder 2"/>
           <p:cNvSpPr>
             <a:spLocks noGrp="1"/>
           </p:cNvSpPr>
@@ -434,49 +395,44 @@
           <a:p>
             <a:pPr lvl="0"/>
             <a:r>
-              <a:rPr lang="zh-CN" altLang="en-US"/>
-              <a:t>单击此处编辑母版文本样式</a:t>
+              <a:rPr lang="en-US"/>
+              <a:t>Click to edit Master text styles</a:t>
             </a:r>
           </a:p>
           <a:p>
             <a:pPr lvl="1"/>
             <a:r>
-              <a:rPr lang="zh-CN" altLang="en-US"/>
-              <a:t>二级</a:t>
+              <a:rPr lang="en-US"/>
+              <a:t>Second level</a:t>
             </a:r>
           </a:p>
           <a:p>
             <a:pPr lvl="2"/>
             <a:r>
-              <a:rPr lang="zh-CN" altLang="en-US"/>
-              <a:t>三级</a:t>
+              <a:rPr lang="en-US"/>
+              <a:t>Third level</a:t>
             </a:r>
           </a:p>
           <a:p>
             <a:pPr lvl="3"/>
             <a:r>
-              <a:rPr lang="zh-CN" altLang="en-US"/>
-              <a:t>四级</a:t>
+              <a:rPr lang="en-US"/>
+              <a:t>Fourth level</a:t>
             </a:r>
           </a:p>
           <a:p>
             <a:pPr lvl="4"/>
             <a:r>
-              <a:rPr lang="zh-CN" altLang="en-US"/>
-              <a:t>五级</a:t>
-            </a:r>
-          </a:p>
-        </p:txBody>
-      </p:sp>
-      <p:sp>
-        <p:nvSpPr>
-          <p:cNvPr id="4" name="日期占位符 3">
-            <a:extLst>
-              <a:ext uri="{FF2B5EF4-FFF2-40B4-BE49-F238E27FC236}">
-                <a16:creationId xmlns:a16="http://schemas.microsoft.com/office/drawing/2014/main" id="{D3B9E514-98E7-4A1B-B734-64B7C4C6147E}"/>
-              </a:ext>
-            </a:extLst>
-          </p:cNvPr>
+              <a:rPr lang="en-US"/>
+              <a:t>Fifth level</a:t>
+            </a:r>
+            <a:endParaRPr lang="en-US" dirty="0"/>
+          </a:p>
+        </p:txBody>
+      </p:sp>
+      <p:sp>
+        <p:nvSpPr>
+          <p:cNvPr id="4" name="Date Placeholder 3"/>
           <p:cNvSpPr>
             <a:spLocks noGrp="1"/>
           </p:cNvSpPr>
@@ -491,7 +447,7 @@
           <a:p>
             <a:fld id="{5AE41CFA-8DA5-4173-9573-628222844F03}" type="datetimeFigureOut">
               <a:rPr lang="zh-CN" altLang="en-US" smtClean="0"/>
-              <a:t>2021/10/10</a:t>
+              <a:t>2021/10/30</a:t>
             </a:fld>
             <a:endParaRPr lang="zh-CN" altLang="en-US"/>
           </a:p>
@@ -499,13 +455,7 @@
       </p:sp>
       <p:sp>
         <p:nvSpPr>
-          <p:cNvPr id="5" name="页脚占位符 4">
-            <a:extLst>
-              <a:ext uri="{FF2B5EF4-FFF2-40B4-BE49-F238E27FC236}">
-                <a16:creationId xmlns:a16="http://schemas.microsoft.com/office/drawing/2014/main" id="{9217858D-F89A-416D-B76E-A40435F394D1}"/>
-              </a:ext>
-            </a:extLst>
-          </p:cNvPr>
+          <p:cNvPr id="5" name="Footer Placeholder 4"/>
           <p:cNvSpPr>
             <a:spLocks noGrp="1"/>
           </p:cNvSpPr>
@@ -524,13 +474,7 @@
       </p:sp>
       <p:sp>
         <p:nvSpPr>
-          <p:cNvPr id="6" name="灯片编号占位符 5">
-            <a:extLst>
-              <a:ext uri="{FF2B5EF4-FFF2-40B4-BE49-F238E27FC236}">
-                <a16:creationId xmlns:a16="http://schemas.microsoft.com/office/drawing/2014/main" id="{9395CD80-490A-4648-B62D-C95E4348139A}"/>
-              </a:ext>
-            </a:extLst>
-          </p:cNvPr>
+          <p:cNvPr id="6" name="Slide Number Placeholder 5"/>
           <p:cNvSpPr>
             <a:spLocks noGrp="1"/>
           </p:cNvSpPr>
@@ -554,7 +498,7 @@
     </p:spTree>
     <p:extLst>
       <p:ext uri="{BB962C8B-B14F-4D97-AF65-F5344CB8AC3E}">
-        <p14:creationId xmlns:p14="http://schemas.microsoft.com/office/powerpoint/2010/main" val="1579103721"/>
+        <p14:creationId xmlns:p14="http://schemas.microsoft.com/office/powerpoint/2010/main" val="711292019"/>
       </p:ext>
     </p:extLst>
   </p:cSld>
@@ -566,7 +510,7 @@
 
 <file path=ppt/slideLayouts/slideLayout11.xml><?xml version="1.0" encoding="utf-8"?>
 <p:sldLayout xmlns:a="http://schemas.openxmlformats.org/drawingml/2006/main" xmlns:r="http://schemas.openxmlformats.org/officeDocument/2006/relationships" xmlns:p="http://schemas.openxmlformats.org/presentationml/2006/main" type="vertTitleAndTx" preserve="1">
-  <p:cSld name="竖排标题与文本">
+  <p:cSld name="Vertical Title and Text">
     <p:spTree>
       <p:nvGrpSpPr>
         <p:cNvPr id="1" name=""/>
@@ -583,13 +527,7 @@
       </p:grpSpPr>
       <p:sp>
         <p:nvSpPr>
-          <p:cNvPr id="2" name="竖排标题 1">
-            <a:extLst>
-              <a:ext uri="{FF2B5EF4-FFF2-40B4-BE49-F238E27FC236}">
-                <a16:creationId xmlns:a16="http://schemas.microsoft.com/office/drawing/2014/main" id="{F4ADF32E-E0F4-4AB8-B251-EBE5FF83360F}"/>
-              </a:ext>
-            </a:extLst>
-          </p:cNvPr>
+          <p:cNvPr id="2" name="Vertical Title 1"/>
           <p:cNvSpPr>
             <a:spLocks noGrp="1"/>
           </p:cNvSpPr>
@@ -599,7 +537,7 @@
         </p:nvSpPr>
         <p:spPr>
           <a:xfrm>
-            <a:off x="8724900" y="365125"/>
+            <a:off x="8724901" y="365125"/>
             <a:ext cx="2628900" cy="5811838"/>
           </a:xfrm>
         </p:spPr>
@@ -608,21 +546,16 @@
           <a:lstStyle/>
           <a:p>
             <a:r>
-              <a:rPr lang="zh-CN" altLang="en-US"/>
-              <a:t>单击此处编辑母版标题样式</a:t>
-            </a:r>
-          </a:p>
-        </p:txBody>
-      </p:sp>
-      <p:sp>
-        <p:nvSpPr>
-          <p:cNvPr id="3" name="竖排文字占位符 2">
-            <a:extLst>
-              <a:ext uri="{FF2B5EF4-FFF2-40B4-BE49-F238E27FC236}">
-                <a16:creationId xmlns:a16="http://schemas.microsoft.com/office/drawing/2014/main" id="{B46558A7-362D-4C03-84CD-41898F5AC99B}"/>
-              </a:ext>
-            </a:extLst>
-          </p:cNvPr>
+              <a:rPr lang="en-US"/>
+              <a:t>Click to edit Master title style</a:t>
+            </a:r>
+            <a:endParaRPr lang="en-US" dirty="0"/>
+          </a:p>
+        </p:txBody>
+      </p:sp>
+      <p:sp>
+        <p:nvSpPr>
+          <p:cNvPr id="3" name="Vertical Text Placeholder 2"/>
           <p:cNvSpPr>
             <a:spLocks noGrp="1"/>
           </p:cNvSpPr>
@@ -632,7 +565,7 @@
         </p:nvSpPr>
         <p:spPr>
           <a:xfrm>
-            <a:off x="838200" y="365125"/>
+            <a:off x="838201" y="365125"/>
             <a:ext cx="7734300" cy="5811838"/>
           </a:xfrm>
         </p:spPr>
@@ -642,49 +575,44 @@
           <a:p>
             <a:pPr lvl="0"/>
             <a:r>
-              <a:rPr lang="zh-CN" altLang="en-US"/>
-              <a:t>单击此处编辑母版文本样式</a:t>
+              <a:rPr lang="en-US"/>
+              <a:t>Click to edit Master text styles</a:t>
             </a:r>
           </a:p>
           <a:p>
             <a:pPr lvl="1"/>
             <a:r>
-              <a:rPr lang="zh-CN" altLang="en-US"/>
-              <a:t>二级</a:t>
+              <a:rPr lang="en-US"/>
+              <a:t>Second level</a:t>
             </a:r>
           </a:p>
           <a:p>
             <a:pPr lvl="2"/>
             <a:r>
-              <a:rPr lang="zh-CN" altLang="en-US"/>
-              <a:t>三级</a:t>
+              <a:rPr lang="en-US"/>
+              <a:t>Third level</a:t>
             </a:r>
           </a:p>
           <a:p>
             <a:pPr lvl="3"/>
             <a:r>
-              <a:rPr lang="zh-CN" altLang="en-US"/>
-              <a:t>四级</a:t>
+              <a:rPr lang="en-US"/>
+              <a:t>Fourth level</a:t>
             </a:r>
           </a:p>
           <a:p>
             <a:pPr lvl="4"/>
             <a:r>
-              <a:rPr lang="zh-CN" altLang="en-US"/>
-              <a:t>五级</a:t>
-            </a:r>
-          </a:p>
-        </p:txBody>
-      </p:sp>
-      <p:sp>
-        <p:nvSpPr>
-          <p:cNvPr id="4" name="日期占位符 3">
-            <a:extLst>
-              <a:ext uri="{FF2B5EF4-FFF2-40B4-BE49-F238E27FC236}">
-                <a16:creationId xmlns:a16="http://schemas.microsoft.com/office/drawing/2014/main" id="{332346C5-7B08-469D-A807-AF05D48C930D}"/>
-              </a:ext>
-            </a:extLst>
-          </p:cNvPr>
+              <a:rPr lang="en-US"/>
+              <a:t>Fifth level</a:t>
+            </a:r>
+            <a:endParaRPr lang="en-US" dirty="0"/>
+          </a:p>
+        </p:txBody>
+      </p:sp>
+      <p:sp>
+        <p:nvSpPr>
+          <p:cNvPr id="4" name="Date Placeholder 3"/>
           <p:cNvSpPr>
             <a:spLocks noGrp="1"/>
           </p:cNvSpPr>
@@ -699,7 +627,7 @@
           <a:p>
             <a:fld id="{5AE41CFA-8DA5-4173-9573-628222844F03}" type="datetimeFigureOut">
               <a:rPr lang="zh-CN" altLang="en-US" smtClean="0"/>
-              <a:t>2021/10/10</a:t>
+              <a:t>2021/10/30</a:t>
             </a:fld>
             <a:endParaRPr lang="zh-CN" altLang="en-US"/>
           </a:p>
@@ -707,13 +635,7 @@
       </p:sp>
       <p:sp>
         <p:nvSpPr>
-          <p:cNvPr id="5" name="页脚占位符 4">
-            <a:extLst>
-              <a:ext uri="{FF2B5EF4-FFF2-40B4-BE49-F238E27FC236}">
-                <a16:creationId xmlns:a16="http://schemas.microsoft.com/office/drawing/2014/main" id="{20846667-B9B2-4A04-951F-46152C17A614}"/>
-              </a:ext>
-            </a:extLst>
-          </p:cNvPr>
+          <p:cNvPr id="5" name="Footer Placeholder 4"/>
           <p:cNvSpPr>
             <a:spLocks noGrp="1"/>
           </p:cNvSpPr>
@@ -732,13 +654,7 @@
       </p:sp>
       <p:sp>
         <p:nvSpPr>
-          <p:cNvPr id="6" name="灯片编号占位符 5">
-            <a:extLst>
-              <a:ext uri="{FF2B5EF4-FFF2-40B4-BE49-F238E27FC236}">
-                <a16:creationId xmlns:a16="http://schemas.microsoft.com/office/drawing/2014/main" id="{497092E7-BEE6-4F70-8575-6CB8AC9D0AB8}"/>
-              </a:ext>
-            </a:extLst>
-          </p:cNvPr>
+          <p:cNvPr id="6" name="Slide Number Placeholder 5"/>
           <p:cNvSpPr>
             <a:spLocks noGrp="1"/>
           </p:cNvSpPr>
@@ -762,7 +678,278 @@
     </p:spTree>
     <p:extLst>
       <p:ext uri="{BB962C8B-B14F-4D97-AF65-F5344CB8AC3E}">
-        <p14:creationId xmlns:p14="http://schemas.microsoft.com/office/powerpoint/2010/main" val="638076168"/>
+        <p14:creationId xmlns:p14="http://schemas.microsoft.com/office/powerpoint/2010/main" val="2254055427"/>
+      </p:ext>
+    </p:extLst>
+  </p:cSld>
+  <p:clrMapOvr>
+    <a:masterClrMapping/>
+  </p:clrMapOvr>
+</p:sldLayout>
+</file>
+
+<file path=ppt/slideLayouts/slideLayout12.xml><?xml version="1.0" encoding="utf-8"?>
+<p:sldLayout xmlns:a="http://schemas.openxmlformats.org/drawingml/2006/main" xmlns:r="http://schemas.openxmlformats.org/officeDocument/2006/relationships" xmlns:p="http://schemas.openxmlformats.org/presentationml/2006/main" type="tx">
+  <p:cSld name="Title and body">
+    <p:spTree>
+      <p:nvGrpSpPr>
+        <p:cNvPr id="1" name="Shape 16"/>
+        <p:cNvGrpSpPr/>
+        <p:nvPr/>
+      </p:nvGrpSpPr>
+      <p:grpSpPr>
+        <a:xfrm>
+          <a:off x="0" y="0"/>
+          <a:ext cx="0" cy="0"/>
+          <a:chOff x="0" y="0"/>
+          <a:chExt cx="0" cy="0"/>
+        </a:xfrm>
+      </p:grpSpPr>
+      <p:sp>
+        <p:nvSpPr>
+          <p:cNvPr id="17" name="Shape 17"/>
+          <p:cNvSpPr txBox="1">
+            <a:spLocks noGrp="1"/>
+          </p:cNvSpPr>
+          <p:nvPr>
+            <p:ph type="title"/>
+          </p:nvPr>
+        </p:nvSpPr>
+        <p:spPr>
+          <a:xfrm>
+            <a:off x="1490133" y="2567"/>
+            <a:ext cx="10286267" cy="763600"/>
+          </a:xfrm>
+          <a:prstGeom prst="rect">
+            <a:avLst/>
+          </a:prstGeom>
+        </p:spPr>
+        <p:txBody>
+          <a:bodyPr wrap="square" lIns="91425" tIns="91425" rIns="91425" bIns="91425" anchor="t" anchorCtr="0"/>
+          <a:lstStyle>
+            <a:lvl1pPr lvl="0">
+              <a:spcBef>
+                <a:spcPts val="0"/>
+              </a:spcBef>
+              <a:buSzPts val="2800"/>
+              <a:buNone/>
+              <a:defRPr/>
+            </a:lvl1pPr>
+            <a:lvl2pPr lvl="1">
+              <a:spcBef>
+                <a:spcPts val="0"/>
+              </a:spcBef>
+              <a:buSzPts val="2800"/>
+              <a:buNone/>
+              <a:defRPr/>
+            </a:lvl2pPr>
+            <a:lvl3pPr lvl="2">
+              <a:spcBef>
+                <a:spcPts val="0"/>
+              </a:spcBef>
+              <a:buSzPts val="2800"/>
+              <a:buNone/>
+              <a:defRPr/>
+            </a:lvl3pPr>
+            <a:lvl4pPr lvl="3">
+              <a:spcBef>
+                <a:spcPts val="0"/>
+              </a:spcBef>
+              <a:buSzPts val="2800"/>
+              <a:buNone/>
+              <a:defRPr/>
+            </a:lvl4pPr>
+            <a:lvl5pPr lvl="4">
+              <a:spcBef>
+                <a:spcPts val="0"/>
+              </a:spcBef>
+              <a:buSzPts val="2800"/>
+              <a:buNone/>
+              <a:defRPr/>
+            </a:lvl5pPr>
+            <a:lvl6pPr lvl="5">
+              <a:spcBef>
+                <a:spcPts val="0"/>
+              </a:spcBef>
+              <a:buSzPts val="2800"/>
+              <a:buNone/>
+              <a:defRPr/>
+            </a:lvl6pPr>
+            <a:lvl7pPr lvl="6">
+              <a:spcBef>
+                <a:spcPts val="0"/>
+              </a:spcBef>
+              <a:buSzPts val="2800"/>
+              <a:buNone/>
+              <a:defRPr/>
+            </a:lvl7pPr>
+            <a:lvl8pPr lvl="7">
+              <a:spcBef>
+                <a:spcPts val="0"/>
+              </a:spcBef>
+              <a:buSzPts val="2800"/>
+              <a:buNone/>
+              <a:defRPr/>
+            </a:lvl8pPr>
+            <a:lvl9pPr lvl="8">
+              <a:spcBef>
+                <a:spcPts val="0"/>
+              </a:spcBef>
+              <a:buSzPts val="2800"/>
+              <a:buNone/>
+              <a:defRPr/>
+            </a:lvl9pPr>
+          </a:lstStyle>
+          <a:p>
+            <a:r>
+              <a:rPr lang="en-US"/>
+              <a:t>Click to edit Master title style</a:t>
+            </a:r>
+            <a:endParaRPr dirty="0"/>
+          </a:p>
+        </p:txBody>
+      </p:sp>
+      <p:sp>
+        <p:nvSpPr>
+          <p:cNvPr id="18" name="Shape 18"/>
+          <p:cNvSpPr txBox="1">
+            <a:spLocks noGrp="1"/>
+          </p:cNvSpPr>
+          <p:nvPr>
+            <p:ph type="body" idx="1"/>
+          </p:nvPr>
+        </p:nvSpPr>
+        <p:spPr>
+          <a:xfrm>
+            <a:off x="415600" y="1062500"/>
+            <a:ext cx="11360800" cy="4555200"/>
+          </a:xfrm>
+          <a:prstGeom prst="rect">
+            <a:avLst/>
+          </a:prstGeom>
+        </p:spPr>
+        <p:txBody>
+          <a:bodyPr wrap="square" lIns="91425" tIns="91425" rIns="91425" bIns="91425" anchor="t" anchorCtr="0"/>
+          <a:lstStyle>
+            <a:lvl1pPr lvl="0">
+              <a:spcBef>
+                <a:spcPts val="0"/>
+              </a:spcBef>
+              <a:buSzPts val="1800"/>
+              <a:buChar char="●"/>
+              <a:defRPr/>
+            </a:lvl1pPr>
+            <a:lvl2pPr lvl="1">
+              <a:spcBef>
+                <a:spcPts val="0"/>
+              </a:spcBef>
+              <a:buSzPts val="1400"/>
+              <a:buChar char="○"/>
+              <a:defRPr/>
+            </a:lvl2pPr>
+            <a:lvl3pPr lvl="2">
+              <a:spcBef>
+                <a:spcPts val="0"/>
+              </a:spcBef>
+              <a:buSzPts val="1400"/>
+              <a:buChar char="■"/>
+              <a:defRPr/>
+            </a:lvl3pPr>
+            <a:lvl4pPr lvl="3">
+              <a:spcBef>
+                <a:spcPts val="0"/>
+              </a:spcBef>
+              <a:buSzPts val="1400"/>
+              <a:buChar char="●"/>
+              <a:defRPr/>
+            </a:lvl4pPr>
+            <a:lvl5pPr lvl="4">
+              <a:spcBef>
+                <a:spcPts val="0"/>
+              </a:spcBef>
+              <a:buSzPts val="1400"/>
+              <a:buChar char="○"/>
+              <a:defRPr/>
+            </a:lvl5pPr>
+            <a:lvl6pPr lvl="5">
+              <a:spcBef>
+                <a:spcPts val="0"/>
+              </a:spcBef>
+              <a:buSzPts val="1400"/>
+              <a:buChar char="■"/>
+              <a:defRPr/>
+            </a:lvl6pPr>
+            <a:lvl7pPr lvl="6">
+              <a:spcBef>
+                <a:spcPts val="0"/>
+              </a:spcBef>
+              <a:buSzPts val="1400"/>
+              <a:buChar char="●"/>
+              <a:defRPr/>
+            </a:lvl7pPr>
+            <a:lvl8pPr lvl="7">
+              <a:spcBef>
+                <a:spcPts val="0"/>
+              </a:spcBef>
+              <a:buSzPts val="1400"/>
+              <a:buChar char="○"/>
+              <a:defRPr/>
+            </a:lvl8pPr>
+            <a:lvl9pPr lvl="8">
+              <a:spcBef>
+                <a:spcPts val="0"/>
+              </a:spcBef>
+              <a:buSzPts val="1400"/>
+              <a:buChar char="■"/>
+              <a:defRPr/>
+            </a:lvl9pPr>
+          </a:lstStyle>
+          <a:p>
+            <a:pPr lvl="0"/>
+            <a:r>
+              <a:rPr lang="en-US"/>
+              <a:t>Click to edit Master text styles</a:t>
+            </a:r>
+          </a:p>
+        </p:txBody>
+      </p:sp>
+      <p:sp>
+        <p:nvSpPr>
+          <p:cNvPr id="19" name="Shape 19"/>
+          <p:cNvSpPr txBox="1">
+            <a:spLocks noGrp="1"/>
+          </p:cNvSpPr>
+          <p:nvPr>
+            <p:ph type="sldNum" idx="12"/>
+          </p:nvPr>
+        </p:nvSpPr>
+        <p:spPr>
+          <a:xfrm>
+            <a:off x="11296611" y="6217623"/>
+            <a:ext cx="731600" cy="524800"/>
+          </a:xfrm>
+          <a:prstGeom prst="rect">
+            <a:avLst/>
+          </a:prstGeom>
+        </p:spPr>
+        <p:txBody>
+          <a:bodyPr wrap="square" lIns="91425" tIns="91425" rIns="91425" bIns="91425" anchor="ctr" anchorCtr="0">
+            <a:noAutofit/>
+          </a:bodyPr>
+          <a:lstStyle/>
+          <a:p>
+            <a:fld id="{C659596A-905E-4569-BD45-E1BC5D31D3FE}" type="slidenum">
+              <a:rPr lang="zh-CN" altLang="en-US" smtClean="0"/>
+              <a:t>‹#›</a:t>
+            </a:fld>
+            <a:endParaRPr lang="zh-CN" altLang="en-US"/>
+          </a:p>
+        </p:txBody>
+      </p:sp>
+    </p:spTree>
+    <p:extLst>
+      <p:ext uri="{BB962C8B-B14F-4D97-AF65-F5344CB8AC3E}">
+        <p14:creationId xmlns:p14="http://schemas.microsoft.com/office/powerpoint/2010/main" val="1313585869"/>
       </p:ext>
     </p:extLst>
   </p:cSld>
@@ -774,7 +961,7 @@
 
 <file path=ppt/slideLayouts/slideLayout2.xml><?xml version="1.0" encoding="utf-8"?>
 <p:sldLayout xmlns:a="http://schemas.openxmlformats.org/drawingml/2006/main" xmlns:r="http://schemas.openxmlformats.org/officeDocument/2006/relationships" xmlns:p="http://schemas.openxmlformats.org/presentationml/2006/main" type="obj" preserve="1">
-  <p:cSld name="标题和内容">
+  <p:cSld name="Title and Content">
     <p:spTree>
       <p:nvGrpSpPr>
         <p:cNvPr id="1" name=""/>
@@ -791,13 +978,7 @@
       </p:grpSpPr>
       <p:sp>
         <p:nvSpPr>
-          <p:cNvPr id="2" name="标题 1">
-            <a:extLst>
-              <a:ext uri="{FF2B5EF4-FFF2-40B4-BE49-F238E27FC236}">
-                <a16:creationId xmlns:a16="http://schemas.microsoft.com/office/drawing/2014/main" id="{51C0E95B-8AF8-4E2E-8859-0447923EF8A4}"/>
-              </a:ext>
-            </a:extLst>
-          </p:cNvPr>
+          <p:cNvPr id="2" name="Title 1"/>
           <p:cNvSpPr>
             <a:spLocks noGrp="1"/>
           </p:cNvSpPr>
@@ -808,24 +989,26 @@
         <p:spPr/>
         <p:txBody>
           <a:bodyPr/>
-          <a:lstStyle/>
-          <a:p>
-            <a:r>
-              <a:rPr lang="zh-CN" altLang="en-US"/>
-              <a:t>单击此处编辑母版标题样式</a:t>
-            </a:r>
-          </a:p>
-        </p:txBody>
-      </p:sp>
-      <p:sp>
-        <p:nvSpPr>
-          <p:cNvPr id="3" name="内容占位符 2">
-            <a:extLst>
-              <a:ext uri="{FF2B5EF4-FFF2-40B4-BE49-F238E27FC236}">
-                <a16:creationId xmlns:a16="http://schemas.microsoft.com/office/drawing/2014/main" id="{15F68A86-AADD-434C-B1CC-4161A80E2F38}"/>
-              </a:ext>
-            </a:extLst>
-          </p:cNvPr>
+          <a:lstStyle>
+            <a:lvl1pPr>
+              <a:defRPr>
+                <a:latin typeface="Arial" panose="020B0604020202020204" pitchFamily="34" charset="0"/>
+                <a:cs typeface="Arial" panose="020B0604020202020204" pitchFamily="34" charset="0"/>
+              </a:defRPr>
+            </a:lvl1pPr>
+          </a:lstStyle>
+          <a:p>
+            <a:r>
+              <a:rPr lang="en-US"/>
+              <a:t>Click to edit Master title style</a:t>
+            </a:r>
+            <a:endParaRPr lang="en-US" dirty="0"/>
+          </a:p>
+        </p:txBody>
+      </p:sp>
+      <p:sp>
+        <p:nvSpPr>
+          <p:cNvPr id="3" name="Content Placeholder 2"/>
           <p:cNvSpPr>
             <a:spLocks noGrp="1"/>
           </p:cNvSpPr>
@@ -836,53 +1019,79 @@
         <p:spPr/>
         <p:txBody>
           <a:bodyPr/>
-          <a:lstStyle/>
+          <a:lstStyle>
+            <a:lvl1pPr>
+              <a:defRPr>
+                <a:latin typeface="Arial" panose="020B0604020202020204" pitchFamily="34" charset="0"/>
+                <a:cs typeface="Arial" panose="020B0604020202020204" pitchFamily="34" charset="0"/>
+              </a:defRPr>
+            </a:lvl1pPr>
+            <a:lvl2pPr>
+              <a:defRPr>
+                <a:latin typeface="Arial" panose="020B0604020202020204" pitchFamily="34" charset="0"/>
+                <a:cs typeface="Arial" panose="020B0604020202020204" pitchFamily="34" charset="0"/>
+              </a:defRPr>
+            </a:lvl2pPr>
+            <a:lvl3pPr>
+              <a:defRPr>
+                <a:latin typeface="Arial" panose="020B0604020202020204" pitchFamily="34" charset="0"/>
+                <a:cs typeface="Arial" panose="020B0604020202020204" pitchFamily="34" charset="0"/>
+              </a:defRPr>
+            </a:lvl3pPr>
+            <a:lvl4pPr>
+              <a:defRPr>
+                <a:latin typeface="Arial" panose="020B0604020202020204" pitchFamily="34" charset="0"/>
+                <a:cs typeface="Arial" panose="020B0604020202020204" pitchFamily="34" charset="0"/>
+              </a:defRPr>
+            </a:lvl4pPr>
+            <a:lvl5pPr>
+              <a:defRPr>
+                <a:latin typeface="Arial" panose="020B0604020202020204" pitchFamily="34" charset="0"/>
+                <a:cs typeface="Arial" panose="020B0604020202020204" pitchFamily="34" charset="0"/>
+              </a:defRPr>
+            </a:lvl5pPr>
+          </a:lstStyle>
           <a:p>
             <a:pPr lvl="0"/>
             <a:r>
-              <a:rPr lang="zh-CN" altLang="en-US"/>
-              <a:t>单击此处编辑母版文本样式</a:t>
+              <a:rPr lang="en-US"/>
+              <a:t>Click to edit Master text styles</a:t>
             </a:r>
           </a:p>
           <a:p>
             <a:pPr lvl="1"/>
             <a:r>
-              <a:rPr lang="zh-CN" altLang="en-US"/>
-              <a:t>二级</a:t>
+              <a:rPr lang="en-US"/>
+              <a:t>Second level</a:t>
             </a:r>
           </a:p>
           <a:p>
             <a:pPr lvl="2"/>
             <a:r>
-              <a:rPr lang="zh-CN" altLang="en-US"/>
-              <a:t>三级</a:t>
+              <a:rPr lang="en-US"/>
+              <a:t>Third level</a:t>
             </a:r>
           </a:p>
           <a:p>
             <a:pPr lvl="3"/>
             <a:r>
-              <a:rPr lang="zh-CN" altLang="en-US"/>
-              <a:t>四级</a:t>
+              <a:rPr lang="en-US"/>
+              <a:t>Fourth level</a:t>
             </a:r>
           </a:p>
           <a:p>
             <a:pPr lvl="4"/>
             <a:r>
-              <a:rPr lang="zh-CN" altLang="en-US"/>
-              <a:t>五级</a:t>
-            </a:r>
-          </a:p>
-        </p:txBody>
-      </p:sp>
-      <p:sp>
-        <p:nvSpPr>
-          <p:cNvPr id="4" name="日期占位符 3">
-            <a:extLst>
-              <a:ext uri="{FF2B5EF4-FFF2-40B4-BE49-F238E27FC236}">
-                <a16:creationId xmlns:a16="http://schemas.microsoft.com/office/drawing/2014/main" id="{0A9BCC89-C8D6-4FE3-AD67-594733E145DE}"/>
-              </a:ext>
-            </a:extLst>
-          </p:cNvPr>
+              <a:rPr lang="en-US"/>
+              <a:t>Fifth level</a:t>
+            </a:r>
+            <a:endParaRPr lang="en-US" dirty="0"/>
+          </a:p>
+        </p:txBody>
+      </p:sp>
+      <p:sp>
+        <p:nvSpPr>
+          <p:cNvPr id="4" name="Date Placeholder 3"/>
           <p:cNvSpPr>
             <a:spLocks noGrp="1"/>
           </p:cNvSpPr>
@@ -897,7 +1106,7 @@
           <a:p>
             <a:fld id="{5AE41CFA-8DA5-4173-9573-628222844F03}" type="datetimeFigureOut">
               <a:rPr lang="zh-CN" altLang="en-US" smtClean="0"/>
-              <a:t>2021/10/10</a:t>
+              <a:t>2021/10/30</a:t>
             </a:fld>
             <a:endParaRPr lang="zh-CN" altLang="en-US"/>
           </a:p>
@@ -905,13 +1114,7 @@
       </p:sp>
       <p:sp>
         <p:nvSpPr>
-          <p:cNvPr id="5" name="页脚占位符 4">
-            <a:extLst>
-              <a:ext uri="{FF2B5EF4-FFF2-40B4-BE49-F238E27FC236}">
-                <a16:creationId xmlns:a16="http://schemas.microsoft.com/office/drawing/2014/main" id="{1198A4D2-AE01-4E04-A777-300EFB9F74B1}"/>
-              </a:ext>
-            </a:extLst>
-          </p:cNvPr>
+          <p:cNvPr id="5" name="Footer Placeholder 4"/>
           <p:cNvSpPr>
             <a:spLocks noGrp="1"/>
           </p:cNvSpPr>
@@ -930,13 +1133,7 @@
       </p:sp>
       <p:sp>
         <p:nvSpPr>
-          <p:cNvPr id="6" name="灯片编号占位符 5">
-            <a:extLst>
-              <a:ext uri="{FF2B5EF4-FFF2-40B4-BE49-F238E27FC236}">
-                <a16:creationId xmlns:a16="http://schemas.microsoft.com/office/drawing/2014/main" id="{9777084F-6D8D-4590-B838-DF1295D37B2A}"/>
-              </a:ext>
-            </a:extLst>
-          </p:cNvPr>
+          <p:cNvPr id="6" name="Slide Number Placeholder 5"/>
           <p:cNvSpPr>
             <a:spLocks noGrp="1"/>
           </p:cNvSpPr>
@@ -960,7 +1157,7 @@
     </p:spTree>
     <p:extLst>
       <p:ext uri="{BB962C8B-B14F-4D97-AF65-F5344CB8AC3E}">
-        <p14:creationId xmlns:p14="http://schemas.microsoft.com/office/powerpoint/2010/main" val="1683688321"/>
+        <p14:creationId xmlns:p14="http://schemas.microsoft.com/office/powerpoint/2010/main" val="2190866399"/>
       </p:ext>
     </p:extLst>
   </p:cSld>
@@ -972,7 +1169,7 @@
 
 <file path=ppt/slideLayouts/slideLayout3.xml><?xml version="1.0" encoding="utf-8"?>
 <p:sldLayout xmlns:a="http://schemas.openxmlformats.org/drawingml/2006/main" xmlns:r="http://schemas.openxmlformats.org/officeDocument/2006/relationships" xmlns:p="http://schemas.openxmlformats.org/presentationml/2006/main" type="secHead" preserve="1">
-  <p:cSld name="节标题">
+  <p:cSld name="Section Header">
     <p:spTree>
       <p:nvGrpSpPr>
         <p:cNvPr id="1" name=""/>
@@ -989,13 +1186,7 @@
       </p:grpSpPr>
       <p:sp>
         <p:nvSpPr>
-          <p:cNvPr id="2" name="标题 1">
-            <a:extLst>
-              <a:ext uri="{FF2B5EF4-FFF2-40B4-BE49-F238E27FC236}">
-                <a16:creationId xmlns:a16="http://schemas.microsoft.com/office/drawing/2014/main" id="{BC92A76E-006D-4516-B761-98D509269FB7}"/>
-              </a:ext>
-            </a:extLst>
-          </p:cNvPr>
+          <p:cNvPr id="2" name="Title 1"/>
           <p:cNvSpPr>
             <a:spLocks noGrp="1"/>
           </p:cNvSpPr>
@@ -1005,7 +1196,7 @@
         </p:nvSpPr>
         <p:spPr>
           <a:xfrm>
-            <a:off x="831850" y="1709738"/>
+            <a:off x="831851" y="1709740"/>
             <a:ext cx="10515600" cy="2852737"/>
           </a:xfrm>
         </p:spPr>
@@ -1018,21 +1209,16 @@
           </a:lstStyle>
           <a:p>
             <a:r>
-              <a:rPr lang="zh-CN" altLang="en-US"/>
-              <a:t>单击此处编辑母版标题样式</a:t>
-            </a:r>
-          </a:p>
-        </p:txBody>
-      </p:sp>
-      <p:sp>
-        <p:nvSpPr>
-          <p:cNvPr id="3" name="文本占位符 2">
-            <a:extLst>
-              <a:ext uri="{FF2B5EF4-FFF2-40B4-BE49-F238E27FC236}">
-                <a16:creationId xmlns:a16="http://schemas.microsoft.com/office/drawing/2014/main" id="{56939BA0-B1B5-482E-9436-F234FE820108}"/>
-              </a:ext>
-            </a:extLst>
-          </p:cNvPr>
+              <a:rPr lang="en-US"/>
+              <a:t>Click to edit Master title style</a:t>
+            </a:r>
+            <a:endParaRPr lang="en-US" dirty="0"/>
+          </a:p>
+        </p:txBody>
+      </p:sp>
+      <p:sp>
+        <p:nvSpPr>
+          <p:cNvPr id="3" name="Text Placeholder 2"/>
           <p:cNvSpPr>
             <a:spLocks noGrp="1"/>
           </p:cNvSpPr>
@@ -1042,7 +1228,7 @@
         </p:nvSpPr>
         <p:spPr>
           <a:xfrm>
-            <a:off x="831850" y="4589463"/>
+            <a:off x="831851" y="4589465"/>
             <a:ext cx="10515600" cy="1500187"/>
           </a:xfrm>
         </p:spPr>
@@ -1053,9 +1239,7 @@
               <a:buNone/>
               <a:defRPr sz="2400">
                 <a:solidFill>
-                  <a:schemeClr val="tx1">
-                    <a:tint val="75000"/>
-                  </a:schemeClr>
+                  <a:schemeClr val="tx1"/>
                 </a:solidFill>
               </a:defRPr>
             </a:lvl1pPr>
@@ -1143,21 +1327,15 @@
           <a:p>
             <a:pPr lvl="0"/>
             <a:r>
-              <a:rPr lang="zh-CN" altLang="en-US"/>
-              <a:t>单击此处编辑母版文本样式</a:t>
-            </a:r>
-          </a:p>
-        </p:txBody>
-      </p:sp>
-      <p:sp>
-        <p:nvSpPr>
-          <p:cNvPr id="4" name="日期占位符 3">
-            <a:extLst>
-              <a:ext uri="{FF2B5EF4-FFF2-40B4-BE49-F238E27FC236}">
-                <a16:creationId xmlns:a16="http://schemas.microsoft.com/office/drawing/2014/main" id="{22B61695-A238-4A75-8090-56AA1FE793F5}"/>
-              </a:ext>
-            </a:extLst>
-          </p:cNvPr>
+              <a:rPr lang="en-US"/>
+              <a:t>Click to edit Master text styles</a:t>
+            </a:r>
+          </a:p>
+        </p:txBody>
+      </p:sp>
+      <p:sp>
+        <p:nvSpPr>
+          <p:cNvPr id="4" name="Date Placeholder 3"/>
           <p:cNvSpPr>
             <a:spLocks noGrp="1"/>
           </p:cNvSpPr>
@@ -1172,7 +1350,7 @@
           <a:p>
             <a:fld id="{5AE41CFA-8DA5-4173-9573-628222844F03}" type="datetimeFigureOut">
               <a:rPr lang="zh-CN" altLang="en-US" smtClean="0"/>
-              <a:t>2021/10/10</a:t>
+              <a:t>2021/10/30</a:t>
             </a:fld>
             <a:endParaRPr lang="zh-CN" altLang="en-US"/>
           </a:p>
@@ -1180,13 +1358,7 @@
       </p:sp>
       <p:sp>
         <p:nvSpPr>
-          <p:cNvPr id="5" name="页脚占位符 4">
-            <a:extLst>
-              <a:ext uri="{FF2B5EF4-FFF2-40B4-BE49-F238E27FC236}">
-                <a16:creationId xmlns:a16="http://schemas.microsoft.com/office/drawing/2014/main" id="{D8781B6B-F9DC-4C45-9925-7A4A1D155896}"/>
-              </a:ext>
-            </a:extLst>
-          </p:cNvPr>
+          <p:cNvPr id="5" name="Footer Placeholder 4"/>
           <p:cNvSpPr>
             <a:spLocks noGrp="1"/>
           </p:cNvSpPr>
@@ -1205,13 +1377,7 @@
       </p:sp>
       <p:sp>
         <p:nvSpPr>
-          <p:cNvPr id="6" name="灯片编号占位符 5">
-            <a:extLst>
-              <a:ext uri="{FF2B5EF4-FFF2-40B4-BE49-F238E27FC236}">
-                <a16:creationId xmlns:a16="http://schemas.microsoft.com/office/drawing/2014/main" id="{E3C88CBE-5311-4064-9B64-319C4A84E0BB}"/>
-              </a:ext>
-            </a:extLst>
-          </p:cNvPr>
+          <p:cNvPr id="6" name="Slide Number Placeholder 5"/>
           <p:cNvSpPr>
             <a:spLocks noGrp="1"/>
           </p:cNvSpPr>
@@ -1235,7 +1401,7 @@
     </p:spTree>
     <p:extLst>
       <p:ext uri="{BB962C8B-B14F-4D97-AF65-F5344CB8AC3E}">
-        <p14:creationId xmlns:p14="http://schemas.microsoft.com/office/powerpoint/2010/main" val="440999015"/>
+        <p14:creationId xmlns:p14="http://schemas.microsoft.com/office/powerpoint/2010/main" val="2929737003"/>
       </p:ext>
     </p:extLst>
   </p:cSld>
@@ -1247,7 +1413,7 @@
 
 <file path=ppt/slideLayouts/slideLayout4.xml><?xml version="1.0" encoding="utf-8"?>
 <p:sldLayout xmlns:a="http://schemas.openxmlformats.org/drawingml/2006/main" xmlns:r="http://schemas.openxmlformats.org/officeDocument/2006/relationships" xmlns:p="http://schemas.openxmlformats.org/presentationml/2006/main" type="twoObj" preserve="1">
-  <p:cSld name="两栏内容">
+  <p:cSld name="Two Content">
     <p:spTree>
       <p:nvGrpSpPr>
         <p:cNvPr id="1" name=""/>
@@ -1264,13 +1430,7 @@
       </p:grpSpPr>
       <p:sp>
         <p:nvSpPr>
-          <p:cNvPr id="2" name="标题 1">
-            <a:extLst>
-              <a:ext uri="{FF2B5EF4-FFF2-40B4-BE49-F238E27FC236}">
-                <a16:creationId xmlns:a16="http://schemas.microsoft.com/office/drawing/2014/main" id="{A96BC435-A7AD-498F-BB05-8CAF1A0AC94E}"/>
-              </a:ext>
-            </a:extLst>
-          </p:cNvPr>
+          <p:cNvPr id="2" name="Title 1"/>
           <p:cNvSpPr>
             <a:spLocks noGrp="1"/>
           </p:cNvSpPr>
@@ -1284,21 +1444,16 @@
           <a:lstStyle/>
           <a:p>
             <a:r>
-              <a:rPr lang="zh-CN" altLang="en-US"/>
-              <a:t>单击此处编辑母版标题样式</a:t>
-            </a:r>
-          </a:p>
-        </p:txBody>
-      </p:sp>
-      <p:sp>
-        <p:nvSpPr>
-          <p:cNvPr id="3" name="内容占位符 2">
-            <a:extLst>
-              <a:ext uri="{FF2B5EF4-FFF2-40B4-BE49-F238E27FC236}">
-                <a16:creationId xmlns:a16="http://schemas.microsoft.com/office/drawing/2014/main" id="{60528695-193F-466A-BE76-37D5B638BA84}"/>
-              </a:ext>
-            </a:extLst>
-          </p:cNvPr>
+              <a:rPr lang="en-US"/>
+              <a:t>Click to edit Master title style</a:t>
+            </a:r>
+            <a:endParaRPr lang="en-US" dirty="0"/>
+          </a:p>
+        </p:txBody>
+      </p:sp>
+      <p:sp>
+        <p:nvSpPr>
+          <p:cNvPr id="3" name="Content Placeholder 2"/>
           <p:cNvSpPr>
             <a:spLocks noGrp="1"/>
           </p:cNvSpPr>
@@ -1318,49 +1473,44 @@
           <a:p>
             <a:pPr lvl="0"/>
             <a:r>
-              <a:rPr lang="zh-CN" altLang="en-US"/>
-              <a:t>单击此处编辑母版文本样式</a:t>
+              <a:rPr lang="en-US"/>
+              <a:t>Click to edit Master text styles</a:t>
             </a:r>
           </a:p>
           <a:p>
             <a:pPr lvl="1"/>
             <a:r>
-              <a:rPr lang="zh-CN" altLang="en-US"/>
-              <a:t>二级</a:t>
+              <a:rPr lang="en-US"/>
+              <a:t>Second level</a:t>
             </a:r>
           </a:p>
           <a:p>
             <a:pPr lvl="2"/>
             <a:r>
-              <a:rPr lang="zh-CN" altLang="en-US"/>
-              <a:t>三级</a:t>
+              <a:rPr lang="en-US"/>
+              <a:t>Third level</a:t>
             </a:r>
           </a:p>
           <a:p>
             <a:pPr lvl="3"/>
             <a:r>
-              <a:rPr lang="zh-CN" altLang="en-US"/>
-              <a:t>四级</a:t>
+              <a:rPr lang="en-US"/>
+              <a:t>Fourth level</a:t>
             </a:r>
           </a:p>
           <a:p>
             <a:pPr lvl="4"/>
             <a:r>
-              <a:rPr lang="zh-CN" altLang="en-US"/>
-              <a:t>五级</a:t>
-            </a:r>
-          </a:p>
-        </p:txBody>
-      </p:sp>
-      <p:sp>
-        <p:nvSpPr>
-          <p:cNvPr id="4" name="内容占位符 3">
-            <a:extLst>
-              <a:ext uri="{FF2B5EF4-FFF2-40B4-BE49-F238E27FC236}">
-                <a16:creationId xmlns:a16="http://schemas.microsoft.com/office/drawing/2014/main" id="{FE66125E-5655-4943-9F74-4C8CE8D5CC2F}"/>
-              </a:ext>
-            </a:extLst>
-          </p:cNvPr>
+              <a:rPr lang="en-US"/>
+              <a:t>Fifth level</a:t>
+            </a:r>
+            <a:endParaRPr lang="en-US" dirty="0"/>
+          </a:p>
+        </p:txBody>
+      </p:sp>
+      <p:sp>
+        <p:nvSpPr>
+          <p:cNvPr id="4" name="Content Placeholder 3"/>
           <p:cNvSpPr>
             <a:spLocks noGrp="1"/>
           </p:cNvSpPr>
@@ -1380,49 +1530,44 @@
           <a:p>
             <a:pPr lvl="0"/>
             <a:r>
-              <a:rPr lang="zh-CN" altLang="en-US"/>
-              <a:t>单击此处编辑母版文本样式</a:t>
+              <a:rPr lang="en-US"/>
+              <a:t>Click to edit Master text styles</a:t>
             </a:r>
           </a:p>
           <a:p>
             <a:pPr lvl="1"/>
             <a:r>
-              <a:rPr lang="zh-CN" altLang="en-US"/>
-              <a:t>二级</a:t>
+              <a:rPr lang="en-US"/>
+              <a:t>Second level</a:t>
             </a:r>
           </a:p>
           <a:p>
             <a:pPr lvl="2"/>
             <a:r>
-              <a:rPr lang="zh-CN" altLang="en-US"/>
-              <a:t>三级</a:t>
+              <a:rPr lang="en-US"/>
+              <a:t>Third level</a:t>
             </a:r>
           </a:p>
           <a:p>
             <a:pPr lvl="3"/>
             <a:r>
-              <a:rPr lang="zh-CN" altLang="en-US"/>
-              <a:t>四级</a:t>
+              <a:rPr lang="en-US"/>
+              <a:t>Fourth level</a:t>
             </a:r>
           </a:p>
           <a:p>
             <a:pPr lvl="4"/>
             <a:r>
-              <a:rPr lang="zh-CN" altLang="en-US"/>
-              <a:t>五级</a:t>
-            </a:r>
-          </a:p>
-        </p:txBody>
-      </p:sp>
-      <p:sp>
-        <p:nvSpPr>
-          <p:cNvPr id="5" name="日期占位符 4">
-            <a:extLst>
-              <a:ext uri="{FF2B5EF4-FFF2-40B4-BE49-F238E27FC236}">
-                <a16:creationId xmlns:a16="http://schemas.microsoft.com/office/drawing/2014/main" id="{9BB9786A-FC2F-408E-8592-F621C33FC741}"/>
-              </a:ext>
-            </a:extLst>
-          </p:cNvPr>
+              <a:rPr lang="en-US"/>
+              <a:t>Fifth level</a:t>
+            </a:r>
+            <a:endParaRPr lang="en-US" dirty="0"/>
+          </a:p>
+        </p:txBody>
+      </p:sp>
+      <p:sp>
+        <p:nvSpPr>
+          <p:cNvPr id="5" name="Date Placeholder 4"/>
           <p:cNvSpPr>
             <a:spLocks noGrp="1"/>
           </p:cNvSpPr>
@@ -1437,7 +1582,7 @@
           <a:p>
             <a:fld id="{5AE41CFA-8DA5-4173-9573-628222844F03}" type="datetimeFigureOut">
               <a:rPr lang="zh-CN" altLang="en-US" smtClean="0"/>
-              <a:t>2021/10/10</a:t>
+              <a:t>2021/10/30</a:t>
             </a:fld>
             <a:endParaRPr lang="zh-CN" altLang="en-US"/>
           </a:p>
@@ -1445,13 +1590,7 @@
       </p:sp>
       <p:sp>
         <p:nvSpPr>
-          <p:cNvPr id="6" name="页脚占位符 5">
-            <a:extLst>
-              <a:ext uri="{FF2B5EF4-FFF2-40B4-BE49-F238E27FC236}">
-                <a16:creationId xmlns:a16="http://schemas.microsoft.com/office/drawing/2014/main" id="{C7F73364-3AB7-49FF-88D2-C7560979C17C}"/>
-              </a:ext>
-            </a:extLst>
-          </p:cNvPr>
+          <p:cNvPr id="6" name="Footer Placeholder 5"/>
           <p:cNvSpPr>
             <a:spLocks noGrp="1"/>
           </p:cNvSpPr>
@@ -1470,13 +1609,7 @@
       </p:sp>
       <p:sp>
         <p:nvSpPr>
-          <p:cNvPr id="7" name="灯片编号占位符 6">
-            <a:extLst>
-              <a:ext uri="{FF2B5EF4-FFF2-40B4-BE49-F238E27FC236}">
-                <a16:creationId xmlns:a16="http://schemas.microsoft.com/office/drawing/2014/main" id="{BA3D2A6C-6784-4604-BB30-CDFDE0152BED}"/>
-              </a:ext>
-            </a:extLst>
-          </p:cNvPr>
+          <p:cNvPr id="7" name="Slide Number Placeholder 6"/>
           <p:cNvSpPr>
             <a:spLocks noGrp="1"/>
           </p:cNvSpPr>
@@ -1500,7 +1633,7 @@
     </p:spTree>
     <p:extLst>
       <p:ext uri="{BB962C8B-B14F-4D97-AF65-F5344CB8AC3E}">
-        <p14:creationId xmlns:p14="http://schemas.microsoft.com/office/powerpoint/2010/main" val="3254456346"/>
+        <p14:creationId xmlns:p14="http://schemas.microsoft.com/office/powerpoint/2010/main" val="2088946324"/>
       </p:ext>
     </p:extLst>
   </p:cSld>
@@ -1512,7 +1645,7 @@
 
 <file path=ppt/slideLayouts/slideLayout5.xml><?xml version="1.0" encoding="utf-8"?>
 <p:sldLayout xmlns:a="http://schemas.openxmlformats.org/drawingml/2006/main" xmlns:r="http://schemas.openxmlformats.org/officeDocument/2006/relationships" xmlns:p="http://schemas.openxmlformats.org/presentationml/2006/main" type="twoTxTwoObj" preserve="1">
-  <p:cSld name="比较">
+  <p:cSld name="Comparison">
     <p:spTree>
       <p:nvGrpSpPr>
         <p:cNvPr id="1" name=""/>
@@ -1529,13 +1662,7 @@
       </p:grpSpPr>
       <p:sp>
         <p:nvSpPr>
-          <p:cNvPr id="2" name="标题 1">
-            <a:extLst>
-              <a:ext uri="{FF2B5EF4-FFF2-40B4-BE49-F238E27FC236}">
-                <a16:creationId xmlns:a16="http://schemas.microsoft.com/office/drawing/2014/main" id="{2E904A98-EDEC-4DD6-8463-4AC1BF8CDF2B}"/>
-              </a:ext>
-            </a:extLst>
-          </p:cNvPr>
+          <p:cNvPr id="2" name="Title 1"/>
           <p:cNvSpPr>
             <a:spLocks noGrp="1"/>
           </p:cNvSpPr>
@@ -1545,7 +1672,7 @@
         </p:nvSpPr>
         <p:spPr>
           <a:xfrm>
-            <a:off x="839788" y="365125"/>
+            <a:off x="839788" y="365127"/>
             <a:ext cx="10515600" cy="1325563"/>
           </a:xfrm>
         </p:spPr>
@@ -1554,21 +1681,16 @@
           <a:lstStyle/>
           <a:p>
             <a:r>
-              <a:rPr lang="zh-CN" altLang="en-US"/>
-              <a:t>单击此处编辑母版标题样式</a:t>
-            </a:r>
-          </a:p>
-        </p:txBody>
-      </p:sp>
-      <p:sp>
-        <p:nvSpPr>
-          <p:cNvPr id="3" name="文本占位符 2">
-            <a:extLst>
-              <a:ext uri="{FF2B5EF4-FFF2-40B4-BE49-F238E27FC236}">
-                <a16:creationId xmlns:a16="http://schemas.microsoft.com/office/drawing/2014/main" id="{A350E61A-6465-4A71-AD67-76CFCE39F301}"/>
-              </a:ext>
-            </a:extLst>
-          </p:cNvPr>
+              <a:rPr lang="en-US"/>
+              <a:t>Click to edit Master title style</a:t>
+            </a:r>
+            <a:endParaRPr lang="en-US" dirty="0"/>
+          </a:p>
+        </p:txBody>
+      </p:sp>
+      <p:sp>
+        <p:nvSpPr>
+          <p:cNvPr id="3" name="Text Placeholder 2"/>
           <p:cNvSpPr>
             <a:spLocks noGrp="1"/>
           </p:cNvSpPr>
@@ -1578,7 +1700,7 @@
         </p:nvSpPr>
         <p:spPr>
           <a:xfrm>
-            <a:off x="839788" y="1681163"/>
+            <a:off x="839789" y="1681163"/>
             <a:ext cx="5157787" cy="823912"/>
           </a:xfrm>
         </p:spPr>
@@ -1625,21 +1747,15 @@
           <a:p>
             <a:pPr lvl="0"/>
             <a:r>
-              <a:rPr lang="zh-CN" altLang="en-US"/>
-              <a:t>单击此处编辑母版文本样式</a:t>
-            </a:r>
-          </a:p>
-        </p:txBody>
-      </p:sp>
-      <p:sp>
-        <p:nvSpPr>
-          <p:cNvPr id="4" name="内容占位符 3">
-            <a:extLst>
-              <a:ext uri="{FF2B5EF4-FFF2-40B4-BE49-F238E27FC236}">
-                <a16:creationId xmlns:a16="http://schemas.microsoft.com/office/drawing/2014/main" id="{8D434155-4CE9-42FD-8167-9215195FFA80}"/>
-              </a:ext>
-            </a:extLst>
-          </p:cNvPr>
+              <a:rPr lang="en-US"/>
+              <a:t>Click to edit Master text styles</a:t>
+            </a:r>
+          </a:p>
+        </p:txBody>
+      </p:sp>
+      <p:sp>
+        <p:nvSpPr>
+          <p:cNvPr id="4" name="Content Placeholder 3"/>
           <p:cNvSpPr>
             <a:spLocks noGrp="1"/>
           </p:cNvSpPr>
@@ -1649,7 +1765,7 @@
         </p:nvSpPr>
         <p:spPr>
           <a:xfrm>
-            <a:off x="839788" y="2505075"/>
+            <a:off x="839789" y="2505075"/>
             <a:ext cx="5157787" cy="3684588"/>
           </a:xfrm>
         </p:spPr>
@@ -1659,49 +1775,44 @@
           <a:p>
             <a:pPr lvl="0"/>
             <a:r>
-              <a:rPr lang="zh-CN" altLang="en-US"/>
-              <a:t>单击此处编辑母版文本样式</a:t>
+              <a:rPr lang="en-US"/>
+              <a:t>Click to edit Master text styles</a:t>
             </a:r>
           </a:p>
           <a:p>
             <a:pPr lvl="1"/>
             <a:r>
-              <a:rPr lang="zh-CN" altLang="en-US"/>
-              <a:t>二级</a:t>
+              <a:rPr lang="en-US"/>
+              <a:t>Second level</a:t>
             </a:r>
           </a:p>
           <a:p>
             <a:pPr lvl="2"/>
             <a:r>
-              <a:rPr lang="zh-CN" altLang="en-US"/>
-              <a:t>三级</a:t>
+              <a:rPr lang="en-US"/>
+              <a:t>Third level</a:t>
             </a:r>
           </a:p>
           <a:p>
             <a:pPr lvl="3"/>
             <a:r>
-              <a:rPr lang="zh-CN" altLang="en-US"/>
-              <a:t>四级</a:t>
+              <a:rPr lang="en-US"/>
+              <a:t>Fourth level</a:t>
             </a:r>
           </a:p>
           <a:p>
             <a:pPr lvl="4"/>
             <a:r>
-              <a:rPr lang="zh-CN" altLang="en-US"/>
-              <a:t>五级</a:t>
-            </a:r>
-          </a:p>
-        </p:txBody>
-      </p:sp>
-      <p:sp>
-        <p:nvSpPr>
-          <p:cNvPr id="5" name="文本占位符 4">
-            <a:extLst>
-              <a:ext uri="{FF2B5EF4-FFF2-40B4-BE49-F238E27FC236}">
-                <a16:creationId xmlns:a16="http://schemas.microsoft.com/office/drawing/2014/main" id="{EFBDA3B7-0A15-4781-BA23-76B4787CCF00}"/>
-              </a:ext>
-            </a:extLst>
-          </p:cNvPr>
+              <a:rPr lang="en-US"/>
+              <a:t>Fifth level</a:t>
+            </a:r>
+            <a:endParaRPr lang="en-US" dirty="0"/>
+          </a:p>
+        </p:txBody>
+      </p:sp>
+      <p:sp>
+        <p:nvSpPr>
+          <p:cNvPr id="5" name="Text Placeholder 4"/>
           <p:cNvSpPr>
             <a:spLocks noGrp="1"/>
           </p:cNvSpPr>
@@ -1711,7 +1822,7 @@
         </p:nvSpPr>
         <p:spPr>
           <a:xfrm>
-            <a:off x="6172200" y="1681163"/>
+            <a:off x="6172201" y="1681163"/>
             <a:ext cx="5183188" cy="823912"/>
           </a:xfrm>
         </p:spPr>
@@ -1758,21 +1869,15 @@
           <a:p>
             <a:pPr lvl="0"/>
             <a:r>
-              <a:rPr lang="zh-CN" altLang="en-US"/>
-              <a:t>单击此处编辑母版文本样式</a:t>
-            </a:r>
-          </a:p>
-        </p:txBody>
-      </p:sp>
-      <p:sp>
-        <p:nvSpPr>
-          <p:cNvPr id="6" name="内容占位符 5">
-            <a:extLst>
-              <a:ext uri="{FF2B5EF4-FFF2-40B4-BE49-F238E27FC236}">
-                <a16:creationId xmlns:a16="http://schemas.microsoft.com/office/drawing/2014/main" id="{2E91B950-2277-4A51-B4D2-F4E401C460A3}"/>
-              </a:ext>
-            </a:extLst>
-          </p:cNvPr>
+              <a:rPr lang="en-US"/>
+              <a:t>Click to edit Master text styles</a:t>
+            </a:r>
+          </a:p>
+        </p:txBody>
+      </p:sp>
+      <p:sp>
+        <p:nvSpPr>
+          <p:cNvPr id="6" name="Content Placeholder 5"/>
           <p:cNvSpPr>
             <a:spLocks noGrp="1"/>
           </p:cNvSpPr>
@@ -1782,7 +1887,7 @@
         </p:nvSpPr>
         <p:spPr>
           <a:xfrm>
-            <a:off x="6172200" y="2505075"/>
+            <a:off x="6172201" y="2505075"/>
             <a:ext cx="5183188" cy="3684588"/>
           </a:xfrm>
         </p:spPr>
@@ -1792,49 +1897,44 @@
           <a:p>
             <a:pPr lvl="0"/>
             <a:r>
-              <a:rPr lang="zh-CN" altLang="en-US"/>
-              <a:t>单击此处编辑母版文本样式</a:t>
+              <a:rPr lang="en-US"/>
+              <a:t>Click to edit Master text styles</a:t>
             </a:r>
           </a:p>
           <a:p>
             <a:pPr lvl="1"/>
             <a:r>
-              <a:rPr lang="zh-CN" altLang="en-US"/>
-              <a:t>二级</a:t>
+              <a:rPr lang="en-US"/>
+              <a:t>Second level</a:t>
             </a:r>
           </a:p>
           <a:p>
             <a:pPr lvl="2"/>
             <a:r>
-              <a:rPr lang="zh-CN" altLang="en-US"/>
-              <a:t>三级</a:t>
+              <a:rPr lang="en-US"/>
+              <a:t>Third level</a:t>
             </a:r>
           </a:p>
           <a:p>
             <a:pPr lvl="3"/>
             <a:r>
-              <a:rPr lang="zh-CN" altLang="en-US"/>
-              <a:t>四级</a:t>
+              <a:rPr lang="en-US"/>
+              <a:t>Fourth level</a:t>
             </a:r>
           </a:p>
           <a:p>
             <a:pPr lvl="4"/>
             <a:r>
-              <a:rPr lang="zh-CN" altLang="en-US"/>
-              <a:t>五级</a:t>
-            </a:r>
-          </a:p>
-        </p:txBody>
-      </p:sp>
-      <p:sp>
-        <p:nvSpPr>
-          <p:cNvPr id="7" name="日期占位符 6">
-            <a:extLst>
-              <a:ext uri="{FF2B5EF4-FFF2-40B4-BE49-F238E27FC236}">
-                <a16:creationId xmlns:a16="http://schemas.microsoft.com/office/drawing/2014/main" id="{0E040323-BB20-422F-A485-07A26ECCDB19}"/>
-              </a:ext>
-            </a:extLst>
-          </p:cNvPr>
+              <a:rPr lang="en-US"/>
+              <a:t>Fifth level</a:t>
+            </a:r>
+            <a:endParaRPr lang="en-US" dirty="0"/>
+          </a:p>
+        </p:txBody>
+      </p:sp>
+      <p:sp>
+        <p:nvSpPr>
+          <p:cNvPr id="7" name="Date Placeholder 6"/>
           <p:cNvSpPr>
             <a:spLocks noGrp="1"/>
           </p:cNvSpPr>
@@ -1849,7 +1949,7 @@
           <a:p>
             <a:fld id="{5AE41CFA-8DA5-4173-9573-628222844F03}" type="datetimeFigureOut">
               <a:rPr lang="zh-CN" altLang="en-US" smtClean="0"/>
-              <a:t>2021/10/10</a:t>
+              <a:t>2021/10/30</a:t>
             </a:fld>
             <a:endParaRPr lang="zh-CN" altLang="en-US"/>
           </a:p>
@@ -1857,13 +1957,7 @@
       </p:sp>
       <p:sp>
         <p:nvSpPr>
-          <p:cNvPr id="8" name="页脚占位符 7">
-            <a:extLst>
-              <a:ext uri="{FF2B5EF4-FFF2-40B4-BE49-F238E27FC236}">
-                <a16:creationId xmlns:a16="http://schemas.microsoft.com/office/drawing/2014/main" id="{F28942A6-76F6-46D2-A9E7-DFEC5C72C877}"/>
-              </a:ext>
-            </a:extLst>
-          </p:cNvPr>
+          <p:cNvPr id="8" name="Footer Placeholder 7"/>
           <p:cNvSpPr>
             <a:spLocks noGrp="1"/>
           </p:cNvSpPr>
@@ -1882,13 +1976,7 @@
       </p:sp>
       <p:sp>
         <p:nvSpPr>
-          <p:cNvPr id="9" name="灯片编号占位符 8">
-            <a:extLst>
-              <a:ext uri="{FF2B5EF4-FFF2-40B4-BE49-F238E27FC236}">
-                <a16:creationId xmlns:a16="http://schemas.microsoft.com/office/drawing/2014/main" id="{E27EA20D-920A-4D07-B0BA-07D964A956C3}"/>
-              </a:ext>
-            </a:extLst>
-          </p:cNvPr>
+          <p:cNvPr id="9" name="Slide Number Placeholder 8"/>
           <p:cNvSpPr>
             <a:spLocks noGrp="1"/>
           </p:cNvSpPr>
@@ -1912,7 +2000,7 @@
     </p:spTree>
     <p:extLst>
       <p:ext uri="{BB962C8B-B14F-4D97-AF65-F5344CB8AC3E}">
-        <p14:creationId xmlns:p14="http://schemas.microsoft.com/office/powerpoint/2010/main" val="4132826222"/>
+        <p14:creationId xmlns:p14="http://schemas.microsoft.com/office/powerpoint/2010/main" val="3829411316"/>
       </p:ext>
     </p:extLst>
   </p:cSld>
@@ -1924,7 +2012,7 @@
 
 <file path=ppt/slideLayouts/slideLayout6.xml><?xml version="1.0" encoding="utf-8"?>
 <p:sldLayout xmlns:a="http://schemas.openxmlformats.org/drawingml/2006/main" xmlns:r="http://schemas.openxmlformats.org/officeDocument/2006/relationships" xmlns:p="http://schemas.openxmlformats.org/presentationml/2006/main" type="titleOnly" preserve="1">
-  <p:cSld name="仅标题">
+  <p:cSld name="Title Only">
     <p:spTree>
       <p:nvGrpSpPr>
         <p:cNvPr id="1" name=""/>
@@ -1941,13 +2029,7 @@
       </p:grpSpPr>
       <p:sp>
         <p:nvSpPr>
-          <p:cNvPr id="2" name="标题 1">
-            <a:extLst>
-              <a:ext uri="{FF2B5EF4-FFF2-40B4-BE49-F238E27FC236}">
-                <a16:creationId xmlns:a16="http://schemas.microsoft.com/office/drawing/2014/main" id="{25A9F5B6-6C82-44CE-8371-8A23A0BF0929}"/>
-              </a:ext>
-            </a:extLst>
-          </p:cNvPr>
+          <p:cNvPr id="2" name="Title 1"/>
           <p:cNvSpPr>
             <a:spLocks noGrp="1"/>
           </p:cNvSpPr>
@@ -1961,21 +2043,16 @@
           <a:lstStyle/>
           <a:p>
             <a:r>
-              <a:rPr lang="zh-CN" altLang="en-US"/>
-              <a:t>单击此处编辑母版标题样式</a:t>
-            </a:r>
-          </a:p>
-        </p:txBody>
-      </p:sp>
-      <p:sp>
-        <p:nvSpPr>
-          <p:cNvPr id="3" name="日期占位符 2">
-            <a:extLst>
-              <a:ext uri="{FF2B5EF4-FFF2-40B4-BE49-F238E27FC236}">
-                <a16:creationId xmlns:a16="http://schemas.microsoft.com/office/drawing/2014/main" id="{D21EB9ED-8A4E-40DC-96DA-2AA03AB6A8EF}"/>
-              </a:ext>
-            </a:extLst>
-          </p:cNvPr>
+              <a:rPr lang="en-US"/>
+              <a:t>Click to edit Master title style</a:t>
+            </a:r>
+            <a:endParaRPr lang="en-US" dirty="0"/>
+          </a:p>
+        </p:txBody>
+      </p:sp>
+      <p:sp>
+        <p:nvSpPr>
+          <p:cNvPr id="3" name="Date Placeholder 2"/>
           <p:cNvSpPr>
             <a:spLocks noGrp="1"/>
           </p:cNvSpPr>
@@ -1990,7 +2067,7 @@
           <a:p>
             <a:fld id="{5AE41CFA-8DA5-4173-9573-628222844F03}" type="datetimeFigureOut">
               <a:rPr lang="zh-CN" altLang="en-US" smtClean="0"/>
-              <a:t>2021/10/10</a:t>
+              <a:t>2021/10/30</a:t>
             </a:fld>
             <a:endParaRPr lang="zh-CN" altLang="en-US"/>
           </a:p>
@@ -1998,13 +2075,7 @@
       </p:sp>
       <p:sp>
         <p:nvSpPr>
-          <p:cNvPr id="4" name="页脚占位符 3">
-            <a:extLst>
-              <a:ext uri="{FF2B5EF4-FFF2-40B4-BE49-F238E27FC236}">
-                <a16:creationId xmlns:a16="http://schemas.microsoft.com/office/drawing/2014/main" id="{75E2A5C0-F664-411B-99DA-86F816970A23}"/>
-              </a:ext>
-            </a:extLst>
-          </p:cNvPr>
+          <p:cNvPr id="4" name="Footer Placeholder 3"/>
           <p:cNvSpPr>
             <a:spLocks noGrp="1"/>
           </p:cNvSpPr>
@@ -2023,13 +2094,7 @@
       </p:sp>
       <p:sp>
         <p:nvSpPr>
-          <p:cNvPr id="5" name="灯片编号占位符 4">
-            <a:extLst>
-              <a:ext uri="{FF2B5EF4-FFF2-40B4-BE49-F238E27FC236}">
-                <a16:creationId xmlns:a16="http://schemas.microsoft.com/office/drawing/2014/main" id="{866574BF-E192-4915-B174-49F5D36557C0}"/>
-              </a:ext>
-            </a:extLst>
-          </p:cNvPr>
+          <p:cNvPr id="5" name="Slide Number Placeholder 4"/>
           <p:cNvSpPr>
             <a:spLocks noGrp="1"/>
           </p:cNvSpPr>
@@ -2053,7 +2118,7 @@
     </p:spTree>
     <p:extLst>
       <p:ext uri="{BB962C8B-B14F-4D97-AF65-F5344CB8AC3E}">
-        <p14:creationId xmlns:p14="http://schemas.microsoft.com/office/powerpoint/2010/main" val="3800573126"/>
+        <p14:creationId xmlns:p14="http://schemas.microsoft.com/office/powerpoint/2010/main" val="521092276"/>
       </p:ext>
     </p:extLst>
   </p:cSld>
@@ -2065,7 +2130,7 @@
 
 <file path=ppt/slideLayouts/slideLayout7.xml><?xml version="1.0" encoding="utf-8"?>
 <p:sldLayout xmlns:a="http://schemas.openxmlformats.org/drawingml/2006/main" xmlns:r="http://schemas.openxmlformats.org/officeDocument/2006/relationships" xmlns:p="http://schemas.openxmlformats.org/presentationml/2006/main" type="blank" preserve="1">
-  <p:cSld name="空白">
+  <p:cSld name="Blank">
     <p:spTree>
       <p:nvGrpSpPr>
         <p:cNvPr id="1" name=""/>
@@ -2082,13 +2147,7 @@
       </p:grpSpPr>
       <p:sp>
         <p:nvSpPr>
-          <p:cNvPr id="2" name="日期占位符 1">
-            <a:extLst>
-              <a:ext uri="{FF2B5EF4-FFF2-40B4-BE49-F238E27FC236}">
-                <a16:creationId xmlns:a16="http://schemas.microsoft.com/office/drawing/2014/main" id="{1B677C9B-77DD-4134-85D5-1255651EB738}"/>
-              </a:ext>
-            </a:extLst>
-          </p:cNvPr>
+          <p:cNvPr id="2" name="Date Placeholder 1"/>
           <p:cNvSpPr>
             <a:spLocks noGrp="1"/>
           </p:cNvSpPr>
@@ -2103,7 +2162,7 @@
           <a:p>
             <a:fld id="{5AE41CFA-8DA5-4173-9573-628222844F03}" type="datetimeFigureOut">
               <a:rPr lang="zh-CN" altLang="en-US" smtClean="0"/>
-              <a:t>2021/10/10</a:t>
+              <a:t>2021/10/30</a:t>
             </a:fld>
             <a:endParaRPr lang="zh-CN" altLang="en-US"/>
           </a:p>
@@ -2111,13 +2170,7 @@
       </p:sp>
       <p:sp>
         <p:nvSpPr>
-          <p:cNvPr id="3" name="页脚占位符 2">
-            <a:extLst>
-              <a:ext uri="{FF2B5EF4-FFF2-40B4-BE49-F238E27FC236}">
-                <a16:creationId xmlns:a16="http://schemas.microsoft.com/office/drawing/2014/main" id="{811A56C6-3619-4B56-963B-7C519ADB73BE}"/>
-              </a:ext>
-            </a:extLst>
-          </p:cNvPr>
+          <p:cNvPr id="3" name="Footer Placeholder 2"/>
           <p:cNvSpPr>
             <a:spLocks noGrp="1"/>
           </p:cNvSpPr>
@@ -2136,13 +2189,7 @@
       </p:sp>
       <p:sp>
         <p:nvSpPr>
-          <p:cNvPr id="4" name="灯片编号占位符 3">
-            <a:extLst>
-              <a:ext uri="{FF2B5EF4-FFF2-40B4-BE49-F238E27FC236}">
-                <a16:creationId xmlns:a16="http://schemas.microsoft.com/office/drawing/2014/main" id="{E2738A54-3879-43B3-B19A-D992BF3E2FB5}"/>
-              </a:ext>
-            </a:extLst>
-          </p:cNvPr>
+          <p:cNvPr id="4" name="Slide Number Placeholder 3"/>
           <p:cNvSpPr>
             <a:spLocks noGrp="1"/>
           </p:cNvSpPr>
@@ -2166,7 +2213,7 @@
     </p:spTree>
     <p:extLst>
       <p:ext uri="{BB962C8B-B14F-4D97-AF65-F5344CB8AC3E}">
-        <p14:creationId xmlns:p14="http://schemas.microsoft.com/office/powerpoint/2010/main" val="3179083066"/>
+        <p14:creationId xmlns:p14="http://schemas.microsoft.com/office/powerpoint/2010/main" val="261013007"/>
       </p:ext>
     </p:extLst>
   </p:cSld>
@@ -2178,7 +2225,7 @@
 
 <file path=ppt/slideLayouts/slideLayout8.xml><?xml version="1.0" encoding="utf-8"?>
 <p:sldLayout xmlns:a="http://schemas.openxmlformats.org/drawingml/2006/main" xmlns:r="http://schemas.openxmlformats.org/officeDocument/2006/relationships" xmlns:p="http://schemas.openxmlformats.org/presentationml/2006/main" type="objTx" preserve="1">
-  <p:cSld name="内容与标题">
+  <p:cSld name="Content with Caption">
     <p:spTree>
       <p:nvGrpSpPr>
         <p:cNvPr id="1" name=""/>
@@ -2195,13 +2242,7 @@
       </p:grpSpPr>
       <p:sp>
         <p:nvSpPr>
-          <p:cNvPr id="2" name="标题 1">
-            <a:extLst>
-              <a:ext uri="{FF2B5EF4-FFF2-40B4-BE49-F238E27FC236}">
-                <a16:creationId xmlns:a16="http://schemas.microsoft.com/office/drawing/2014/main" id="{14F0EAC1-9206-436B-90C3-87C35D8D09B0}"/>
-              </a:ext>
-            </a:extLst>
-          </p:cNvPr>
+          <p:cNvPr id="2" name="Title 1"/>
           <p:cNvSpPr>
             <a:spLocks noGrp="1"/>
           </p:cNvSpPr>
@@ -2224,21 +2265,16 @@
           </a:lstStyle>
           <a:p>
             <a:r>
-              <a:rPr lang="zh-CN" altLang="en-US"/>
-              <a:t>单击此处编辑母版标题样式</a:t>
-            </a:r>
-          </a:p>
-        </p:txBody>
-      </p:sp>
-      <p:sp>
-        <p:nvSpPr>
-          <p:cNvPr id="3" name="内容占位符 2">
-            <a:extLst>
-              <a:ext uri="{FF2B5EF4-FFF2-40B4-BE49-F238E27FC236}">
-                <a16:creationId xmlns:a16="http://schemas.microsoft.com/office/drawing/2014/main" id="{D03C73E8-4A65-4465-9986-B499B4299519}"/>
-              </a:ext>
-            </a:extLst>
-          </p:cNvPr>
+              <a:rPr lang="en-US"/>
+              <a:t>Click to edit Master title style</a:t>
+            </a:r>
+            <a:endParaRPr lang="en-US" dirty="0"/>
+          </a:p>
+        </p:txBody>
+      </p:sp>
+      <p:sp>
+        <p:nvSpPr>
+          <p:cNvPr id="3" name="Content Placeholder 2"/>
           <p:cNvSpPr>
             <a:spLocks noGrp="1"/>
           </p:cNvSpPr>
@@ -2248,7 +2284,7 @@
         </p:nvSpPr>
         <p:spPr>
           <a:xfrm>
-            <a:off x="5183188" y="987425"/>
+            <a:off x="5183188" y="987427"/>
             <a:ext cx="6172200" cy="4873625"/>
           </a:xfrm>
         </p:spPr>
@@ -2286,49 +2322,44 @@
           <a:p>
             <a:pPr lvl="0"/>
             <a:r>
-              <a:rPr lang="zh-CN" altLang="en-US"/>
-              <a:t>单击此处编辑母版文本样式</a:t>
+              <a:rPr lang="en-US"/>
+              <a:t>Click to edit Master text styles</a:t>
             </a:r>
           </a:p>
           <a:p>
             <a:pPr lvl="1"/>
             <a:r>
-              <a:rPr lang="zh-CN" altLang="en-US"/>
-              <a:t>二级</a:t>
+              <a:rPr lang="en-US"/>
+              <a:t>Second level</a:t>
             </a:r>
           </a:p>
           <a:p>
             <a:pPr lvl="2"/>
             <a:r>
-              <a:rPr lang="zh-CN" altLang="en-US"/>
-              <a:t>三级</a:t>
+              <a:rPr lang="en-US"/>
+              <a:t>Third level</a:t>
             </a:r>
           </a:p>
           <a:p>
             <a:pPr lvl="3"/>
             <a:r>
-              <a:rPr lang="zh-CN" altLang="en-US"/>
-              <a:t>四级</a:t>
+              <a:rPr lang="en-US"/>
+              <a:t>Fourth level</a:t>
             </a:r>
           </a:p>
           <a:p>
             <a:pPr lvl="4"/>
             <a:r>
-              <a:rPr lang="zh-CN" altLang="en-US"/>
-              <a:t>五级</a:t>
-            </a:r>
-          </a:p>
-        </p:txBody>
-      </p:sp>
-      <p:sp>
-        <p:nvSpPr>
-          <p:cNvPr id="4" name="文本占位符 3">
-            <a:extLst>
-              <a:ext uri="{FF2B5EF4-FFF2-40B4-BE49-F238E27FC236}">
-                <a16:creationId xmlns:a16="http://schemas.microsoft.com/office/drawing/2014/main" id="{D4538394-2233-4D66-BB15-2A1CBCC2B68D}"/>
-              </a:ext>
-            </a:extLst>
-          </p:cNvPr>
+              <a:rPr lang="en-US"/>
+              <a:t>Fifth level</a:t>
+            </a:r>
+            <a:endParaRPr lang="en-US" dirty="0"/>
+          </a:p>
+        </p:txBody>
+      </p:sp>
+      <p:sp>
+        <p:nvSpPr>
+          <p:cNvPr id="4" name="Text Placeholder 3"/>
           <p:cNvSpPr>
             <a:spLocks noGrp="1"/>
           </p:cNvSpPr>
@@ -2385,21 +2416,15 @@
           <a:p>
             <a:pPr lvl="0"/>
             <a:r>
-              <a:rPr lang="zh-CN" altLang="en-US"/>
-              <a:t>单击此处编辑母版文本样式</a:t>
-            </a:r>
-          </a:p>
-        </p:txBody>
-      </p:sp>
-      <p:sp>
-        <p:nvSpPr>
-          <p:cNvPr id="5" name="日期占位符 4">
-            <a:extLst>
-              <a:ext uri="{FF2B5EF4-FFF2-40B4-BE49-F238E27FC236}">
-                <a16:creationId xmlns:a16="http://schemas.microsoft.com/office/drawing/2014/main" id="{A33930E4-5720-4923-9867-9226061296F9}"/>
-              </a:ext>
-            </a:extLst>
-          </p:cNvPr>
+              <a:rPr lang="en-US"/>
+              <a:t>Click to edit Master text styles</a:t>
+            </a:r>
+          </a:p>
+        </p:txBody>
+      </p:sp>
+      <p:sp>
+        <p:nvSpPr>
+          <p:cNvPr id="5" name="Date Placeholder 4"/>
           <p:cNvSpPr>
             <a:spLocks noGrp="1"/>
           </p:cNvSpPr>
@@ -2414,7 +2439,7 @@
           <a:p>
             <a:fld id="{5AE41CFA-8DA5-4173-9573-628222844F03}" type="datetimeFigureOut">
               <a:rPr lang="zh-CN" altLang="en-US" smtClean="0"/>
-              <a:t>2021/10/10</a:t>
+              <a:t>2021/10/30</a:t>
             </a:fld>
             <a:endParaRPr lang="zh-CN" altLang="en-US"/>
           </a:p>
@@ -2422,13 +2447,7 @@
       </p:sp>
       <p:sp>
         <p:nvSpPr>
-          <p:cNvPr id="6" name="页脚占位符 5">
-            <a:extLst>
-              <a:ext uri="{FF2B5EF4-FFF2-40B4-BE49-F238E27FC236}">
-                <a16:creationId xmlns:a16="http://schemas.microsoft.com/office/drawing/2014/main" id="{64AFA0DB-ADA1-4813-8E42-E22FE9BCE0A3}"/>
-              </a:ext>
-            </a:extLst>
-          </p:cNvPr>
+          <p:cNvPr id="6" name="Footer Placeholder 5"/>
           <p:cNvSpPr>
             <a:spLocks noGrp="1"/>
           </p:cNvSpPr>
@@ -2447,13 +2466,7 @@
       </p:sp>
       <p:sp>
         <p:nvSpPr>
-          <p:cNvPr id="7" name="灯片编号占位符 6">
-            <a:extLst>
-              <a:ext uri="{FF2B5EF4-FFF2-40B4-BE49-F238E27FC236}">
-                <a16:creationId xmlns:a16="http://schemas.microsoft.com/office/drawing/2014/main" id="{EB46D5ED-BE49-443B-AD25-48ADF2798D4A}"/>
-              </a:ext>
-            </a:extLst>
-          </p:cNvPr>
+          <p:cNvPr id="7" name="Slide Number Placeholder 6"/>
           <p:cNvSpPr>
             <a:spLocks noGrp="1"/>
           </p:cNvSpPr>
@@ -2477,7 +2490,7 @@
     </p:spTree>
     <p:extLst>
       <p:ext uri="{BB962C8B-B14F-4D97-AF65-F5344CB8AC3E}">
-        <p14:creationId xmlns:p14="http://schemas.microsoft.com/office/powerpoint/2010/main" val="1658909593"/>
+        <p14:creationId xmlns:p14="http://schemas.microsoft.com/office/powerpoint/2010/main" val="233842484"/>
       </p:ext>
     </p:extLst>
   </p:cSld>
@@ -2489,7 +2502,7 @@
 
 <file path=ppt/slideLayouts/slideLayout9.xml><?xml version="1.0" encoding="utf-8"?>
 <p:sldLayout xmlns:a="http://schemas.openxmlformats.org/drawingml/2006/main" xmlns:r="http://schemas.openxmlformats.org/officeDocument/2006/relationships" xmlns:p="http://schemas.openxmlformats.org/presentationml/2006/main" type="picTx" preserve="1">
-  <p:cSld name="图片与标题">
+  <p:cSld name="Picture with Caption">
     <p:spTree>
       <p:nvGrpSpPr>
         <p:cNvPr id="1" name=""/>
@@ -2506,13 +2519,7 @@
       </p:grpSpPr>
       <p:sp>
         <p:nvSpPr>
-          <p:cNvPr id="2" name="标题 1">
-            <a:extLst>
-              <a:ext uri="{FF2B5EF4-FFF2-40B4-BE49-F238E27FC236}">
-                <a16:creationId xmlns:a16="http://schemas.microsoft.com/office/drawing/2014/main" id="{CB72A8C3-A96A-435A-9BAC-CDC631254CEE}"/>
-              </a:ext>
-            </a:extLst>
-          </p:cNvPr>
+          <p:cNvPr id="2" name="Title 1"/>
           <p:cNvSpPr>
             <a:spLocks noGrp="1"/>
           </p:cNvSpPr>
@@ -2535,23 +2542,18 @@
           </a:lstStyle>
           <a:p>
             <a:r>
-              <a:rPr lang="zh-CN" altLang="en-US"/>
-              <a:t>单击此处编辑母版标题样式</a:t>
-            </a:r>
-          </a:p>
-        </p:txBody>
-      </p:sp>
-      <p:sp>
-        <p:nvSpPr>
-          <p:cNvPr id="3" name="图片占位符 2">
-            <a:extLst>
-              <a:ext uri="{FF2B5EF4-FFF2-40B4-BE49-F238E27FC236}">
-                <a16:creationId xmlns:a16="http://schemas.microsoft.com/office/drawing/2014/main" id="{0C1584E9-641E-4C32-8240-9D248BCD7CD6}"/>
-              </a:ext>
-            </a:extLst>
-          </p:cNvPr>
-          <p:cNvSpPr>
-            <a:spLocks noGrp="1"/>
+              <a:rPr lang="en-US"/>
+              <a:t>Click to edit Master title style</a:t>
+            </a:r>
+            <a:endParaRPr lang="en-US" dirty="0"/>
+          </a:p>
+        </p:txBody>
+      </p:sp>
+      <p:sp>
+        <p:nvSpPr>
+          <p:cNvPr id="3" name="Picture Placeholder 2"/>
+          <p:cNvSpPr>
+            <a:spLocks noGrp="1" noChangeAspect="1"/>
           </p:cNvSpPr>
           <p:nvPr>
             <p:ph type="pic" idx="1"/>
@@ -2559,8 +2561,73 @@
         </p:nvSpPr>
         <p:spPr>
           <a:xfrm>
-            <a:off x="5183188" y="987425"/>
+            <a:off x="5183188" y="987427"/>
             <a:ext cx="6172200" cy="4873625"/>
+          </a:xfrm>
+        </p:spPr>
+        <p:txBody>
+          <a:bodyPr anchor="t"/>
+          <a:lstStyle>
+            <a:lvl1pPr marL="0" indent="0">
+              <a:buNone/>
+              <a:defRPr sz="3200"/>
+            </a:lvl1pPr>
+            <a:lvl2pPr marL="457200" indent="0">
+              <a:buNone/>
+              <a:defRPr sz="2800"/>
+            </a:lvl2pPr>
+            <a:lvl3pPr marL="914400" indent="0">
+              <a:buNone/>
+              <a:defRPr sz="2400"/>
+            </a:lvl3pPr>
+            <a:lvl4pPr marL="1371600" indent="0">
+              <a:buNone/>
+              <a:defRPr sz="2000"/>
+            </a:lvl4pPr>
+            <a:lvl5pPr marL="1828800" indent="0">
+              <a:buNone/>
+              <a:defRPr sz="2000"/>
+            </a:lvl5pPr>
+            <a:lvl6pPr marL="2286000" indent="0">
+              <a:buNone/>
+              <a:defRPr sz="2000"/>
+            </a:lvl6pPr>
+            <a:lvl7pPr marL="2743200" indent="0">
+              <a:buNone/>
+              <a:defRPr sz="2000"/>
+            </a:lvl7pPr>
+            <a:lvl8pPr marL="3200400" indent="0">
+              <a:buNone/>
+              <a:defRPr sz="2000"/>
+            </a:lvl8pPr>
+            <a:lvl9pPr marL="3657600" indent="0">
+              <a:buNone/>
+              <a:defRPr sz="2000"/>
+            </a:lvl9pPr>
+          </a:lstStyle>
+          <a:p>
+            <a:r>
+              <a:rPr lang="en-US"/>
+              <a:t>Click icon to add picture</a:t>
+            </a:r>
+            <a:endParaRPr lang="en-US" dirty="0"/>
+          </a:p>
+        </p:txBody>
+      </p:sp>
+      <p:sp>
+        <p:nvSpPr>
+          <p:cNvPr id="4" name="Text Placeholder 3"/>
+          <p:cNvSpPr>
+            <a:spLocks noGrp="1"/>
+          </p:cNvSpPr>
+          <p:nvPr>
+            <p:ph type="body" sz="half" idx="2"/>
+          </p:nvPr>
+        </p:nvSpPr>
+        <p:spPr>
+          <a:xfrm>
+            <a:off x="839788" y="2057400"/>
+            <a:ext cx="3932237" cy="3811588"/>
           </a:xfrm>
         </p:spPr>
         <p:txBody>
@@ -2568,73 +2635,6 @@
           <a:lstStyle>
             <a:lvl1pPr marL="0" indent="0">
               <a:buNone/>
-              <a:defRPr sz="3200"/>
-            </a:lvl1pPr>
-            <a:lvl2pPr marL="457200" indent="0">
-              <a:buNone/>
-              <a:defRPr sz="2800"/>
-            </a:lvl2pPr>
-            <a:lvl3pPr marL="914400" indent="0">
-              <a:buNone/>
-              <a:defRPr sz="2400"/>
-            </a:lvl3pPr>
-            <a:lvl4pPr marL="1371600" indent="0">
-              <a:buNone/>
-              <a:defRPr sz="2000"/>
-            </a:lvl4pPr>
-            <a:lvl5pPr marL="1828800" indent="0">
-              <a:buNone/>
-              <a:defRPr sz="2000"/>
-            </a:lvl5pPr>
-            <a:lvl6pPr marL="2286000" indent="0">
-              <a:buNone/>
-              <a:defRPr sz="2000"/>
-            </a:lvl6pPr>
-            <a:lvl7pPr marL="2743200" indent="0">
-              <a:buNone/>
-              <a:defRPr sz="2000"/>
-            </a:lvl7pPr>
-            <a:lvl8pPr marL="3200400" indent="0">
-              <a:buNone/>
-              <a:defRPr sz="2000"/>
-            </a:lvl8pPr>
-            <a:lvl9pPr marL="3657600" indent="0">
-              <a:buNone/>
-              <a:defRPr sz="2000"/>
-            </a:lvl9pPr>
-          </a:lstStyle>
-          <a:p>
-            <a:endParaRPr lang="zh-CN" altLang="en-US"/>
-          </a:p>
-        </p:txBody>
-      </p:sp>
-      <p:sp>
-        <p:nvSpPr>
-          <p:cNvPr id="4" name="文本占位符 3">
-            <a:extLst>
-              <a:ext uri="{FF2B5EF4-FFF2-40B4-BE49-F238E27FC236}">
-                <a16:creationId xmlns:a16="http://schemas.microsoft.com/office/drawing/2014/main" id="{B584DC9C-4199-4D46-AF2F-1D06E46792F8}"/>
-              </a:ext>
-            </a:extLst>
-          </p:cNvPr>
-          <p:cNvSpPr>
-            <a:spLocks noGrp="1"/>
-          </p:cNvSpPr>
-          <p:nvPr>
-            <p:ph type="body" sz="half" idx="2"/>
-          </p:nvPr>
-        </p:nvSpPr>
-        <p:spPr>
-          <a:xfrm>
-            <a:off x="839788" y="2057400"/>
-            <a:ext cx="3932237" cy="3811588"/>
-          </a:xfrm>
-        </p:spPr>
-        <p:txBody>
-          <a:bodyPr/>
-          <a:lstStyle>
-            <a:lvl1pPr marL="0" indent="0">
-              <a:buNone/>
               <a:defRPr sz="1600"/>
             </a:lvl1pPr>
             <a:lvl2pPr marL="457200" indent="0">
@@ -2673,21 +2673,15 @@
           <a:p>
             <a:pPr lvl="0"/>
             <a:r>
-              <a:rPr lang="zh-CN" altLang="en-US"/>
-              <a:t>单击此处编辑母版文本样式</a:t>
-            </a:r>
-          </a:p>
-        </p:txBody>
-      </p:sp>
-      <p:sp>
-        <p:nvSpPr>
-          <p:cNvPr id="5" name="日期占位符 4">
-            <a:extLst>
-              <a:ext uri="{FF2B5EF4-FFF2-40B4-BE49-F238E27FC236}">
-                <a16:creationId xmlns:a16="http://schemas.microsoft.com/office/drawing/2014/main" id="{DB877CFC-7640-414B-9A6C-73E2197AE8D7}"/>
-              </a:ext>
-            </a:extLst>
-          </p:cNvPr>
+              <a:rPr lang="en-US"/>
+              <a:t>Click to edit Master text styles</a:t>
+            </a:r>
+          </a:p>
+        </p:txBody>
+      </p:sp>
+      <p:sp>
+        <p:nvSpPr>
+          <p:cNvPr id="5" name="Date Placeholder 4"/>
           <p:cNvSpPr>
             <a:spLocks noGrp="1"/>
           </p:cNvSpPr>
@@ -2702,7 +2696,7 @@
           <a:p>
             <a:fld id="{5AE41CFA-8DA5-4173-9573-628222844F03}" type="datetimeFigureOut">
               <a:rPr lang="zh-CN" altLang="en-US" smtClean="0"/>
-              <a:t>2021/10/10</a:t>
+              <a:t>2021/10/30</a:t>
             </a:fld>
             <a:endParaRPr lang="zh-CN" altLang="en-US"/>
           </a:p>
@@ -2710,13 +2704,7 @@
       </p:sp>
       <p:sp>
         <p:nvSpPr>
-          <p:cNvPr id="6" name="页脚占位符 5">
-            <a:extLst>
-              <a:ext uri="{FF2B5EF4-FFF2-40B4-BE49-F238E27FC236}">
-                <a16:creationId xmlns:a16="http://schemas.microsoft.com/office/drawing/2014/main" id="{4F4873E7-D25B-4D51-95BB-1131685B1C0B}"/>
-              </a:ext>
-            </a:extLst>
-          </p:cNvPr>
+          <p:cNvPr id="6" name="Footer Placeholder 5"/>
           <p:cNvSpPr>
             <a:spLocks noGrp="1"/>
           </p:cNvSpPr>
@@ -2735,13 +2723,7 @@
       </p:sp>
       <p:sp>
         <p:nvSpPr>
-          <p:cNvPr id="7" name="灯片编号占位符 6">
-            <a:extLst>
-              <a:ext uri="{FF2B5EF4-FFF2-40B4-BE49-F238E27FC236}">
-                <a16:creationId xmlns:a16="http://schemas.microsoft.com/office/drawing/2014/main" id="{F27628AB-2625-4A51-8DE8-9A83C2970385}"/>
-              </a:ext>
-            </a:extLst>
-          </p:cNvPr>
+          <p:cNvPr id="7" name="Slide Number Placeholder 6"/>
           <p:cNvSpPr>
             <a:spLocks noGrp="1"/>
           </p:cNvSpPr>
@@ -2765,7 +2747,7 @@
     </p:spTree>
     <p:extLst>
       <p:ext uri="{BB962C8B-B14F-4D97-AF65-F5344CB8AC3E}">
-        <p14:creationId xmlns:p14="http://schemas.microsoft.com/office/powerpoint/2010/main" val="2286416260"/>
+        <p14:creationId xmlns:p14="http://schemas.microsoft.com/office/powerpoint/2010/main" val="280188930"/>
       </p:ext>
     </p:extLst>
   </p:cSld>
@@ -2780,11 +2762,15 @@
   <p:cSld>
     <p:bg>
       <p:bgPr>
-        <a:solidFill>
-          <a:schemeClr val="bg1">
-            <a:lumMod val="75000"/>
-          </a:schemeClr>
-        </a:solidFill>
+        <a:blipFill dpi="0" rotWithShape="1">
+          <a:blip r:embed="rId14">
+            <a:lum/>
+          </a:blip>
+          <a:srcRect/>
+          <a:stretch>
+            <a:fillRect l="90000" b="87000"/>
+          </a:stretch>
+        </a:blipFill>
         <a:effectLst/>
       </p:bgPr>
     </p:bg>
@@ -2804,13 +2790,7 @@
       </p:grpSpPr>
       <p:sp>
         <p:nvSpPr>
-          <p:cNvPr id="2" name="标题占位符 1">
-            <a:extLst>
-              <a:ext uri="{FF2B5EF4-FFF2-40B4-BE49-F238E27FC236}">
-                <a16:creationId xmlns:a16="http://schemas.microsoft.com/office/drawing/2014/main" id="{F09E93E2-6F82-44C3-AE26-8BFB254E21FE}"/>
-              </a:ext>
-            </a:extLst>
-          </p:cNvPr>
+          <p:cNvPr id="2" name="Title Placeholder 1"/>
           <p:cNvSpPr>
             <a:spLocks noGrp="1"/>
           </p:cNvSpPr>
@@ -2820,7 +2800,7 @@
         </p:nvSpPr>
         <p:spPr>
           <a:xfrm>
-            <a:off x="838200" y="365125"/>
+            <a:off x="838200" y="365127"/>
             <a:ext cx="10515600" cy="1325563"/>
           </a:xfrm>
           <a:prstGeom prst="rect">
@@ -2834,21 +2814,16 @@
           <a:lstStyle/>
           <a:p>
             <a:r>
-              <a:rPr lang="zh-CN" altLang="en-US"/>
-              <a:t>单击此处编辑母版标题样式</a:t>
-            </a:r>
-          </a:p>
-        </p:txBody>
-      </p:sp>
-      <p:sp>
-        <p:nvSpPr>
-          <p:cNvPr id="3" name="文本占位符 2">
-            <a:extLst>
-              <a:ext uri="{FF2B5EF4-FFF2-40B4-BE49-F238E27FC236}">
-                <a16:creationId xmlns:a16="http://schemas.microsoft.com/office/drawing/2014/main" id="{20DAADF7-6557-475A-946B-68F2FA8EE9EB}"/>
-              </a:ext>
-            </a:extLst>
-          </p:cNvPr>
+              <a:rPr lang="en-US"/>
+              <a:t>Click to edit Master title style</a:t>
+            </a:r>
+            <a:endParaRPr lang="en-US" dirty="0"/>
+          </a:p>
+        </p:txBody>
+      </p:sp>
+      <p:sp>
+        <p:nvSpPr>
+          <p:cNvPr id="3" name="Text Placeholder 2"/>
           <p:cNvSpPr>
             <a:spLocks noGrp="1"/>
           </p:cNvSpPr>
@@ -2873,49 +2848,44 @@
           <a:p>
             <a:pPr lvl="0"/>
             <a:r>
-              <a:rPr lang="zh-CN" altLang="en-US"/>
-              <a:t>单击此处编辑母版文本样式</a:t>
+              <a:rPr lang="en-US"/>
+              <a:t>Click to edit Master text styles</a:t>
             </a:r>
           </a:p>
           <a:p>
             <a:pPr lvl="1"/>
             <a:r>
-              <a:rPr lang="zh-CN" altLang="en-US"/>
-              <a:t>二级</a:t>
+              <a:rPr lang="en-US"/>
+              <a:t>Second level</a:t>
             </a:r>
           </a:p>
           <a:p>
             <a:pPr lvl="2"/>
             <a:r>
-              <a:rPr lang="zh-CN" altLang="en-US"/>
-              <a:t>三级</a:t>
+              <a:rPr lang="en-US"/>
+              <a:t>Third level</a:t>
             </a:r>
           </a:p>
           <a:p>
             <a:pPr lvl="3"/>
             <a:r>
-              <a:rPr lang="zh-CN" altLang="en-US"/>
-              <a:t>四级</a:t>
+              <a:rPr lang="en-US"/>
+              <a:t>Fourth level</a:t>
             </a:r>
           </a:p>
           <a:p>
             <a:pPr lvl="4"/>
             <a:r>
-              <a:rPr lang="zh-CN" altLang="en-US"/>
-              <a:t>五级</a:t>
-            </a:r>
-          </a:p>
-        </p:txBody>
-      </p:sp>
-      <p:sp>
-        <p:nvSpPr>
-          <p:cNvPr id="4" name="日期占位符 3">
-            <a:extLst>
-              <a:ext uri="{FF2B5EF4-FFF2-40B4-BE49-F238E27FC236}">
-                <a16:creationId xmlns:a16="http://schemas.microsoft.com/office/drawing/2014/main" id="{888334E3-C435-4AA5-BE2E-8B58FE1E541E}"/>
-              </a:ext>
-            </a:extLst>
-          </p:cNvPr>
+              <a:rPr lang="en-US"/>
+              <a:t>Fifth level</a:t>
+            </a:r>
+            <a:endParaRPr lang="en-US" dirty="0"/>
+          </a:p>
+        </p:txBody>
+      </p:sp>
+      <p:sp>
+        <p:nvSpPr>
+          <p:cNvPr id="4" name="Date Placeholder 3"/>
           <p:cNvSpPr>
             <a:spLocks noGrp="1"/>
           </p:cNvSpPr>
@@ -2925,7 +2895,7 @@
         </p:nvSpPr>
         <p:spPr>
           <a:xfrm>
-            <a:off x="838200" y="6356350"/>
+            <a:off x="838200" y="6356352"/>
             <a:ext cx="2743200" cy="365125"/>
           </a:xfrm>
           <a:prstGeom prst="rect">
@@ -2948,7 +2918,7 @@
           <a:p>
             <a:fld id="{5AE41CFA-8DA5-4173-9573-628222844F03}" type="datetimeFigureOut">
               <a:rPr lang="zh-CN" altLang="en-US" smtClean="0"/>
-              <a:t>2021/10/10</a:t>
+              <a:t>2021/10/30</a:t>
             </a:fld>
             <a:endParaRPr lang="zh-CN" altLang="en-US"/>
           </a:p>
@@ -2956,13 +2926,7 @@
       </p:sp>
       <p:sp>
         <p:nvSpPr>
-          <p:cNvPr id="5" name="页脚占位符 4">
-            <a:extLst>
-              <a:ext uri="{FF2B5EF4-FFF2-40B4-BE49-F238E27FC236}">
-                <a16:creationId xmlns:a16="http://schemas.microsoft.com/office/drawing/2014/main" id="{E165A1D0-737C-45C4-BE79-1CB597C6A12C}"/>
-              </a:ext>
-            </a:extLst>
-          </p:cNvPr>
+          <p:cNvPr id="5" name="Footer Placeholder 4"/>
           <p:cNvSpPr>
             <a:spLocks noGrp="1"/>
           </p:cNvSpPr>
@@ -2972,7 +2936,7 @@
         </p:nvSpPr>
         <p:spPr>
           <a:xfrm>
-            <a:off x="4038600" y="6356350"/>
+            <a:off x="4038600" y="6356352"/>
             <a:ext cx="4114800" cy="365125"/>
           </a:xfrm>
           <a:prstGeom prst="rect">
@@ -2999,13 +2963,7 @@
       </p:sp>
       <p:sp>
         <p:nvSpPr>
-          <p:cNvPr id="6" name="灯片编号占位符 5">
-            <a:extLst>
-              <a:ext uri="{FF2B5EF4-FFF2-40B4-BE49-F238E27FC236}">
-                <a16:creationId xmlns:a16="http://schemas.microsoft.com/office/drawing/2014/main" id="{D2CCD274-59AD-4E8A-88FC-383BCB5F086C}"/>
-              </a:ext>
-            </a:extLst>
-          </p:cNvPr>
+          <p:cNvPr id="6" name="Slide Number Placeholder 5"/>
           <p:cNvSpPr>
             <a:spLocks noGrp="1"/>
           </p:cNvSpPr>
@@ -3015,7 +2973,7 @@
         </p:nvSpPr>
         <p:spPr>
           <a:xfrm>
-            <a:off x="8610600" y="6356350"/>
+            <a:off x="8610600" y="6356352"/>
             <a:ext cx="2743200" cy="365125"/>
           </a:xfrm>
           <a:prstGeom prst="rect">
@@ -3047,23 +3005,24 @@
     </p:spTree>
     <p:extLst>
       <p:ext uri="{BB962C8B-B14F-4D97-AF65-F5344CB8AC3E}">
-        <p14:creationId xmlns:p14="http://schemas.microsoft.com/office/powerpoint/2010/main" val="3753247855"/>
+        <p14:creationId xmlns:p14="http://schemas.microsoft.com/office/powerpoint/2010/main" val="4168608661"/>
       </p:ext>
     </p:extLst>
   </p:cSld>
   <p:clrMap bg1="lt1" tx1="dk1" bg2="lt2" tx2="dk2" accent1="accent1" accent2="accent2" accent3="accent3" accent4="accent4" accent5="accent5" accent6="accent6" hlink="hlink" folHlink="folHlink"/>
   <p:sldLayoutIdLst>
-    <p:sldLayoutId id="2147483649" r:id="rId1"/>
-    <p:sldLayoutId id="2147483650" r:id="rId2"/>
-    <p:sldLayoutId id="2147483651" r:id="rId3"/>
-    <p:sldLayoutId id="2147483652" r:id="rId4"/>
-    <p:sldLayoutId id="2147483653" r:id="rId5"/>
-    <p:sldLayoutId id="2147483654" r:id="rId6"/>
-    <p:sldLayoutId id="2147483655" r:id="rId7"/>
-    <p:sldLayoutId id="2147483656" r:id="rId8"/>
-    <p:sldLayoutId id="2147483657" r:id="rId9"/>
-    <p:sldLayoutId id="2147483658" r:id="rId10"/>
-    <p:sldLayoutId id="2147483659" r:id="rId11"/>
+    <p:sldLayoutId id="2147483711" r:id="rId1"/>
+    <p:sldLayoutId id="2147483712" r:id="rId2"/>
+    <p:sldLayoutId id="2147483713" r:id="rId3"/>
+    <p:sldLayoutId id="2147483714" r:id="rId4"/>
+    <p:sldLayoutId id="2147483715" r:id="rId5"/>
+    <p:sldLayoutId id="2147483716" r:id="rId6"/>
+    <p:sldLayoutId id="2147483717" r:id="rId7"/>
+    <p:sldLayoutId id="2147483718" r:id="rId8"/>
+    <p:sldLayoutId id="2147483719" r:id="rId9"/>
+    <p:sldLayoutId id="2147483720" r:id="rId10"/>
+    <p:sldLayoutId id="2147483721" r:id="rId11"/>
+    <p:sldLayoutId id="2147483722" r:id="rId12"/>
   </p:sldLayoutIdLst>
   <p:txStyles>
     <p:titleStyle>
@@ -3079,9 +3038,9 @@
           <a:solidFill>
             <a:schemeClr val="tx1"/>
           </a:solidFill>
-          <a:latin typeface="+mj-lt"/>
+          <a:latin typeface="Arial" panose="020B0604020202020204" pitchFamily="34" charset="0"/>
           <a:ea typeface="+mj-ea"/>
-          <a:cs typeface="+mj-cs"/>
+          <a:cs typeface="Arial" panose="020B0604020202020204" pitchFamily="34" charset="0"/>
         </a:defRPr>
       </a:lvl1pPr>
     </p:titleStyle>
@@ -3099,9 +3058,9 @@
           <a:solidFill>
             <a:schemeClr val="tx1"/>
           </a:solidFill>
-          <a:latin typeface="+mn-lt"/>
+          <a:latin typeface="Arial" panose="020B0604020202020204" pitchFamily="34" charset="0"/>
           <a:ea typeface="+mn-ea"/>
-          <a:cs typeface="+mn-cs"/>
+          <a:cs typeface="Arial" panose="020B0604020202020204" pitchFamily="34" charset="0"/>
         </a:defRPr>
       </a:lvl1pPr>
       <a:lvl2pPr marL="685800" indent="-228600" algn="l" defTabSz="914400" rtl="0" eaLnBrk="1" latinLnBrk="0" hangingPunct="1">
@@ -3117,9 +3076,9 @@
           <a:solidFill>
             <a:schemeClr val="tx1"/>
           </a:solidFill>
-          <a:latin typeface="+mn-lt"/>
+          <a:latin typeface="Arial" panose="020B0604020202020204" pitchFamily="34" charset="0"/>
           <a:ea typeface="+mn-ea"/>
-          <a:cs typeface="+mn-cs"/>
+          <a:cs typeface="Arial" panose="020B0604020202020204" pitchFamily="34" charset="0"/>
         </a:defRPr>
       </a:lvl2pPr>
       <a:lvl3pPr marL="1143000" indent="-228600" algn="l" defTabSz="914400" rtl="0" eaLnBrk="1" latinLnBrk="0" hangingPunct="1">
@@ -3135,9 +3094,9 @@
           <a:solidFill>
             <a:schemeClr val="tx1"/>
           </a:solidFill>
-          <a:latin typeface="+mn-lt"/>
+          <a:latin typeface="Arial" panose="020B0604020202020204" pitchFamily="34" charset="0"/>
           <a:ea typeface="+mn-ea"/>
-          <a:cs typeface="+mn-cs"/>
+          <a:cs typeface="Arial" panose="020B0604020202020204" pitchFamily="34" charset="0"/>
         </a:defRPr>
       </a:lvl3pPr>
       <a:lvl4pPr marL="1600200" indent="-228600" algn="l" defTabSz="914400" rtl="0" eaLnBrk="1" latinLnBrk="0" hangingPunct="1">
@@ -3153,9 +3112,9 @@
           <a:solidFill>
             <a:schemeClr val="tx1"/>
           </a:solidFill>
-          <a:latin typeface="+mn-lt"/>
+          <a:latin typeface="Arial" panose="020B0604020202020204" pitchFamily="34" charset="0"/>
           <a:ea typeface="+mn-ea"/>
-          <a:cs typeface="+mn-cs"/>
+          <a:cs typeface="Arial" panose="020B0604020202020204" pitchFamily="34" charset="0"/>
         </a:defRPr>
       </a:lvl4pPr>
       <a:lvl5pPr marL="2057400" indent="-228600" algn="l" defTabSz="914400" rtl="0" eaLnBrk="1" latinLnBrk="0" hangingPunct="1">
@@ -3171,9 +3130,9 @@
           <a:solidFill>
             <a:schemeClr val="tx1"/>
           </a:solidFill>
-          <a:latin typeface="+mn-lt"/>
+          <a:latin typeface="Arial" panose="020B0604020202020204" pitchFamily="34" charset="0"/>
           <a:ea typeface="+mn-ea"/>
-          <a:cs typeface="+mn-cs"/>
+          <a:cs typeface="Arial" panose="020B0604020202020204" pitchFamily="34" charset="0"/>
         </a:defRPr>
       </a:lvl5pPr>
       <a:lvl6pPr marL="2514600" indent="-228600" algn="l" defTabSz="914400" rtl="0" eaLnBrk="1" latinLnBrk="0" hangingPunct="1">
@@ -3251,7 +3210,7 @@
     </p:bodyStyle>
     <p:otherStyle>
       <a:defPPr>
-        <a:defRPr lang="zh-CN"/>
+        <a:defRPr lang="en-US"/>
       </a:defPPr>
       <a:lvl1pPr marL="0" algn="l" defTabSz="914400" rtl="0" eaLnBrk="1" latinLnBrk="0" hangingPunct="1">
         <a:defRPr sz="1800" kern="1200">
@@ -3419,6 +3378,25 @@
           <a:bodyPr/>
           <a:lstStyle/>
           <a:p>
+            <a:endParaRPr lang="en-US" altLang="zh-CN" dirty="0"/>
+          </a:p>
+          <a:p>
+            <a:r>
+              <a:rPr lang="en-US" altLang="zh-CN" dirty="0" err="1"/>
+              <a:t>Chenxu</a:t>
+            </a:r>
+            <a:r>
+              <a:rPr lang="en-US" altLang="zh-CN" dirty="0"/>
+              <a:t> Wang and </a:t>
+            </a:r>
+            <a:r>
+              <a:rPr lang="en-US" altLang="zh-CN" dirty="0" err="1"/>
+              <a:t>Fengwei</a:t>
+            </a:r>
+            <a:r>
+              <a:rPr lang="en-US" altLang="zh-CN" dirty="0"/>
+              <a:t> Zhang</a:t>
+            </a:r>
             <a:endParaRPr lang="zh-CN" altLang="en-US" dirty="0"/>
           </a:p>
         </p:txBody>
@@ -4474,7 +4452,7 @@
         </p:spPr>
         <p:txBody>
           <a:bodyPr>
-            <a:normAutofit lnSpcReduction="10000"/>
+            <a:normAutofit fontScale="92500"/>
           </a:bodyPr>
           <a:lstStyle/>
           <a:p>
@@ -4687,8 +4665,8 @@
         </p:blipFill>
         <p:spPr>
           <a:xfrm>
-            <a:off x="448236" y="2050621"/>
-            <a:ext cx="11295528" cy="3938954"/>
+            <a:off x="2381250" y="2705894"/>
+            <a:ext cx="7429500" cy="2590800"/>
           </a:xfrm>
         </p:spPr>
       </p:pic>
@@ -9727,7 +9705,7 @@
         </p:spPr>
         <p:txBody>
           <a:bodyPr>
-            <a:normAutofit/>
+            <a:normAutofit lnSpcReduction="10000"/>
           </a:bodyPr>
           <a:lstStyle/>
           <a:p>
@@ -10215,9 +10193,9 @@
 </file>
 
 <file path=ppt/theme/theme1.xml><?xml version="1.0" encoding="utf-8"?>
-<a:theme xmlns:a="http://schemas.openxmlformats.org/drawingml/2006/main" name="Office 主题​​">
+<a:theme xmlns:a="http://schemas.openxmlformats.org/drawingml/2006/main" name="cs315 new">
   <a:themeElements>
-    <a:clrScheme name="Office">
+    <a:clrScheme name="Office Theme">
       <a:dk1>
         <a:sysClr val="windowText" lastClr="000000"/>
       </a:dk1>
@@ -10255,9 +10233,9 @@
         <a:srgbClr val="954F72"/>
       </a:folHlink>
     </a:clrScheme>
-    <a:fontScheme name="Office">
+    <a:fontScheme name="Office Theme">
       <a:majorFont>
-        <a:latin typeface="等线 Light" panose="020F0302020204030204"/>
+        <a:latin typeface="Calibri Light" panose="020F0302020204030204"/>
         <a:ea typeface=""/>
         <a:cs typeface=""/>
         <a:font script="Jpan" typeface="游ゴシック Light"/>
@@ -10290,26 +10268,9 @@
         <a:font script="Viet" typeface="Times New Roman"/>
         <a:font script="Uigh" typeface="Microsoft Uighur"/>
         <a:font script="Geor" typeface="Sylfaen"/>
-        <a:font script="Armn" typeface="Arial"/>
-        <a:font script="Bugi" typeface="Leelawadee UI"/>
-        <a:font script="Bopo" typeface="Microsoft JhengHei"/>
-        <a:font script="Java" typeface="Javanese Text"/>
-        <a:font script="Lisu" typeface="Segoe UI"/>
-        <a:font script="Mymr" typeface="Myanmar Text"/>
-        <a:font script="Nkoo" typeface="Ebrima"/>
-        <a:font script="Olck" typeface="Nirmala UI"/>
-        <a:font script="Osma" typeface="Ebrima"/>
-        <a:font script="Phag" typeface="Phagspa"/>
-        <a:font script="Syrn" typeface="Estrangelo Edessa"/>
-        <a:font script="Syrj" typeface="Estrangelo Edessa"/>
-        <a:font script="Syre" typeface="Estrangelo Edessa"/>
-        <a:font script="Sora" typeface="Nirmala UI"/>
-        <a:font script="Tale" typeface="Microsoft Tai Le"/>
-        <a:font script="Talu" typeface="Microsoft New Tai Lue"/>
-        <a:font script="Tfng" typeface="Ebrima"/>
       </a:majorFont>
       <a:minorFont>
-        <a:latin typeface="等线" panose="020F0502020204030204"/>
+        <a:latin typeface="Calibri" panose="020F0502020204030204"/>
         <a:ea typeface=""/>
         <a:cs typeface=""/>
         <a:font script="Jpan" typeface="游ゴシック"/>
@@ -10342,26 +10303,9 @@
         <a:font script="Viet" typeface="Arial"/>
         <a:font script="Uigh" typeface="Microsoft Uighur"/>
         <a:font script="Geor" typeface="Sylfaen"/>
-        <a:font script="Armn" typeface="Arial"/>
-        <a:font script="Bugi" typeface="Leelawadee UI"/>
-        <a:font script="Bopo" typeface="Microsoft JhengHei"/>
-        <a:font script="Java" typeface="Javanese Text"/>
-        <a:font script="Lisu" typeface="Segoe UI"/>
-        <a:font script="Mymr" typeface="Myanmar Text"/>
-        <a:font script="Nkoo" typeface="Ebrima"/>
-        <a:font script="Olck" typeface="Nirmala UI"/>
-        <a:font script="Osma" typeface="Ebrima"/>
-        <a:font script="Phag" typeface="Phagspa"/>
-        <a:font script="Syrn" typeface="Estrangelo Edessa"/>
-        <a:font script="Syrj" typeface="Estrangelo Edessa"/>
-        <a:font script="Syre" typeface="Estrangelo Edessa"/>
-        <a:font script="Sora" typeface="Nirmala UI"/>
-        <a:font script="Tale" typeface="Microsoft Tai Le"/>
-        <a:font script="Talu" typeface="Microsoft New Tai Lue"/>
-        <a:font script="Tfng" typeface="Ebrima"/>
       </a:minorFont>
     </a:fontScheme>
-    <a:fmtScheme name="Office">
+    <a:fmtScheme name="Office Theme">
       <a:fillStyleLst>
         <a:solidFill>
           <a:schemeClr val="phClr"/>
@@ -10503,7 +10447,7 @@
   <a:extraClrSchemeLst/>
   <a:extLst>
     <a:ext uri="{05A4C25C-085E-4340-85A3-A5531E510DB2}">
-      <thm15:themeFamily xmlns:thm15="http://schemas.microsoft.com/office/thememl/2012/main" name="Office Theme" id="{62F939B6-93AF-4DB8-9C6B-D6C7DFDC589F}" vid="{4A3C46E8-61CC-4603-A589-7422A47A8E4A}"/>
+      <thm15:themeFamily xmlns:thm15="http://schemas.microsoft.com/office/thememl/2012/main" name="cs315 new" id="{BC4DD81C-7090-7E4C-A52E-FBFF49EC4813}" vid="{28FF83C4-53AF-5C4A-BCE6-875CAA98E96F}"/>
     </a:ext>
   </a:extLst>
 </a:theme>

--- a/defense-lab/NailgunDefense.pptx
+++ b/defense-lab/NailgunDefense.pptx
@@ -8,38 +8,42 @@
     <p:sldId id="256" r:id="rId2"/>
     <p:sldId id="257" r:id="rId3"/>
     <p:sldId id="258" r:id="rId4"/>
-    <p:sldId id="260" r:id="rId5"/>
-    <p:sldId id="261" r:id="rId6"/>
-    <p:sldId id="262" r:id="rId7"/>
-    <p:sldId id="263" r:id="rId8"/>
-    <p:sldId id="259" r:id="rId9"/>
-    <p:sldId id="264" r:id="rId10"/>
-    <p:sldId id="265" r:id="rId11"/>
-    <p:sldId id="266" r:id="rId12"/>
-    <p:sldId id="267" r:id="rId13"/>
-    <p:sldId id="268" r:id="rId14"/>
-    <p:sldId id="269" r:id="rId15"/>
-    <p:sldId id="274" r:id="rId16"/>
-    <p:sldId id="279" r:id="rId17"/>
-    <p:sldId id="280" r:id="rId18"/>
-    <p:sldId id="281" r:id="rId19"/>
-    <p:sldId id="282" r:id="rId20"/>
-    <p:sldId id="283" r:id="rId21"/>
-    <p:sldId id="289" r:id="rId22"/>
-    <p:sldId id="275" r:id="rId23"/>
-    <p:sldId id="276" r:id="rId24"/>
-    <p:sldId id="277" r:id="rId25"/>
-    <p:sldId id="278" r:id="rId26"/>
-    <p:sldId id="288" r:id="rId27"/>
-    <p:sldId id="284" r:id="rId28"/>
-    <p:sldId id="285" r:id="rId29"/>
-    <p:sldId id="286" r:id="rId30"/>
-    <p:sldId id="287" r:id="rId31"/>
-    <p:sldId id="290" r:id="rId32"/>
-    <p:sldId id="270" r:id="rId33"/>
-    <p:sldId id="272" r:id="rId34"/>
-    <p:sldId id="273" r:id="rId35"/>
-    <p:sldId id="271" r:id="rId36"/>
+    <p:sldId id="291" r:id="rId5"/>
+    <p:sldId id="292" r:id="rId6"/>
+    <p:sldId id="293" r:id="rId7"/>
+    <p:sldId id="294" r:id="rId8"/>
+    <p:sldId id="260" r:id="rId9"/>
+    <p:sldId id="259" r:id="rId10"/>
+    <p:sldId id="264" r:id="rId11"/>
+    <p:sldId id="265" r:id="rId12"/>
+    <p:sldId id="268" r:id="rId13"/>
+    <p:sldId id="266" r:id="rId14"/>
+    <p:sldId id="267" r:id="rId15"/>
+    <p:sldId id="269" r:id="rId16"/>
+    <p:sldId id="274" r:id="rId17"/>
+    <p:sldId id="279" r:id="rId18"/>
+    <p:sldId id="280" r:id="rId19"/>
+    <p:sldId id="281" r:id="rId20"/>
+    <p:sldId id="282" r:id="rId21"/>
+    <p:sldId id="283" r:id="rId22"/>
+    <p:sldId id="289" r:id="rId23"/>
+    <p:sldId id="275" r:id="rId24"/>
+    <p:sldId id="276" r:id="rId25"/>
+    <p:sldId id="277" r:id="rId26"/>
+    <p:sldId id="278" r:id="rId27"/>
+    <p:sldId id="288" r:id="rId28"/>
+    <p:sldId id="284" r:id="rId29"/>
+    <p:sldId id="285" r:id="rId30"/>
+    <p:sldId id="286" r:id="rId31"/>
+    <p:sldId id="287" r:id="rId32"/>
+    <p:sldId id="290" r:id="rId33"/>
+    <p:sldId id="270" r:id="rId34"/>
+    <p:sldId id="272" r:id="rId35"/>
+    <p:sldId id="273" r:id="rId36"/>
+    <p:sldId id="271" r:id="rId37"/>
+    <p:sldId id="261" r:id="rId38"/>
+    <p:sldId id="262" r:id="rId39"/>
+    <p:sldId id="263" r:id="rId40"/>
   </p:sldIdLst>
   <p:sldSz cx="12192000" cy="6858000"/>
   <p:notesSz cx="6858000" cy="9144000"/>
@@ -277,7 +281,7 @@
           <a:p>
             <a:fld id="{5AE41CFA-8DA5-4173-9573-628222844F03}" type="datetimeFigureOut">
               <a:rPr lang="zh-CN" altLang="en-US" smtClean="0"/>
-              <a:t>2021/10/30</a:t>
+              <a:t>2021/11/6</a:t>
             </a:fld>
             <a:endParaRPr lang="zh-CN" altLang="en-US"/>
           </a:p>
@@ -447,7 +451,7 @@
           <a:p>
             <a:fld id="{5AE41CFA-8DA5-4173-9573-628222844F03}" type="datetimeFigureOut">
               <a:rPr lang="zh-CN" altLang="en-US" smtClean="0"/>
-              <a:t>2021/10/30</a:t>
+              <a:t>2021/11/6</a:t>
             </a:fld>
             <a:endParaRPr lang="zh-CN" altLang="en-US"/>
           </a:p>
@@ -627,7 +631,7 @@
           <a:p>
             <a:fld id="{5AE41CFA-8DA5-4173-9573-628222844F03}" type="datetimeFigureOut">
               <a:rPr lang="zh-CN" altLang="en-US" smtClean="0"/>
-              <a:t>2021/10/30</a:t>
+              <a:t>2021/11/6</a:t>
             </a:fld>
             <a:endParaRPr lang="zh-CN" altLang="en-US"/>
           </a:p>
@@ -1106,7 +1110,7 @@
           <a:p>
             <a:fld id="{5AE41CFA-8DA5-4173-9573-628222844F03}" type="datetimeFigureOut">
               <a:rPr lang="zh-CN" altLang="en-US" smtClean="0"/>
-              <a:t>2021/10/30</a:t>
+              <a:t>2021/11/6</a:t>
             </a:fld>
             <a:endParaRPr lang="zh-CN" altLang="en-US"/>
           </a:p>
@@ -1350,7 +1354,7 @@
           <a:p>
             <a:fld id="{5AE41CFA-8DA5-4173-9573-628222844F03}" type="datetimeFigureOut">
               <a:rPr lang="zh-CN" altLang="en-US" smtClean="0"/>
-              <a:t>2021/10/30</a:t>
+              <a:t>2021/11/6</a:t>
             </a:fld>
             <a:endParaRPr lang="zh-CN" altLang="en-US"/>
           </a:p>
@@ -1582,7 +1586,7 @@
           <a:p>
             <a:fld id="{5AE41CFA-8DA5-4173-9573-628222844F03}" type="datetimeFigureOut">
               <a:rPr lang="zh-CN" altLang="en-US" smtClean="0"/>
-              <a:t>2021/10/30</a:t>
+              <a:t>2021/11/6</a:t>
             </a:fld>
             <a:endParaRPr lang="zh-CN" altLang="en-US"/>
           </a:p>
@@ -1949,7 +1953,7 @@
           <a:p>
             <a:fld id="{5AE41CFA-8DA5-4173-9573-628222844F03}" type="datetimeFigureOut">
               <a:rPr lang="zh-CN" altLang="en-US" smtClean="0"/>
-              <a:t>2021/10/30</a:t>
+              <a:t>2021/11/6</a:t>
             </a:fld>
             <a:endParaRPr lang="zh-CN" altLang="en-US"/>
           </a:p>
@@ -2067,7 +2071,7 @@
           <a:p>
             <a:fld id="{5AE41CFA-8DA5-4173-9573-628222844F03}" type="datetimeFigureOut">
               <a:rPr lang="zh-CN" altLang="en-US" smtClean="0"/>
-              <a:t>2021/10/30</a:t>
+              <a:t>2021/11/6</a:t>
             </a:fld>
             <a:endParaRPr lang="zh-CN" altLang="en-US"/>
           </a:p>
@@ -2162,7 +2166,7 @@
           <a:p>
             <a:fld id="{5AE41CFA-8DA5-4173-9573-628222844F03}" type="datetimeFigureOut">
               <a:rPr lang="zh-CN" altLang="en-US" smtClean="0"/>
-              <a:t>2021/10/30</a:t>
+              <a:t>2021/11/6</a:t>
             </a:fld>
             <a:endParaRPr lang="zh-CN" altLang="en-US"/>
           </a:p>
@@ -2439,7 +2443,7 @@
           <a:p>
             <a:fld id="{5AE41CFA-8DA5-4173-9573-628222844F03}" type="datetimeFigureOut">
               <a:rPr lang="zh-CN" altLang="en-US" smtClean="0"/>
-              <a:t>2021/10/30</a:t>
+              <a:t>2021/11/6</a:t>
             </a:fld>
             <a:endParaRPr lang="zh-CN" altLang="en-US"/>
           </a:p>
@@ -2696,7 +2700,7 @@
           <a:p>
             <a:fld id="{5AE41CFA-8DA5-4173-9573-628222844F03}" type="datetimeFigureOut">
               <a:rPr lang="zh-CN" altLang="en-US" smtClean="0"/>
-              <a:t>2021/10/30</a:t>
+              <a:t>2021/11/6</a:t>
             </a:fld>
             <a:endParaRPr lang="zh-CN" altLang="en-US"/>
           </a:p>
@@ -2918,7 +2922,7 @@
           <a:p>
             <a:fld id="{5AE41CFA-8DA5-4173-9573-628222844F03}" type="datetimeFigureOut">
               <a:rPr lang="zh-CN" altLang="en-US" smtClean="0"/>
-              <a:t>2021/10/30</a:t>
+              <a:t>2021/11/6</a:t>
             </a:fld>
             <a:endParaRPr lang="zh-CN" altLang="en-US"/>
           </a:p>
@@ -3488,85 +3492,99 @@
           </a:xfrm>
         </p:spPr>
         <p:txBody>
-          <a:bodyPr>
-            <a:normAutofit/>
+          <a:bodyPr/>
+          <a:lstStyle/>
+          <a:p>
+            <a:pPr marL="0" indent="0">
+              <a:buNone/>
+            </a:pPr>
+            <a:r>
+              <a:rPr lang="en-US" altLang="zh-CN" dirty="0"/>
+              <a:t>Translate one type of address to another type</a:t>
+            </a:r>
+          </a:p>
+        </p:txBody>
+      </p:sp>
+      <p:sp>
+        <p:nvSpPr>
+          <p:cNvPr id="6" name="文本框 5">
+            <a:extLst>
+              <a:ext uri="{FF2B5EF4-FFF2-40B4-BE49-F238E27FC236}">
+                <a16:creationId xmlns:a16="http://schemas.microsoft.com/office/drawing/2014/main" id="{EA0B91D0-EEDA-41FD-A4E7-930B38EFD479}"/>
+              </a:ext>
+            </a:extLst>
+          </p:cNvPr>
+          <p:cNvSpPr txBox="1"/>
+          <p:nvPr/>
+        </p:nvSpPr>
+        <p:spPr>
+          <a:xfrm>
+            <a:off x="609600" y="6362494"/>
+            <a:ext cx="10389704" cy="369332"/>
+          </a:xfrm>
+          <a:prstGeom prst="rect">
+            <a:avLst/>
+          </a:prstGeom>
+          <a:noFill/>
+        </p:spPr>
+        <p:txBody>
+          <a:bodyPr wrap="square" rtlCol="0">
+            <a:spAutoFit/>
           </a:bodyPr>
           <a:lstStyle/>
           <a:p>
-            <a:pPr marL="0" indent="0">
-              <a:buNone/>
-            </a:pPr>
-            <a:r>
-              <a:rPr lang="en-US" altLang="zh-CN" dirty="0"/>
-              <a:t>Stage 1 translation exists in all ELs.</a:t>
-            </a:r>
-          </a:p>
-          <a:p>
-            <a:pPr marL="0" indent="0">
-              <a:buNone/>
-            </a:pPr>
-            <a:r>
-              <a:rPr lang="en-US" altLang="zh-CN" dirty="0"/>
-              <a:t>But EL1&amp;0 contains an additional translation:</a:t>
-            </a:r>
-            <a:r>
-              <a:rPr lang="en-US" altLang="zh-CN" dirty="0">
-                <a:solidFill>
-                  <a:srgbClr val="FF0000"/>
-                </a:solidFill>
-              </a:rPr>
-              <a:t> Stage-2 </a:t>
-            </a:r>
-            <a:r>
-              <a:rPr lang="en-US" altLang="zh-CN" dirty="0"/>
-              <a:t>translation.</a:t>
-            </a:r>
-          </a:p>
-          <a:p>
-            <a:pPr marL="0" indent="0">
-              <a:buNone/>
-            </a:pPr>
-            <a:endParaRPr lang="en-US" altLang="zh-CN" dirty="0"/>
-          </a:p>
-          <a:p>
-            <a:pPr marL="0" indent="0">
-              <a:buNone/>
-            </a:pPr>
-            <a:r>
-              <a:rPr lang="en-US" altLang="zh-CN" dirty="0"/>
-              <a:t>It is controlled by EL2.</a:t>
-            </a:r>
-          </a:p>
-          <a:p>
-            <a:pPr marL="0" indent="0">
-              <a:buNone/>
-            </a:pPr>
-            <a:endParaRPr lang="en-US" altLang="zh-CN" dirty="0"/>
-          </a:p>
-          <a:p>
-            <a:pPr marL="0" indent="0">
-              <a:buNone/>
-            </a:pPr>
-            <a:r>
-              <a:rPr lang="en-US" altLang="zh-CN" dirty="0"/>
-              <a:t>Hypervisor in Arm architecture can use it to handle the memory management for VMs.</a:t>
-            </a:r>
-          </a:p>
-          <a:p>
-            <a:pPr marL="0" indent="0">
-              <a:buNone/>
-            </a:pPr>
-            <a:r>
-              <a:rPr lang="en-US" altLang="zh-CN" dirty="0"/>
-              <a:t>Similarly, we can use it in access control for EL1&amp;0 CPUs.</a:t>
-            </a:r>
-          </a:p>
-        </p:txBody>
-      </p:sp>
+            <a:r>
+              <a:rPr lang="zh-CN" altLang="en-US" dirty="0"/>
+              <a:t>*</a:t>
+            </a:r>
+            <a:r>
+              <a:rPr lang="en-US" altLang="zh-CN" dirty="0"/>
+              <a:t>Source: D5-2684 (64-bit address translation), also you can see G5-6264 (32-bit address translation)</a:t>
+            </a:r>
+            <a:endParaRPr lang="zh-CN" altLang="en-US" dirty="0"/>
+          </a:p>
+        </p:txBody>
+      </p:sp>
+      <p:pic>
+        <p:nvPicPr>
+          <p:cNvPr id="10" name="图片 9" descr="图形用户界面, 文本&#10;&#10;中度可信度描述已自动生成">
+            <a:extLst>
+              <a:ext uri="{FF2B5EF4-FFF2-40B4-BE49-F238E27FC236}">
+                <a16:creationId xmlns:a16="http://schemas.microsoft.com/office/drawing/2014/main" id="{C4E91BBA-AFF2-499F-913B-5D711ED0362D}"/>
+              </a:ext>
+            </a:extLst>
+          </p:cNvPr>
+          <p:cNvPicPr>
+            <a:picLocks noChangeAspect="1"/>
+          </p:cNvPicPr>
+          <p:nvPr/>
+        </p:nvPicPr>
+        <p:blipFill>
+          <a:blip r:embed="rId2">
+            <a:extLst>
+              <a:ext uri="{28A0092B-C50C-407E-A947-70E740481C1C}">
+                <a14:useLocalDpi xmlns:a14="http://schemas.microsoft.com/office/drawing/2010/main" val="0"/>
+              </a:ext>
+            </a:extLst>
+          </a:blip>
+          <a:stretch>
+            <a:fillRect/>
+          </a:stretch>
+        </p:blipFill>
+        <p:spPr>
+          <a:xfrm>
+            <a:off x="451113" y="1792973"/>
+            <a:ext cx="11091529" cy="4292957"/>
+          </a:xfrm>
+          <a:prstGeom prst="rect">
+            <a:avLst/>
+          </a:prstGeom>
+        </p:spPr>
+      </p:pic>
     </p:spTree>
     <p:extLst>
       <p:ext uri="{BB962C8B-B14F-4D97-AF65-F5344CB8AC3E}">
-        <p14:creationId xmlns:p14="http://schemas.microsoft.com/office/powerpoint/2010/main" val="1883095820"/>
+        <p14:creationId xmlns:p14="http://schemas.microsoft.com/office/powerpoint/2010/main" val="1790160555"/>
       </p:ext>
     </p:extLst>
   </p:cSld>
@@ -3621,7 +3639,7 @@
           <a:p>
             <a:r>
               <a:rPr lang="en-US" altLang="zh-CN" dirty="0"/>
-              <a:t>Background: Stage-2 translation</a:t>
+              <a:t>Background: Arm Address Translation</a:t>
             </a:r>
             <a:endParaRPr lang="zh-CN" altLang="en-US" dirty="0"/>
           </a:p>
@@ -3660,40 +3678,28 @@
             </a:pPr>
             <a:r>
               <a:rPr lang="en-US" altLang="zh-CN" dirty="0"/>
-              <a:t>How to use it?</a:t>
-            </a:r>
-          </a:p>
-          <a:p>
-            <a:pPr marL="0" indent="0">
-              <a:buNone/>
-            </a:pPr>
-            <a:r>
-              <a:rPr lang="en-US" altLang="zh-CN" sz="2400" dirty="0"/>
-              <a:t>We (1) </a:t>
-            </a:r>
-            <a:r>
-              <a:rPr lang="en-US" altLang="zh-CN" sz="2400" dirty="0">
+              <a:t>Stage 1 translation exists in all ELs.</a:t>
+            </a:r>
+          </a:p>
+          <a:p>
+            <a:pPr marL="0" indent="0">
+              <a:buNone/>
+            </a:pPr>
+            <a:r>
+              <a:rPr lang="en-US" altLang="zh-CN" dirty="0"/>
+              <a:t>But EL1&amp;0 contains an additional translation:</a:t>
+            </a:r>
+            <a:r>
+              <a:rPr lang="en-US" altLang="zh-CN" dirty="0">
                 <a:solidFill>
                   <a:srgbClr val="FF0000"/>
                 </a:solidFill>
               </a:rPr>
-              <a:t>Enable</a:t>
-            </a:r>
-            <a:r>
-              <a:rPr lang="en-US" altLang="zh-CN" sz="2400" dirty="0"/>
-              <a:t> the S-2 translation, and (2) Provide the </a:t>
-            </a:r>
-            <a:r>
-              <a:rPr lang="en-US" altLang="zh-CN" sz="2400" dirty="0">
-                <a:solidFill>
-                  <a:srgbClr val="FF0000"/>
-                </a:solidFill>
-              </a:rPr>
-              <a:t>table</a:t>
-            </a:r>
-            <a:r>
-              <a:rPr lang="en-US" altLang="zh-CN" sz="2400" dirty="0"/>
-              <a:t> of S-2 translation, then Memory Management Unit (MMU) will perform the S-2 translation after the S-1 translation.</a:t>
+              <a:t> Stage-2 </a:t>
+            </a:r>
+            <a:r>
+              <a:rPr lang="en-US" altLang="zh-CN" dirty="0"/>
+              <a:t>translation.</a:t>
             </a:r>
           </a:p>
           <a:p>
@@ -3708,34 +3714,31 @@
             </a:pPr>
             <a:r>
               <a:rPr lang="en-US" altLang="zh-CN" dirty="0"/>
-              <a:t>You may ask these questions:</a:t>
-            </a:r>
-          </a:p>
-          <a:p>
-            <a:pPr marL="0" indent="0">
-              <a:buNone/>
-            </a:pPr>
-            <a:r>
-              <a:rPr lang="en-US" altLang="zh-CN" sz="2400" dirty="0"/>
-              <a:t>How to enable it?</a:t>
-            </a:r>
-          </a:p>
-          <a:p>
-            <a:pPr marL="0" indent="0">
-              <a:buNone/>
-            </a:pPr>
-            <a:r>
-              <a:rPr lang="en-US" altLang="zh-CN" sz="2400" dirty="0"/>
-              <a:t>How to provide the table?</a:t>
-            </a:r>
-          </a:p>
-          <a:p>
-            <a:pPr marL="0" indent="0">
-              <a:buNone/>
-            </a:pPr>
-            <a:r>
-              <a:rPr lang="en-US" altLang="zh-CN" sz="2400" dirty="0"/>
-              <a:t>How to create the table?</a:t>
+              <a:t>It is controlled by EL2.</a:t>
+            </a:r>
+          </a:p>
+          <a:p>
+            <a:pPr marL="0" indent="0">
+              <a:buNone/>
+            </a:pPr>
+            <a:endParaRPr lang="en-US" altLang="zh-CN" dirty="0"/>
+          </a:p>
+          <a:p>
+            <a:pPr marL="0" indent="0">
+              <a:buNone/>
+            </a:pPr>
+            <a:r>
+              <a:rPr lang="en-US" altLang="zh-CN" dirty="0"/>
+              <a:t>Hypervisor in Arm architecture can use it to handle the memory management for VMs.</a:t>
+            </a:r>
+          </a:p>
+          <a:p>
+            <a:pPr marL="0" indent="0">
+              <a:buNone/>
+            </a:pPr>
+            <a:r>
+              <a:rPr lang="en-US" altLang="zh-CN" dirty="0"/>
+              <a:t>Similarly, we can use it in access control for EL1&amp;0 CPUs.</a:t>
             </a:r>
           </a:p>
         </p:txBody>
@@ -3743,7 +3746,7 @@
     </p:spTree>
     <p:extLst>
       <p:ext uri="{BB962C8B-B14F-4D97-AF65-F5344CB8AC3E}">
-        <p14:creationId xmlns:p14="http://schemas.microsoft.com/office/powerpoint/2010/main" val="301142470"/>
+        <p14:creationId xmlns:p14="http://schemas.microsoft.com/office/powerpoint/2010/main" val="1883095820"/>
       </p:ext>
     </p:extLst>
   </p:cSld>
@@ -3837,25 +3840,31 @@
             </a:pPr>
             <a:r>
               <a:rPr lang="en-US" altLang="zh-CN" dirty="0"/>
-              <a:t>How to enable it?</a:t>
-            </a:r>
-          </a:p>
-          <a:p>
-            <a:pPr marL="0" indent="0">
-              <a:buNone/>
-            </a:pPr>
-            <a:r>
-              <a:rPr lang="en-US" altLang="zh-CN" dirty="0"/>
-              <a:t>HCR register controls the S-2 translation.</a:t>
-            </a:r>
-          </a:p>
-          <a:p>
-            <a:pPr marL="0" indent="0">
-              <a:buNone/>
-            </a:pPr>
-            <a:r>
-              <a:rPr lang="en-US" altLang="zh-CN" dirty="0"/>
-              <a:t>Set the bit[0] of HCR register as 0x1.</a:t>
+              <a:t>How to provide the table?</a:t>
+            </a:r>
+          </a:p>
+          <a:p>
+            <a:pPr marL="0" indent="0">
+              <a:buNone/>
+            </a:pPr>
+            <a:endParaRPr lang="en-US" altLang="zh-CN" sz="2400" dirty="0"/>
+          </a:p>
+          <a:p>
+            <a:pPr marL="0" indent="0">
+              <a:buNone/>
+            </a:pPr>
+            <a:r>
+              <a:rPr lang="en-US" altLang="zh-CN" dirty="0"/>
+              <a:t>VTTBR register defines the address of the S-2 translation table.</a:t>
+            </a:r>
+          </a:p>
+          <a:p>
+            <a:pPr marL="0" indent="0">
+              <a:buNone/>
+            </a:pPr>
+            <a:r>
+              <a:rPr lang="en-US" altLang="zh-CN" dirty="0"/>
+              <a:t>Put the address of translation table into this register.</a:t>
             </a:r>
           </a:p>
           <a:p>
@@ -3868,16 +3877,16 @@
             <a:pPr marL="0" indent="0">
               <a:buNone/>
             </a:pPr>
-            <a:endParaRPr lang="en-US" altLang="zh-CN" dirty="0"/>
+            <a:endParaRPr lang="en-US" altLang="zh-CN" sz="2400" dirty="0"/>
           </a:p>
         </p:txBody>
       </p:sp>
       <p:pic>
         <p:nvPicPr>
-          <p:cNvPr id="5" name="图片 4" descr="图形用户界面, 文本, 应用程序&#10;&#10;描述已自动生成">
+          <p:cNvPr id="5" name="图片 4" descr="图片包含 文本&#10;&#10;描述已自动生成">
             <a:extLst>
               <a:ext uri="{FF2B5EF4-FFF2-40B4-BE49-F238E27FC236}">
-                <a16:creationId xmlns:a16="http://schemas.microsoft.com/office/drawing/2014/main" id="{D0FCA2B1-B267-4FEE-8BEF-0FEE56F06ED7}"/>
+                <a16:creationId xmlns:a16="http://schemas.microsoft.com/office/drawing/2014/main" id="{E980DD44-A2A1-44AB-BA0F-F8A73F47A230}"/>
               </a:ext>
             </a:extLst>
           </p:cNvPr>
@@ -3900,8 +3909,8 @@
         </p:blipFill>
         <p:spPr>
           <a:xfrm>
-            <a:off x="563468" y="3248646"/>
-            <a:ext cx="11065063" cy="2172943"/>
+            <a:off x="415487" y="3628936"/>
+            <a:ext cx="11361025" cy="1530105"/>
           </a:xfrm>
           <a:prstGeom prst="rect">
             <a:avLst/>
@@ -3913,7 +3922,7 @@
           <p:cNvPr id="6" name="文本框 5">
             <a:extLst>
               <a:ext uri="{FF2B5EF4-FFF2-40B4-BE49-F238E27FC236}">
-                <a16:creationId xmlns:a16="http://schemas.microsoft.com/office/drawing/2014/main" id="{73F14030-5A9F-4F14-BA48-4618AD2219AC}"/>
+                <a16:creationId xmlns:a16="http://schemas.microsoft.com/office/drawing/2014/main" id="{DB193B9A-EEFF-4CCF-A9CA-14ADC82A9820}"/>
               </a:ext>
             </a:extLst>
           </p:cNvPr>
@@ -3942,7 +3951,7 @@
             </a:r>
             <a:r>
               <a:rPr lang="en-US" altLang="zh-CN" dirty="0"/>
-              <a:t>Source: G8-6599</a:t>
+              <a:t>Source: G8-6942</a:t>
             </a:r>
             <a:endParaRPr lang="zh-CN" altLang="en-US" dirty="0"/>
           </a:p>
@@ -3951,7 +3960,7 @@
     </p:spTree>
     <p:extLst>
       <p:ext uri="{BB962C8B-B14F-4D97-AF65-F5344CB8AC3E}">
-        <p14:creationId xmlns:p14="http://schemas.microsoft.com/office/powerpoint/2010/main" val="614968923"/>
+        <p14:creationId xmlns:p14="http://schemas.microsoft.com/office/powerpoint/2010/main" val="263346028"/>
       </p:ext>
     </p:extLst>
   </p:cSld>
@@ -4045,6 +4054,72 @@
             </a:pPr>
             <a:r>
               <a:rPr lang="en-US" altLang="zh-CN" dirty="0"/>
+              <a:t>How to use it?</a:t>
+            </a:r>
+          </a:p>
+          <a:p>
+            <a:pPr marL="0" indent="0">
+              <a:buNone/>
+            </a:pPr>
+            <a:r>
+              <a:rPr lang="en-US" altLang="zh-CN" sz="2400" dirty="0"/>
+              <a:t>We (1) </a:t>
+            </a:r>
+            <a:r>
+              <a:rPr lang="en-US" altLang="zh-CN" sz="2400" dirty="0">
+                <a:solidFill>
+                  <a:srgbClr val="FF0000"/>
+                </a:solidFill>
+              </a:rPr>
+              <a:t>Enable</a:t>
+            </a:r>
+            <a:r>
+              <a:rPr lang="en-US" altLang="zh-CN" sz="2400" dirty="0"/>
+              <a:t> the S-2 translation, and (2) Provide the </a:t>
+            </a:r>
+            <a:r>
+              <a:rPr lang="en-US" altLang="zh-CN" sz="2400" dirty="0">
+                <a:solidFill>
+                  <a:srgbClr val="FF0000"/>
+                </a:solidFill>
+              </a:rPr>
+              <a:t>table</a:t>
+            </a:r>
+            <a:r>
+              <a:rPr lang="en-US" altLang="zh-CN" sz="2400" dirty="0"/>
+              <a:t> of S-2 translation, then Memory Management Unit (MMU) will perform the S-2 translation after the S-1 translation.</a:t>
+            </a:r>
+          </a:p>
+          <a:p>
+            <a:pPr marL="0" indent="0">
+              <a:buNone/>
+            </a:pPr>
+            <a:endParaRPr lang="en-US" altLang="zh-CN" dirty="0"/>
+          </a:p>
+          <a:p>
+            <a:pPr marL="0" indent="0">
+              <a:buNone/>
+            </a:pPr>
+            <a:r>
+              <a:rPr lang="en-US" altLang="zh-CN" dirty="0"/>
+              <a:t>You may ask these questions:</a:t>
+            </a:r>
+          </a:p>
+          <a:p>
+            <a:pPr marL="0" indent="0">
+              <a:buNone/>
+            </a:pPr>
+            <a:r>
+              <a:rPr lang="en-US" altLang="zh-CN" sz="2400" dirty="0"/>
+              <a:t>How to enable it?</a:t>
+            </a:r>
+          </a:p>
+          <a:p>
+            <a:pPr marL="0" indent="0">
+              <a:buNone/>
+            </a:pPr>
+            <a:r>
+              <a:rPr lang="en-US" altLang="zh-CN" sz="2400" dirty="0"/>
               <a:t>How to provide the table?</a:t>
             </a:r>
           </a:p>
@@ -4052,120 +4127,17 @@
             <a:pPr marL="0" indent="0">
               <a:buNone/>
             </a:pPr>
-            <a:endParaRPr lang="en-US" altLang="zh-CN" sz="2400" dirty="0"/>
-          </a:p>
-          <a:p>
-            <a:pPr marL="0" indent="0">
-              <a:buNone/>
-            </a:pPr>
-            <a:r>
-              <a:rPr lang="en-US" altLang="zh-CN" dirty="0"/>
-              <a:t>VTTBR register defines the address of the S-2 translation table.</a:t>
-            </a:r>
-          </a:p>
-          <a:p>
-            <a:pPr marL="0" indent="0">
-              <a:buNone/>
-            </a:pPr>
-            <a:r>
-              <a:rPr lang="en-US" altLang="zh-CN" dirty="0"/>
-              <a:t>Put the address of translation table into this register.</a:t>
-            </a:r>
-          </a:p>
-          <a:p>
-            <a:pPr marL="0" indent="0">
-              <a:buNone/>
-            </a:pPr>
-            <a:endParaRPr lang="en-US" altLang="zh-CN" dirty="0"/>
-          </a:p>
-          <a:p>
-            <a:pPr marL="0" indent="0">
-              <a:buNone/>
-            </a:pPr>
-            <a:endParaRPr lang="en-US" altLang="zh-CN" sz="2400" dirty="0"/>
-          </a:p>
-        </p:txBody>
-      </p:sp>
-      <p:pic>
-        <p:nvPicPr>
-          <p:cNvPr id="5" name="图片 4" descr="图片包含 文本&#10;&#10;描述已自动生成">
-            <a:extLst>
-              <a:ext uri="{FF2B5EF4-FFF2-40B4-BE49-F238E27FC236}">
-                <a16:creationId xmlns:a16="http://schemas.microsoft.com/office/drawing/2014/main" id="{E980DD44-A2A1-44AB-BA0F-F8A73F47A230}"/>
-              </a:ext>
-            </a:extLst>
-          </p:cNvPr>
-          <p:cNvPicPr>
-            <a:picLocks noChangeAspect="1"/>
-          </p:cNvPicPr>
-          <p:nvPr/>
-        </p:nvPicPr>
-        <p:blipFill>
-          <a:blip r:embed="rId2">
-            <a:extLst>
-              <a:ext uri="{28A0092B-C50C-407E-A947-70E740481C1C}">
-                <a14:useLocalDpi xmlns:a14="http://schemas.microsoft.com/office/drawing/2010/main" val="0"/>
-              </a:ext>
-            </a:extLst>
-          </a:blip>
-          <a:stretch>
-            <a:fillRect/>
-          </a:stretch>
-        </p:blipFill>
-        <p:spPr>
-          <a:xfrm>
-            <a:off x="415487" y="3628936"/>
-            <a:ext cx="11361025" cy="1530105"/>
-          </a:xfrm>
-          <a:prstGeom prst="rect">
-            <a:avLst/>
-          </a:prstGeom>
-        </p:spPr>
-      </p:pic>
-      <p:sp>
-        <p:nvSpPr>
-          <p:cNvPr id="6" name="文本框 5">
-            <a:extLst>
-              <a:ext uri="{FF2B5EF4-FFF2-40B4-BE49-F238E27FC236}">
-                <a16:creationId xmlns:a16="http://schemas.microsoft.com/office/drawing/2014/main" id="{DB193B9A-EEFF-4CCF-A9CA-14ADC82A9820}"/>
-              </a:ext>
-            </a:extLst>
-          </p:cNvPr>
-          <p:cNvSpPr txBox="1"/>
-          <p:nvPr/>
-        </p:nvSpPr>
-        <p:spPr>
-          <a:xfrm>
-            <a:off x="609600" y="6362494"/>
-            <a:ext cx="10389704" cy="369332"/>
-          </a:xfrm>
-          <a:prstGeom prst="rect">
-            <a:avLst/>
-          </a:prstGeom>
-          <a:noFill/>
-        </p:spPr>
-        <p:txBody>
-          <a:bodyPr wrap="square" rtlCol="0">
-            <a:spAutoFit/>
-          </a:bodyPr>
-          <a:lstStyle/>
-          <a:p>
-            <a:r>
-              <a:rPr lang="zh-CN" altLang="en-US" dirty="0"/>
-              <a:t>*</a:t>
-            </a:r>
-            <a:r>
-              <a:rPr lang="en-US" altLang="zh-CN" dirty="0"/>
-              <a:t>Source: G8-6942</a:t>
-            </a:r>
-            <a:endParaRPr lang="zh-CN" altLang="en-US" dirty="0"/>
+            <a:r>
+              <a:rPr lang="en-US" altLang="zh-CN" sz="2400" dirty="0"/>
+              <a:t>How to create the table?</a:t>
+            </a:r>
           </a:p>
         </p:txBody>
       </p:sp>
     </p:spTree>
     <p:extLst>
       <p:ext uri="{BB962C8B-B14F-4D97-AF65-F5344CB8AC3E}">
-        <p14:creationId xmlns:p14="http://schemas.microsoft.com/office/powerpoint/2010/main" val="263346028"/>
+        <p14:creationId xmlns:p14="http://schemas.microsoft.com/office/powerpoint/2010/main" val="573596799"/>
       </p:ext>
     </p:extLst>
   </p:cSld>
@@ -4259,16 +4231,25 @@
             </a:pPr>
             <a:r>
               <a:rPr lang="en-US" altLang="zh-CN" dirty="0"/>
-              <a:t>Actually, it does not need the specific table address.</a:t>
-            </a:r>
-          </a:p>
-          <a:p>
-            <a:pPr marL="0" indent="0">
-              <a:buNone/>
-            </a:pPr>
-            <a:r>
-              <a:rPr lang="en-US" altLang="zh-CN" dirty="0"/>
-              <a:t>It cuts the offset of the table address, which is provided in VTCR register.</a:t>
+              <a:t>How to enable it?</a:t>
+            </a:r>
+          </a:p>
+          <a:p>
+            <a:pPr marL="0" indent="0">
+              <a:buNone/>
+            </a:pPr>
+            <a:r>
+              <a:rPr lang="en-US" altLang="zh-CN" dirty="0"/>
+              <a:t>HCR register controls the S-2 translation.</a:t>
+            </a:r>
+          </a:p>
+          <a:p>
+            <a:pPr marL="0" indent="0">
+              <a:buNone/>
+            </a:pPr>
+            <a:r>
+              <a:rPr lang="en-US" altLang="zh-CN" dirty="0"/>
+              <a:t>Set the bit[0] of HCR register as 0x1.</a:t>
             </a:r>
           </a:p>
           <a:p>
@@ -4281,59 +4262,16 @@
             <a:pPr marL="0" indent="0">
               <a:buNone/>
             </a:pPr>
-            <a:r>
-              <a:rPr lang="en-US" altLang="zh-CN" dirty="0"/>
-              <a:t>We will configure this register later.</a:t>
-            </a:r>
-          </a:p>
-        </p:txBody>
-      </p:sp>
-      <p:sp>
-        <p:nvSpPr>
-          <p:cNvPr id="6" name="文本框 5">
-            <a:extLst>
-              <a:ext uri="{FF2B5EF4-FFF2-40B4-BE49-F238E27FC236}">
-                <a16:creationId xmlns:a16="http://schemas.microsoft.com/office/drawing/2014/main" id="{DB193B9A-EEFF-4CCF-A9CA-14ADC82A9820}"/>
-              </a:ext>
-            </a:extLst>
-          </p:cNvPr>
-          <p:cNvSpPr txBox="1"/>
-          <p:nvPr/>
-        </p:nvSpPr>
-        <p:spPr>
-          <a:xfrm>
-            <a:off x="609600" y="6362494"/>
-            <a:ext cx="10389704" cy="369332"/>
-          </a:xfrm>
-          <a:prstGeom prst="rect">
-            <a:avLst/>
-          </a:prstGeom>
-          <a:noFill/>
-        </p:spPr>
-        <p:txBody>
-          <a:bodyPr wrap="square" rtlCol="0">
-            <a:spAutoFit/>
-          </a:bodyPr>
-          <a:lstStyle/>
-          <a:p>
-            <a:r>
-              <a:rPr lang="zh-CN" altLang="en-US" dirty="0"/>
-              <a:t>*</a:t>
-            </a:r>
-            <a:r>
-              <a:rPr lang="en-US" altLang="zh-CN" dirty="0"/>
-              <a:t>Source: G8-6942</a:t>
-            </a:r>
-            <a:endParaRPr lang="zh-CN" altLang="en-US" dirty="0"/>
+            <a:endParaRPr lang="en-US" altLang="zh-CN" dirty="0"/>
           </a:p>
         </p:txBody>
       </p:sp>
       <p:pic>
         <p:nvPicPr>
-          <p:cNvPr id="7" name="图片 6" descr="手机屏幕截图&#10;&#10;描述已自动生成">
+          <p:cNvPr id="5" name="图片 4" descr="图形用户界面, 文本, 应用程序&#10;&#10;描述已自动生成">
             <a:extLst>
               <a:ext uri="{FF2B5EF4-FFF2-40B4-BE49-F238E27FC236}">
-                <a16:creationId xmlns:a16="http://schemas.microsoft.com/office/drawing/2014/main" id="{47CA0170-31F7-4091-9E94-E546539C0A20}"/>
+                <a16:creationId xmlns:a16="http://schemas.microsoft.com/office/drawing/2014/main" id="{D0FCA2B1-B267-4FEE-8BEF-0FEE56F06ED7}"/>
               </a:ext>
             </a:extLst>
           </p:cNvPr>
@@ -4356,18 +4294,58 @@
         </p:blipFill>
         <p:spPr>
           <a:xfrm>
-            <a:off x="705677" y="3942024"/>
-            <a:ext cx="11073823" cy="1835924"/>
+            <a:off x="563468" y="3248646"/>
+            <a:ext cx="11065063" cy="2172943"/>
           </a:xfrm>
           <a:prstGeom prst="rect">
             <a:avLst/>
           </a:prstGeom>
         </p:spPr>
       </p:pic>
+      <p:sp>
+        <p:nvSpPr>
+          <p:cNvPr id="6" name="文本框 5">
+            <a:extLst>
+              <a:ext uri="{FF2B5EF4-FFF2-40B4-BE49-F238E27FC236}">
+                <a16:creationId xmlns:a16="http://schemas.microsoft.com/office/drawing/2014/main" id="{73F14030-5A9F-4F14-BA48-4618AD2219AC}"/>
+              </a:ext>
+            </a:extLst>
+          </p:cNvPr>
+          <p:cNvSpPr txBox="1"/>
+          <p:nvPr/>
+        </p:nvSpPr>
+        <p:spPr>
+          <a:xfrm>
+            <a:off x="609600" y="6362494"/>
+            <a:ext cx="10389704" cy="369332"/>
+          </a:xfrm>
+          <a:prstGeom prst="rect">
+            <a:avLst/>
+          </a:prstGeom>
+          <a:noFill/>
+        </p:spPr>
+        <p:txBody>
+          <a:bodyPr wrap="square" rtlCol="0">
+            <a:spAutoFit/>
+          </a:bodyPr>
+          <a:lstStyle/>
+          <a:p>
+            <a:r>
+              <a:rPr lang="zh-CN" altLang="en-US" dirty="0"/>
+              <a:t>*</a:t>
+            </a:r>
+            <a:r>
+              <a:rPr lang="en-US" altLang="zh-CN" dirty="0"/>
+              <a:t>Source: G8-6599</a:t>
+            </a:r>
+            <a:endParaRPr lang="zh-CN" altLang="en-US" dirty="0"/>
+          </a:p>
+        </p:txBody>
+      </p:sp>
     </p:spTree>
     <p:extLst>
       <p:ext uri="{BB962C8B-B14F-4D97-AF65-F5344CB8AC3E}">
-        <p14:creationId xmlns:p14="http://schemas.microsoft.com/office/powerpoint/2010/main" val="1509341698"/>
+        <p14:creationId xmlns:p14="http://schemas.microsoft.com/office/powerpoint/2010/main" val="1137744925"/>
       </p:ext>
     </p:extLst>
   </p:cSld>
@@ -4452,7 +4430,7 @@
         </p:spPr>
         <p:txBody>
           <a:bodyPr>
-            <a:normAutofit fontScale="92500"/>
+            <a:normAutofit/>
           </a:bodyPr>
           <a:lstStyle/>
           <a:p>
@@ -4461,120 +4439,115 @@
             </a:pPr>
             <a:r>
               <a:rPr lang="en-US" altLang="zh-CN" dirty="0"/>
-              <a:t>How to create the table?</a:t>
-            </a:r>
-          </a:p>
-          <a:p>
-            <a:pPr marL="0" indent="0">
-              <a:buNone/>
-            </a:pPr>
-            <a:endParaRPr lang="en-US" altLang="zh-CN" sz="2400" dirty="0"/>
-          </a:p>
-          <a:p>
-            <a:pPr marL="0" indent="0">
-              <a:buNone/>
-            </a:pPr>
-            <a:r>
-              <a:rPr lang="en-US" altLang="zh-CN" sz="2400" dirty="0"/>
-              <a:t>The translation table consists of several levels and page entries (descriptors).</a:t>
-            </a:r>
-          </a:p>
-          <a:p>
-            <a:pPr marL="0" indent="0">
-              <a:buNone/>
-            </a:pPr>
-            <a:r>
-              <a:rPr lang="en-US" altLang="zh-CN" sz="2400" dirty="0"/>
-              <a:t>Each descriptor indicates the </a:t>
-            </a:r>
-            <a:r>
-              <a:rPr lang="en-US" altLang="zh-CN" sz="2400" dirty="0">
-                <a:solidFill>
-                  <a:srgbClr val="FF0000"/>
-                </a:solidFill>
-              </a:rPr>
-              <a:t>attributes</a:t>
-            </a:r>
-            <a:r>
-              <a:rPr lang="en-US" altLang="zh-CN" sz="2400" dirty="0"/>
-              <a:t> of a </a:t>
-            </a:r>
-            <a:r>
-              <a:rPr lang="en-US" altLang="zh-CN" sz="2400" dirty="0">
-                <a:solidFill>
-                  <a:srgbClr val="FF0000"/>
-                </a:solidFill>
-              </a:rPr>
-              <a:t>region</a:t>
-            </a:r>
-            <a:r>
-              <a:rPr lang="en-US" altLang="zh-CN" sz="2400" dirty="0"/>
-              <a:t>.</a:t>
-            </a:r>
-          </a:p>
-          <a:p>
-            <a:pPr marL="0" indent="0">
-              <a:buNone/>
-            </a:pPr>
-            <a:endParaRPr lang="en-US" altLang="zh-CN" sz="2400" dirty="0"/>
-          </a:p>
-          <a:p>
-            <a:pPr marL="0" indent="0">
-              <a:buNone/>
-            </a:pPr>
-            <a:r>
-              <a:rPr lang="en-US" altLang="zh-CN" sz="2400" dirty="0"/>
-              <a:t>Attributes: Read, Write, Execute, Cacheable…</a:t>
-            </a:r>
-          </a:p>
-          <a:p>
-            <a:pPr marL="0" indent="0">
-              <a:buNone/>
-            </a:pPr>
-            <a:endParaRPr lang="en-US" altLang="zh-CN" sz="2400" dirty="0"/>
-          </a:p>
-          <a:p>
-            <a:pPr marL="0" indent="0">
-              <a:buNone/>
-            </a:pPr>
-            <a:r>
-              <a:rPr lang="en-US" altLang="zh-CN" sz="2400" dirty="0"/>
-              <a:t>Region: the size is decided by the level of the descriptor.</a:t>
-            </a:r>
-          </a:p>
-          <a:p>
-            <a:pPr marL="0" indent="0">
-              <a:buNone/>
-            </a:pPr>
-            <a:r>
-              <a:rPr lang="en-US" altLang="zh-CN" sz="2400" dirty="0"/>
-              <a:t>Level1: 1GB region</a:t>
-            </a:r>
-          </a:p>
-          <a:p>
-            <a:pPr marL="0" indent="0">
-              <a:buNone/>
-            </a:pPr>
-            <a:r>
-              <a:rPr lang="en-US" altLang="zh-CN" sz="2400" dirty="0"/>
-              <a:t>Level2: 2MB region</a:t>
-            </a:r>
-          </a:p>
-          <a:p>
-            <a:pPr marL="0" indent="0">
-              <a:buNone/>
-            </a:pPr>
-            <a:r>
-              <a:rPr lang="en-US" altLang="zh-CN" sz="2400" dirty="0"/>
-              <a:t>Level3: 4KB region</a:t>
-            </a:r>
-          </a:p>
-        </p:txBody>
-      </p:sp>
+              <a:t>Actually, it does not need the specific table address.</a:t>
+            </a:r>
+          </a:p>
+          <a:p>
+            <a:pPr marL="0" indent="0">
+              <a:buNone/>
+            </a:pPr>
+            <a:r>
+              <a:rPr lang="en-US" altLang="zh-CN" dirty="0"/>
+              <a:t>It cuts the offset of the table address, which is provided in VTCR register.</a:t>
+            </a:r>
+          </a:p>
+          <a:p>
+            <a:pPr marL="0" indent="0">
+              <a:buNone/>
+            </a:pPr>
+            <a:endParaRPr lang="en-US" altLang="zh-CN" dirty="0"/>
+          </a:p>
+          <a:p>
+            <a:pPr marL="0" indent="0">
+              <a:buNone/>
+            </a:pPr>
+            <a:r>
+              <a:rPr lang="en-US" altLang="zh-CN" dirty="0"/>
+              <a:t>We will configure this register later.</a:t>
+            </a:r>
+          </a:p>
+        </p:txBody>
+      </p:sp>
+      <p:sp>
+        <p:nvSpPr>
+          <p:cNvPr id="6" name="文本框 5">
+            <a:extLst>
+              <a:ext uri="{FF2B5EF4-FFF2-40B4-BE49-F238E27FC236}">
+                <a16:creationId xmlns:a16="http://schemas.microsoft.com/office/drawing/2014/main" id="{DB193B9A-EEFF-4CCF-A9CA-14ADC82A9820}"/>
+              </a:ext>
+            </a:extLst>
+          </p:cNvPr>
+          <p:cNvSpPr txBox="1"/>
+          <p:nvPr/>
+        </p:nvSpPr>
+        <p:spPr>
+          <a:xfrm>
+            <a:off x="609600" y="6362494"/>
+            <a:ext cx="10389704" cy="369332"/>
+          </a:xfrm>
+          <a:prstGeom prst="rect">
+            <a:avLst/>
+          </a:prstGeom>
+          <a:noFill/>
+        </p:spPr>
+        <p:txBody>
+          <a:bodyPr wrap="square" rtlCol="0">
+            <a:spAutoFit/>
+          </a:bodyPr>
+          <a:lstStyle/>
+          <a:p>
+            <a:r>
+              <a:rPr lang="zh-CN" altLang="en-US" dirty="0"/>
+              <a:t>*</a:t>
+            </a:r>
+            <a:r>
+              <a:rPr lang="en-US" altLang="zh-CN" dirty="0"/>
+              <a:t>Source: G8-6942</a:t>
+            </a:r>
+            <a:endParaRPr lang="zh-CN" altLang="en-US" dirty="0"/>
+          </a:p>
+        </p:txBody>
+      </p:sp>
+      <p:pic>
+        <p:nvPicPr>
+          <p:cNvPr id="7" name="图片 6" descr="手机屏幕截图&#10;&#10;描述已自动生成">
+            <a:extLst>
+              <a:ext uri="{FF2B5EF4-FFF2-40B4-BE49-F238E27FC236}">
+                <a16:creationId xmlns:a16="http://schemas.microsoft.com/office/drawing/2014/main" id="{47CA0170-31F7-4091-9E94-E546539C0A20}"/>
+              </a:ext>
+            </a:extLst>
+          </p:cNvPr>
+          <p:cNvPicPr>
+            <a:picLocks noChangeAspect="1"/>
+          </p:cNvPicPr>
+          <p:nvPr/>
+        </p:nvPicPr>
+        <p:blipFill>
+          <a:blip r:embed="rId2">
+            <a:extLst>
+              <a:ext uri="{28A0092B-C50C-407E-A947-70E740481C1C}">
+                <a14:useLocalDpi xmlns:a14="http://schemas.microsoft.com/office/drawing/2010/main" val="0"/>
+              </a:ext>
+            </a:extLst>
+          </a:blip>
+          <a:stretch>
+            <a:fillRect/>
+          </a:stretch>
+        </p:blipFill>
+        <p:spPr>
+          <a:xfrm>
+            <a:off x="705677" y="3942024"/>
+            <a:ext cx="11073823" cy="1835924"/>
+          </a:xfrm>
+          <a:prstGeom prst="rect">
+            <a:avLst/>
+          </a:prstGeom>
+        </p:spPr>
+      </p:pic>
     </p:spTree>
     <p:extLst>
       <p:ext uri="{BB962C8B-B14F-4D97-AF65-F5344CB8AC3E}">
-        <p14:creationId xmlns:p14="http://schemas.microsoft.com/office/powerpoint/2010/main" val="166836670"/>
+        <p14:creationId xmlns:p14="http://schemas.microsoft.com/office/powerpoint/2010/main" val="2636928181"/>
       </p:ext>
     </p:extLst>
   </p:cSld>
@@ -4585,6 +4558,213 @@
 </file>
 
 <file path=ppt/slides/slide16.xml><?xml version="1.0" encoding="utf-8"?>
+<p:sld xmlns:a="http://schemas.openxmlformats.org/drawingml/2006/main" xmlns:r="http://schemas.openxmlformats.org/officeDocument/2006/relationships" xmlns:p="http://schemas.openxmlformats.org/presentationml/2006/main">
+  <p:cSld>
+    <p:spTree>
+      <p:nvGrpSpPr>
+        <p:cNvPr id="1" name=""/>
+        <p:cNvGrpSpPr/>
+        <p:nvPr/>
+      </p:nvGrpSpPr>
+      <p:grpSpPr>
+        <a:xfrm>
+          <a:off x="0" y="0"/>
+          <a:ext cx="0" cy="0"/>
+          <a:chOff x="0" y="0"/>
+          <a:chExt cx="0" cy="0"/>
+        </a:xfrm>
+      </p:grpSpPr>
+      <p:sp>
+        <p:nvSpPr>
+          <p:cNvPr id="2" name="标题 1">
+            <a:extLst>
+              <a:ext uri="{FF2B5EF4-FFF2-40B4-BE49-F238E27FC236}">
+                <a16:creationId xmlns:a16="http://schemas.microsoft.com/office/drawing/2014/main" id="{C8E4CC26-1034-4229-BFFF-91B82B8841DF}"/>
+              </a:ext>
+            </a:extLst>
+          </p:cNvPr>
+          <p:cNvSpPr>
+            <a:spLocks noGrp="1"/>
+          </p:cNvSpPr>
+          <p:nvPr>
+            <p:ph type="title"/>
+          </p:nvPr>
+        </p:nvSpPr>
+        <p:spPr>
+          <a:xfrm>
+            <a:off x="838200" y="365125"/>
+            <a:ext cx="10515600" cy="734805"/>
+          </a:xfrm>
+        </p:spPr>
+        <p:txBody>
+          <a:bodyPr/>
+          <a:lstStyle/>
+          <a:p>
+            <a:r>
+              <a:rPr lang="en-US" altLang="zh-CN" dirty="0"/>
+              <a:t>Background: Stage-2 translation</a:t>
+            </a:r>
+            <a:endParaRPr lang="zh-CN" altLang="en-US" dirty="0"/>
+          </a:p>
+        </p:txBody>
+      </p:sp>
+      <p:sp>
+        <p:nvSpPr>
+          <p:cNvPr id="3" name="内容占位符 2">
+            <a:extLst>
+              <a:ext uri="{FF2B5EF4-FFF2-40B4-BE49-F238E27FC236}">
+                <a16:creationId xmlns:a16="http://schemas.microsoft.com/office/drawing/2014/main" id="{9A6FAEDA-4286-4CB3-9B77-49C42135920F}"/>
+              </a:ext>
+            </a:extLst>
+          </p:cNvPr>
+          <p:cNvSpPr>
+            <a:spLocks noGrp="1"/>
+          </p:cNvSpPr>
+          <p:nvPr>
+            <p:ph idx="1"/>
+          </p:nvPr>
+        </p:nvSpPr>
+        <p:spPr>
+          <a:xfrm>
+            <a:off x="838200" y="1285461"/>
+            <a:ext cx="10515600" cy="4891502"/>
+          </a:xfrm>
+        </p:spPr>
+        <p:txBody>
+          <a:bodyPr>
+            <a:normAutofit fontScale="92500"/>
+          </a:bodyPr>
+          <a:lstStyle/>
+          <a:p>
+            <a:pPr marL="0" indent="0">
+              <a:buNone/>
+            </a:pPr>
+            <a:r>
+              <a:rPr lang="en-US" altLang="zh-CN" dirty="0"/>
+              <a:t>How to create the table?</a:t>
+            </a:r>
+          </a:p>
+          <a:p>
+            <a:pPr marL="0" indent="0">
+              <a:buNone/>
+            </a:pPr>
+            <a:endParaRPr lang="en-US" altLang="zh-CN" sz="2400" dirty="0"/>
+          </a:p>
+          <a:p>
+            <a:pPr marL="0" indent="0">
+              <a:buNone/>
+            </a:pPr>
+            <a:r>
+              <a:rPr lang="en-US" altLang="zh-CN" sz="2400" dirty="0"/>
+              <a:t>The translation table consists of several levels and page entries (descriptors).</a:t>
+            </a:r>
+          </a:p>
+          <a:p>
+            <a:pPr marL="0" indent="0">
+              <a:buNone/>
+            </a:pPr>
+            <a:r>
+              <a:rPr lang="en-US" altLang="zh-CN" sz="2400" dirty="0"/>
+              <a:t>Each descriptor indicates the </a:t>
+            </a:r>
+            <a:r>
+              <a:rPr lang="en-US" altLang="zh-CN" sz="2400" dirty="0">
+                <a:solidFill>
+                  <a:srgbClr val="FF0000"/>
+                </a:solidFill>
+              </a:rPr>
+              <a:t>attributes</a:t>
+            </a:r>
+            <a:r>
+              <a:rPr lang="en-US" altLang="zh-CN" sz="2400" dirty="0"/>
+              <a:t> of a </a:t>
+            </a:r>
+            <a:r>
+              <a:rPr lang="en-US" altLang="zh-CN" sz="2400" dirty="0">
+                <a:solidFill>
+                  <a:srgbClr val="FF0000"/>
+                </a:solidFill>
+              </a:rPr>
+              <a:t>region</a:t>
+            </a:r>
+            <a:r>
+              <a:rPr lang="en-US" altLang="zh-CN" sz="2400" dirty="0"/>
+              <a:t>.</a:t>
+            </a:r>
+          </a:p>
+          <a:p>
+            <a:pPr marL="0" indent="0">
+              <a:buNone/>
+            </a:pPr>
+            <a:endParaRPr lang="en-US" altLang="zh-CN" sz="2400" dirty="0"/>
+          </a:p>
+          <a:p>
+            <a:pPr marL="0" indent="0">
+              <a:buNone/>
+            </a:pPr>
+            <a:r>
+              <a:rPr lang="en-US" altLang="zh-CN" sz="2400" dirty="0"/>
+              <a:t>Attributes: Read, Write, Execute, Cacheable…</a:t>
+            </a:r>
+          </a:p>
+          <a:p>
+            <a:pPr marL="0" indent="0">
+              <a:buNone/>
+            </a:pPr>
+            <a:endParaRPr lang="en-US" altLang="zh-CN" sz="2400" dirty="0"/>
+          </a:p>
+          <a:p>
+            <a:pPr marL="0" indent="0">
+              <a:buNone/>
+            </a:pPr>
+            <a:r>
+              <a:rPr lang="en-US" altLang="zh-CN" sz="2400" dirty="0"/>
+              <a:t>Region: the size is decided by the level of the descriptor.</a:t>
+            </a:r>
+          </a:p>
+          <a:p>
+            <a:pPr marL="0" indent="0">
+              <a:buNone/>
+            </a:pPr>
+            <a:r>
+              <a:rPr lang="en-US" altLang="zh-CN" sz="2400" dirty="0"/>
+              <a:t>Level1: 1GB region</a:t>
+            </a:r>
+          </a:p>
+          <a:p>
+            <a:pPr marL="0" indent="0">
+              <a:buNone/>
+            </a:pPr>
+            <a:r>
+              <a:rPr lang="en-US" altLang="zh-CN" sz="2400" dirty="0"/>
+              <a:t>Level2: 2MB region</a:t>
+            </a:r>
+          </a:p>
+          <a:p>
+            <a:pPr marL="0" indent="0">
+              <a:buNone/>
+            </a:pPr>
+            <a:r>
+              <a:rPr lang="en-US" altLang="zh-CN" sz="2400" dirty="0"/>
+              <a:t>Level3: 4KB region</a:t>
+            </a:r>
+          </a:p>
+        </p:txBody>
+      </p:sp>
+    </p:spTree>
+    <p:extLst>
+      <p:ext uri="{BB962C8B-B14F-4D97-AF65-F5344CB8AC3E}">
+        <p14:creationId xmlns:p14="http://schemas.microsoft.com/office/powerpoint/2010/main" val="3417055771"/>
+      </p:ext>
+    </p:extLst>
+  </p:cSld>
+  <p:clrMapOvr>
+    <a:masterClrMapping/>
+  </p:clrMapOvr>
+</p:sld>
+</file>
+
+<file path=ppt/slides/slide17.xml><?xml version="1.0" encoding="utf-8"?>
 <p:sld xmlns:a="http://schemas.openxmlformats.org/drawingml/2006/main" xmlns:r="http://schemas.openxmlformats.org/officeDocument/2006/relationships" xmlns:p="http://schemas.openxmlformats.org/presentationml/2006/main">
   <p:cSld>
     <p:spTree>
@@ -4940,7 +5120,7 @@
     </p:spTree>
     <p:extLst>
       <p:ext uri="{BB962C8B-B14F-4D97-AF65-F5344CB8AC3E}">
-        <p14:creationId xmlns:p14="http://schemas.microsoft.com/office/powerpoint/2010/main" val="814529375"/>
+        <p14:creationId xmlns:p14="http://schemas.microsoft.com/office/powerpoint/2010/main" val="3312176798"/>
       </p:ext>
     </p:extLst>
   </p:cSld>
@@ -4950,7 +5130,7 @@
 </p:sld>
 </file>
 
-<file path=ppt/slides/slide17.xml><?xml version="1.0" encoding="utf-8"?>
+<file path=ppt/slides/slide18.xml><?xml version="1.0" encoding="utf-8"?>
 <p:sld xmlns:a="http://schemas.openxmlformats.org/drawingml/2006/main" xmlns:r="http://schemas.openxmlformats.org/officeDocument/2006/relationships" xmlns:p="http://schemas.openxmlformats.org/presentationml/2006/main">
   <p:cSld>
     <p:spTree>
@@ -5293,7 +5473,7 @@
     </p:spTree>
     <p:extLst>
       <p:ext uri="{BB962C8B-B14F-4D97-AF65-F5344CB8AC3E}">
-        <p14:creationId xmlns:p14="http://schemas.microsoft.com/office/powerpoint/2010/main" val="2170758602"/>
+        <p14:creationId xmlns:p14="http://schemas.microsoft.com/office/powerpoint/2010/main" val="1367516284"/>
       </p:ext>
     </p:extLst>
   </p:cSld>
@@ -5303,7 +5483,7 @@
 </p:sld>
 </file>
 
-<file path=ppt/slides/slide18.xml><?xml version="1.0" encoding="utf-8"?>
+<file path=ppt/slides/slide19.xml><?xml version="1.0" encoding="utf-8"?>
 <p:sld xmlns:a="http://schemas.openxmlformats.org/drawingml/2006/main" xmlns:r="http://schemas.openxmlformats.org/officeDocument/2006/relationships" xmlns:p="http://schemas.openxmlformats.org/presentationml/2006/main">
   <p:cSld>
     <p:spTree>
@@ -5709,7 +5889,7 @@
     </p:spTree>
     <p:extLst>
       <p:ext uri="{BB962C8B-B14F-4D97-AF65-F5344CB8AC3E}">
-        <p14:creationId xmlns:p14="http://schemas.microsoft.com/office/powerpoint/2010/main" val="864829240"/>
+        <p14:creationId xmlns:p14="http://schemas.microsoft.com/office/powerpoint/2010/main" val="1811139215"/>
       </p:ext>
     </p:extLst>
   </p:cSld>
@@ -5719,7 +5899,156 @@
 </p:sld>
 </file>
 
-<file path=ppt/slides/slide19.xml><?xml version="1.0" encoding="utf-8"?>
+<file path=ppt/slides/slide2.xml><?xml version="1.0" encoding="utf-8"?>
+<p:sld xmlns:a="http://schemas.openxmlformats.org/drawingml/2006/main" xmlns:r="http://schemas.openxmlformats.org/officeDocument/2006/relationships" xmlns:p="http://schemas.openxmlformats.org/presentationml/2006/main">
+  <p:cSld>
+    <p:spTree>
+      <p:nvGrpSpPr>
+        <p:cNvPr id="1" name=""/>
+        <p:cNvGrpSpPr/>
+        <p:nvPr/>
+      </p:nvGrpSpPr>
+      <p:grpSpPr>
+        <a:xfrm>
+          <a:off x="0" y="0"/>
+          <a:ext cx="0" cy="0"/>
+          <a:chOff x="0" y="0"/>
+          <a:chExt cx="0" cy="0"/>
+        </a:xfrm>
+      </p:grpSpPr>
+      <p:sp>
+        <p:nvSpPr>
+          <p:cNvPr id="2" name="标题 1">
+            <a:extLst>
+              <a:ext uri="{FF2B5EF4-FFF2-40B4-BE49-F238E27FC236}">
+                <a16:creationId xmlns:a16="http://schemas.microsoft.com/office/drawing/2014/main" id="{C8E4CC26-1034-4229-BFFF-91B82B8841DF}"/>
+              </a:ext>
+            </a:extLst>
+          </p:cNvPr>
+          <p:cNvSpPr>
+            <a:spLocks noGrp="1"/>
+          </p:cNvSpPr>
+          <p:nvPr>
+            <p:ph type="title"/>
+          </p:nvPr>
+        </p:nvSpPr>
+        <p:spPr>
+          <a:xfrm>
+            <a:off x="838200" y="365125"/>
+            <a:ext cx="10515600" cy="734805"/>
+          </a:xfrm>
+        </p:spPr>
+        <p:txBody>
+          <a:bodyPr/>
+          <a:lstStyle/>
+          <a:p>
+            <a:r>
+              <a:rPr lang="en-US" altLang="zh-CN" dirty="0"/>
+              <a:t>Outline</a:t>
+            </a:r>
+            <a:endParaRPr lang="zh-CN" altLang="en-US" dirty="0"/>
+          </a:p>
+        </p:txBody>
+      </p:sp>
+      <p:sp>
+        <p:nvSpPr>
+          <p:cNvPr id="3" name="内容占位符 2">
+            <a:extLst>
+              <a:ext uri="{FF2B5EF4-FFF2-40B4-BE49-F238E27FC236}">
+                <a16:creationId xmlns:a16="http://schemas.microsoft.com/office/drawing/2014/main" id="{9A6FAEDA-4286-4CB3-9B77-49C42135920F}"/>
+              </a:ext>
+            </a:extLst>
+          </p:cNvPr>
+          <p:cNvSpPr>
+            <a:spLocks noGrp="1"/>
+          </p:cNvSpPr>
+          <p:nvPr>
+            <p:ph idx="1"/>
+          </p:nvPr>
+        </p:nvSpPr>
+        <p:spPr>
+          <a:xfrm>
+            <a:off x="838200" y="1285461"/>
+            <a:ext cx="10515600" cy="4891502"/>
+          </a:xfrm>
+        </p:spPr>
+        <p:txBody>
+          <a:bodyPr/>
+          <a:lstStyle/>
+          <a:p>
+            <a:pPr marL="0" indent="0">
+              <a:buNone/>
+            </a:pPr>
+            <a:r>
+              <a:rPr lang="en-US" altLang="zh-CN" dirty="0"/>
+              <a:t>1.</a:t>
+            </a:r>
+            <a:r>
+              <a:rPr lang="zh-CN" altLang="en-US" dirty="0"/>
+              <a:t> </a:t>
+            </a:r>
+            <a:r>
+              <a:rPr lang="en-US" altLang="zh-CN" dirty="0"/>
+              <a:t>Introduction</a:t>
+            </a:r>
+          </a:p>
+          <a:p>
+            <a:pPr marL="0" indent="0">
+              <a:buNone/>
+            </a:pPr>
+            <a:r>
+              <a:rPr lang="en-US" altLang="zh-CN" dirty="0"/>
+              <a:t>2. Background</a:t>
+            </a:r>
+          </a:p>
+          <a:p>
+            <a:pPr marL="0" indent="0">
+              <a:buNone/>
+            </a:pPr>
+            <a:r>
+              <a:rPr lang="en-US" altLang="zh-CN" dirty="0"/>
+              <a:t>3. Design and Implementation</a:t>
+            </a:r>
+          </a:p>
+          <a:p>
+            <a:pPr marL="0" indent="0">
+              <a:buNone/>
+            </a:pPr>
+            <a:r>
+              <a:rPr lang="en-US" altLang="zh-CN" dirty="0"/>
+              <a:t>4. Possible Q&amp;A</a:t>
+            </a:r>
+          </a:p>
+          <a:p>
+            <a:pPr marL="0" indent="0">
+              <a:buNone/>
+            </a:pPr>
+            <a:r>
+              <a:rPr lang="en-US" altLang="zh-CN" dirty="0"/>
+              <a:t>5. Necessary </a:t>
+            </a:r>
+            <a:r>
+              <a:rPr lang="en-US" altLang="zh-CN"/>
+              <a:t>meterials</a:t>
+            </a:r>
+            <a:endParaRPr lang="en-US" altLang="zh-CN" dirty="0"/>
+          </a:p>
+        </p:txBody>
+      </p:sp>
+    </p:spTree>
+    <p:extLst>
+      <p:ext uri="{BB962C8B-B14F-4D97-AF65-F5344CB8AC3E}">
+        <p14:creationId xmlns:p14="http://schemas.microsoft.com/office/powerpoint/2010/main" val="1549014384"/>
+      </p:ext>
+    </p:extLst>
+  </p:cSld>
+  <p:clrMapOvr>
+    <a:masterClrMapping/>
+  </p:clrMapOvr>
+</p:sld>
+</file>
+
+<file path=ppt/slides/slide20.xml><?xml version="1.0" encoding="utf-8"?>
 <p:sld xmlns:a="http://schemas.openxmlformats.org/drawingml/2006/main" xmlns:r="http://schemas.openxmlformats.org/officeDocument/2006/relationships" xmlns:p="http://schemas.openxmlformats.org/presentationml/2006/main">
   <p:cSld>
     <p:spTree>
@@ -6115,7 +6444,7 @@
     </p:spTree>
     <p:extLst>
       <p:ext uri="{BB962C8B-B14F-4D97-AF65-F5344CB8AC3E}">
-        <p14:creationId xmlns:p14="http://schemas.microsoft.com/office/powerpoint/2010/main" val="812130142"/>
+        <p14:creationId xmlns:p14="http://schemas.microsoft.com/office/powerpoint/2010/main" val="3151996370"/>
       </p:ext>
     </p:extLst>
   </p:cSld>
@@ -6125,142 +6454,7 @@
 </p:sld>
 </file>
 
-<file path=ppt/slides/slide2.xml><?xml version="1.0" encoding="utf-8"?>
-<p:sld xmlns:a="http://schemas.openxmlformats.org/drawingml/2006/main" xmlns:r="http://schemas.openxmlformats.org/officeDocument/2006/relationships" xmlns:p="http://schemas.openxmlformats.org/presentationml/2006/main">
-  <p:cSld>
-    <p:spTree>
-      <p:nvGrpSpPr>
-        <p:cNvPr id="1" name=""/>
-        <p:cNvGrpSpPr/>
-        <p:nvPr/>
-      </p:nvGrpSpPr>
-      <p:grpSpPr>
-        <a:xfrm>
-          <a:off x="0" y="0"/>
-          <a:ext cx="0" cy="0"/>
-          <a:chOff x="0" y="0"/>
-          <a:chExt cx="0" cy="0"/>
-        </a:xfrm>
-      </p:grpSpPr>
-      <p:sp>
-        <p:nvSpPr>
-          <p:cNvPr id="2" name="标题 1">
-            <a:extLst>
-              <a:ext uri="{FF2B5EF4-FFF2-40B4-BE49-F238E27FC236}">
-                <a16:creationId xmlns:a16="http://schemas.microsoft.com/office/drawing/2014/main" id="{C8E4CC26-1034-4229-BFFF-91B82B8841DF}"/>
-              </a:ext>
-            </a:extLst>
-          </p:cNvPr>
-          <p:cNvSpPr>
-            <a:spLocks noGrp="1"/>
-          </p:cNvSpPr>
-          <p:nvPr>
-            <p:ph type="title"/>
-          </p:nvPr>
-        </p:nvSpPr>
-        <p:spPr>
-          <a:xfrm>
-            <a:off x="838200" y="365125"/>
-            <a:ext cx="10515600" cy="734805"/>
-          </a:xfrm>
-        </p:spPr>
-        <p:txBody>
-          <a:bodyPr/>
-          <a:lstStyle/>
-          <a:p>
-            <a:r>
-              <a:rPr lang="en-US" altLang="zh-CN" dirty="0"/>
-              <a:t>Outline</a:t>
-            </a:r>
-            <a:endParaRPr lang="zh-CN" altLang="en-US" dirty="0"/>
-          </a:p>
-        </p:txBody>
-      </p:sp>
-      <p:sp>
-        <p:nvSpPr>
-          <p:cNvPr id="3" name="内容占位符 2">
-            <a:extLst>
-              <a:ext uri="{FF2B5EF4-FFF2-40B4-BE49-F238E27FC236}">
-                <a16:creationId xmlns:a16="http://schemas.microsoft.com/office/drawing/2014/main" id="{9A6FAEDA-4286-4CB3-9B77-49C42135920F}"/>
-              </a:ext>
-            </a:extLst>
-          </p:cNvPr>
-          <p:cNvSpPr>
-            <a:spLocks noGrp="1"/>
-          </p:cNvSpPr>
-          <p:nvPr>
-            <p:ph idx="1"/>
-          </p:nvPr>
-        </p:nvSpPr>
-        <p:spPr>
-          <a:xfrm>
-            <a:off x="838200" y="1285461"/>
-            <a:ext cx="10515600" cy="4891502"/>
-          </a:xfrm>
-        </p:spPr>
-        <p:txBody>
-          <a:bodyPr/>
-          <a:lstStyle/>
-          <a:p>
-            <a:pPr marL="0" indent="0">
-              <a:buNone/>
-            </a:pPr>
-            <a:r>
-              <a:rPr lang="en-US" altLang="zh-CN" dirty="0"/>
-              <a:t>1.</a:t>
-            </a:r>
-            <a:r>
-              <a:rPr lang="zh-CN" altLang="en-US" dirty="0"/>
-              <a:t> </a:t>
-            </a:r>
-            <a:r>
-              <a:rPr lang="en-US" altLang="zh-CN" dirty="0"/>
-              <a:t>Introduction</a:t>
-            </a:r>
-          </a:p>
-          <a:p>
-            <a:pPr marL="0" indent="0">
-              <a:buNone/>
-            </a:pPr>
-            <a:r>
-              <a:rPr lang="en-US" altLang="zh-CN" dirty="0"/>
-              <a:t>2. Background</a:t>
-            </a:r>
-          </a:p>
-          <a:p>
-            <a:pPr marL="0" indent="0">
-              <a:buNone/>
-            </a:pPr>
-            <a:r>
-              <a:rPr lang="en-US" altLang="zh-CN" dirty="0"/>
-              <a:t>3. Design and Implementation</a:t>
-            </a:r>
-          </a:p>
-          <a:p>
-            <a:pPr marL="0" indent="0">
-              <a:buNone/>
-            </a:pPr>
-            <a:r>
-              <a:rPr lang="en-US" altLang="zh-CN" dirty="0"/>
-              <a:t>4. Possible Q&amp;A</a:t>
-            </a:r>
-          </a:p>
-        </p:txBody>
-      </p:sp>
-    </p:spTree>
-    <p:extLst>
-      <p:ext uri="{BB962C8B-B14F-4D97-AF65-F5344CB8AC3E}">
-        <p14:creationId xmlns:p14="http://schemas.microsoft.com/office/powerpoint/2010/main" val="1549014384"/>
-      </p:ext>
-    </p:extLst>
-  </p:cSld>
-  <p:clrMapOvr>
-    <a:masterClrMapping/>
-  </p:clrMapOvr>
-</p:sld>
-</file>
-
-<file path=ppt/slides/slide20.xml><?xml version="1.0" encoding="utf-8"?>
+<file path=ppt/slides/slide21.xml><?xml version="1.0" encoding="utf-8"?>
 <p:sld xmlns:a="http://schemas.openxmlformats.org/drawingml/2006/main" xmlns:r="http://schemas.openxmlformats.org/officeDocument/2006/relationships" xmlns:p="http://schemas.openxmlformats.org/presentationml/2006/main">
   <p:cSld>
     <p:spTree>
@@ -6633,74 +6827,7 @@
     </p:spTree>
     <p:extLst>
       <p:ext uri="{BB962C8B-B14F-4D97-AF65-F5344CB8AC3E}">
-        <p14:creationId xmlns:p14="http://schemas.microsoft.com/office/powerpoint/2010/main" val="3109837601"/>
-      </p:ext>
-    </p:extLst>
-  </p:cSld>
-  <p:clrMapOvr>
-    <a:masterClrMapping/>
-  </p:clrMapOvr>
-</p:sld>
-</file>
-
-<file path=ppt/slides/slide21.xml><?xml version="1.0" encoding="utf-8"?>
-<p:sld xmlns:a="http://schemas.openxmlformats.org/drawingml/2006/main" xmlns:r="http://schemas.openxmlformats.org/officeDocument/2006/relationships" xmlns:p="http://schemas.openxmlformats.org/presentationml/2006/main">
-  <p:cSld>
-    <p:spTree>
-      <p:nvGrpSpPr>
-        <p:cNvPr id="1" name=""/>
-        <p:cNvGrpSpPr/>
-        <p:nvPr/>
-      </p:nvGrpSpPr>
-      <p:grpSpPr>
-        <a:xfrm>
-          <a:off x="0" y="0"/>
-          <a:ext cx="0" cy="0"/>
-          <a:chOff x="0" y="0"/>
-          <a:chExt cx="0" cy="0"/>
-        </a:xfrm>
-      </p:grpSpPr>
-      <p:sp>
-        <p:nvSpPr>
-          <p:cNvPr id="2" name="标题 1">
-            <a:extLst>
-              <a:ext uri="{FF2B5EF4-FFF2-40B4-BE49-F238E27FC236}">
-                <a16:creationId xmlns:a16="http://schemas.microsoft.com/office/drawing/2014/main" id="{33863609-18E9-4020-8712-92286D1B052C}"/>
-              </a:ext>
-            </a:extLst>
-          </p:cNvPr>
-          <p:cNvSpPr>
-            <a:spLocks noGrp="1"/>
-          </p:cNvSpPr>
-          <p:nvPr>
-            <p:ph type="title"/>
-          </p:nvPr>
-        </p:nvSpPr>
-        <p:spPr>
-          <a:xfrm>
-            <a:off x="838200" y="2766218"/>
-            <a:ext cx="10515600" cy="1325563"/>
-          </a:xfrm>
-        </p:spPr>
-        <p:txBody>
-          <a:bodyPr>
-            <a:normAutofit/>
-          </a:bodyPr>
-          <a:lstStyle/>
-          <a:p>
-            <a:pPr algn="ctr"/>
-            <a:r>
-              <a:rPr lang="en-US" altLang="zh-CN" sz="6000" dirty="0"/>
-              <a:t>Design</a:t>
-            </a:r>
-            <a:endParaRPr lang="zh-CN" altLang="en-US" sz="6000" dirty="0"/>
-          </a:p>
-        </p:txBody>
-      </p:sp>
-    </p:spTree>
-    <p:extLst>
-      <p:ext uri="{BB962C8B-B14F-4D97-AF65-F5344CB8AC3E}">
-        <p14:creationId xmlns:p14="http://schemas.microsoft.com/office/powerpoint/2010/main" val="3560907325"/>
+        <p14:creationId xmlns:p14="http://schemas.microsoft.com/office/powerpoint/2010/main" val="3884189431"/>
       </p:ext>
     </p:extLst>
   </p:cSld>
@@ -6732,7 +6859,7 @@
           <p:cNvPr id="2" name="标题 1">
             <a:extLst>
               <a:ext uri="{FF2B5EF4-FFF2-40B4-BE49-F238E27FC236}">
-                <a16:creationId xmlns:a16="http://schemas.microsoft.com/office/drawing/2014/main" id="{C8E4CC26-1034-4229-BFFF-91B82B8841DF}"/>
+                <a16:creationId xmlns:a16="http://schemas.microsoft.com/office/drawing/2014/main" id="{33863609-18E9-4020-8712-92286D1B052C}"/>
               </a:ext>
             </a:extLst>
           </p:cNvPr>
@@ -6745,42 +6872,8 @@
         </p:nvSpPr>
         <p:spPr>
           <a:xfrm>
-            <a:off x="838200" y="365125"/>
-            <a:ext cx="10515600" cy="734805"/>
-          </a:xfrm>
-        </p:spPr>
-        <p:txBody>
-          <a:bodyPr/>
-          <a:lstStyle/>
-          <a:p>
-            <a:r>
-              <a:rPr lang="en-US" altLang="zh-CN" dirty="0"/>
-              <a:t>Design</a:t>
-            </a:r>
-            <a:endParaRPr lang="zh-CN" altLang="en-US" dirty="0"/>
-          </a:p>
-        </p:txBody>
-      </p:sp>
-      <p:sp>
-        <p:nvSpPr>
-          <p:cNvPr id="3" name="内容占位符 2">
-            <a:extLst>
-              <a:ext uri="{FF2B5EF4-FFF2-40B4-BE49-F238E27FC236}">
-                <a16:creationId xmlns:a16="http://schemas.microsoft.com/office/drawing/2014/main" id="{9A6FAEDA-4286-4CB3-9B77-49C42135920F}"/>
-              </a:ext>
-            </a:extLst>
-          </p:cNvPr>
-          <p:cNvSpPr>
-            <a:spLocks noGrp="1"/>
-          </p:cNvSpPr>
-          <p:nvPr>
-            <p:ph idx="1"/>
-          </p:nvPr>
-        </p:nvSpPr>
-        <p:spPr>
-          <a:xfrm>
-            <a:off x="838200" y="1285461"/>
-            <a:ext cx="10515600" cy="4891502"/>
+            <a:off x="838200" y="2766218"/>
+            <a:ext cx="10515600" cy="1325563"/>
           </a:xfrm>
         </p:spPr>
         <p:txBody>
@@ -6789,53 +6882,19 @@
           </a:bodyPr>
           <a:lstStyle/>
           <a:p>
-            <a:pPr marL="0" indent="0">
-              <a:buNone/>
-            </a:pPr>
-            <a:r>
-              <a:rPr lang="en-US" altLang="zh-CN" dirty="0"/>
-              <a:t>Goals in this Lab:</a:t>
-            </a:r>
-          </a:p>
-          <a:p>
-            <a:pPr marL="0" indent="0">
-              <a:buNone/>
-            </a:pPr>
-            <a:r>
-              <a:rPr lang="en-US" altLang="zh-CN" sz="2400" dirty="0"/>
-              <a:t>Enable the Stage-2 translation.</a:t>
-            </a:r>
-          </a:p>
-          <a:p>
-            <a:pPr marL="0" indent="0">
-              <a:buNone/>
-            </a:pPr>
-            <a:r>
-              <a:rPr lang="en-US" altLang="zh-CN" sz="2400" dirty="0"/>
-              <a:t>Invalid the mapping of the debug registers.</a:t>
-            </a:r>
-          </a:p>
-          <a:p>
-            <a:pPr marL="0" indent="0">
-              <a:buNone/>
-            </a:pPr>
-            <a:r>
-              <a:rPr lang="en-US" altLang="zh-CN" sz="2400" dirty="0"/>
-              <a:t>Invalid the mapping of S-2 translation table.</a:t>
-            </a:r>
-          </a:p>
-          <a:p>
-            <a:pPr marL="0" indent="0">
-              <a:buNone/>
-            </a:pPr>
-            <a:endParaRPr lang="en-US" altLang="zh-CN" sz="2400" dirty="0"/>
+            <a:pPr algn="ctr"/>
+            <a:r>
+              <a:rPr lang="en-US" altLang="zh-CN" sz="6000" dirty="0"/>
+              <a:t>Design</a:t>
+            </a:r>
+            <a:endParaRPr lang="zh-CN" altLang="en-US" sz="6000" dirty="0"/>
           </a:p>
         </p:txBody>
       </p:sp>
     </p:spTree>
     <p:extLst>
       <p:ext uri="{BB962C8B-B14F-4D97-AF65-F5344CB8AC3E}">
-        <p14:creationId xmlns:p14="http://schemas.microsoft.com/office/powerpoint/2010/main" val="682128566"/>
+        <p14:creationId xmlns:p14="http://schemas.microsoft.com/office/powerpoint/2010/main" val="3560907325"/>
       </p:ext>
     </p:extLst>
   </p:cSld>
@@ -6890,7 +6949,7 @@
           <a:p>
             <a:r>
               <a:rPr lang="en-US" altLang="zh-CN" dirty="0"/>
-              <a:t>Design: Enable Stage-2 translation</a:t>
+              <a:t>Design</a:t>
             </a:r>
             <a:endParaRPr lang="zh-CN" altLang="en-US" dirty="0"/>
           </a:p>
@@ -6928,8 +6987,35 @@
               <a:buNone/>
             </a:pPr>
             <a:r>
+              <a:rPr lang="en-US" altLang="zh-CN" dirty="0"/>
+              <a:t>Goals in this Lab:</a:t>
+            </a:r>
+          </a:p>
+          <a:p>
+            <a:pPr marL="0" indent="0">
+              <a:buNone/>
+            </a:pPr>
+            <a:r>
               <a:rPr lang="en-US" altLang="zh-CN" sz="2400" dirty="0"/>
-              <a:t>Modified the device tree files to reserve a memory for the table.</a:t>
+              <a:t>Enable the Stage-2 translation.</a:t>
+            </a:r>
+          </a:p>
+          <a:p>
+            <a:pPr marL="0" indent="0">
+              <a:buNone/>
+            </a:pPr>
+            <a:r>
+              <a:rPr lang="en-US" altLang="zh-CN" sz="2400" dirty="0"/>
+              <a:t>Invalid the mapping of the debug registers.</a:t>
+            </a:r>
+          </a:p>
+          <a:p>
+            <a:pPr marL="0" indent="0">
+              <a:buNone/>
+            </a:pPr>
+            <a:r>
+              <a:rPr lang="en-US" altLang="zh-CN" sz="2400" dirty="0"/>
+              <a:t>Invalid the mapping of S-2 translation table.</a:t>
             </a:r>
           </a:p>
           <a:p>
@@ -6937,69 +7023,13 @@
               <a:buNone/>
             </a:pPr>
             <a:endParaRPr lang="en-US" altLang="zh-CN" sz="2400" dirty="0"/>
-          </a:p>
-          <a:p>
-            <a:pPr marL="0" indent="0">
-              <a:buNone/>
-            </a:pPr>
-            <a:r>
-              <a:rPr lang="en-US" altLang="zh-CN" sz="2400" dirty="0"/>
-              <a:t>In kernel booting stages, creating the S-2 translation table.</a:t>
-            </a:r>
-          </a:p>
-          <a:p>
-            <a:pPr marL="0" indent="0">
-              <a:buNone/>
-            </a:pPr>
-            <a:r>
-              <a:rPr lang="en-US" altLang="zh-CN" sz="2400" dirty="0"/>
-              <a:t>And configure related registers.</a:t>
-            </a:r>
-          </a:p>
-          <a:p>
-            <a:pPr marL="0" indent="0">
-              <a:buNone/>
-            </a:pPr>
-            <a:endParaRPr lang="en-US" altLang="zh-CN" sz="2400" dirty="0"/>
-          </a:p>
-          <a:p>
-            <a:pPr marL="0" indent="0">
-              <a:buNone/>
-            </a:pPr>
-            <a:r>
-              <a:rPr lang="en-US" altLang="zh-CN" sz="2400" dirty="0"/>
-              <a:t>Replace the kernel image and compiled device tree files (.</a:t>
-            </a:r>
-            <a:r>
-              <a:rPr lang="en-US" altLang="zh-CN" sz="2400" dirty="0" err="1"/>
-              <a:t>dtb</a:t>
-            </a:r>
-            <a:r>
-              <a:rPr lang="en-US" altLang="zh-CN" sz="2400" dirty="0"/>
-              <a:t>) in “/boot” directory.</a:t>
-            </a:r>
-          </a:p>
-          <a:p>
-            <a:pPr marL="0" indent="0">
-              <a:buNone/>
-            </a:pPr>
-            <a:endParaRPr lang="en-US" altLang="zh-CN" sz="2400" dirty="0"/>
-          </a:p>
-          <a:p>
-            <a:pPr marL="0" indent="0">
-              <a:buNone/>
-            </a:pPr>
-            <a:r>
-              <a:rPr lang="en-US" altLang="zh-CN" sz="2400" dirty="0"/>
-              <a:t>Boot your Raspberry Pi.</a:t>
-            </a:r>
           </a:p>
         </p:txBody>
       </p:sp>
     </p:spTree>
     <p:extLst>
       <p:ext uri="{BB962C8B-B14F-4D97-AF65-F5344CB8AC3E}">
-        <p14:creationId xmlns:p14="http://schemas.microsoft.com/office/powerpoint/2010/main" val="3276527650"/>
+        <p14:creationId xmlns:p14="http://schemas.microsoft.com/office/powerpoint/2010/main" val="682128566"/>
       </p:ext>
     </p:extLst>
   </p:cSld>
@@ -7054,7 +7084,7 @@
           <a:p>
             <a:r>
               <a:rPr lang="en-US" altLang="zh-CN" dirty="0"/>
-              <a:t>Design: Invalidate Mapping </a:t>
+              <a:t>Design: Enable Stage-2 translation</a:t>
             </a:r>
             <a:endParaRPr lang="zh-CN" altLang="en-US" dirty="0"/>
           </a:p>
@@ -7093,8 +7123,14 @@
             </a:pPr>
             <a:r>
               <a:rPr lang="en-US" altLang="zh-CN" sz="2400" dirty="0"/>
-              <a:t>The mapped memory of the debug registers is 0x4003_0000 ~ 0x4003_0FFF.</a:t>
-            </a:r>
+              <a:t>Modified the device tree files to reserve a memory for the table.</a:t>
+            </a:r>
+          </a:p>
+          <a:p>
+            <a:pPr marL="0" indent="0">
+              <a:buNone/>
+            </a:pPr>
+            <a:endParaRPr lang="en-US" altLang="zh-CN" sz="2400" dirty="0"/>
           </a:p>
           <a:p>
             <a:pPr marL="0" indent="0">
@@ -7102,7 +7138,16 @@
             </a:pPr>
             <a:r>
               <a:rPr lang="en-US" altLang="zh-CN" sz="2400" dirty="0"/>
-              <a:t>It is a 4KB region, you should split your table to 4KB-size granule.</a:t>
+              <a:t>In kernel booting stages, creating the S-2 translation table.</a:t>
+            </a:r>
+          </a:p>
+          <a:p>
+            <a:pPr marL="0" indent="0">
+              <a:buNone/>
+            </a:pPr>
+            <a:r>
+              <a:rPr lang="en-US" altLang="zh-CN" sz="2400" dirty="0"/>
+              <a:t>And configure related registers.</a:t>
             </a:r>
           </a:p>
           <a:p>
@@ -7117,16 +7162,30 @@
             </a:pPr>
             <a:r>
               <a:rPr lang="en-US" altLang="zh-CN" sz="2400" dirty="0"/>
-              <a:t>Also, do not forget to invalidate the mapping of your table.</a:t>
-            </a:r>
-          </a:p>
-          <a:p>
-            <a:pPr marL="0" indent="0">
-              <a:buNone/>
-            </a:pPr>
+              <a:t>Replace the kernel image and compiled device tree files (.</a:t>
+            </a:r>
+            <a:r>
+              <a:rPr lang="en-US" altLang="zh-CN" sz="2400" dirty="0" err="1"/>
+              <a:t>dtb</a:t>
+            </a:r>
             <a:r>
               <a:rPr lang="en-US" altLang="zh-CN" sz="2400" dirty="0"/>
-              <a:t>It just affect the EL1 attacker to read it, but not affect the EL2.</a:t>
+              <a:t>) in “/boot” directory.</a:t>
+            </a:r>
+          </a:p>
+          <a:p>
+            <a:pPr marL="0" indent="0">
+              <a:buNone/>
+            </a:pPr>
+            <a:endParaRPr lang="en-US" altLang="zh-CN" sz="2400" dirty="0"/>
+          </a:p>
+          <a:p>
+            <a:pPr marL="0" indent="0">
+              <a:buNone/>
+            </a:pPr>
+            <a:r>
+              <a:rPr lang="en-US" altLang="zh-CN" sz="2400" dirty="0"/>
+              <a:t>Boot your Raspberry Pi.</a:t>
             </a:r>
           </a:p>
         </p:txBody>
@@ -7134,7 +7193,7 @@
     </p:spTree>
     <p:extLst>
       <p:ext uri="{BB962C8B-B14F-4D97-AF65-F5344CB8AC3E}">
-        <p14:creationId xmlns:p14="http://schemas.microsoft.com/office/powerpoint/2010/main" val="12284070"/>
+        <p14:creationId xmlns:p14="http://schemas.microsoft.com/office/powerpoint/2010/main" val="3276527650"/>
       </p:ext>
     </p:extLst>
   </p:cSld>
@@ -7189,7 +7248,7 @@
           <a:p>
             <a:r>
               <a:rPr lang="en-US" altLang="zh-CN" dirty="0"/>
-              <a:t>Design: Example</a:t>
+              <a:t>Design: Invalidate Mapping </a:t>
             </a:r>
             <a:endParaRPr lang="zh-CN" altLang="en-US" dirty="0"/>
           </a:p>
@@ -7214,7 +7273,7 @@
         <p:spPr>
           <a:xfrm>
             <a:off x="838200" y="1285461"/>
-            <a:ext cx="10515600" cy="5207414"/>
+            <a:ext cx="10515600" cy="4891502"/>
           </a:xfrm>
         </p:spPr>
         <p:txBody>
@@ -7228,15 +7287,16 @@
             </a:pPr>
             <a:r>
               <a:rPr lang="en-US" altLang="zh-CN" sz="2400" dirty="0"/>
-              <a:t>Here is one example of the table layout in 0x0 ~ 0xFFFF_FFFF (only invalid </a:t>
-            </a:r>
-            <a:r>
-              <a:rPr lang="en-US" altLang="zh-CN" sz="2400" dirty="0" err="1"/>
-              <a:t>dbg</a:t>
-            </a:r>
+              <a:t>The mapped memory of the debug registers is 0x4003_0000 ~ 0x4003_0FFF.</a:t>
+            </a:r>
+          </a:p>
+          <a:p>
+            <a:pPr marL="0" indent="0">
+              <a:buNone/>
+            </a:pPr>
             <a:r>
               <a:rPr lang="en-US" altLang="zh-CN" sz="2400" dirty="0"/>
-              <a:t>)</a:t>
+              <a:t>It is a 4KB region, you should split your table to 4KB-size granule.</a:t>
             </a:r>
           </a:p>
           <a:p>
@@ -7245,84 +7305,30 @@
             </a:pPr>
             <a:endParaRPr lang="en-US" altLang="zh-CN" sz="2400" dirty="0"/>
           </a:p>
-        </p:txBody>
-      </p:sp>
-      <p:pic>
-        <p:nvPicPr>
-          <p:cNvPr id="5" name="图片 4" descr="文本&#10;&#10;描述已自动生成">
-            <a:extLst>
-              <a:ext uri="{FF2B5EF4-FFF2-40B4-BE49-F238E27FC236}">
-                <a16:creationId xmlns:a16="http://schemas.microsoft.com/office/drawing/2014/main" id="{3AEB7FCF-5BC1-454D-864E-289D88D227B1}"/>
-              </a:ext>
-            </a:extLst>
-          </p:cNvPr>
-          <p:cNvPicPr>
-            <a:picLocks noChangeAspect="1"/>
-          </p:cNvPicPr>
-          <p:nvPr/>
-        </p:nvPicPr>
-        <p:blipFill>
-          <a:blip r:embed="rId2">
-            <a:extLst>
-              <a:ext uri="{28A0092B-C50C-407E-A947-70E740481C1C}">
-                <a14:useLocalDpi xmlns:a14="http://schemas.microsoft.com/office/drawing/2010/main" val="0"/>
-              </a:ext>
-            </a:extLst>
-          </a:blip>
-          <a:stretch>
-            <a:fillRect/>
-          </a:stretch>
-        </p:blipFill>
-        <p:spPr>
-          <a:xfrm>
-            <a:off x="838200" y="2000050"/>
-            <a:ext cx="4985202" cy="3795839"/>
-          </a:xfrm>
-          <a:prstGeom prst="rect">
-            <a:avLst/>
-          </a:prstGeom>
-        </p:spPr>
-      </p:pic>
-      <p:pic>
-        <p:nvPicPr>
-          <p:cNvPr id="7" name="图片 6" descr="文本&#10;&#10;描述已自动生成">
-            <a:extLst>
-              <a:ext uri="{FF2B5EF4-FFF2-40B4-BE49-F238E27FC236}">
-                <a16:creationId xmlns:a16="http://schemas.microsoft.com/office/drawing/2014/main" id="{26040E32-8E3B-41EB-8DBF-12F5BCDFAB6B}"/>
-              </a:ext>
-            </a:extLst>
-          </p:cNvPr>
-          <p:cNvPicPr>
-            <a:picLocks noChangeAspect="1"/>
-          </p:cNvPicPr>
-          <p:nvPr/>
-        </p:nvPicPr>
-        <p:blipFill>
-          <a:blip r:embed="rId3">
-            <a:extLst>
-              <a:ext uri="{28A0092B-C50C-407E-A947-70E740481C1C}">
-                <a14:useLocalDpi xmlns:a14="http://schemas.microsoft.com/office/drawing/2010/main" val="0"/>
-              </a:ext>
-            </a:extLst>
-          </a:blip>
-          <a:stretch>
-            <a:fillRect/>
-          </a:stretch>
-        </p:blipFill>
-        <p:spPr>
-          <a:xfrm>
-            <a:off x="6649041" y="2000050"/>
-            <a:ext cx="5018603" cy="3064319"/>
-          </a:xfrm>
-          <a:prstGeom prst="rect">
-            <a:avLst/>
-          </a:prstGeom>
-        </p:spPr>
-      </p:pic>
+          <a:p>
+            <a:pPr marL="0" indent="0">
+              <a:buNone/>
+            </a:pPr>
+            <a:r>
+              <a:rPr lang="en-US" altLang="zh-CN" sz="2400" dirty="0"/>
+              <a:t>Also, do not forget to invalidate the mapping of your table.</a:t>
+            </a:r>
+          </a:p>
+          <a:p>
+            <a:pPr marL="0" indent="0">
+              <a:buNone/>
+            </a:pPr>
+            <a:r>
+              <a:rPr lang="en-US" altLang="zh-CN" sz="2400" dirty="0"/>
+              <a:t>It just affect the EL1 attacker to read it, but not affect the EL2.</a:t>
+            </a:r>
+          </a:p>
+        </p:txBody>
+      </p:sp>
     </p:spTree>
     <p:extLst>
       <p:ext uri="{BB962C8B-B14F-4D97-AF65-F5344CB8AC3E}">
-        <p14:creationId xmlns:p14="http://schemas.microsoft.com/office/powerpoint/2010/main" val="2399524571"/>
+        <p14:creationId xmlns:p14="http://schemas.microsoft.com/office/powerpoint/2010/main" val="12284070"/>
       </p:ext>
     </p:extLst>
   </p:cSld>
@@ -7377,7 +7383,7 @@
           <a:p>
             <a:r>
               <a:rPr lang="en-US" altLang="zh-CN" dirty="0"/>
-              <a:t>Design: Example Translation Table Walk</a:t>
+              <a:t>Design: Example</a:t>
             </a:r>
             <a:endParaRPr lang="zh-CN" altLang="en-US" dirty="0"/>
           </a:p>
@@ -7416,16 +7422,15 @@
             </a:pPr>
             <a:r>
               <a:rPr lang="en-US" altLang="zh-CN" sz="2400" dirty="0"/>
-              <a:t>Here we give an example of a successful address translation.</a:t>
-            </a:r>
-          </a:p>
-          <a:p>
-            <a:pPr marL="0" indent="0">
-              <a:buNone/>
-            </a:pPr>
+              <a:t>Here is one example of the table layout in 0x0 ~ 0xFFFF_FFFF (only invalid </a:t>
+            </a:r>
+            <a:r>
+              <a:rPr lang="en-US" altLang="zh-CN" sz="2400" dirty="0" err="1"/>
+              <a:t>dbg</a:t>
+            </a:r>
             <a:r>
               <a:rPr lang="en-US" altLang="zh-CN" sz="2400" dirty="0"/>
-              <a:t>You can see the whole translation process in K7-8498.</a:t>
+              <a:t>)</a:t>
             </a:r>
           </a:p>
           <a:p>
@@ -7433,42 +7438,15 @@
               <a:buNone/>
             </a:pPr>
             <a:endParaRPr lang="en-US" altLang="zh-CN" sz="2400" dirty="0"/>
-          </a:p>
-          <a:p>
-            <a:pPr marL="0" indent="0">
-              <a:buNone/>
-            </a:pPr>
-            <a:r>
-              <a:rPr lang="en-US" altLang="zh-CN" sz="2400" dirty="0"/>
-              <a:t>We recommend you to configure these bits of VTCR registers</a:t>
-            </a:r>
-          </a:p>
-          <a:p>
-            <a:pPr marL="0" indent="0">
-              <a:buNone/>
-            </a:pPr>
-            <a:r>
-              <a:rPr lang="en-US" altLang="zh-CN" sz="2000" dirty="0"/>
-              <a:t>SL0[7:6]: 0x1 (Starting at Level 1)</a:t>
-            </a:r>
-          </a:p>
-          <a:p>
-            <a:pPr marL="0" indent="0">
-              <a:buNone/>
-            </a:pPr>
-            <a:r>
-              <a:rPr lang="en-US" altLang="zh-CN" sz="2000" dirty="0"/>
-              <a:t>T0SZ[3:0]: 0x0 (Indicating the PA size is 2^32-1)</a:t>
-            </a:r>
           </a:p>
         </p:txBody>
       </p:sp>
       <p:pic>
         <p:nvPicPr>
-          <p:cNvPr id="11" name="图片 10" descr="图片包含 文本&#10;&#10;描述已自动生成">
+          <p:cNvPr id="5" name="图片 4" descr="文本&#10;&#10;描述已自动生成">
             <a:extLst>
               <a:ext uri="{FF2B5EF4-FFF2-40B4-BE49-F238E27FC236}">
-                <a16:creationId xmlns:a16="http://schemas.microsoft.com/office/drawing/2014/main" id="{31A0BA21-74A2-41DA-9134-6D43C40EF072}"/>
+                <a16:creationId xmlns:a16="http://schemas.microsoft.com/office/drawing/2014/main" id="{3AEB7FCF-5BC1-454D-864E-289D88D227B1}"/>
               </a:ext>
             </a:extLst>
           </p:cNvPr>
@@ -7491,8 +7469,8 @@
         </p:blipFill>
         <p:spPr>
           <a:xfrm>
-            <a:off x="838200" y="5321304"/>
-            <a:ext cx="8729630" cy="1171571"/>
+            <a:off x="838200" y="2000050"/>
+            <a:ext cx="4985202" cy="3795839"/>
           </a:xfrm>
           <a:prstGeom prst="rect">
             <a:avLst/>
@@ -7501,10 +7479,10 @@
       </p:pic>
       <p:pic>
         <p:nvPicPr>
-          <p:cNvPr id="13" name="图片 12" descr="图形用户界面, 文本&#10;&#10;描述已自动生成">
+          <p:cNvPr id="7" name="图片 6" descr="文本&#10;&#10;描述已自动生成">
             <a:extLst>
               <a:ext uri="{FF2B5EF4-FFF2-40B4-BE49-F238E27FC236}">
-                <a16:creationId xmlns:a16="http://schemas.microsoft.com/office/drawing/2014/main" id="{8B0EFEAE-E628-4B0D-AE70-9BEBA01A7AF7}"/>
+                <a16:creationId xmlns:a16="http://schemas.microsoft.com/office/drawing/2014/main" id="{26040E32-8E3B-41EB-8DBF-12F5BCDFAB6B}"/>
               </a:ext>
             </a:extLst>
           </p:cNvPr>
@@ -7527,8 +7505,8 @@
         </p:blipFill>
         <p:spPr>
           <a:xfrm>
-            <a:off x="838200" y="3889168"/>
-            <a:ext cx="6063724" cy="1432136"/>
+            <a:off x="6649041" y="2000050"/>
+            <a:ext cx="5018603" cy="3064319"/>
           </a:xfrm>
           <a:prstGeom prst="rect">
             <a:avLst/>
@@ -7538,7 +7516,7 @@
     </p:spTree>
     <p:extLst>
       <p:ext uri="{BB962C8B-B14F-4D97-AF65-F5344CB8AC3E}">
-        <p14:creationId xmlns:p14="http://schemas.microsoft.com/office/powerpoint/2010/main" val="914601933"/>
+        <p14:creationId xmlns:p14="http://schemas.microsoft.com/office/powerpoint/2010/main" val="2399524571"/>
       </p:ext>
     </p:extLst>
   </p:cSld>
@@ -7632,7 +7610,7 @@
             </a:pPr>
             <a:r>
               <a:rPr lang="en-US" altLang="zh-CN" sz="2400" dirty="0"/>
-              <a:t>When we translate the IPA 0x4003_1234, starting at Level 1.</a:t>
+              <a:t>Here we give an example of a successful address translation.</a:t>
             </a:r>
           </a:p>
           <a:p>
@@ -7641,8 +7619,14 @@
             </a:pPr>
             <a:r>
               <a:rPr lang="en-US" altLang="zh-CN" sz="2400" dirty="0"/>
-              <a:t>(1) We do Level 0 translation, and VTTBR tells us to go to area 0.</a:t>
-            </a:r>
+              <a:t>You can see the whole translation process in K7-8498.</a:t>
+            </a:r>
+          </a:p>
+          <a:p>
+            <a:pPr marL="0" indent="0">
+              <a:buNone/>
+            </a:pPr>
+            <a:endParaRPr lang="en-US" altLang="zh-CN" sz="2400" dirty="0"/>
           </a:p>
           <a:p>
             <a:pPr marL="0" indent="0">
@@ -7650,17 +7634,35 @@
             </a:pPr>
             <a:r>
               <a:rPr lang="en-US" altLang="zh-CN" sz="2400" dirty="0"/>
-              <a:t>(2) We go to area 0 and get the descriptor of 0x4000_0000 ~ 0x7FFF_FFFF</a:t>
+              <a:t>We recommend you to configure these bits of VTCR registers</a:t>
+            </a:r>
+          </a:p>
+          <a:p>
+            <a:pPr marL="0" indent="0">
+              <a:buNone/>
+            </a:pPr>
+            <a:r>
+              <a:rPr lang="en-US" altLang="zh-CN" sz="2000" dirty="0"/>
+              <a:t>SL0[7:6]: 0x1 (Starting at Level 1)</a:t>
+            </a:r>
+          </a:p>
+          <a:p>
+            <a:pPr marL="0" indent="0">
+              <a:buNone/>
+            </a:pPr>
+            <a:r>
+              <a:rPr lang="en-US" altLang="zh-CN" sz="2000" dirty="0"/>
+              <a:t>T0SZ[3:0]: 0x0 (Indicating the PA size is 2^32-1)</a:t>
             </a:r>
           </a:p>
         </p:txBody>
       </p:sp>
       <p:pic>
         <p:nvPicPr>
-          <p:cNvPr id="6" name="图片 5" descr="图示&#10;&#10;中度可信度描述已自动生成">
+          <p:cNvPr id="11" name="图片 10" descr="图片包含 文本&#10;&#10;描述已自动生成">
             <a:extLst>
               <a:ext uri="{FF2B5EF4-FFF2-40B4-BE49-F238E27FC236}">
-                <a16:creationId xmlns:a16="http://schemas.microsoft.com/office/drawing/2014/main" id="{54227612-86CB-4FF6-818E-C2FBD1EBC24B}"/>
+                <a16:creationId xmlns:a16="http://schemas.microsoft.com/office/drawing/2014/main" id="{31A0BA21-74A2-41DA-9134-6D43C40EF072}"/>
               </a:ext>
             </a:extLst>
           </p:cNvPr>
@@ -7683,58 +7685,54 @@
         </p:blipFill>
         <p:spPr>
           <a:xfrm>
-            <a:off x="838200" y="2812435"/>
-            <a:ext cx="10172256" cy="3546162"/>
+            <a:off x="838200" y="5321304"/>
+            <a:ext cx="8729630" cy="1171571"/>
           </a:xfrm>
           <a:prstGeom prst="rect">
             <a:avLst/>
           </a:prstGeom>
         </p:spPr>
       </p:pic>
-      <p:sp>
-        <p:nvSpPr>
-          <p:cNvPr id="8" name="文本框 7">
+      <p:pic>
+        <p:nvPicPr>
+          <p:cNvPr id="13" name="图片 12" descr="图形用户界面, 文本&#10;&#10;描述已自动生成">
             <a:extLst>
               <a:ext uri="{FF2B5EF4-FFF2-40B4-BE49-F238E27FC236}">
-                <a16:creationId xmlns:a16="http://schemas.microsoft.com/office/drawing/2014/main" id="{9FA3FC39-7E05-4D8B-86EA-3F210A0FE251}"/>
+                <a16:creationId xmlns:a16="http://schemas.microsoft.com/office/drawing/2014/main" id="{8B0EFEAE-E628-4B0D-AE70-9BEBA01A7AF7}"/>
               </a:ext>
             </a:extLst>
           </p:cNvPr>
-          <p:cNvSpPr txBox="1"/>
+          <p:cNvPicPr>
+            <a:picLocks noChangeAspect="1"/>
+          </p:cNvPicPr>
           <p:nvPr/>
-        </p:nvSpPr>
-        <p:spPr>
-          <a:xfrm>
-            <a:off x="397565" y="6386154"/>
-            <a:ext cx="10389704" cy="369332"/>
+        </p:nvPicPr>
+        <p:blipFill>
+          <a:blip r:embed="rId3">
+            <a:extLst>
+              <a:ext uri="{28A0092B-C50C-407E-A947-70E740481C1C}">
+                <a14:useLocalDpi xmlns:a14="http://schemas.microsoft.com/office/drawing/2010/main" val="0"/>
+              </a:ext>
+            </a:extLst>
+          </a:blip>
+          <a:stretch>
+            <a:fillRect/>
+          </a:stretch>
+        </p:blipFill>
+        <p:spPr>
+          <a:xfrm>
+            <a:off x="838200" y="3889168"/>
+            <a:ext cx="6063724" cy="1432136"/>
           </a:xfrm>
           <a:prstGeom prst="rect">
             <a:avLst/>
           </a:prstGeom>
-          <a:noFill/>
-        </p:spPr>
-        <p:txBody>
-          <a:bodyPr wrap="square" rtlCol="0">
-            <a:spAutoFit/>
-          </a:bodyPr>
-          <a:lstStyle/>
-          <a:p>
-            <a:r>
-              <a:rPr lang="zh-CN" altLang="en-US" dirty="0"/>
-              <a:t>*</a:t>
-            </a:r>
-            <a:r>
-              <a:rPr lang="en-US" altLang="zh-CN" dirty="0"/>
-              <a:t>Source: K7-8498</a:t>
-            </a:r>
-            <a:endParaRPr lang="zh-CN" altLang="en-US" dirty="0"/>
-          </a:p>
-        </p:txBody>
-      </p:sp>
+        </p:spPr>
+      </p:pic>
     </p:spTree>
     <p:extLst>
       <p:ext uri="{BB962C8B-B14F-4D97-AF65-F5344CB8AC3E}">
-        <p14:creationId xmlns:p14="http://schemas.microsoft.com/office/powerpoint/2010/main" val="1031113059"/>
+        <p14:creationId xmlns:p14="http://schemas.microsoft.com/office/powerpoint/2010/main" val="914601933"/>
       </p:ext>
     </p:extLst>
   </p:cSld>
@@ -7837,7 +7835,7 @@
             </a:pPr>
             <a:r>
               <a:rPr lang="en-US" altLang="zh-CN" sz="2400" dirty="0"/>
-              <a:t>(3) We do Level 1 lookup of the descriptor 0x4000_0000 ~ 0x7FFF_FFFF, it is a table, and we should go to area2 to find the next descriptor.</a:t>
+              <a:t>(1) We do Level 0 translation, and VTTBR tells us to go to area 0.</a:t>
             </a:r>
           </a:p>
           <a:p>
@@ -7846,57 +7844,17 @@
             </a:pPr>
             <a:r>
               <a:rPr lang="en-US" altLang="zh-CN" sz="2400" dirty="0"/>
-              <a:t>(4) We go to area2 and get the descriptor of 0x4000_0000 ~ 0x401F_FFFF</a:t>
-            </a:r>
-          </a:p>
-        </p:txBody>
-      </p:sp>
-      <p:sp>
-        <p:nvSpPr>
-          <p:cNvPr id="8" name="文本框 7">
-            <a:extLst>
-              <a:ext uri="{FF2B5EF4-FFF2-40B4-BE49-F238E27FC236}">
-                <a16:creationId xmlns:a16="http://schemas.microsoft.com/office/drawing/2014/main" id="{9FA3FC39-7E05-4D8B-86EA-3F210A0FE251}"/>
-              </a:ext>
-            </a:extLst>
-          </p:cNvPr>
-          <p:cNvSpPr txBox="1"/>
-          <p:nvPr/>
-        </p:nvSpPr>
-        <p:spPr>
-          <a:xfrm>
-            <a:off x="397565" y="6386154"/>
-            <a:ext cx="10389704" cy="369332"/>
-          </a:xfrm>
-          <a:prstGeom prst="rect">
-            <a:avLst/>
-          </a:prstGeom>
-          <a:noFill/>
-        </p:spPr>
-        <p:txBody>
-          <a:bodyPr wrap="square" rtlCol="0">
-            <a:spAutoFit/>
-          </a:bodyPr>
-          <a:lstStyle/>
-          <a:p>
-            <a:r>
-              <a:rPr lang="zh-CN" altLang="en-US" dirty="0"/>
-              <a:t>*</a:t>
-            </a:r>
-            <a:r>
-              <a:rPr lang="en-US" altLang="zh-CN" dirty="0"/>
-              <a:t>Source: K7-8498</a:t>
-            </a:r>
-            <a:endParaRPr lang="zh-CN" altLang="en-US" dirty="0"/>
+              <a:t>(2) We go to area 0 and get the descriptor of 0x4000_0000 ~ 0x7FFF_FFFF</a:t>
+            </a:r>
           </a:p>
         </p:txBody>
       </p:sp>
       <p:pic>
         <p:nvPicPr>
-          <p:cNvPr id="5" name="图片 4" descr="图示&#10;&#10;描述已自动生成">
+          <p:cNvPr id="6" name="图片 5" descr="图示&#10;&#10;中度可信度描述已自动生成">
             <a:extLst>
               <a:ext uri="{FF2B5EF4-FFF2-40B4-BE49-F238E27FC236}">
-                <a16:creationId xmlns:a16="http://schemas.microsoft.com/office/drawing/2014/main" id="{70632CC3-FC55-4B2C-9EFB-96B442A5B0F9}"/>
+                <a16:creationId xmlns:a16="http://schemas.microsoft.com/office/drawing/2014/main" id="{54227612-86CB-4FF6-818E-C2FBD1EBC24B}"/>
               </a:ext>
             </a:extLst>
           </p:cNvPr>
@@ -7919,18 +7877,58 @@
         </p:blipFill>
         <p:spPr>
           <a:xfrm>
-            <a:off x="498150" y="2960118"/>
-            <a:ext cx="11010168" cy="3426036"/>
+            <a:off x="838200" y="2812435"/>
+            <a:ext cx="10172256" cy="3546162"/>
           </a:xfrm>
           <a:prstGeom prst="rect">
             <a:avLst/>
           </a:prstGeom>
         </p:spPr>
       </p:pic>
+      <p:sp>
+        <p:nvSpPr>
+          <p:cNvPr id="8" name="文本框 7">
+            <a:extLst>
+              <a:ext uri="{FF2B5EF4-FFF2-40B4-BE49-F238E27FC236}">
+                <a16:creationId xmlns:a16="http://schemas.microsoft.com/office/drawing/2014/main" id="{9FA3FC39-7E05-4D8B-86EA-3F210A0FE251}"/>
+              </a:ext>
+            </a:extLst>
+          </p:cNvPr>
+          <p:cNvSpPr txBox="1"/>
+          <p:nvPr/>
+        </p:nvSpPr>
+        <p:spPr>
+          <a:xfrm>
+            <a:off x="397565" y="6386154"/>
+            <a:ext cx="10389704" cy="369332"/>
+          </a:xfrm>
+          <a:prstGeom prst="rect">
+            <a:avLst/>
+          </a:prstGeom>
+          <a:noFill/>
+        </p:spPr>
+        <p:txBody>
+          <a:bodyPr wrap="square" rtlCol="0">
+            <a:spAutoFit/>
+          </a:bodyPr>
+          <a:lstStyle/>
+          <a:p>
+            <a:r>
+              <a:rPr lang="zh-CN" altLang="en-US" dirty="0"/>
+              <a:t>*</a:t>
+            </a:r>
+            <a:r>
+              <a:rPr lang="en-US" altLang="zh-CN" dirty="0"/>
+              <a:t>Source: K7-8498</a:t>
+            </a:r>
+            <a:endParaRPr lang="zh-CN" altLang="en-US" dirty="0"/>
+          </a:p>
+        </p:txBody>
+      </p:sp>
     </p:spTree>
     <p:extLst>
       <p:ext uri="{BB962C8B-B14F-4D97-AF65-F5344CB8AC3E}">
-        <p14:creationId xmlns:p14="http://schemas.microsoft.com/office/powerpoint/2010/main" val="150595395"/>
+        <p14:creationId xmlns:p14="http://schemas.microsoft.com/office/powerpoint/2010/main" val="1031113059"/>
       </p:ext>
     </p:extLst>
   </p:cSld>
@@ -8033,7 +8031,7 @@
             </a:pPr>
             <a:r>
               <a:rPr lang="en-US" altLang="zh-CN" sz="2400" dirty="0"/>
-              <a:t>(5) We do Level 2 lookup of the descriptor 0x4000_0000 ~ 0x401F_FFFF, it is a table, and we should go to area3 to find the next descriptor.</a:t>
+              <a:t>(3) We do Level 1 lookup of the descriptor 0x4000_0000 ~ 0x7FFF_FFFF, it is a table, and we should go to area2 to find the next descriptor.</a:t>
             </a:r>
           </a:p>
           <a:p>
@@ -8042,7 +8040,7 @@
             </a:pPr>
             <a:r>
               <a:rPr lang="en-US" altLang="zh-CN" sz="2400" dirty="0"/>
-              <a:t>(6) We go to area3 and get the descriptor of 0x4003_0000 ~ 0x4003_0FFF</a:t>
+              <a:t>(4) We go to area2 and get the descriptor of 0x4000_0000 ~ 0x401F_FFFF</a:t>
             </a:r>
           </a:p>
         </p:txBody>
@@ -8089,10 +8087,10 @@
       </p:sp>
       <p:pic>
         <p:nvPicPr>
-          <p:cNvPr id="6" name="图片 5" descr="图片包含 图示&#10;&#10;描述已自动生成">
+          <p:cNvPr id="5" name="图片 4" descr="图示&#10;&#10;描述已自动生成">
             <a:extLst>
               <a:ext uri="{FF2B5EF4-FFF2-40B4-BE49-F238E27FC236}">
-                <a16:creationId xmlns:a16="http://schemas.microsoft.com/office/drawing/2014/main" id="{1F9F05D9-26C4-4F88-AA49-1871DF4662F3}"/>
+                <a16:creationId xmlns:a16="http://schemas.microsoft.com/office/drawing/2014/main" id="{70632CC3-FC55-4B2C-9EFB-96B442A5B0F9}"/>
               </a:ext>
             </a:extLst>
           </p:cNvPr>
@@ -8115,8 +8113,8 @@
         </p:blipFill>
         <p:spPr>
           <a:xfrm>
-            <a:off x="838199" y="2955208"/>
-            <a:ext cx="10195605" cy="3430946"/>
+            <a:off x="498150" y="2960118"/>
+            <a:ext cx="11010168" cy="3426036"/>
           </a:xfrm>
           <a:prstGeom prst="rect">
             <a:avLst/>
@@ -8126,7 +8124,7 @@
     </p:spTree>
     <p:extLst>
       <p:ext uri="{BB962C8B-B14F-4D97-AF65-F5344CB8AC3E}">
-        <p14:creationId xmlns:p14="http://schemas.microsoft.com/office/powerpoint/2010/main" val="4183097644"/>
+        <p14:creationId xmlns:p14="http://schemas.microsoft.com/office/powerpoint/2010/main" val="150595395"/>
       </p:ext>
     </p:extLst>
   </p:cSld>
@@ -8181,7 +8179,15 @@
           <a:p>
             <a:r>
               <a:rPr lang="en-US" altLang="zh-CN" dirty="0"/>
-              <a:t>Introduction</a:t>
+              <a:t>Introduction: </a:t>
+            </a:r>
+            <a:r>
+              <a:rPr lang="en-US" altLang="zh-CN" dirty="0" err="1"/>
+              <a:t>Nailgun</a:t>
+            </a:r>
+            <a:r>
+              <a:rPr lang="en-US" altLang="zh-CN" dirty="0"/>
+              <a:t> Attack</a:t>
             </a:r>
             <a:endParaRPr lang="zh-CN" altLang="en-US" dirty="0"/>
           </a:p>
@@ -8218,20 +8224,12 @@
             </a:pPr>
             <a:r>
               <a:rPr lang="en-US" altLang="zh-CN" dirty="0"/>
-              <a:t>1. Design a defense against </a:t>
-            </a:r>
-            <a:r>
-              <a:rPr lang="en-US" altLang="zh-CN" dirty="0" err="1"/>
-              <a:t>Nailgun</a:t>
-            </a:r>
-            <a:r>
-              <a:rPr lang="en-US" altLang="zh-CN" dirty="0"/>
-              <a:t> attack.</a:t>
-            </a:r>
-          </a:p>
-          <a:p>
-            <a:pPr marL="0" indent="0">
-              <a:buNone/>
+              <a:t>An attack to break the privilege isolation via debugging</a:t>
+            </a:r>
+          </a:p>
+          <a:p>
+            <a:pPr marL="514350" indent="-514350">
+              <a:buAutoNum type="arabicPeriod"/>
             </a:pPr>
             <a:endParaRPr lang="en-US" altLang="zh-CN" dirty="0"/>
           </a:p>
@@ -8241,8 +8239,38 @@
             </a:pPr>
             <a:r>
               <a:rPr lang="en-US" altLang="zh-CN" dirty="0"/>
-              <a:t>2. Understand the Arm address translation and implement the defense.</a:t>
-            </a:r>
+              <a:t>HOST processor </a:t>
+            </a:r>
+            <a:r>
+              <a:rPr lang="en-US" altLang="zh-CN" dirty="0">
+                <a:solidFill>
+                  <a:srgbClr val="FF0000"/>
+                </a:solidFill>
+              </a:rPr>
+              <a:t>escalates</a:t>
+            </a:r>
+            <a:r>
+              <a:rPr lang="en-US" altLang="zh-CN" dirty="0"/>
+              <a:t> the privilege of TARGET processor by sending instructions (e.g. dcps3) via </a:t>
+            </a:r>
+            <a:r>
+              <a:rPr lang="en-US" altLang="zh-CN" dirty="0">
+                <a:solidFill>
+                  <a:srgbClr val="FF0000"/>
+                </a:solidFill>
+              </a:rPr>
+              <a:t>memory-mapped</a:t>
+            </a:r>
+            <a:r>
+              <a:rPr lang="en-US" altLang="zh-CN" dirty="0"/>
+              <a:t> debug registers.</a:t>
+            </a:r>
+          </a:p>
+          <a:p>
+            <a:pPr marL="0" indent="0">
+              <a:buNone/>
+            </a:pPr>
+            <a:endParaRPr lang="en-US" altLang="zh-CN" dirty="0"/>
           </a:p>
           <a:p>
             <a:pPr marL="0" indent="0">
@@ -8358,7 +8386,7 @@
             </a:pPr>
             <a:r>
               <a:rPr lang="en-US" altLang="zh-CN" sz="2400" dirty="0"/>
-              <a:t>(7) We do Level 3 lookup of the descriptor 0x4003_0000 ~ 0x4003_0FFF, it is a page.</a:t>
+              <a:t>(5) We do Level 2 lookup of the descriptor 0x4000_0000 ~ 0x401F_FFFF, it is a table, and we should go to area3 to find the next descriptor.</a:t>
             </a:r>
           </a:p>
           <a:p>
@@ -8367,7 +8395,7 @@
             </a:pPr>
             <a:r>
               <a:rPr lang="en-US" altLang="zh-CN" sz="2400" dirty="0"/>
-              <a:t>(8) Our translation result is (OA[39:12]&lt;&lt;12)+0x123</a:t>
+              <a:t>(6) We go to area3 and get the descriptor of 0x4003_0000 ~ 0x4003_0FFF</a:t>
             </a:r>
           </a:p>
         </p:txBody>
@@ -8414,10 +8442,10 @@
       </p:sp>
       <p:pic>
         <p:nvPicPr>
-          <p:cNvPr id="5" name="图片 4" descr="社交网络的手机截图&#10;&#10;中度可信度描述已自动生成">
+          <p:cNvPr id="6" name="图片 5" descr="图片包含 图示&#10;&#10;描述已自动生成">
             <a:extLst>
               <a:ext uri="{FF2B5EF4-FFF2-40B4-BE49-F238E27FC236}">
-                <a16:creationId xmlns:a16="http://schemas.microsoft.com/office/drawing/2014/main" id="{CE13CFA2-92B3-41FC-A06D-7F0B3BBFCEEC}"/>
+                <a16:creationId xmlns:a16="http://schemas.microsoft.com/office/drawing/2014/main" id="{1F9F05D9-26C4-4F88-AA49-1871DF4662F3}"/>
               </a:ext>
             </a:extLst>
           </p:cNvPr>
@@ -8440,8 +8468,8 @@
         </p:blipFill>
         <p:spPr>
           <a:xfrm>
-            <a:off x="529373" y="3467814"/>
-            <a:ext cx="11133254" cy="2474057"/>
+            <a:off x="838199" y="2955208"/>
+            <a:ext cx="10195605" cy="3430946"/>
           </a:xfrm>
           <a:prstGeom prst="rect">
             <a:avLst/>
@@ -8451,7 +8479,7 @@
     </p:spTree>
     <p:extLst>
       <p:ext uri="{BB962C8B-B14F-4D97-AF65-F5344CB8AC3E}">
-        <p14:creationId xmlns:p14="http://schemas.microsoft.com/office/powerpoint/2010/main" val="2784295713"/>
+        <p14:creationId xmlns:p14="http://schemas.microsoft.com/office/powerpoint/2010/main" val="4183097644"/>
       </p:ext>
     </p:extLst>
   </p:cSld>
@@ -8483,7 +8511,7 @@
           <p:cNvPr id="2" name="标题 1">
             <a:extLst>
               <a:ext uri="{FF2B5EF4-FFF2-40B4-BE49-F238E27FC236}">
-                <a16:creationId xmlns:a16="http://schemas.microsoft.com/office/drawing/2014/main" id="{33863609-18E9-4020-8712-92286D1B052C}"/>
+                <a16:creationId xmlns:a16="http://schemas.microsoft.com/office/drawing/2014/main" id="{C8E4CC26-1034-4229-BFFF-91B82B8841DF}"/>
               </a:ext>
             </a:extLst>
           </p:cNvPr>
@@ -8496,8 +8524,42 @@
         </p:nvSpPr>
         <p:spPr>
           <a:xfrm>
-            <a:off x="838200" y="2766218"/>
-            <a:ext cx="10515600" cy="1325563"/>
+            <a:off x="838200" y="365125"/>
+            <a:ext cx="10515600" cy="734805"/>
+          </a:xfrm>
+        </p:spPr>
+        <p:txBody>
+          <a:bodyPr/>
+          <a:lstStyle/>
+          <a:p>
+            <a:r>
+              <a:rPr lang="en-US" altLang="zh-CN" dirty="0"/>
+              <a:t>Design: Example Translation Table Walk</a:t>
+            </a:r>
+            <a:endParaRPr lang="zh-CN" altLang="en-US" dirty="0"/>
+          </a:p>
+        </p:txBody>
+      </p:sp>
+      <p:sp>
+        <p:nvSpPr>
+          <p:cNvPr id="3" name="内容占位符 2">
+            <a:extLst>
+              <a:ext uri="{FF2B5EF4-FFF2-40B4-BE49-F238E27FC236}">
+                <a16:creationId xmlns:a16="http://schemas.microsoft.com/office/drawing/2014/main" id="{9A6FAEDA-4286-4CB3-9B77-49C42135920F}"/>
+              </a:ext>
+            </a:extLst>
+          </p:cNvPr>
+          <p:cNvSpPr>
+            <a:spLocks noGrp="1"/>
+          </p:cNvSpPr>
+          <p:nvPr>
+            <p:ph idx="1"/>
+          </p:nvPr>
+        </p:nvSpPr>
+        <p:spPr>
+          <a:xfrm>
+            <a:off x="838200" y="1285461"/>
+            <a:ext cx="10515600" cy="5207414"/>
           </a:xfrm>
         </p:spPr>
         <p:txBody>
@@ -8506,19 +8568,114 @@
           </a:bodyPr>
           <a:lstStyle/>
           <a:p>
-            <a:pPr algn="ctr"/>
-            <a:r>
-              <a:rPr lang="en-US" altLang="zh-CN" sz="6000"/>
-              <a:t>Possible Q&amp;A</a:t>
-            </a:r>
-            <a:endParaRPr lang="zh-CN" altLang="en-US" sz="6000" dirty="0"/>
-          </a:p>
-        </p:txBody>
-      </p:sp>
+            <a:pPr marL="0" indent="0">
+              <a:buNone/>
+            </a:pPr>
+            <a:r>
+              <a:rPr lang="en-US" altLang="zh-CN" sz="2400" dirty="0"/>
+              <a:t>When we translate the IPA 0x4003_1234, starting at Level 1.</a:t>
+            </a:r>
+          </a:p>
+          <a:p>
+            <a:pPr marL="0" indent="0">
+              <a:buNone/>
+            </a:pPr>
+            <a:r>
+              <a:rPr lang="en-US" altLang="zh-CN" sz="2400" dirty="0"/>
+              <a:t>(7) We do Level 3 lookup of the descriptor 0x4003_0000 ~ 0x4003_0FFF, it is a page.</a:t>
+            </a:r>
+          </a:p>
+          <a:p>
+            <a:pPr marL="0" indent="0">
+              <a:buNone/>
+            </a:pPr>
+            <a:r>
+              <a:rPr lang="en-US" altLang="zh-CN" sz="2400" dirty="0"/>
+              <a:t>(8) Our translation result is (OA[39:12]&lt;&lt;12)+0x123</a:t>
+            </a:r>
+          </a:p>
+        </p:txBody>
+      </p:sp>
+      <p:sp>
+        <p:nvSpPr>
+          <p:cNvPr id="8" name="文本框 7">
+            <a:extLst>
+              <a:ext uri="{FF2B5EF4-FFF2-40B4-BE49-F238E27FC236}">
+                <a16:creationId xmlns:a16="http://schemas.microsoft.com/office/drawing/2014/main" id="{9FA3FC39-7E05-4D8B-86EA-3F210A0FE251}"/>
+              </a:ext>
+            </a:extLst>
+          </p:cNvPr>
+          <p:cNvSpPr txBox="1"/>
+          <p:nvPr/>
+        </p:nvSpPr>
+        <p:spPr>
+          <a:xfrm>
+            <a:off x="397565" y="6386154"/>
+            <a:ext cx="10389704" cy="369332"/>
+          </a:xfrm>
+          <a:prstGeom prst="rect">
+            <a:avLst/>
+          </a:prstGeom>
+          <a:noFill/>
+        </p:spPr>
+        <p:txBody>
+          <a:bodyPr wrap="square" rtlCol="0">
+            <a:spAutoFit/>
+          </a:bodyPr>
+          <a:lstStyle/>
+          <a:p>
+            <a:r>
+              <a:rPr lang="zh-CN" altLang="en-US" dirty="0"/>
+              <a:t>*</a:t>
+            </a:r>
+            <a:r>
+              <a:rPr lang="en-US" altLang="zh-CN" dirty="0"/>
+              <a:t>Source: K7-8498</a:t>
+            </a:r>
+            <a:endParaRPr lang="zh-CN" altLang="en-US" dirty="0"/>
+          </a:p>
+        </p:txBody>
+      </p:sp>
+      <p:pic>
+        <p:nvPicPr>
+          <p:cNvPr id="5" name="图片 4" descr="社交网络的手机截图&#10;&#10;中度可信度描述已自动生成">
+            <a:extLst>
+              <a:ext uri="{FF2B5EF4-FFF2-40B4-BE49-F238E27FC236}">
+                <a16:creationId xmlns:a16="http://schemas.microsoft.com/office/drawing/2014/main" id="{CE13CFA2-92B3-41FC-A06D-7F0B3BBFCEEC}"/>
+              </a:ext>
+            </a:extLst>
+          </p:cNvPr>
+          <p:cNvPicPr>
+            <a:picLocks noChangeAspect="1"/>
+          </p:cNvPicPr>
+          <p:nvPr/>
+        </p:nvPicPr>
+        <p:blipFill>
+          <a:blip r:embed="rId2">
+            <a:extLst>
+              <a:ext uri="{28A0092B-C50C-407E-A947-70E740481C1C}">
+                <a14:useLocalDpi xmlns:a14="http://schemas.microsoft.com/office/drawing/2010/main" val="0"/>
+              </a:ext>
+            </a:extLst>
+          </a:blip>
+          <a:stretch>
+            <a:fillRect/>
+          </a:stretch>
+        </p:blipFill>
+        <p:spPr>
+          <a:xfrm>
+            <a:off x="529373" y="3467814"/>
+            <a:ext cx="11133254" cy="2474057"/>
+          </a:xfrm>
+          <a:prstGeom prst="rect">
+            <a:avLst/>
+          </a:prstGeom>
+        </p:spPr>
+      </p:pic>
     </p:spTree>
     <p:extLst>
       <p:ext uri="{BB962C8B-B14F-4D97-AF65-F5344CB8AC3E}">
-        <p14:creationId xmlns:p14="http://schemas.microsoft.com/office/powerpoint/2010/main" val="1720238183"/>
+        <p14:creationId xmlns:p14="http://schemas.microsoft.com/office/powerpoint/2010/main" val="2784295713"/>
       </p:ext>
     </p:extLst>
   </p:cSld>
@@ -8550,7 +8707,7 @@
           <p:cNvPr id="2" name="标题 1">
             <a:extLst>
               <a:ext uri="{FF2B5EF4-FFF2-40B4-BE49-F238E27FC236}">
-                <a16:creationId xmlns:a16="http://schemas.microsoft.com/office/drawing/2014/main" id="{C8E4CC26-1034-4229-BFFF-91B82B8841DF}"/>
+                <a16:creationId xmlns:a16="http://schemas.microsoft.com/office/drawing/2014/main" id="{33863609-18E9-4020-8712-92286D1B052C}"/>
               </a:ext>
             </a:extLst>
           </p:cNvPr>
@@ -8563,42 +8720,8 @@
         </p:nvSpPr>
         <p:spPr>
           <a:xfrm>
-            <a:off x="838200" y="365125"/>
-            <a:ext cx="10515600" cy="734805"/>
-          </a:xfrm>
-        </p:spPr>
-        <p:txBody>
-          <a:bodyPr/>
-          <a:lstStyle/>
-          <a:p>
-            <a:r>
-              <a:rPr lang="en-US" altLang="zh-CN" dirty="0"/>
-              <a:t>Possible Q&amp;A</a:t>
-            </a:r>
-            <a:endParaRPr lang="zh-CN" altLang="en-US" dirty="0"/>
-          </a:p>
-        </p:txBody>
-      </p:sp>
-      <p:sp>
-        <p:nvSpPr>
-          <p:cNvPr id="3" name="内容占位符 2">
-            <a:extLst>
-              <a:ext uri="{FF2B5EF4-FFF2-40B4-BE49-F238E27FC236}">
-                <a16:creationId xmlns:a16="http://schemas.microsoft.com/office/drawing/2014/main" id="{9A6FAEDA-4286-4CB3-9B77-49C42135920F}"/>
-              </a:ext>
-            </a:extLst>
-          </p:cNvPr>
-          <p:cNvSpPr>
-            <a:spLocks noGrp="1"/>
-          </p:cNvSpPr>
-          <p:nvPr>
-            <p:ph idx="1"/>
-          </p:nvPr>
-        </p:nvSpPr>
-        <p:spPr>
-          <a:xfrm>
-            <a:off x="838200" y="1285461"/>
-            <a:ext cx="10515600" cy="4891502"/>
+            <a:off x="838200" y="2766218"/>
+            <a:ext cx="10515600" cy="1325563"/>
           </a:xfrm>
         </p:spPr>
         <p:txBody>
@@ -8607,67 +8730,19 @@
           </a:bodyPr>
           <a:lstStyle/>
           <a:p>
-            <a:pPr marL="0" indent="0">
-              <a:buNone/>
-            </a:pPr>
-            <a:r>
-              <a:rPr lang="en-US" altLang="zh-CN" dirty="0"/>
-              <a:t>The system crashes when I load the </a:t>
-            </a:r>
-            <a:r>
-              <a:rPr lang="en-US" altLang="zh-CN" dirty="0" err="1"/>
-              <a:t>Nailgun</a:t>
-            </a:r>
-            <a:r>
-              <a:rPr lang="en-US" altLang="zh-CN" dirty="0"/>
-              <a:t> attack, why?</a:t>
-            </a:r>
-          </a:p>
-          <a:p>
-            <a:pPr marL="0" indent="0">
-              <a:buNone/>
-            </a:pPr>
-            <a:endParaRPr lang="en-US" altLang="zh-CN" dirty="0"/>
-          </a:p>
-          <a:p>
-            <a:pPr marL="0" indent="0">
-              <a:buNone/>
-            </a:pPr>
-            <a:r>
-              <a:rPr lang="en-US" altLang="zh-CN" dirty="0"/>
-              <a:t>When we access the invalid region, it will trigger a translation fault.</a:t>
-            </a:r>
-          </a:p>
-          <a:p>
-            <a:pPr marL="0" indent="0">
-              <a:buNone/>
-            </a:pPr>
-            <a:r>
-              <a:rPr lang="en-US" altLang="zh-CN" dirty="0"/>
-              <a:t>But we have not designed the corresponding exception handler.</a:t>
-            </a:r>
-          </a:p>
-          <a:p>
-            <a:pPr marL="0" indent="0">
-              <a:buNone/>
-            </a:pPr>
-            <a:endParaRPr lang="en-US" altLang="zh-CN" dirty="0"/>
-          </a:p>
-          <a:p>
-            <a:pPr marL="0" indent="0">
-              <a:buNone/>
-            </a:pPr>
-            <a:r>
-              <a:rPr lang="en-US" altLang="zh-CN" dirty="0"/>
-              <a:t>So the system cannot jump to the correct PC to exit the attack.</a:t>
-            </a:r>
+            <a:pPr algn="ctr"/>
+            <a:r>
+              <a:rPr lang="en-US" altLang="zh-CN" sz="6000"/>
+              <a:t>Possible Q&amp;A</a:t>
+            </a:r>
+            <a:endParaRPr lang="zh-CN" altLang="en-US" sz="6000" dirty="0"/>
           </a:p>
         </p:txBody>
       </p:sp>
     </p:spTree>
     <p:extLst>
       <p:ext uri="{BB962C8B-B14F-4D97-AF65-F5344CB8AC3E}">
-        <p14:creationId xmlns:p14="http://schemas.microsoft.com/office/powerpoint/2010/main" val="177044627"/>
+        <p14:creationId xmlns:p14="http://schemas.microsoft.com/office/powerpoint/2010/main" val="1720238183"/>
       </p:ext>
     </p:extLst>
   </p:cSld>
@@ -8761,52 +8836,54 @@
             </a:pPr>
             <a:r>
               <a:rPr lang="en-US" altLang="zh-CN" dirty="0"/>
-              <a:t>How about the cache and TLB attacks?</a:t>
-            </a:r>
-          </a:p>
-          <a:p>
-            <a:pPr marL="0" indent="0">
-              <a:buNone/>
-            </a:pPr>
-            <a:endParaRPr lang="en-US" altLang="zh-CN" sz="3200" dirty="0"/>
-          </a:p>
-          <a:p>
-            <a:pPr marL="0" indent="0">
-              <a:buNone/>
-            </a:pPr>
-            <a:r>
-              <a:rPr lang="en-US" altLang="zh-CN" dirty="0"/>
-              <a:t>Actually, this Lab have not considered these attacks.</a:t>
-            </a:r>
-          </a:p>
-          <a:p>
-            <a:pPr marL="0" indent="0">
-              <a:buNone/>
-            </a:pPr>
-            <a:r>
-              <a:rPr lang="en-US" altLang="zh-CN" dirty="0"/>
-              <a:t>You can call them as “</a:t>
-            </a:r>
-            <a:r>
-              <a:rPr lang="en-US" altLang="zh-CN" dirty="0">
-                <a:solidFill>
-                  <a:srgbClr val="FF0000"/>
-                </a:solidFill>
-              </a:rPr>
-              <a:t>side-channel attack</a:t>
-            </a:r>
-            <a:r>
-              <a:rPr lang="en-US" altLang="zh-CN" dirty="0"/>
-              <a:t>”, which is a popular topic.</a:t>
-            </a:r>
-          </a:p>
-          <a:p>
-            <a:pPr marL="0" indent="0">
-              <a:buNone/>
-            </a:pPr>
-            <a:r>
-              <a:rPr lang="en-US" altLang="zh-CN" dirty="0"/>
-              <a:t>We may extend the discussion in the future.</a:t>
+              <a:t>The system crashes when I load the </a:t>
+            </a:r>
+            <a:r>
+              <a:rPr lang="en-US" altLang="zh-CN" dirty="0" err="1"/>
+              <a:t>Nailgun</a:t>
+            </a:r>
+            <a:r>
+              <a:rPr lang="en-US" altLang="zh-CN" dirty="0"/>
+              <a:t> attack, why?</a:t>
+            </a:r>
+          </a:p>
+          <a:p>
+            <a:pPr marL="0" indent="0">
+              <a:buNone/>
+            </a:pPr>
+            <a:endParaRPr lang="en-US" altLang="zh-CN" dirty="0"/>
+          </a:p>
+          <a:p>
+            <a:pPr marL="0" indent="0">
+              <a:buNone/>
+            </a:pPr>
+            <a:r>
+              <a:rPr lang="en-US" altLang="zh-CN" dirty="0"/>
+              <a:t>When we access the invalid region, it will trigger a translation fault.</a:t>
+            </a:r>
+          </a:p>
+          <a:p>
+            <a:pPr marL="0" indent="0">
+              <a:buNone/>
+            </a:pPr>
+            <a:r>
+              <a:rPr lang="en-US" altLang="zh-CN" dirty="0"/>
+              <a:t>But we have not designed the corresponding exception handler.</a:t>
+            </a:r>
+          </a:p>
+          <a:p>
+            <a:pPr marL="0" indent="0">
+              <a:buNone/>
+            </a:pPr>
+            <a:endParaRPr lang="en-US" altLang="zh-CN" dirty="0"/>
+          </a:p>
+          <a:p>
+            <a:pPr marL="0" indent="0">
+              <a:buNone/>
+            </a:pPr>
+            <a:r>
+              <a:rPr lang="en-US" altLang="zh-CN" dirty="0"/>
+              <a:t>So the system cannot jump to the correct PC to exit the attack.</a:t>
             </a:r>
           </a:p>
         </p:txBody>
@@ -8814,7 +8891,7 @@
     </p:spTree>
     <p:extLst>
       <p:ext uri="{BB962C8B-B14F-4D97-AF65-F5344CB8AC3E}">
-        <p14:creationId xmlns:p14="http://schemas.microsoft.com/office/powerpoint/2010/main" val="3546755674"/>
+        <p14:creationId xmlns:p14="http://schemas.microsoft.com/office/powerpoint/2010/main" val="177044627"/>
       </p:ext>
     </p:extLst>
   </p:cSld>
@@ -8908,109 +8985,60 @@
             </a:pPr>
             <a:r>
               <a:rPr lang="en-US" altLang="zh-CN" dirty="0"/>
-              <a:t>How about peripheral attacks?</a:t>
-            </a:r>
-          </a:p>
-          <a:p>
-            <a:pPr marL="0" indent="0">
-              <a:buNone/>
-            </a:pPr>
-            <a:r>
-              <a:rPr lang="en-US" altLang="zh-CN" sz="2400" dirty="0"/>
-              <a:t>Attacker can use the peripherals, such as GPU and DMA, to bypass the MMU (Specifically, the MMU for CPU).</a:t>
-            </a:r>
-          </a:p>
-          <a:p>
-            <a:pPr marL="0" indent="0">
-              <a:buNone/>
-            </a:pPr>
-            <a:r>
-              <a:rPr lang="en-US" altLang="zh-CN" sz="2400" dirty="0"/>
-              <a:t>But we can config the MMU for them with S-2 translation, which is called as SMMU (or IOMMU).</a:t>
-            </a:r>
-          </a:p>
-        </p:txBody>
-      </p:sp>
-      <p:sp>
-        <p:nvSpPr>
-          <p:cNvPr id="4" name="文本框 3">
-            <a:extLst>
-              <a:ext uri="{FF2B5EF4-FFF2-40B4-BE49-F238E27FC236}">
-                <a16:creationId xmlns:a16="http://schemas.microsoft.com/office/drawing/2014/main" id="{4DCE2415-743C-428E-BA1D-5C3AEB165450}"/>
-              </a:ext>
-            </a:extLst>
-          </p:cNvPr>
-          <p:cNvSpPr txBox="1"/>
-          <p:nvPr/>
-        </p:nvSpPr>
-        <p:spPr>
-          <a:xfrm>
-            <a:off x="609600" y="6362494"/>
-            <a:ext cx="10389704" cy="369332"/>
-          </a:xfrm>
-          <a:prstGeom prst="rect">
-            <a:avLst/>
-          </a:prstGeom>
-          <a:noFill/>
-        </p:spPr>
-        <p:txBody>
-          <a:bodyPr wrap="square" rtlCol="0">
-            <a:spAutoFit/>
-          </a:bodyPr>
-          <a:lstStyle/>
-          <a:p>
-            <a:r>
-              <a:rPr lang="zh-CN" altLang="en-US" dirty="0"/>
-              <a:t>*</a:t>
-            </a:r>
-            <a:r>
-              <a:rPr lang="en-US" altLang="zh-CN" dirty="0"/>
-              <a:t>Source: https://developer.arm.com/documentation/ihi0070/latest</a:t>
-            </a:r>
-            <a:endParaRPr lang="zh-CN" altLang="en-US" dirty="0"/>
-          </a:p>
-        </p:txBody>
-      </p:sp>
-      <p:pic>
-        <p:nvPicPr>
-          <p:cNvPr id="6" name="图片 5" descr="图示&#10;&#10;描述已自动生成">
-            <a:extLst>
-              <a:ext uri="{FF2B5EF4-FFF2-40B4-BE49-F238E27FC236}">
-                <a16:creationId xmlns:a16="http://schemas.microsoft.com/office/drawing/2014/main" id="{CFBF47FA-1032-4BB0-A79E-C6E3F0F54E78}"/>
-              </a:ext>
-            </a:extLst>
-          </p:cNvPr>
-          <p:cNvPicPr>
-            <a:picLocks noChangeAspect="1"/>
-          </p:cNvPicPr>
-          <p:nvPr/>
-        </p:nvPicPr>
-        <p:blipFill>
-          <a:blip r:embed="rId2">
-            <a:extLst>
-              <a:ext uri="{28A0092B-C50C-407E-A947-70E740481C1C}">
-                <a14:useLocalDpi xmlns:a14="http://schemas.microsoft.com/office/drawing/2010/main" val="0"/>
-              </a:ext>
-            </a:extLst>
-          </a:blip>
-          <a:stretch>
-            <a:fillRect/>
-          </a:stretch>
-        </p:blipFill>
-        <p:spPr>
-          <a:xfrm>
-            <a:off x="2782957" y="3429000"/>
-            <a:ext cx="6626086" cy="2900689"/>
-          </a:xfrm>
-          <a:prstGeom prst="rect">
-            <a:avLst/>
-          </a:prstGeom>
-        </p:spPr>
-      </p:pic>
+              <a:t>How about the cache and TLB attacks?</a:t>
+            </a:r>
+          </a:p>
+          <a:p>
+            <a:pPr marL="0" indent="0">
+              <a:buNone/>
+            </a:pPr>
+            <a:endParaRPr lang="en-US" altLang="zh-CN" sz="3200" dirty="0"/>
+          </a:p>
+          <a:p>
+            <a:pPr marL="0" indent="0">
+              <a:buNone/>
+            </a:pPr>
+            <a:r>
+              <a:rPr lang="en-US" altLang="zh-CN" dirty="0"/>
+              <a:t>Actually, this Lab have not considered these attacks.</a:t>
+            </a:r>
+          </a:p>
+          <a:p>
+            <a:pPr marL="0" indent="0">
+              <a:buNone/>
+            </a:pPr>
+            <a:r>
+              <a:rPr lang="en-US" altLang="zh-CN" dirty="0"/>
+              <a:t>You can call them as “</a:t>
+            </a:r>
+            <a:r>
+              <a:rPr lang="en-US" altLang="zh-CN" dirty="0">
+                <a:solidFill>
+                  <a:srgbClr val="FF0000"/>
+                </a:solidFill>
+              </a:rPr>
+              <a:t>side-channel attack</a:t>
+            </a:r>
+            <a:r>
+              <a:rPr lang="en-US" altLang="zh-CN" dirty="0"/>
+              <a:t>”, which is a popular topic.</a:t>
+            </a:r>
+          </a:p>
+          <a:p>
+            <a:pPr marL="0" indent="0">
+              <a:buNone/>
+            </a:pPr>
+            <a:r>
+              <a:rPr lang="en-US" altLang="zh-CN" dirty="0"/>
+              <a:t>We may extend the discussion in the future.</a:t>
+            </a:r>
+          </a:p>
+        </p:txBody>
+      </p:sp>
     </p:spTree>
     <p:extLst>
       <p:ext uri="{BB962C8B-B14F-4D97-AF65-F5344CB8AC3E}">
-        <p14:creationId xmlns:p14="http://schemas.microsoft.com/office/powerpoint/2010/main" val="2933432059"/>
+        <p14:creationId xmlns:p14="http://schemas.microsoft.com/office/powerpoint/2010/main" val="3546755674"/>
       </p:ext>
     </p:extLst>
   </p:cSld>
@@ -9104,6 +9132,202 @@
             </a:pPr>
             <a:r>
               <a:rPr lang="en-US" altLang="zh-CN" dirty="0"/>
+              <a:t>How about peripheral attacks?</a:t>
+            </a:r>
+          </a:p>
+          <a:p>
+            <a:pPr marL="0" indent="0">
+              <a:buNone/>
+            </a:pPr>
+            <a:r>
+              <a:rPr lang="en-US" altLang="zh-CN" sz="2400" dirty="0"/>
+              <a:t>Attacker can use the peripherals, such as GPU and DMA, to bypass the MMU (Specifically, the MMU for CPU).</a:t>
+            </a:r>
+          </a:p>
+          <a:p>
+            <a:pPr marL="0" indent="0">
+              <a:buNone/>
+            </a:pPr>
+            <a:r>
+              <a:rPr lang="en-US" altLang="zh-CN" sz="2400" dirty="0"/>
+              <a:t>But we can config the MMU for them with S-2 translation, which is called as SMMU (or IOMMU).</a:t>
+            </a:r>
+          </a:p>
+        </p:txBody>
+      </p:sp>
+      <p:sp>
+        <p:nvSpPr>
+          <p:cNvPr id="4" name="文本框 3">
+            <a:extLst>
+              <a:ext uri="{FF2B5EF4-FFF2-40B4-BE49-F238E27FC236}">
+                <a16:creationId xmlns:a16="http://schemas.microsoft.com/office/drawing/2014/main" id="{4DCE2415-743C-428E-BA1D-5C3AEB165450}"/>
+              </a:ext>
+            </a:extLst>
+          </p:cNvPr>
+          <p:cNvSpPr txBox="1"/>
+          <p:nvPr/>
+        </p:nvSpPr>
+        <p:spPr>
+          <a:xfrm>
+            <a:off x="609600" y="6362494"/>
+            <a:ext cx="10389704" cy="369332"/>
+          </a:xfrm>
+          <a:prstGeom prst="rect">
+            <a:avLst/>
+          </a:prstGeom>
+          <a:noFill/>
+        </p:spPr>
+        <p:txBody>
+          <a:bodyPr wrap="square" rtlCol="0">
+            <a:spAutoFit/>
+          </a:bodyPr>
+          <a:lstStyle/>
+          <a:p>
+            <a:r>
+              <a:rPr lang="zh-CN" altLang="en-US" dirty="0"/>
+              <a:t>*</a:t>
+            </a:r>
+            <a:r>
+              <a:rPr lang="en-US" altLang="zh-CN" dirty="0"/>
+              <a:t>Source: https://developer.arm.com/documentation/ihi0070/latest</a:t>
+            </a:r>
+            <a:endParaRPr lang="zh-CN" altLang="en-US" dirty="0"/>
+          </a:p>
+        </p:txBody>
+      </p:sp>
+      <p:pic>
+        <p:nvPicPr>
+          <p:cNvPr id="6" name="图片 5" descr="图示&#10;&#10;描述已自动生成">
+            <a:extLst>
+              <a:ext uri="{FF2B5EF4-FFF2-40B4-BE49-F238E27FC236}">
+                <a16:creationId xmlns:a16="http://schemas.microsoft.com/office/drawing/2014/main" id="{CFBF47FA-1032-4BB0-A79E-C6E3F0F54E78}"/>
+              </a:ext>
+            </a:extLst>
+          </p:cNvPr>
+          <p:cNvPicPr>
+            <a:picLocks noChangeAspect="1"/>
+          </p:cNvPicPr>
+          <p:nvPr/>
+        </p:nvPicPr>
+        <p:blipFill>
+          <a:blip r:embed="rId2">
+            <a:extLst>
+              <a:ext uri="{28A0092B-C50C-407E-A947-70E740481C1C}">
+                <a14:useLocalDpi xmlns:a14="http://schemas.microsoft.com/office/drawing/2010/main" val="0"/>
+              </a:ext>
+            </a:extLst>
+          </a:blip>
+          <a:stretch>
+            <a:fillRect/>
+          </a:stretch>
+        </p:blipFill>
+        <p:spPr>
+          <a:xfrm>
+            <a:off x="2782957" y="3429000"/>
+            <a:ext cx="6626086" cy="2900689"/>
+          </a:xfrm>
+          <a:prstGeom prst="rect">
+            <a:avLst/>
+          </a:prstGeom>
+        </p:spPr>
+      </p:pic>
+    </p:spTree>
+    <p:extLst>
+      <p:ext uri="{BB962C8B-B14F-4D97-AF65-F5344CB8AC3E}">
+        <p14:creationId xmlns:p14="http://schemas.microsoft.com/office/powerpoint/2010/main" val="2933432059"/>
+      </p:ext>
+    </p:extLst>
+  </p:cSld>
+  <p:clrMapOvr>
+    <a:masterClrMapping/>
+  </p:clrMapOvr>
+</p:sld>
+</file>
+
+<file path=ppt/slides/slide36.xml><?xml version="1.0" encoding="utf-8"?>
+<p:sld xmlns:a="http://schemas.openxmlformats.org/drawingml/2006/main" xmlns:r="http://schemas.openxmlformats.org/officeDocument/2006/relationships" xmlns:p="http://schemas.openxmlformats.org/presentationml/2006/main">
+  <p:cSld>
+    <p:spTree>
+      <p:nvGrpSpPr>
+        <p:cNvPr id="1" name=""/>
+        <p:cNvGrpSpPr/>
+        <p:nvPr/>
+      </p:nvGrpSpPr>
+      <p:grpSpPr>
+        <a:xfrm>
+          <a:off x="0" y="0"/>
+          <a:ext cx="0" cy="0"/>
+          <a:chOff x="0" y="0"/>
+          <a:chExt cx="0" cy="0"/>
+        </a:xfrm>
+      </p:grpSpPr>
+      <p:sp>
+        <p:nvSpPr>
+          <p:cNvPr id="2" name="标题 1">
+            <a:extLst>
+              <a:ext uri="{FF2B5EF4-FFF2-40B4-BE49-F238E27FC236}">
+                <a16:creationId xmlns:a16="http://schemas.microsoft.com/office/drawing/2014/main" id="{C8E4CC26-1034-4229-BFFF-91B82B8841DF}"/>
+              </a:ext>
+            </a:extLst>
+          </p:cNvPr>
+          <p:cNvSpPr>
+            <a:spLocks noGrp="1"/>
+          </p:cNvSpPr>
+          <p:nvPr>
+            <p:ph type="title"/>
+          </p:nvPr>
+        </p:nvSpPr>
+        <p:spPr>
+          <a:xfrm>
+            <a:off x="838200" y="365125"/>
+            <a:ext cx="10515600" cy="734805"/>
+          </a:xfrm>
+        </p:spPr>
+        <p:txBody>
+          <a:bodyPr/>
+          <a:lstStyle/>
+          <a:p>
+            <a:r>
+              <a:rPr lang="en-US" altLang="zh-CN" dirty="0"/>
+              <a:t>Possible Q&amp;A</a:t>
+            </a:r>
+            <a:endParaRPr lang="zh-CN" altLang="en-US" dirty="0"/>
+          </a:p>
+        </p:txBody>
+      </p:sp>
+      <p:sp>
+        <p:nvSpPr>
+          <p:cNvPr id="3" name="内容占位符 2">
+            <a:extLst>
+              <a:ext uri="{FF2B5EF4-FFF2-40B4-BE49-F238E27FC236}">
+                <a16:creationId xmlns:a16="http://schemas.microsoft.com/office/drawing/2014/main" id="{9A6FAEDA-4286-4CB3-9B77-49C42135920F}"/>
+              </a:ext>
+            </a:extLst>
+          </p:cNvPr>
+          <p:cNvSpPr>
+            <a:spLocks noGrp="1"/>
+          </p:cNvSpPr>
+          <p:nvPr>
+            <p:ph idx="1"/>
+          </p:nvPr>
+        </p:nvSpPr>
+        <p:spPr>
+          <a:xfrm>
+            <a:off x="838200" y="1285461"/>
+            <a:ext cx="10515600" cy="4891502"/>
+          </a:xfrm>
+        </p:spPr>
+        <p:txBody>
+          <a:bodyPr>
+            <a:normAutofit/>
+          </a:bodyPr>
+          <a:lstStyle/>
+          <a:p>
+            <a:pPr marL="0" indent="0">
+              <a:buNone/>
+            </a:pPr>
+            <a:r>
+              <a:rPr lang="en-US" altLang="zh-CN" dirty="0"/>
               <a:t>Do we have technical support?</a:t>
             </a:r>
           </a:p>
@@ -9191,6 +9415,564 @@
     <p:extLst>
       <p:ext uri="{BB962C8B-B14F-4D97-AF65-F5344CB8AC3E}">
         <p14:creationId xmlns:p14="http://schemas.microsoft.com/office/powerpoint/2010/main" val="2551916228"/>
+      </p:ext>
+    </p:extLst>
+  </p:cSld>
+  <p:clrMapOvr>
+    <a:masterClrMapping/>
+  </p:clrMapOvr>
+</p:sld>
+</file>
+
+<file path=ppt/slides/slide37.xml><?xml version="1.0" encoding="utf-8"?>
+<p:sld xmlns:a="http://schemas.openxmlformats.org/drawingml/2006/main" xmlns:r="http://schemas.openxmlformats.org/officeDocument/2006/relationships" xmlns:p="http://schemas.openxmlformats.org/presentationml/2006/main">
+  <p:cSld>
+    <p:spTree>
+      <p:nvGrpSpPr>
+        <p:cNvPr id="1" name=""/>
+        <p:cNvGrpSpPr/>
+        <p:nvPr/>
+      </p:nvGrpSpPr>
+      <p:grpSpPr>
+        <a:xfrm>
+          <a:off x="0" y="0"/>
+          <a:ext cx="0" cy="0"/>
+          <a:chOff x="0" y="0"/>
+          <a:chExt cx="0" cy="0"/>
+        </a:xfrm>
+      </p:grpSpPr>
+      <p:sp>
+        <p:nvSpPr>
+          <p:cNvPr id="2" name="标题 1">
+            <a:extLst>
+              <a:ext uri="{FF2B5EF4-FFF2-40B4-BE49-F238E27FC236}">
+                <a16:creationId xmlns:a16="http://schemas.microsoft.com/office/drawing/2014/main" id="{C8E4CC26-1034-4229-BFFF-91B82B8841DF}"/>
+              </a:ext>
+            </a:extLst>
+          </p:cNvPr>
+          <p:cNvSpPr>
+            <a:spLocks noGrp="1"/>
+          </p:cNvSpPr>
+          <p:nvPr>
+            <p:ph type="title"/>
+          </p:nvPr>
+        </p:nvSpPr>
+        <p:spPr>
+          <a:xfrm>
+            <a:off x="838200" y="365125"/>
+            <a:ext cx="10515600" cy="734805"/>
+          </a:xfrm>
+        </p:spPr>
+        <p:txBody>
+          <a:bodyPr/>
+          <a:lstStyle/>
+          <a:p>
+            <a:r>
+              <a:rPr lang="en-US" altLang="zh-CN" dirty="0"/>
+              <a:t>Necessary </a:t>
+            </a:r>
+            <a:r>
+              <a:rPr lang="en-US" altLang="zh-CN" dirty="0" err="1"/>
+              <a:t>meterials</a:t>
+            </a:r>
+            <a:endParaRPr lang="zh-CN" altLang="en-US" dirty="0"/>
+          </a:p>
+        </p:txBody>
+      </p:sp>
+      <p:sp>
+        <p:nvSpPr>
+          <p:cNvPr id="3" name="内容占位符 2">
+            <a:extLst>
+              <a:ext uri="{FF2B5EF4-FFF2-40B4-BE49-F238E27FC236}">
+                <a16:creationId xmlns:a16="http://schemas.microsoft.com/office/drawing/2014/main" id="{9A6FAEDA-4286-4CB3-9B77-49C42135920F}"/>
+              </a:ext>
+            </a:extLst>
+          </p:cNvPr>
+          <p:cNvSpPr>
+            <a:spLocks noGrp="1"/>
+          </p:cNvSpPr>
+          <p:nvPr>
+            <p:ph idx="1"/>
+          </p:nvPr>
+        </p:nvSpPr>
+        <p:spPr>
+          <a:xfrm>
+            <a:off x="838200" y="1285461"/>
+            <a:ext cx="10515600" cy="4891502"/>
+          </a:xfrm>
+        </p:spPr>
+        <p:txBody>
+          <a:bodyPr/>
+          <a:lstStyle/>
+          <a:p>
+            <a:pPr marL="0" indent="0">
+              <a:buNone/>
+            </a:pPr>
+            <a:r>
+              <a:rPr lang="en-US" altLang="zh-CN" dirty="0"/>
+              <a:t>1. Armv8-A Reference Manual</a:t>
+            </a:r>
+          </a:p>
+          <a:p>
+            <a:pPr marL="0" indent="0">
+              <a:buNone/>
+            </a:pPr>
+            <a:endParaRPr lang="en-US" altLang="zh-CN" dirty="0"/>
+          </a:p>
+          <a:p>
+            <a:pPr marL="0" indent="0">
+              <a:buNone/>
+            </a:pPr>
+            <a:r>
+              <a:rPr lang="en-US" altLang="zh-CN" sz="2400" dirty="0"/>
+              <a:t>Download: </a:t>
+            </a:r>
+            <a:r>
+              <a:rPr lang="en-US" altLang="zh-CN" sz="2400" dirty="0">
+                <a:hlinkClick r:id="rId2"/>
+              </a:rPr>
+              <a:t>https://developer.arm.com/documentation/ddi0487/latest</a:t>
+            </a:r>
+            <a:endParaRPr lang="en-US" altLang="zh-CN" sz="2400" dirty="0"/>
+          </a:p>
+          <a:p>
+            <a:pPr marL="0" indent="0">
+              <a:buNone/>
+            </a:pPr>
+            <a:endParaRPr lang="en-US" altLang="zh-CN" sz="2400" dirty="0"/>
+          </a:p>
+          <a:p>
+            <a:pPr marL="0" indent="0">
+              <a:buNone/>
+            </a:pPr>
+            <a:r>
+              <a:rPr lang="en-US" altLang="zh-CN" sz="2400" dirty="0"/>
+              <a:t>A dictionary of Armv8-A architecture.</a:t>
+            </a:r>
+          </a:p>
+          <a:p>
+            <a:pPr marL="0" indent="0">
+              <a:buNone/>
+            </a:pPr>
+            <a:endParaRPr lang="en-US" altLang="zh-CN" sz="2400" dirty="0"/>
+          </a:p>
+          <a:p>
+            <a:pPr marL="0" indent="0">
+              <a:buNone/>
+            </a:pPr>
+            <a:r>
+              <a:rPr lang="en-US" altLang="zh-CN" sz="2400" dirty="0"/>
+              <a:t>Important part in this Lab: G5.1-G5.7, K7.2</a:t>
+            </a:r>
+          </a:p>
+          <a:p>
+            <a:pPr marL="0" indent="0">
+              <a:buNone/>
+            </a:pPr>
+            <a:r>
+              <a:rPr lang="en-US" altLang="zh-CN" sz="2400" dirty="0"/>
+              <a:t>(They are reference about </a:t>
+            </a:r>
+            <a:r>
+              <a:rPr lang="en-US" altLang="zh-CN" sz="2400" dirty="0">
+                <a:solidFill>
+                  <a:srgbClr val="FF0000"/>
+                </a:solidFill>
+              </a:rPr>
+              <a:t>32-bit</a:t>
+            </a:r>
+            <a:r>
+              <a:rPr lang="en-US" altLang="zh-CN" sz="2400" dirty="0"/>
+              <a:t> Armv8-A architecture)</a:t>
+            </a:r>
+          </a:p>
+        </p:txBody>
+      </p:sp>
+    </p:spTree>
+    <p:extLst>
+      <p:ext uri="{BB962C8B-B14F-4D97-AF65-F5344CB8AC3E}">
+        <p14:creationId xmlns:p14="http://schemas.microsoft.com/office/powerpoint/2010/main" val="2549591889"/>
+      </p:ext>
+    </p:extLst>
+  </p:cSld>
+  <p:clrMapOvr>
+    <a:masterClrMapping/>
+  </p:clrMapOvr>
+</p:sld>
+</file>
+
+<file path=ppt/slides/slide38.xml><?xml version="1.0" encoding="utf-8"?>
+<p:sld xmlns:a="http://schemas.openxmlformats.org/drawingml/2006/main" xmlns:r="http://schemas.openxmlformats.org/officeDocument/2006/relationships" xmlns:p="http://schemas.openxmlformats.org/presentationml/2006/main">
+  <p:cSld>
+    <p:spTree>
+      <p:nvGrpSpPr>
+        <p:cNvPr id="1" name=""/>
+        <p:cNvGrpSpPr/>
+        <p:nvPr/>
+      </p:nvGrpSpPr>
+      <p:grpSpPr>
+        <a:xfrm>
+          <a:off x="0" y="0"/>
+          <a:ext cx="0" cy="0"/>
+          <a:chOff x="0" y="0"/>
+          <a:chExt cx="0" cy="0"/>
+        </a:xfrm>
+      </p:grpSpPr>
+      <p:sp>
+        <p:nvSpPr>
+          <p:cNvPr id="2" name="标题 1">
+            <a:extLst>
+              <a:ext uri="{FF2B5EF4-FFF2-40B4-BE49-F238E27FC236}">
+                <a16:creationId xmlns:a16="http://schemas.microsoft.com/office/drawing/2014/main" id="{C8E4CC26-1034-4229-BFFF-91B82B8841DF}"/>
+              </a:ext>
+            </a:extLst>
+          </p:cNvPr>
+          <p:cNvSpPr>
+            <a:spLocks noGrp="1"/>
+          </p:cNvSpPr>
+          <p:nvPr>
+            <p:ph type="title"/>
+          </p:nvPr>
+        </p:nvSpPr>
+        <p:spPr>
+          <a:xfrm>
+            <a:off x="838200" y="365125"/>
+            <a:ext cx="10515600" cy="734805"/>
+          </a:xfrm>
+        </p:spPr>
+        <p:txBody>
+          <a:bodyPr/>
+          <a:lstStyle/>
+          <a:p>
+            <a:r>
+              <a:rPr lang="en-US" altLang="zh-CN" dirty="0"/>
+              <a:t>Necessary </a:t>
+            </a:r>
+            <a:r>
+              <a:rPr lang="en-US" altLang="zh-CN" dirty="0" err="1"/>
+              <a:t>meterials</a:t>
+            </a:r>
+            <a:endParaRPr lang="zh-CN" altLang="en-US" dirty="0"/>
+          </a:p>
+        </p:txBody>
+      </p:sp>
+      <p:sp>
+        <p:nvSpPr>
+          <p:cNvPr id="3" name="内容占位符 2">
+            <a:extLst>
+              <a:ext uri="{FF2B5EF4-FFF2-40B4-BE49-F238E27FC236}">
+                <a16:creationId xmlns:a16="http://schemas.microsoft.com/office/drawing/2014/main" id="{9A6FAEDA-4286-4CB3-9B77-49C42135920F}"/>
+              </a:ext>
+            </a:extLst>
+          </p:cNvPr>
+          <p:cNvSpPr>
+            <a:spLocks noGrp="1"/>
+          </p:cNvSpPr>
+          <p:nvPr>
+            <p:ph idx="1"/>
+          </p:nvPr>
+        </p:nvSpPr>
+        <p:spPr>
+          <a:xfrm>
+            <a:off x="838200" y="1285461"/>
+            <a:ext cx="10515600" cy="4891502"/>
+          </a:xfrm>
+        </p:spPr>
+        <p:txBody>
+          <a:bodyPr/>
+          <a:lstStyle/>
+          <a:p>
+            <a:pPr marL="0" indent="0">
+              <a:buNone/>
+            </a:pPr>
+            <a:r>
+              <a:rPr lang="en-US" altLang="zh-CN" dirty="0"/>
+              <a:t>2. Linux Kernel Source file</a:t>
+            </a:r>
+            <a:endParaRPr lang="en-US" altLang="zh-CN" sz="2400" dirty="0"/>
+          </a:p>
+          <a:p>
+            <a:pPr marL="0" indent="0">
+              <a:buNone/>
+            </a:pPr>
+            <a:endParaRPr lang="en-US" altLang="zh-CN" sz="2400" dirty="0"/>
+          </a:p>
+          <a:p>
+            <a:pPr marL="0" indent="0">
+              <a:buNone/>
+            </a:pPr>
+            <a:r>
+              <a:rPr lang="en-US" altLang="zh-CN" sz="2400" dirty="0"/>
+              <a:t>Raspberry Pi provides the source codes for its kernel.</a:t>
+            </a:r>
+          </a:p>
+          <a:p>
+            <a:pPr marL="0" indent="0">
+              <a:buNone/>
+            </a:pPr>
+            <a:endParaRPr lang="en-US" altLang="zh-CN" sz="2400" dirty="0"/>
+          </a:p>
+          <a:p>
+            <a:pPr marL="0" indent="0">
+              <a:buNone/>
+            </a:pPr>
+            <a:r>
+              <a:rPr lang="en-US" altLang="zh-CN" sz="2400" dirty="0"/>
+              <a:t>Download: </a:t>
+            </a:r>
+            <a:r>
+              <a:rPr lang="en-US" altLang="zh-CN" sz="2400" dirty="0">
+                <a:hlinkClick r:id="rId2"/>
+              </a:rPr>
+              <a:t>https://github.com/raspberrypi/linux</a:t>
+            </a:r>
+            <a:endParaRPr lang="en-US" altLang="zh-CN" sz="2400" dirty="0"/>
+          </a:p>
+          <a:p>
+            <a:pPr marL="0" indent="0">
+              <a:buNone/>
+            </a:pPr>
+            <a:endParaRPr lang="en-US" altLang="zh-CN" sz="2400" dirty="0"/>
+          </a:p>
+          <a:p>
+            <a:pPr marL="0" indent="0">
+              <a:buNone/>
+            </a:pPr>
+            <a:r>
+              <a:rPr lang="en-US" altLang="zh-CN" sz="2400" dirty="0"/>
+              <a:t>Here we use the branch </a:t>
+            </a:r>
+            <a:r>
+              <a:rPr lang="en-US" altLang="zh-CN" sz="2400" dirty="0">
+                <a:solidFill>
+                  <a:srgbClr val="FF0000"/>
+                </a:solidFill>
+              </a:rPr>
+              <a:t>rpi-4.14.y</a:t>
+            </a:r>
+            <a:r>
+              <a:rPr lang="en-US" altLang="zh-CN" sz="2400" dirty="0"/>
+              <a:t> or </a:t>
+            </a:r>
+            <a:r>
+              <a:rPr lang="en-US" altLang="zh-CN" sz="2400" dirty="0">
+                <a:solidFill>
+                  <a:srgbClr val="FF0000"/>
+                </a:solidFill>
+              </a:rPr>
+              <a:t>rpi-4.14.y-rt</a:t>
+            </a:r>
+            <a:r>
+              <a:rPr lang="en-US" altLang="zh-CN" sz="2400" dirty="0"/>
+              <a:t>, you can also use the other branches.</a:t>
+            </a:r>
+            <a:endParaRPr lang="en-US" altLang="zh-CN" dirty="0"/>
+          </a:p>
+        </p:txBody>
+      </p:sp>
+    </p:spTree>
+    <p:extLst>
+      <p:ext uri="{BB962C8B-B14F-4D97-AF65-F5344CB8AC3E}">
+        <p14:creationId xmlns:p14="http://schemas.microsoft.com/office/powerpoint/2010/main" val="54274445"/>
+      </p:ext>
+    </p:extLst>
+  </p:cSld>
+  <p:clrMapOvr>
+    <a:masterClrMapping/>
+  </p:clrMapOvr>
+</p:sld>
+</file>
+
+<file path=ppt/slides/slide39.xml><?xml version="1.0" encoding="utf-8"?>
+<p:sld xmlns:a="http://schemas.openxmlformats.org/drawingml/2006/main" xmlns:r="http://schemas.openxmlformats.org/officeDocument/2006/relationships" xmlns:p="http://schemas.openxmlformats.org/presentationml/2006/main">
+  <p:cSld>
+    <p:spTree>
+      <p:nvGrpSpPr>
+        <p:cNvPr id="1" name=""/>
+        <p:cNvGrpSpPr/>
+        <p:nvPr/>
+      </p:nvGrpSpPr>
+      <p:grpSpPr>
+        <a:xfrm>
+          <a:off x="0" y="0"/>
+          <a:ext cx="0" cy="0"/>
+          <a:chOff x="0" y="0"/>
+          <a:chExt cx="0" cy="0"/>
+        </a:xfrm>
+      </p:grpSpPr>
+      <p:sp>
+        <p:nvSpPr>
+          <p:cNvPr id="2" name="标题 1">
+            <a:extLst>
+              <a:ext uri="{FF2B5EF4-FFF2-40B4-BE49-F238E27FC236}">
+                <a16:creationId xmlns:a16="http://schemas.microsoft.com/office/drawing/2014/main" id="{C8E4CC26-1034-4229-BFFF-91B82B8841DF}"/>
+              </a:ext>
+            </a:extLst>
+          </p:cNvPr>
+          <p:cNvSpPr>
+            <a:spLocks noGrp="1"/>
+          </p:cNvSpPr>
+          <p:nvPr>
+            <p:ph type="title"/>
+          </p:nvPr>
+        </p:nvSpPr>
+        <p:spPr>
+          <a:xfrm>
+            <a:off x="838200" y="365125"/>
+            <a:ext cx="10515600" cy="734805"/>
+          </a:xfrm>
+        </p:spPr>
+        <p:txBody>
+          <a:bodyPr/>
+          <a:lstStyle/>
+          <a:p>
+            <a:r>
+              <a:rPr lang="en-US" altLang="zh-CN" dirty="0"/>
+              <a:t>Necessary </a:t>
+            </a:r>
+            <a:r>
+              <a:rPr lang="en-US" altLang="zh-CN" dirty="0" err="1"/>
+              <a:t>meterials</a:t>
+            </a:r>
+            <a:endParaRPr lang="zh-CN" altLang="en-US" dirty="0"/>
+          </a:p>
+        </p:txBody>
+      </p:sp>
+      <p:sp>
+        <p:nvSpPr>
+          <p:cNvPr id="3" name="内容占位符 2">
+            <a:extLst>
+              <a:ext uri="{FF2B5EF4-FFF2-40B4-BE49-F238E27FC236}">
+                <a16:creationId xmlns:a16="http://schemas.microsoft.com/office/drawing/2014/main" id="{9A6FAEDA-4286-4CB3-9B77-49C42135920F}"/>
+              </a:ext>
+            </a:extLst>
+          </p:cNvPr>
+          <p:cNvSpPr>
+            <a:spLocks noGrp="1"/>
+          </p:cNvSpPr>
+          <p:nvPr>
+            <p:ph idx="1"/>
+          </p:nvPr>
+        </p:nvSpPr>
+        <p:spPr>
+          <a:xfrm>
+            <a:off x="838200" y="1285461"/>
+            <a:ext cx="10515600" cy="4891502"/>
+          </a:xfrm>
+        </p:spPr>
+        <p:txBody>
+          <a:bodyPr>
+            <a:normAutofit lnSpcReduction="10000"/>
+          </a:bodyPr>
+          <a:lstStyle/>
+          <a:p>
+            <a:pPr marL="0" indent="0">
+              <a:buNone/>
+            </a:pPr>
+            <a:r>
+              <a:rPr lang="en-US" altLang="zh-CN" dirty="0"/>
+              <a:t>3. Cross-compile Tools</a:t>
+            </a:r>
+          </a:p>
+          <a:p>
+            <a:pPr marL="0" indent="0">
+              <a:buNone/>
+            </a:pPr>
+            <a:endParaRPr lang="en-US" altLang="zh-CN" sz="2400" dirty="0"/>
+          </a:p>
+          <a:p>
+            <a:pPr marL="0" indent="0">
+              <a:buNone/>
+            </a:pPr>
+            <a:r>
+              <a:rPr lang="en-US" altLang="zh-CN" sz="2400" dirty="0"/>
+              <a:t>Raspberry Pi provide it: https://github.com/raspberrypi/tools</a:t>
+            </a:r>
+          </a:p>
+          <a:p>
+            <a:pPr marL="0" indent="0">
+              <a:buNone/>
+            </a:pPr>
+            <a:endParaRPr lang="en-US" altLang="zh-CN" sz="2400" dirty="0"/>
+          </a:p>
+          <a:p>
+            <a:pPr marL="0" indent="0">
+              <a:buNone/>
+            </a:pPr>
+            <a:r>
+              <a:rPr lang="en-US" altLang="zh-CN" sz="2400" dirty="0"/>
+              <a:t>We use it because the environment of our VM and Raspberry Pi are different.</a:t>
+            </a:r>
+          </a:p>
+          <a:p>
+            <a:pPr marL="0" indent="0">
+              <a:buNone/>
+            </a:pPr>
+            <a:endParaRPr lang="en-US" altLang="zh-CN" sz="2400" dirty="0"/>
+          </a:p>
+          <a:p>
+            <a:pPr marL="0" indent="0">
+              <a:buNone/>
+            </a:pPr>
+            <a:r>
+              <a:rPr lang="en-US" altLang="zh-CN" sz="2400" dirty="0"/>
+              <a:t>Mostly we use Ubuntu, which is based on </a:t>
+            </a:r>
+            <a:r>
+              <a:rPr lang="en-US" altLang="zh-CN" sz="2400" dirty="0">
+                <a:solidFill>
+                  <a:srgbClr val="FF0000"/>
+                </a:solidFill>
+              </a:rPr>
+              <a:t>Intel x86</a:t>
+            </a:r>
+            <a:r>
+              <a:rPr lang="en-US" altLang="zh-CN" sz="2400" dirty="0"/>
+              <a:t> architecture.</a:t>
+            </a:r>
+          </a:p>
+          <a:p>
+            <a:pPr marL="0" indent="0">
+              <a:buNone/>
+            </a:pPr>
+            <a:r>
+              <a:rPr lang="en-US" altLang="zh-CN" sz="2400" dirty="0"/>
+              <a:t>But Raspberry Pi uses Cortex-A53 cores, which support </a:t>
+            </a:r>
+            <a:r>
+              <a:rPr lang="en-US" altLang="zh-CN" sz="2400" dirty="0">
+                <a:solidFill>
+                  <a:srgbClr val="FF0000"/>
+                </a:solidFill>
+              </a:rPr>
+              <a:t>Armv8-A</a:t>
+            </a:r>
+            <a:r>
+              <a:rPr lang="en-US" altLang="zh-CN" sz="2400" dirty="0"/>
+              <a:t> architecture.</a:t>
+            </a:r>
+          </a:p>
+          <a:p>
+            <a:pPr marL="0" indent="0">
+              <a:buNone/>
+            </a:pPr>
+            <a:endParaRPr lang="en-US" altLang="zh-CN" sz="2400" dirty="0"/>
+          </a:p>
+          <a:p>
+            <a:pPr marL="0" indent="0">
+              <a:buNone/>
+            </a:pPr>
+            <a:r>
+              <a:rPr lang="en-US" altLang="zh-CN" sz="2400" dirty="0"/>
+              <a:t>*If you build Kernel files on Raspberry Pi, you will not use it.</a:t>
+            </a:r>
+          </a:p>
+        </p:txBody>
+      </p:sp>
+    </p:spTree>
+    <p:extLst>
+      <p:ext uri="{BB962C8B-B14F-4D97-AF65-F5344CB8AC3E}">
+        <p14:creationId xmlns:p14="http://schemas.microsoft.com/office/powerpoint/2010/main" val="2292712017"/>
       </p:ext>
     </p:extLst>
   </p:cSld>
@@ -9222,7 +10004,7 @@
           <p:cNvPr id="2" name="标题 1">
             <a:extLst>
               <a:ext uri="{FF2B5EF4-FFF2-40B4-BE49-F238E27FC236}">
-                <a16:creationId xmlns:a16="http://schemas.microsoft.com/office/drawing/2014/main" id="{33863609-18E9-4020-8712-92286D1B052C}"/>
+                <a16:creationId xmlns:a16="http://schemas.microsoft.com/office/drawing/2014/main" id="{C8E4CC26-1034-4229-BFFF-91B82B8841DF}"/>
               </a:ext>
             </a:extLst>
           </p:cNvPr>
@@ -9235,29 +10017,153 @@
         </p:nvSpPr>
         <p:spPr>
           <a:xfrm>
-            <a:off x="838200" y="2766218"/>
-            <a:ext cx="10515600" cy="1325563"/>
-          </a:xfrm>
-        </p:spPr>
-        <p:txBody>
-          <a:bodyPr>
-            <a:normAutofit/>
+            <a:off x="838200" y="365125"/>
+            <a:ext cx="10515600" cy="734805"/>
+          </a:xfrm>
+        </p:spPr>
+        <p:txBody>
+          <a:bodyPr/>
+          <a:lstStyle/>
+          <a:p>
+            <a:r>
+              <a:rPr lang="en-US" altLang="zh-CN" dirty="0"/>
+              <a:t>Introduction: </a:t>
+            </a:r>
+            <a:r>
+              <a:rPr lang="en-US" altLang="zh-CN" dirty="0" err="1"/>
+              <a:t>Nailgun</a:t>
+            </a:r>
+            <a:r>
+              <a:rPr lang="en-US" altLang="zh-CN" dirty="0"/>
+              <a:t> Attack</a:t>
+            </a:r>
+            <a:endParaRPr lang="zh-CN" altLang="en-US" dirty="0"/>
+          </a:p>
+        </p:txBody>
+      </p:sp>
+      <p:sp>
+        <p:nvSpPr>
+          <p:cNvPr id="3" name="内容占位符 2">
+            <a:extLst>
+              <a:ext uri="{FF2B5EF4-FFF2-40B4-BE49-F238E27FC236}">
+                <a16:creationId xmlns:a16="http://schemas.microsoft.com/office/drawing/2014/main" id="{9A6FAEDA-4286-4CB3-9B77-49C42135920F}"/>
+              </a:ext>
+            </a:extLst>
+          </p:cNvPr>
+          <p:cNvSpPr>
+            <a:spLocks noGrp="1"/>
+          </p:cNvSpPr>
+          <p:nvPr>
+            <p:ph idx="1"/>
+          </p:nvPr>
+        </p:nvSpPr>
+        <p:spPr>
+          <a:xfrm>
+            <a:off x="838200" y="1285461"/>
+            <a:ext cx="10515600" cy="4891502"/>
+          </a:xfrm>
+        </p:spPr>
+        <p:txBody>
+          <a:bodyPr/>
+          <a:lstStyle/>
+          <a:p>
+            <a:pPr marL="0" indent="0">
+              <a:buNone/>
+            </a:pPr>
+            <a:endParaRPr lang="en-US" altLang="zh-CN" dirty="0"/>
+          </a:p>
+          <a:p>
+            <a:pPr marL="0" indent="0">
+              <a:buNone/>
+            </a:pPr>
+            <a:endParaRPr lang="en-US" altLang="zh-CN" dirty="0"/>
+          </a:p>
+        </p:txBody>
+      </p:sp>
+      <p:pic>
+        <p:nvPicPr>
+          <p:cNvPr id="5" name="图片 4" descr="图示&#10;&#10;描述已自动生成">
+            <a:extLst>
+              <a:ext uri="{FF2B5EF4-FFF2-40B4-BE49-F238E27FC236}">
+                <a16:creationId xmlns:a16="http://schemas.microsoft.com/office/drawing/2014/main" id="{5BD3D717-4C58-4187-90EF-7DA617C656CE}"/>
+              </a:ext>
+            </a:extLst>
+          </p:cNvPr>
+          <p:cNvPicPr>
+            <a:picLocks noChangeAspect="1"/>
+          </p:cNvPicPr>
+          <p:nvPr/>
+        </p:nvPicPr>
+        <p:blipFill>
+          <a:blip r:embed="rId2">
+            <a:extLst>
+              <a:ext uri="{28A0092B-C50C-407E-A947-70E740481C1C}">
+                <a14:useLocalDpi xmlns:a14="http://schemas.microsoft.com/office/drawing/2010/main" val="0"/>
+              </a:ext>
+            </a:extLst>
+          </a:blip>
+          <a:stretch>
+            <a:fillRect/>
+          </a:stretch>
+        </p:blipFill>
+        <p:spPr>
+          <a:xfrm>
+            <a:off x="1598580" y="1099930"/>
+            <a:ext cx="8102011" cy="5504664"/>
+          </a:xfrm>
+          <a:prstGeom prst="rect">
+            <a:avLst/>
+          </a:prstGeom>
+        </p:spPr>
+      </p:pic>
+      <p:sp>
+        <p:nvSpPr>
+          <p:cNvPr id="6" name="文本框 5">
+            <a:extLst>
+              <a:ext uri="{FF2B5EF4-FFF2-40B4-BE49-F238E27FC236}">
+                <a16:creationId xmlns:a16="http://schemas.microsoft.com/office/drawing/2014/main" id="{C11E76DF-93DF-4299-9AE6-90031B7102E6}"/>
+              </a:ext>
+            </a:extLst>
+          </p:cNvPr>
+          <p:cNvSpPr txBox="1"/>
+          <p:nvPr/>
+        </p:nvSpPr>
+        <p:spPr>
+          <a:xfrm>
+            <a:off x="1815548" y="6488668"/>
+            <a:ext cx="4492487" cy="369332"/>
+          </a:xfrm>
+          <a:prstGeom prst="rect">
+            <a:avLst/>
+          </a:prstGeom>
+          <a:noFill/>
+        </p:spPr>
+        <p:txBody>
+          <a:bodyPr wrap="square" rtlCol="0">
+            <a:spAutoFit/>
           </a:bodyPr>
           <a:lstStyle/>
           <a:p>
-            <a:pPr algn="ctr"/>
-            <a:r>
-              <a:rPr lang="en-US" altLang="zh-CN" sz="6000" dirty="0"/>
-              <a:t>Background</a:t>
-            </a:r>
-            <a:endParaRPr lang="zh-CN" altLang="en-US" sz="6000" dirty="0"/>
+            <a:r>
+              <a:rPr lang="en-US" altLang="zh-CN" dirty="0"/>
+              <a:t>Source: </a:t>
+            </a:r>
+            <a:r>
+              <a:rPr lang="en-US" altLang="zh-CN" dirty="0" err="1"/>
+              <a:t>Nailgun</a:t>
+            </a:r>
+            <a:r>
+              <a:rPr lang="en-US" altLang="zh-CN" dirty="0"/>
+              <a:t> Attack Lecture slides</a:t>
+            </a:r>
+            <a:endParaRPr lang="zh-CN" altLang="en-US" dirty="0"/>
           </a:p>
         </p:txBody>
       </p:sp>
     </p:spTree>
     <p:extLst>
       <p:ext uri="{BB962C8B-B14F-4D97-AF65-F5344CB8AC3E}">
-        <p14:creationId xmlns:p14="http://schemas.microsoft.com/office/powerpoint/2010/main" val="123111185"/>
+        <p14:creationId xmlns:p14="http://schemas.microsoft.com/office/powerpoint/2010/main" val="2902568207"/>
       </p:ext>
     </p:extLst>
   </p:cSld>
@@ -9312,11 +10218,7 @@
           <a:p>
             <a:r>
               <a:rPr lang="en-US" altLang="zh-CN" dirty="0"/>
-              <a:t>Background: Necessary </a:t>
-            </a:r>
-            <a:r>
-              <a:rPr lang="en-US" altLang="zh-CN" dirty="0" err="1"/>
-              <a:t>meterials</a:t>
+              <a:t>Introduction: How to defend?</a:t>
             </a:r>
             <a:endParaRPr lang="zh-CN" altLang="en-US" dirty="0"/>
           </a:p>
@@ -9353,7 +10255,7 @@
             </a:pPr>
             <a:r>
               <a:rPr lang="en-US" altLang="zh-CN" dirty="0"/>
-              <a:t>1. Armv8-A Reference Manual</a:t>
+              <a:t>Disabling the debug authentication signals? Great challenges!</a:t>
             </a:r>
           </a:p>
           <a:p>
@@ -9363,78 +10265,56 @@
             <a:endParaRPr lang="en-US" altLang="zh-CN" dirty="0"/>
           </a:p>
           <a:p>
-            <a:pPr marL="0" indent="0">
-              <a:buNone/>
-            </a:pPr>
-            <a:r>
-              <a:rPr lang="en-US" altLang="zh-CN" sz="2400" dirty="0"/>
-              <a:t>Download: </a:t>
-            </a:r>
-            <a:r>
-              <a:rPr lang="en-US" altLang="zh-CN" sz="2400" dirty="0">
-                <a:hlinkClick r:id="rId2"/>
-              </a:rPr>
-              <a:t>https://developer.arm.com/documentation/ddi0487/latest</a:t>
-            </a:r>
-            <a:endParaRPr lang="en-US" altLang="zh-CN" sz="2400" dirty="0"/>
-          </a:p>
-          <a:p>
-            <a:pPr marL="0" indent="0">
-              <a:buNone/>
-            </a:pPr>
-            <a:endParaRPr lang="en-US" altLang="zh-CN" sz="2400" dirty="0"/>
-          </a:p>
-          <a:p>
-            <a:pPr marL="0" indent="0">
-              <a:buNone/>
-            </a:pPr>
-            <a:r>
-              <a:rPr lang="en-US" altLang="zh-CN" sz="2400" dirty="0"/>
-              <a:t>A dictionary of Armv8-A architecture.</a:t>
-            </a:r>
-          </a:p>
-          <a:p>
-            <a:pPr marL="0" indent="0">
-              <a:buNone/>
-            </a:pPr>
-            <a:endParaRPr lang="en-US" altLang="zh-CN" sz="2400" dirty="0"/>
-          </a:p>
-          <a:p>
-            <a:pPr marL="0" indent="0">
-              <a:buNone/>
-            </a:pPr>
-            <a:r>
-              <a:rPr lang="en-US" altLang="zh-CN" sz="2400" dirty="0"/>
-              <a:t>Important part in this Lab: G5.1-G5.7, K7.2</a:t>
-            </a:r>
-          </a:p>
-          <a:p>
-            <a:pPr marL="0" indent="0">
-              <a:buNone/>
-            </a:pPr>
-            <a:r>
-              <a:rPr lang="en-US" altLang="zh-CN" sz="2400" dirty="0"/>
-              <a:t>(They are reference about </a:t>
-            </a:r>
-            <a:r>
-              <a:rPr lang="en-US" altLang="zh-CN" sz="2400" dirty="0">
-                <a:solidFill>
-                  <a:srgbClr val="FF0000"/>
-                </a:solidFill>
-              </a:rPr>
-              <a:t>32-bit</a:t>
-            </a:r>
-            <a:r>
-              <a:rPr lang="en-US" altLang="zh-CN" sz="2400" dirty="0"/>
-              <a:t> Armv8-A architecture)</a:t>
-            </a:r>
+            <a:pPr marL="514350" indent="-514350">
+              <a:buAutoNum type="arabicPeriod"/>
+            </a:pPr>
+            <a:r>
+              <a:rPr lang="en-US" altLang="zh-CN" dirty="0"/>
+              <a:t>Heavily influence most debug tools</a:t>
+            </a:r>
+          </a:p>
+          <a:p>
+            <a:pPr marL="514350" indent="-514350">
+              <a:buAutoNum type="arabicPeriod"/>
+            </a:pPr>
+            <a:r>
+              <a:rPr lang="en-US" altLang="zh-CN" dirty="0"/>
+              <a:t>Management of debug authentication is not publicly available</a:t>
+            </a:r>
+          </a:p>
+          <a:p>
+            <a:pPr marL="0" indent="0">
+              <a:buNone/>
+            </a:pPr>
+            <a:r>
+              <a:rPr lang="en-US" altLang="zh-CN" dirty="0"/>
+              <a:t>…</a:t>
+            </a:r>
+          </a:p>
+          <a:p>
+            <a:pPr marL="0" indent="0">
+              <a:buNone/>
+            </a:pPr>
+            <a:endParaRPr lang="en-US" altLang="zh-CN" dirty="0"/>
+          </a:p>
+          <a:p>
+            <a:pPr marL="0" indent="0">
+              <a:buNone/>
+            </a:pPr>
+            <a:endParaRPr lang="en-US" altLang="zh-CN" dirty="0"/>
+          </a:p>
+          <a:p>
+            <a:pPr marL="0" indent="0">
+              <a:buNone/>
+            </a:pPr>
+            <a:endParaRPr lang="en-US" altLang="zh-CN" dirty="0"/>
           </a:p>
         </p:txBody>
       </p:sp>
     </p:spTree>
     <p:extLst>
       <p:ext uri="{BB962C8B-B14F-4D97-AF65-F5344CB8AC3E}">
-        <p14:creationId xmlns:p14="http://schemas.microsoft.com/office/powerpoint/2010/main" val="3566652038"/>
+        <p14:creationId xmlns:p14="http://schemas.microsoft.com/office/powerpoint/2010/main" val="3951536778"/>
       </p:ext>
     </p:extLst>
   </p:cSld>
@@ -9489,11 +10369,7 @@
           <a:p>
             <a:r>
               <a:rPr lang="en-US" altLang="zh-CN" dirty="0"/>
-              <a:t>Background: Necessary </a:t>
-            </a:r>
-            <a:r>
-              <a:rPr lang="en-US" altLang="zh-CN" dirty="0" err="1"/>
-              <a:t>meterials</a:t>
+              <a:t>Introduction: How to defend?</a:t>
             </a:r>
             <a:endParaRPr lang="zh-CN" altLang="en-US" dirty="0"/>
           </a:p>
@@ -9530,93 +10406,87 @@
             </a:pPr>
             <a:r>
               <a:rPr lang="en-US" altLang="zh-CN" dirty="0"/>
-              <a:t>2. Linux Kernel Source file</a:t>
-            </a:r>
-            <a:endParaRPr lang="en-US" altLang="zh-CN" sz="2400" dirty="0"/>
-          </a:p>
-          <a:p>
-            <a:pPr marL="0" indent="0">
-              <a:buNone/>
-            </a:pPr>
-            <a:endParaRPr lang="en-US" altLang="zh-CN" sz="2400" dirty="0"/>
-          </a:p>
-          <a:p>
-            <a:pPr marL="0" indent="0">
-              <a:buNone/>
-            </a:pPr>
-            <a:r>
-              <a:rPr lang="en-US" altLang="zh-CN" sz="2400" dirty="0"/>
-              <a:t>Raspberry Pi provides the source codes for its kernel.</a:t>
-            </a:r>
-          </a:p>
-          <a:p>
-            <a:pPr marL="0" indent="0">
-              <a:buNone/>
-            </a:pPr>
-            <a:endParaRPr lang="en-US" altLang="zh-CN" sz="2400" dirty="0"/>
-          </a:p>
-          <a:p>
-            <a:pPr marL="0" indent="0">
-              <a:buNone/>
-            </a:pPr>
-            <a:r>
-              <a:rPr lang="en-US" altLang="zh-CN" sz="2400" dirty="0"/>
-              <a:t>Download: </a:t>
-            </a:r>
-            <a:r>
-              <a:rPr lang="en-US" altLang="zh-CN" sz="2400" dirty="0">
-                <a:hlinkClick r:id="rId2"/>
-              </a:rPr>
-              <a:t>https://github.com/raspberrypi/linux</a:t>
-            </a:r>
-            <a:endParaRPr lang="en-US" altLang="zh-CN" sz="2400" dirty="0"/>
-          </a:p>
-          <a:p>
-            <a:pPr marL="0" indent="0">
-              <a:buNone/>
-            </a:pPr>
-            <a:endParaRPr lang="en-US" altLang="zh-CN" sz="2400" dirty="0"/>
-          </a:p>
-          <a:p>
-            <a:pPr marL="0" indent="0">
-              <a:buNone/>
-            </a:pPr>
-            <a:r>
-              <a:rPr lang="en-US" altLang="zh-CN" sz="2400" dirty="0"/>
-              <a:t>Here we use the branch </a:t>
-            </a:r>
-            <a:r>
-              <a:rPr lang="en-US" altLang="zh-CN" sz="2400" dirty="0">
+              <a:t>Strict restriction in the inter-processor debugging?</a:t>
+            </a:r>
+          </a:p>
+          <a:p>
+            <a:pPr marL="0" indent="0">
+              <a:buNone/>
+            </a:pPr>
+            <a:r>
+              <a:rPr lang="en-US" altLang="zh-CN" dirty="0"/>
+              <a:t>Hardware-based access control to the debug registers?</a:t>
+            </a:r>
+          </a:p>
+          <a:p>
+            <a:pPr marL="0" indent="0">
+              <a:buNone/>
+            </a:pPr>
+            <a:endParaRPr lang="en-US" altLang="zh-CN" dirty="0"/>
+          </a:p>
+          <a:p>
+            <a:pPr marL="0" indent="0">
+              <a:buNone/>
+            </a:pPr>
+            <a:r>
+              <a:rPr lang="en-US" altLang="zh-CN" dirty="0"/>
+              <a:t>Manufactures can implement it on the </a:t>
+            </a:r>
+            <a:r>
+              <a:rPr lang="en-US" altLang="zh-CN" dirty="0">
                 <a:solidFill>
                   <a:srgbClr val="FF0000"/>
                 </a:solidFill>
               </a:rPr>
-              <a:t>rpi-4.14.y</a:t>
-            </a:r>
-            <a:r>
-              <a:rPr lang="en-US" altLang="zh-CN" sz="2400" dirty="0"/>
-              <a:t> or </a:t>
-            </a:r>
-            <a:r>
-              <a:rPr lang="en-US" altLang="zh-CN" sz="2400" dirty="0">
+              <a:t>future</a:t>
+            </a:r>
+            <a:r>
+              <a:rPr lang="en-US" altLang="zh-CN" dirty="0"/>
+              <a:t> devices.</a:t>
+            </a:r>
+          </a:p>
+          <a:p>
+            <a:pPr marL="0" indent="0">
+              <a:buNone/>
+            </a:pPr>
+            <a:r>
+              <a:rPr lang="en-US" altLang="zh-CN" dirty="0"/>
+              <a:t>But a great callback of </a:t>
+            </a:r>
+            <a:r>
+              <a:rPr lang="en-US" altLang="zh-CN" dirty="0">
                 <a:solidFill>
                   <a:srgbClr val="FF0000"/>
                 </a:solidFill>
               </a:rPr>
-              <a:t>rpi-4.14.y-rt</a:t>
-            </a:r>
-            <a:r>
-              <a:rPr lang="en-US" altLang="zh-CN" sz="2400" dirty="0"/>
-              <a:t>, you can also use the other branches.</a:t>
-            </a:r>
+              <a:t>current</a:t>
+            </a:r>
+            <a:r>
+              <a:rPr lang="en-US" altLang="zh-CN" dirty="0"/>
+              <a:t> devices is expensive.</a:t>
+            </a:r>
+          </a:p>
+          <a:p>
+            <a:pPr marL="0" indent="0">
+              <a:buNone/>
+            </a:pPr>
             <a:endParaRPr lang="en-US" altLang="zh-CN" dirty="0"/>
+          </a:p>
+          <a:p>
+            <a:pPr marL="0" indent="0">
+              <a:buNone/>
+            </a:pPr>
+            <a:r>
+              <a:rPr lang="en-US" altLang="zh-CN" dirty="0"/>
+              <a:t>How about some software-based access control?</a:t>
+            </a:r>
           </a:p>
         </p:txBody>
       </p:sp>
     </p:spTree>
     <p:extLst>
       <p:ext uri="{BB962C8B-B14F-4D97-AF65-F5344CB8AC3E}">
-        <p14:creationId xmlns:p14="http://schemas.microsoft.com/office/powerpoint/2010/main" val="154938934"/>
+        <p14:creationId xmlns:p14="http://schemas.microsoft.com/office/powerpoint/2010/main" val="3073675883"/>
       </p:ext>
     </p:extLst>
   </p:cSld>
@@ -9671,11 +10541,7 @@
           <a:p>
             <a:r>
               <a:rPr lang="en-US" altLang="zh-CN" dirty="0"/>
-              <a:t>Background: Necessary </a:t>
-            </a:r>
-            <a:r>
-              <a:rPr lang="en-US" altLang="zh-CN" dirty="0" err="1"/>
-              <a:t>meterials</a:t>
+              <a:t>Introduction: Our defense</a:t>
             </a:r>
             <a:endParaRPr lang="zh-CN" altLang="en-US" dirty="0"/>
           </a:p>
@@ -9704,118 +10570,62 @@
           </a:xfrm>
         </p:spPr>
         <p:txBody>
-          <a:bodyPr>
-            <a:normAutofit lnSpcReduction="10000"/>
-          </a:bodyPr>
-          <a:lstStyle/>
-          <a:p>
-            <a:pPr marL="0" indent="0">
-              <a:buNone/>
-            </a:pPr>
-            <a:r>
-              <a:rPr lang="en-US" altLang="zh-CN" dirty="0"/>
-              <a:t>3. Cross-compile Tools</a:t>
-            </a:r>
-          </a:p>
-          <a:p>
-            <a:pPr marL="0" indent="0">
-              <a:buNone/>
-            </a:pPr>
-            <a:endParaRPr lang="en-US" altLang="zh-CN" sz="2400" dirty="0"/>
-          </a:p>
-          <a:p>
-            <a:pPr marL="0" indent="0">
-              <a:buNone/>
-            </a:pPr>
-            <a:r>
-              <a:rPr lang="en-US" altLang="zh-CN" sz="2400" dirty="0"/>
-              <a:t>Raspberry Pi provide it: https://github.com/raspberrypi/tools</a:t>
-            </a:r>
-          </a:p>
-          <a:p>
-            <a:pPr marL="0" indent="0">
-              <a:buNone/>
-            </a:pPr>
-            <a:endParaRPr lang="en-US" altLang="zh-CN" sz="2400" dirty="0"/>
-          </a:p>
-          <a:p>
-            <a:pPr marL="0" indent="0">
-              <a:buNone/>
-            </a:pPr>
-            <a:r>
-              <a:rPr lang="en-US" altLang="zh-CN" sz="2400" dirty="0"/>
-              <a:t>We use it because the environment of our VM and Raspberry Pi are different.</a:t>
-            </a:r>
-          </a:p>
-          <a:p>
-            <a:pPr marL="0" indent="0">
-              <a:buNone/>
-            </a:pPr>
-            <a:endParaRPr lang="en-US" altLang="zh-CN" sz="2400" dirty="0"/>
-          </a:p>
-          <a:p>
-            <a:pPr marL="0" indent="0">
-              <a:buNone/>
-            </a:pPr>
-            <a:r>
-              <a:rPr lang="en-US" altLang="zh-CN" sz="2400" dirty="0"/>
-              <a:t>Mostly we use Ubuntu, which is based on </a:t>
-            </a:r>
-            <a:r>
-              <a:rPr lang="en-US" altLang="zh-CN" sz="2400" dirty="0">
-                <a:solidFill>
-                  <a:srgbClr val="FF0000"/>
-                </a:solidFill>
-              </a:rPr>
-              <a:t>Intel x86</a:t>
-            </a:r>
-            <a:r>
-              <a:rPr lang="en-US" altLang="zh-CN" sz="2400" dirty="0"/>
-              <a:t> architecture.</a:t>
-            </a:r>
-          </a:p>
-          <a:p>
-            <a:pPr marL="0" indent="0">
-              <a:buNone/>
-            </a:pPr>
-            <a:r>
-              <a:rPr lang="en-US" altLang="zh-CN" sz="2400" dirty="0"/>
-              <a:t>But Raspberry Pi uses Cortex-A53 cores, which support </a:t>
-            </a:r>
-            <a:r>
-              <a:rPr lang="en-US" altLang="zh-CN" sz="2400" dirty="0">
-                <a:solidFill>
-                  <a:srgbClr val="FF0000"/>
-                </a:solidFill>
-              </a:rPr>
-              <a:t>Armv8-A</a:t>
-            </a:r>
-            <a:r>
-              <a:rPr lang="en-US" altLang="zh-CN" sz="2400" dirty="0"/>
-              <a:t> architecture.</a:t>
-            </a:r>
-          </a:p>
-          <a:p>
-            <a:pPr marL="0" indent="0">
-              <a:buNone/>
-            </a:pPr>
-            <a:endParaRPr lang="en-US" altLang="zh-CN" sz="2400" dirty="0"/>
-          </a:p>
-          <a:p>
-            <a:pPr marL="0" indent="0">
-              <a:buNone/>
-            </a:pPr>
-            <a:r>
-              <a:rPr lang="en-US" altLang="zh-CN" sz="2400" dirty="0"/>
-              <a:t>*If you build Kernel files on Raspberry Pi, you will not use it.</a:t>
-            </a:r>
+          <a:bodyPr/>
+          <a:lstStyle/>
+          <a:p>
+            <a:pPr marL="0" indent="0">
+              <a:buNone/>
+            </a:pPr>
+            <a:r>
+              <a:rPr lang="en-US" altLang="zh-CN" dirty="0"/>
+              <a:t>Implement the defense on higher privilege.</a:t>
+            </a:r>
+          </a:p>
+          <a:p>
+            <a:pPr marL="0" indent="0">
+              <a:buNone/>
+            </a:pPr>
+            <a:r>
+              <a:rPr lang="en-US" altLang="zh-CN" dirty="0"/>
+              <a:t>Control the access of the debug registers via memory mapping.</a:t>
+            </a:r>
+          </a:p>
+          <a:p>
+            <a:pPr marL="0" indent="0">
+              <a:buNone/>
+            </a:pPr>
+            <a:endParaRPr lang="en-US" altLang="zh-CN" dirty="0"/>
+          </a:p>
+          <a:p>
+            <a:pPr marL="0" indent="0">
+              <a:buNone/>
+            </a:pPr>
+            <a:r>
+              <a:rPr lang="en-US" altLang="zh-CN" dirty="0"/>
+              <a:t>Fortunately, Arm provides Stage-2 translation.</a:t>
+            </a:r>
+          </a:p>
+          <a:p>
+            <a:pPr marL="0" indent="0">
+              <a:buNone/>
+            </a:pPr>
+            <a:r>
+              <a:rPr lang="en-US" altLang="zh-CN" dirty="0"/>
+              <a:t>It is controlled by EL2, and restrict the memory access in EL1&amp;0.</a:t>
+            </a:r>
+          </a:p>
+          <a:p>
+            <a:pPr marL="0" indent="0">
+              <a:buNone/>
+            </a:pPr>
+            <a:endParaRPr lang="en-US" altLang="zh-CN" dirty="0"/>
           </a:p>
         </p:txBody>
       </p:sp>
     </p:spTree>
     <p:extLst>
       <p:ext uri="{BB962C8B-B14F-4D97-AF65-F5344CB8AC3E}">
-        <p14:creationId xmlns:p14="http://schemas.microsoft.com/office/powerpoint/2010/main" val="2901295097"/>
+        <p14:creationId xmlns:p14="http://schemas.microsoft.com/office/powerpoint/2010/main" val="333912249"/>
       </p:ext>
     </p:extLst>
   </p:cSld>
@@ -9847,7 +10657,7 @@
           <p:cNvPr id="2" name="标题 1">
             <a:extLst>
               <a:ext uri="{FF2B5EF4-FFF2-40B4-BE49-F238E27FC236}">
-                <a16:creationId xmlns:a16="http://schemas.microsoft.com/office/drawing/2014/main" id="{C8E4CC26-1034-4229-BFFF-91B82B8841DF}"/>
+                <a16:creationId xmlns:a16="http://schemas.microsoft.com/office/drawing/2014/main" id="{33863609-18E9-4020-8712-92286D1B052C}"/>
               </a:ext>
             </a:extLst>
           </p:cNvPr>
@@ -9860,153 +10670,29 @@
         </p:nvSpPr>
         <p:spPr>
           <a:xfrm>
-            <a:off x="838200" y="365125"/>
-            <a:ext cx="10515600" cy="734805"/>
-          </a:xfrm>
-        </p:spPr>
-        <p:txBody>
-          <a:bodyPr/>
-          <a:lstStyle/>
-          <a:p>
-            <a:r>
-              <a:rPr lang="en-US" altLang="zh-CN" dirty="0"/>
-              <a:t>Background: Arm Exception Levels</a:t>
-            </a:r>
-            <a:endParaRPr lang="zh-CN" altLang="en-US" dirty="0"/>
-          </a:p>
-        </p:txBody>
-      </p:sp>
-      <p:sp>
-        <p:nvSpPr>
-          <p:cNvPr id="3" name="内容占位符 2">
-            <a:extLst>
-              <a:ext uri="{FF2B5EF4-FFF2-40B4-BE49-F238E27FC236}">
-                <a16:creationId xmlns:a16="http://schemas.microsoft.com/office/drawing/2014/main" id="{9A6FAEDA-4286-4CB3-9B77-49C42135920F}"/>
-              </a:ext>
-            </a:extLst>
-          </p:cNvPr>
-          <p:cNvSpPr>
-            <a:spLocks noGrp="1"/>
-          </p:cNvSpPr>
-          <p:nvPr>
-            <p:ph idx="1"/>
-          </p:nvPr>
-        </p:nvSpPr>
-        <p:spPr>
-          <a:xfrm>
-            <a:off x="838200" y="1285461"/>
-            <a:ext cx="10515600" cy="4891502"/>
-          </a:xfrm>
-        </p:spPr>
-        <p:txBody>
-          <a:bodyPr/>
-          <a:lstStyle/>
-          <a:p>
-            <a:pPr marL="0" indent="0">
-              <a:buNone/>
-            </a:pPr>
-            <a:r>
-              <a:rPr lang="en-US" altLang="zh-CN" dirty="0"/>
-              <a:t>Two worlds, Four ELs with different privileges.</a:t>
-            </a:r>
-          </a:p>
-          <a:p>
-            <a:pPr marL="0" indent="0">
-              <a:buNone/>
-            </a:pPr>
-            <a:r>
-              <a:rPr lang="en-US" altLang="zh-CN" dirty="0"/>
-              <a:t>Different CPUs can be in different ELs.</a:t>
-            </a:r>
-          </a:p>
-          <a:p>
-            <a:pPr marL="0" indent="0">
-              <a:buNone/>
-            </a:pPr>
-            <a:endParaRPr lang="en-US" altLang="zh-CN" dirty="0"/>
-          </a:p>
-        </p:txBody>
-      </p:sp>
-      <p:sp>
-        <p:nvSpPr>
-          <p:cNvPr id="4" name="文本框 3">
-            <a:extLst>
-              <a:ext uri="{FF2B5EF4-FFF2-40B4-BE49-F238E27FC236}">
-                <a16:creationId xmlns:a16="http://schemas.microsoft.com/office/drawing/2014/main" id="{6049FB5A-A920-4120-8E1F-1145AD96FBE9}"/>
-              </a:ext>
-            </a:extLst>
-          </p:cNvPr>
-          <p:cNvSpPr txBox="1"/>
-          <p:nvPr/>
-        </p:nvSpPr>
-        <p:spPr>
-          <a:xfrm>
-            <a:off x="609600" y="6362494"/>
-            <a:ext cx="10389704" cy="369332"/>
-          </a:xfrm>
-          <a:prstGeom prst="rect">
-            <a:avLst/>
-          </a:prstGeom>
-          <a:noFill/>
-        </p:spPr>
-        <p:txBody>
-          <a:bodyPr wrap="square" rtlCol="0">
-            <a:spAutoFit/>
+            <a:off x="838200" y="2766218"/>
+            <a:ext cx="10515600" cy="1325563"/>
+          </a:xfrm>
+        </p:spPr>
+        <p:txBody>
+          <a:bodyPr>
+            <a:normAutofit/>
           </a:bodyPr>
           <a:lstStyle/>
           <a:p>
-            <a:r>
-              <a:rPr lang="zh-CN" altLang="en-US" dirty="0"/>
-              <a:t>*</a:t>
-            </a:r>
-            <a:r>
-              <a:rPr lang="en-US" altLang="zh-CN" dirty="0"/>
-              <a:t>Source: https://developer.arm.com/documentation/102412/0100/Execution-and-Security-states</a:t>
-            </a:r>
-            <a:endParaRPr lang="zh-CN" altLang="en-US" dirty="0"/>
-          </a:p>
-        </p:txBody>
-      </p:sp>
-      <p:pic>
-        <p:nvPicPr>
-          <p:cNvPr id="6" name="图片 5" descr="图示&#10;&#10;中度可信度描述已自动生成">
-            <a:extLst>
-              <a:ext uri="{FF2B5EF4-FFF2-40B4-BE49-F238E27FC236}">
-                <a16:creationId xmlns:a16="http://schemas.microsoft.com/office/drawing/2014/main" id="{404696B9-6B76-47D8-97ED-20BABDB54414}"/>
-              </a:ext>
-            </a:extLst>
-          </p:cNvPr>
-          <p:cNvPicPr>
-            <a:picLocks noChangeAspect="1"/>
-          </p:cNvPicPr>
-          <p:nvPr/>
-        </p:nvPicPr>
-        <p:blipFill>
-          <a:blip r:embed="rId2">
-            <a:extLst>
-              <a:ext uri="{28A0092B-C50C-407E-A947-70E740481C1C}">
-                <a14:useLocalDpi xmlns:a14="http://schemas.microsoft.com/office/drawing/2010/main" val="0"/>
-              </a:ext>
-            </a:extLst>
-          </a:blip>
-          <a:stretch>
-            <a:fillRect/>
-          </a:stretch>
-        </p:blipFill>
-        <p:spPr>
-          <a:xfrm>
-            <a:off x="1868556" y="2319832"/>
-            <a:ext cx="7833742" cy="4042662"/>
-          </a:xfrm>
-          <a:prstGeom prst="rect">
-            <a:avLst/>
-          </a:prstGeom>
-        </p:spPr>
-      </p:pic>
+            <a:pPr algn="ctr"/>
+            <a:r>
+              <a:rPr lang="en-US" altLang="zh-CN" sz="6000" dirty="0"/>
+              <a:t>Background</a:t>
+            </a:r>
+            <a:endParaRPr lang="zh-CN" altLang="en-US" sz="6000" dirty="0"/>
+          </a:p>
+        </p:txBody>
+      </p:sp>
     </p:spTree>
     <p:extLst>
       <p:ext uri="{BB962C8B-B14F-4D97-AF65-F5344CB8AC3E}">
-        <p14:creationId xmlns:p14="http://schemas.microsoft.com/office/powerpoint/2010/main" val="4028617339"/>
+        <p14:creationId xmlns:p14="http://schemas.microsoft.com/office/powerpoint/2010/main" val="123111185"/>
       </p:ext>
     </p:extLst>
   </p:cSld>
@@ -10061,7 +10747,7 @@
           <a:p>
             <a:r>
               <a:rPr lang="en-US" altLang="zh-CN" dirty="0"/>
-              <a:t>Background: Arm Address Translation</a:t>
+              <a:t>Background: Arm Exception Levels</a:t>
             </a:r>
             <a:endParaRPr lang="zh-CN" altLang="en-US" dirty="0"/>
           </a:p>
@@ -10098,17 +10784,32 @@
             </a:pPr>
             <a:r>
               <a:rPr lang="en-US" altLang="zh-CN" dirty="0"/>
-              <a:t>Translate one type of address to another type</a:t>
-            </a:r>
-          </a:p>
-        </p:txBody>
-      </p:sp>
-      <p:sp>
-        <p:nvSpPr>
-          <p:cNvPr id="6" name="文本框 5">
+              <a:t>Two worlds, Four ELs with different privileges.</a:t>
+            </a:r>
+          </a:p>
+          <a:p>
+            <a:pPr marL="0" indent="0">
+              <a:buNone/>
+            </a:pPr>
+            <a:r>
+              <a:rPr lang="en-US" altLang="zh-CN" dirty="0"/>
+              <a:t>Different CPUs can be in different ELs.</a:t>
+            </a:r>
+          </a:p>
+          <a:p>
+            <a:pPr marL="0" indent="0">
+              <a:buNone/>
+            </a:pPr>
+            <a:endParaRPr lang="en-US" altLang="zh-CN" dirty="0"/>
+          </a:p>
+        </p:txBody>
+      </p:sp>
+      <p:sp>
+        <p:nvSpPr>
+          <p:cNvPr id="4" name="文本框 3">
             <a:extLst>
               <a:ext uri="{FF2B5EF4-FFF2-40B4-BE49-F238E27FC236}">
-                <a16:creationId xmlns:a16="http://schemas.microsoft.com/office/drawing/2014/main" id="{EA0B91D0-EEDA-41FD-A4E7-930B38EFD479}"/>
+                <a16:creationId xmlns:a16="http://schemas.microsoft.com/office/drawing/2014/main" id="{6049FB5A-A920-4120-8E1F-1145AD96FBE9}"/>
               </a:ext>
             </a:extLst>
           </p:cNvPr>
@@ -10137,7 +10838,7 @@
             </a:r>
             <a:r>
               <a:rPr lang="en-US" altLang="zh-CN" dirty="0"/>
-              <a:t>Source: D5-2684 (64-bit address translation), also you can see G5-6264 (32-bit address translation)</a:t>
+              <a:t>Source: https://developer.arm.com/documentation/102412/0100/Execution-and-Security-states</a:t>
             </a:r>
             <a:endParaRPr lang="zh-CN" altLang="en-US" dirty="0"/>
           </a:p>
@@ -10145,10 +10846,10 @@
       </p:sp>
       <p:pic>
         <p:nvPicPr>
-          <p:cNvPr id="10" name="图片 9" descr="图形用户界面, 文本&#10;&#10;中度可信度描述已自动生成">
+          <p:cNvPr id="6" name="图片 5" descr="图示&#10;&#10;中度可信度描述已自动生成">
             <a:extLst>
               <a:ext uri="{FF2B5EF4-FFF2-40B4-BE49-F238E27FC236}">
-                <a16:creationId xmlns:a16="http://schemas.microsoft.com/office/drawing/2014/main" id="{C4E91BBA-AFF2-499F-913B-5D711ED0362D}"/>
+                <a16:creationId xmlns:a16="http://schemas.microsoft.com/office/drawing/2014/main" id="{404696B9-6B76-47D8-97ED-20BABDB54414}"/>
               </a:ext>
             </a:extLst>
           </p:cNvPr>
@@ -10171,8 +10872,8 @@
         </p:blipFill>
         <p:spPr>
           <a:xfrm>
-            <a:off x="451114" y="1792974"/>
-            <a:ext cx="10706676" cy="4144000"/>
+            <a:off x="1868556" y="2319832"/>
+            <a:ext cx="7833742" cy="4042662"/>
           </a:xfrm>
           <a:prstGeom prst="rect">
             <a:avLst/>
@@ -10182,7 +10883,7 @@
     </p:spTree>
     <p:extLst>
       <p:ext uri="{BB962C8B-B14F-4D97-AF65-F5344CB8AC3E}">
-        <p14:creationId xmlns:p14="http://schemas.microsoft.com/office/powerpoint/2010/main" val="1790160555"/>
+        <p14:creationId xmlns:p14="http://schemas.microsoft.com/office/powerpoint/2010/main" val="4028617339"/>
       </p:ext>
     </p:extLst>
   </p:cSld>

--- a/defense-lab/NailgunDefense.pptx
+++ b/defense-lab/NailgunDefense.pptx
@@ -14,36 +14,37 @@
     <p:sldId id="294" r:id="rId8"/>
     <p:sldId id="260" r:id="rId9"/>
     <p:sldId id="259" r:id="rId10"/>
-    <p:sldId id="264" r:id="rId11"/>
-    <p:sldId id="265" r:id="rId12"/>
-    <p:sldId id="268" r:id="rId13"/>
-    <p:sldId id="266" r:id="rId14"/>
-    <p:sldId id="267" r:id="rId15"/>
-    <p:sldId id="269" r:id="rId16"/>
-    <p:sldId id="274" r:id="rId17"/>
-    <p:sldId id="279" r:id="rId18"/>
-    <p:sldId id="280" r:id="rId19"/>
-    <p:sldId id="281" r:id="rId20"/>
-    <p:sldId id="282" r:id="rId21"/>
-    <p:sldId id="283" r:id="rId22"/>
-    <p:sldId id="289" r:id="rId23"/>
-    <p:sldId id="275" r:id="rId24"/>
-    <p:sldId id="276" r:id="rId25"/>
-    <p:sldId id="277" r:id="rId26"/>
-    <p:sldId id="278" r:id="rId27"/>
-    <p:sldId id="288" r:id="rId28"/>
-    <p:sldId id="284" r:id="rId29"/>
-    <p:sldId id="285" r:id="rId30"/>
-    <p:sldId id="286" r:id="rId31"/>
-    <p:sldId id="287" r:id="rId32"/>
-    <p:sldId id="290" r:id="rId33"/>
-    <p:sldId id="270" r:id="rId34"/>
-    <p:sldId id="272" r:id="rId35"/>
-    <p:sldId id="273" r:id="rId36"/>
-    <p:sldId id="271" r:id="rId37"/>
-    <p:sldId id="261" r:id="rId38"/>
-    <p:sldId id="262" r:id="rId39"/>
-    <p:sldId id="263" r:id="rId40"/>
+    <p:sldId id="295" r:id="rId11"/>
+    <p:sldId id="264" r:id="rId12"/>
+    <p:sldId id="265" r:id="rId13"/>
+    <p:sldId id="268" r:id="rId14"/>
+    <p:sldId id="266" r:id="rId15"/>
+    <p:sldId id="267" r:id="rId16"/>
+    <p:sldId id="269" r:id="rId17"/>
+    <p:sldId id="274" r:id="rId18"/>
+    <p:sldId id="279" r:id="rId19"/>
+    <p:sldId id="280" r:id="rId20"/>
+    <p:sldId id="281" r:id="rId21"/>
+    <p:sldId id="282" r:id="rId22"/>
+    <p:sldId id="283" r:id="rId23"/>
+    <p:sldId id="289" r:id="rId24"/>
+    <p:sldId id="275" r:id="rId25"/>
+    <p:sldId id="276" r:id="rId26"/>
+    <p:sldId id="277" r:id="rId27"/>
+    <p:sldId id="278" r:id="rId28"/>
+    <p:sldId id="288" r:id="rId29"/>
+    <p:sldId id="284" r:id="rId30"/>
+    <p:sldId id="285" r:id="rId31"/>
+    <p:sldId id="286" r:id="rId32"/>
+    <p:sldId id="287" r:id="rId33"/>
+    <p:sldId id="290" r:id="rId34"/>
+    <p:sldId id="270" r:id="rId35"/>
+    <p:sldId id="272" r:id="rId36"/>
+    <p:sldId id="273" r:id="rId37"/>
+    <p:sldId id="271" r:id="rId38"/>
+    <p:sldId id="261" r:id="rId39"/>
+    <p:sldId id="262" r:id="rId40"/>
+    <p:sldId id="263" r:id="rId41"/>
   </p:sldIdLst>
   <p:sldSz cx="12192000" cy="6858000"/>
   <p:notesSz cx="6858000" cy="9144000"/>
@@ -3487,8 +3488,8 @@
         </p:nvSpPr>
         <p:spPr>
           <a:xfrm>
-            <a:off x="838200" y="1285461"/>
-            <a:ext cx="10515600" cy="4891502"/>
+            <a:off x="636105" y="1298713"/>
+            <a:ext cx="11171582" cy="4878250"/>
           </a:xfrm>
         </p:spPr>
         <p:txBody>
@@ -3500,91 +3501,63 @@
             </a:pPr>
             <a:r>
               <a:rPr lang="en-US" altLang="zh-CN" dirty="0"/>
-              <a:t>Translate one type of address to another type</a:t>
-            </a:r>
-          </a:p>
-        </p:txBody>
-      </p:sp>
-      <p:sp>
-        <p:nvSpPr>
-          <p:cNvPr id="6" name="文本框 5">
-            <a:extLst>
-              <a:ext uri="{FF2B5EF4-FFF2-40B4-BE49-F238E27FC236}">
-                <a16:creationId xmlns:a16="http://schemas.microsoft.com/office/drawing/2014/main" id="{EA0B91D0-EEDA-41FD-A4E7-930B38EFD479}"/>
-              </a:ext>
-            </a:extLst>
-          </p:cNvPr>
-          <p:cNvSpPr txBox="1"/>
-          <p:nvPr/>
-        </p:nvSpPr>
-        <p:spPr>
-          <a:xfrm>
-            <a:off x="609600" y="6362494"/>
-            <a:ext cx="10389704" cy="369332"/>
-          </a:xfrm>
-          <a:prstGeom prst="rect">
-            <a:avLst/>
-          </a:prstGeom>
-          <a:noFill/>
-        </p:spPr>
-        <p:txBody>
-          <a:bodyPr wrap="square" rtlCol="0">
-            <a:spAutoFit/>
-          </a:bodyPr>
-          <a:lstStyle/>
-          <a:p>
-            <a:r>
-              <a:rPr lang="zh-CN" altLang="en-US" dirty="0"/>
-              <a:t>*</a:t>
-            </a:r>
-            <a:r>
-              <a:rPr lang="en-US" altLang="zh-CN" dirty="0"/>
-              <a:t>Source: D5-2684 (64-bit address translation), also you can see G5-6264 (32-bit address translation)</a:t>
-            </a:r>
-            <a:endParaRPr lang="zh-CN" altLang="en-US" dirty="0"/>
-          </a:p>
-        </p:txBody>
-      </p:sp>
-      <p:pic>
-        <p:nvPicPr>
-          <p:cNvPr id="10" name="图片 9" descr="图形用户界面, 文本&#10;&#10;中度可信度描述已自动生成">
-            <a:extLst>
-              <a:ext uri="{FF2B5EF4-FFF2-40B4-BE49-F238E27FC236}">
-                <a16:creationId xmlns:a16="http://schemas.microsoft.com/office/drawing/2014/main" id="{C4E91BBA-AFF2-499F-913B-5D711ED0362D}"/>
-              </a:ext>
-            </a:extLst>
-          </p:cNvPr>
-          <p:cNvPicPr>
-            <a:picLocks noChangeAspect="1"/>
-          </p:cNvPicPr>
-          <p:nvPr/>
-        </p:nvPicPr>
-        <p:blipFill>
-          <a:blip r:embed="rId2">
-            <a:extLst>
-              <a:ext uri="{28A0092B-C50C-407E-A947-70E740481C1C}">
-                <a14:useLocalDpi xmlns:a14="http://schemas.microsoft.com/office/drawing/2010/main" val="0"/>
-              </a:ext>
-            </a:extLst>
-          </a:blip>
-          <a:stretch>
-            <a:fillRect/>
-          </a:stretch>
-        </p:blipFill>
-        <p:spPr>
-          <a:xfrm>
-            <a:off x="451113" y="1792973"/>
-            <a:ext cx="11091529" cy="4292957"/>
-          </a:xfrm>
-          <a:prstGeom prst="rect">
-            <a:avLst/>
-          </a:prstGeom>
-        </p:spPr>
-      </p:pic>
+              <a:t>Arm introduces three types of address:</a:t>
+            </a:r>
+          </a:p>
+          <a:p>
+            <a:pPr marL="0" indent="0">
+              <a:buNone/>
+            </a:pPr>
+            <a:r>
+              <a:rPr lang="en-US" altLang="zh-CN" sz="2400" dirty="0"/>
+              <a:t>Virtual Address (VA)</a:t>
+            </a:r>
+          </a:p>
+          <a:p>
+            <a:pPr marL="0" indent="0">
+              <a:buNone/>
+            </a:pPr>
+            <a:r>
+              <a:rPr lang="en-US" altLang="zh-CN" sz="2400" dirty="0"/>
+              <a:t>Intermediate Physical Address (IPA)</a:t>
+            </a:r>
+          </a:p>
+          <a:p>
+            <a:pPr marL="0" indent="0">
+              <a:buNone/>
+            </a:pPr>
+            <a:r>
+              <a:rPr lang="en-US" altLang="zh-CN" sz="2400" dirty="0"/>
+              <a:t>Physical Address (PA)</a:t>
+            </a:r>
+          </a:p>
+          <a:p>
+            <a:pPr marL="0" indent="0">
+              <a:buNone/>
+            </a:pPr>
+            <a:endParaRPr lang="en-US" altLang="zh-CN" sz="2400" dirty="0"/>
+          </a:p>
+          <a:p>
+            <a:pPr marL="0" indent="0">
+              <a:buNone/>
+            </a:pPr>
+            <a:r>
+              <a:rPr lang="en-US" altLang="zh-CN" sz="2400" dirty="0"/>
+              <a:t>It can be used to isolate the process’ address space, access control, etc.</a:t>
+            </a:r>
+          </a:p>
+          <a:p>
+            <a:pPr marL="0" indent="0">
+              <a:buNone/>
+            </a:pPr>
+            <a:endParaRPr lang="en-US" altLang="zh-CN" sz="2400" dirty="0"/>
+          </a:p>
+        </p:txBody>
+      </p:sp>
     </p:spTree>
     <p:extLst>
       <p:ext uri="{BB962C8B-B14F-4D97-AF65-F5344CB8AC3E}">
-        <p14:creationId xmlns:p14="http://schemas.microsoft.com/office/powerpoint/2010/main" val="1790160555"/>
+        <p14:creationId xmlns:p14="http://schemas.microsoft.com/office/powerpoint/2010/main" val="905969573"/>
       </p:ext>
     </p:extLst>
   </p:cSld>
@@ -3668,85 +3641,98 @@
           </a:xfrm>
         </p:spPr>
         <p:txBody>
-          <a:bodyPr>
-            <a:normAutofit/>
+          <a:bodyPr/>
+          <a:lstStyle/>
+          <a:p>
+            <a:pPr marL="0" indent="0">
+              <a:buNone/>
+            </a:pPr>
+            <a:r>
+              <a:rPr lang="en-US" altLang="zh-CN" dirty="0"/>
+              <a:t>Arm also defines the address translation regimes.</a:t>
+            </a:r>
+          </a:p>
+        </p:txBody>
+      </p:sp>
+      <p:sp>
+        <p:nvSpPr>
+          <p:cNvPr id="6" name="文本框 5">
+            <a:extLst>
+              <a:ext uri="{FF2B5EF4-FFF2-40B4-BE49-F238E27FC236}">
+                <a16:creationId xmlns:a16="http://schemas.microsoft.com/office/drawing/2014/main" id="{EA0B91D0-EEDA-41FD-A4E7-930B38EFD479}"/>
+              </a:ext>
+            </a:extLst>
+          </p:cNvPr>
+          <p:cNvSpPr txBox="1"/>
+          <p:nvPr/>
+        </p:nvSpPr>
+        <p:spPr>
+          <a:xfrm>
+            <a:off x="609600" y="6362494"/>
+            <a:ext cx="10389704" cy="369332"/>
+          </a:xfrm>
+          <a:prstGeom prst="rect">
+            <a:avLst/>
+          </a:prstGeom>
+          <a:noFill/>
+        </p:spPr>
+        <p:txBody>
+          <a:bodyPr wrap="square" rtlCol="0">
+            <a:spAutoFit/>
           </a:bodyPr>
           <a:lstStyle/>
           <a:p>
-            <a:pPr marL="0" indent="0">
-              <a:buNone/>
-            </a:pPr>
-            <a:r>
-              <a:rPr lang="en-US" altLang="zh-CN" dirty="0"/>
-              <a:t>Stage 1 translation exists in all ELs.</a:t>
-            </a:r>
-          </a:p>
-          <a:p>
-            <a:pPr marL="0" indent="0">
-              <a:buNone/>
-            </a:pPr>
-            <a:r>
-              <a:rPr lang="en-US" altLang="zh-CN" dirty="0"/>
-              <a:t>But EL1&amp;0 contains an additional translation:</a:t>
-            </a:r>
-            <a:r>
-              <a:rPr lang="en-US" altLang="zh-CN" dirty="0">
-                <a:solidFill>
-                  <a:srgbClr val="FF0000"/>
-                </a:solidFill>
-              </a:rPr>
-              <a:t> Stage-2 </a:t>
-            </a:r>
-            <a:r>
-              <a:rPr lang="en-US" altLang="zh-CN" dirty="0"/>
-              <a:t>translation.</a:t>
-            </a:r>
-          </a:p>
-          <a:p>
-            <a:pPr marL="0" indent="0">
-              <a:buNone/>
-            </a:pPr>
-            <a:endParaRPr lang="en-US" altLang="zh-CN" dirty="0"/>
-          </a:p>
-          <a:p>
-            <a:pPr marL="0" indent="0">
-              <a:buNone/>
-            </a:pPr>
-            <a:r>
-              <a:rPr lang="en-US" altLang="zh-CN" dirty="0"/>
-              <a:t>It is controlled by EL2.</a:t>
-            </a:r>
-          </a:p>
-          <a:p>
-            <a:pPr marL="0" indent="0">
-              <a:buNone/>
-            </a:pPr>
-            <a:endParaRPr lang="en-US" altLang="zh-CN" dirty="0"/>
-          </a:p>
-          <a:p>
-            <a:pPr marL="0" indent="0">
-              <a:buNone/>
-            </a:pPr>
-            <a:r>
-              <a:rPr lang="en-US" altLang="zh-CN" dirty="0"/>
-              <a:t>Hypervisor in Arm architecture can use it to handle the memory management for VMs.</a:t>
-            </a:r>
-          </a:p>
-          <a:p>
-            <a:pPr marL="0" indent="0">
-              <a:buNone/>
-            </a:pPr>
-            <a:r>
-              <a:rPr lang="en-US" altLang="zh-CN" dirty="0"/>
-              <a:t>Similarly, we can use it in access control for EL1&amp;0 CPUs.</a:t>
-            </a:r>
-          </a:p>
-        </p:txBody>
-      </p:sp>
+            <a:r>
+              <a:rPr lang="zh-CN" altLang="en-US" dirty="0"/>
+              <a:t>*</a:t>
+            </a:r>
+            <a:r>
+              <a:rPr lang="en-US" altLang="zh-CN" dirty="0"/>
+              <a:t>Source: D5-2684 (64-bit address translation), also you can see G5-6264 (32-bit address translation)</a:t>
+            </a:r>
+            <a:endParaRPr lang="zh-CN" altLang="en-US" dirty="0"/>
+          </a:p>
+        </p:txBody>
+      </p:sp>
+      <p:pic>
+        <p:nvPicPr>
+          <p:cNvPr id="10" name="图片 9" descr="图形用户界面, 文本&#10;&#10;中度可信度描述已自动生成">
+            <a:extLst>
+              <a:ext uri="{FF2B5EF4-FFF2-40B4-BE49-F238E27FC236}">
+                <a16:creationId xmlns:a16="http://schemas.microsoft.com/office/drawing/2014/main" id="{C4E91BBA-AFF2-499F-913B-5D711ED0362D}"/>
+              </a:ext>
+            </a:extLst>
+          </p:cNvPr>
+          <p:cNvPicPr>
+            <a:picLocks noChangeAspect="1"/>
+          </p:cNvPicPr>
+          <p:nvPr/>
+        </p:nvPicPr>
+        <p:blipFill rotWithShape="1">
+          <a:blip r:embed="rId2">
+            <a:extLst>
+              <a:ext uri="{28A0092B-C50C-407E-A947-70E740481C1C}">
+                <a14:useLocalDpi xmlns:a14="http://schemas.microsoft.com/office/drawing/2010/main" val="0"/>
+              </a:ext>
+            </a:extLst>
+          </a:blip>
+          <a:srcRect l="3471" t="12804" r="302" b="23026"/>
+          <a:stretch/>
+        </p:blipFill>
+        <p:spPr>
+          <a:xfrm>
+            <a:off x="217084" y="2093844"/>
+            <a:ext cx="11757831" cy="3034748"/>
+          </a:xfrm>
+          <a:prstGeom prst="rect">
+            <a:avLst/>
+          </a:prstGeom>
+        </p:spPr>
+      </p:pic>
     </p:spTree>
     <p:extLst>
       <p:ext uri="{BB962C8B-B14F-4D97-AF65-F5344CB8AC3E}">
-        <p14:creationId xmlns:p14="http://schemas.microsoft.com/office/powerpoint/2010/main" val="1883095820"/>
+        <p14:creationId xmlns:p14="http://schemas.microsoft.com/office/powerpoint/2010/main" val="1790160555"/>
       </p:ext>
     </p:extLst>
   </p:cSld>
@@ -3801,7 +3787,7 @@
           <a:p>
             <a:r>
               <a:rPr lang="en-US" altLang="zh-CN" dirty="0"/>
-              <a:t>Background: Stage-2 translation</a:t>
+              <a:t>Background: Arm Address Translation</a:t>
             </a:r>
             <a:endParaRPr lang="zh-CN" altLang="en-US" dirty="0"/>
           </a:p>
@@ -3840,31 +3826,28 @@
             </a:pPr>
             <a:r>
               <a:rPr lang="en-US" altLang="zh-CN" dirty="0"/>
-              <a:t>How to provide the table?</a:t>
-            </a:r>
-          </a:p>
-          <a:p>
-            <a:pPr marL="0" indent="0">
-              <a:buNone/>
-            </a:pPr>
-            <a:endParaRPr lang="en-US" altLang="zh-CN" sz="2400" dirty="0"/>
-          </a:p>
-          <a:p>
-            <a:pPr marL="0" indent="0">
-              <a:buNone/>
-            </a:pPr>
-            <a:r>
-              <a:rPr lang="en-US" altLang="zh-CN" dirty="0"/>
-              <a:t>VTTBR register defines the address of the S-2 translation table.</a:t>
-            </a:r>
-          </a:p>
-          <a:p>
-            <a:pPr marL="0" indent="0">
-              <a:buNone/>
-            </a:pPr>
-            <a:r>
-              <a:rPr lang="en-US" altLang="zh-CN" dirty="0"/>
-              <a:t>Put the address of translation table into this register.</a:t>
+              <a:t>Stage 1 translation exists in all ELs.</a:t>
+            </a:r>
+          </a:p>
+          <a:p>
+            <a:pPr marL="0" indent="0">
+              <a:buNone/>
+            </a:pPr>
+            <a:r>
+              <a:rPr lang="en-US" altLang="zh-CN" dirty="0"/>
+              <a:t>But EL1&amp;0 contains an additional translation:</a:t>
+            </a:r>
+            <a:r>
+              <a:rPr lang="en-US" altLang="zh-CN" dirty="0">
+                <a:solidFill>
+                  <a:srgbClr val="FF0000"/>
+                </a:solidFill>
+              </a:rPr>
+              <a:t> Stage-2 </a:t>
+            </a:r>
+            <a:r>
+              <a:rPr lang="en-US" altLang="zh-CN" dirty="0"/>
+              <a:t>translation.</a:t>
             </a:r>
           </a:p>
           <a:p>
@@ -3877,90 +3860,41 @@
             <a:pPr marL="0" indent="0">
               <a:buNone/>
             </a:pPr>
-            <a:endParaRPr lang="en-US" altLang="zh-CN" sz="2400" dirty="0"/>
-          </a:p>
-        </p:txBody>
-      </p:sp>
-      <p:pic>
-        <p:nvPicPr>
-          <p:cNvPr id="5" name="图片 4" descr="图片包含 文本&#10;&#10;描述已自动生成">
-            <a:extLst>
-              <a:ext uri="{FF2B5EF4-FFF2-40B4-BE49-F238E27FC236}">
-                <a16:creationId xmlns:a16="http://schemas.microsoft.com/office/drawing/2014/main" id="{E980DD44-A2A1-44AB-BA0F-F8A73F47A230}"/>
-              </a:ext>
-            </a:extLst>
-          </p:cNvPr>
-          <p:cNvPicPr>
-            <a:picLocks noChangeAspect="1"/>
-          </p:cNvPicPr>
-          <p:nvPr/>
-        </p:nvPicPr>
-        <p:blipFill>
-          <a:blip r:embed="rId2">
-            <a:extLst>
-              <a:ext uri="{28A0092B-C50C-407E-A947-70E740481C1C}">
-                <a14:useLocalDpi xmlns:a14="http://schemas.microsoft.com/office/drawing/2010/main" val="0"/>
-              </a:ext>
-            </a:extLst>
-          </a:blip>
-          <a:stretch>
-            <a:fillRect/>
-          </a:stretch>
-        </p:blipFill>
-        <p:spPr>
-          <a:xfrm>
-            <a:off x="415487" y="3628936"/>
-            <a:ext cx="11361025" cy="1530105"/>
-          </a:xfrm>
-          <a:prstGeom prst="rect">
-            <a:avLst/>
-          </a:prstGeom>
-        </p:spPr>
-      </p:pic>
-      <p:sp>
-        <p:nvSpPr>
-          <p:cNvPr id="6" name="文本框 5">
-            <a:extLst>
-              <a:ext uri="{FF2B5EF4-FFF2-40B4-BE49-F238E27FC236}">
-                <a16:creationId xmlns:a16="http://schemas.microsoft.com/office/drawing/2014/main" id="{DB193B9A-EEFF-4CCF-A9CA-14ADC82A9820}"/>
-              </a:ext>
-            </a:extLst>
-          </p:cNvPr>
-          <p:cNvSpPr txBox="1"/>
-          <p:nvPr/>
-        </p:nvSpPr>
-        <p:spPr>
-          <a:xfrm>
-            <a:off x="609600" y="6362494"/>
-            <a:ext cx="10389704" cy="369332"/>
-          </a:xfrm>
-          <a:prstGeom prst="rect">
-            <a:avLst/>
-          </a:prstGeom>
-          <a:noFill/>
-        </p:spPr>
-        <p:txBody>
-          <a:bodyPr wrap="square" rtlCol="0">
-            <a:spAutoFit/>
-          </a:bodyPr>
-          <a:lstStyle/>
-          <a:p>
-            <a:r>
-              <a:rPr lang="zh-CN" altLang="en-US" dirty="0"/>
-              <a:t>*</a:t>
-            </a:r>
-            <a:r>
-              <a:rPr lang="en-US" altLang="zh-CN" dirty="0"/>
-              <a:t>Source: G8-6942</a:t>
-            </a:r>
-            <a:endParaRPr lang="zh-CN" altLang="en-US" dirty="0"/>
+            <a:r>
+              <a:rPr lang="en-US" altLang="zh-CN" dirty="0"/>
+              <a:t>It is controlled by EL2.</a:t>
+            </a:r>
+          </a:p>
+          <a:p>
+            <a:pPr marL="0" indent="0">
+              <a:buNone/>
+            </a:pPr>
+            <a:endParaRPr lang="en-US" altLang="zh-CN" dirty="0"/>
+          </a:p>
+          <a:p>
+            <a:pPr marL="0" indent="0">
+              <a:buNone/>
+            </a:pPr>
+            <a:r>
+              <a:rPr lang="en-US" altLang="zh-CN" dirty="0"/>
+              <a:t>Hypervisor in Arm architecture can use it to handle the memory management for VMs.</a:t>
+            </a:r>
+          </a:p>
+          <a:p>
+            <a:pPr marL="0" indent="0">
+              <a:buNone/>
+            </a:pPr>
+            <a:r>
+              <a:rPr lang="en-US" altLang="zh-CN" dirty="0"/>
+              <a:t>Similarly, we can use it in access control for EL1&amp;0 CPUs.</a:t>
+            </a:r>
           </a:p>
         </p:txBody>
       </p:sp>
     </p:spTree>
     <p:extLst>
       <p:ext uri="{BB962C8B-B14F-4D97-AF65-F5344CB8AC3E}">
-        <p14:creationId xmlns:p14="http://schemas.microsoft.com/office/powerpoint/2010/main" val="263346028"/>
+        <p14:creationId xmlns:p14="http://schemas.microsoft.com/office/powerpoint/2010/main" val="1883095820"/>
       </p:ext>
     </p:extLst>
   </p:cSld>
@@ -4054,40 +3988,31 @@
             </a:pPr>
             <a:r>
               <a:rPr lang="en-US" altLang="zh-CN" dirty="0"/>
-              <a:t>How to use it?</a:t>
-            </a:r>
-          </a:p>
-          <a:p>
-            <a:pPr marL="0" indent="0">
-              <a:buNone/>
-            </a:pPr>
-            <a:r>
-              <a:rPr lang="en-US" altLang="zh-CN" sz="2400" dirty="0"/>
-              <a:t>We (1) </a:t>
-            </a:r>
-            <a:r>
-              <a:rPr lang="en-US" altLang="zh-CN" sz="2400" dirty="0">
-                <a:solidFill>
-                  <a:srgbClr val="FF0000"/>
-                </a:solidFill>
-              </a:rPr>
-              <a:t>Enable</a:t>
-            </a:r>
-            <a:r>
-              <a:rPr lang="en-US" altLang="zh-CN" sz="2400" dirty="0"/>
-              <a:t> the S-2 translation, and (2) Provide the </a:t>
-            </a:r>
-            <a:r>
-              <a:rPr lang="en-US" altLang="zh-CN" sz="2400" dirty="0">
-                <a:solidFill>
-                  <a:srgbClr val="FF0000"/>
-                </a:solidFill>
-              </a:rPr>
-              <a:t>table</a:t>
-            </a:r>
-            <a:r>
-              <a:rPr lang="en-US" altLang="zh-CN" sz="2400" dirty="0"/>
-              <a:t> of S-2 translation, then Memory Management Unit (MMU) will perform the S-2 translation after the S-1 translation.</a:t>
+              <a:t>How to provide the table?</a:t>
+            </a:r>
+          </a:p>
+          <a:p>
+            <a:pPr marL="0" indent="0">
+              <a:buNone/>
+            </a:pPr>
+            <a:endParaRPr lang="en-US" altLang="zh-CN" sz="2400" dirty="0"/>
+          </a:p>
+          <a:p>
+            <a:pPr marL="0" indent="0">
+              <a:buNone/>
+            </a:pPr>
+            <a:r>
+              <a:rPr lang="en-US" altLang="zh-CN" dirty="0"/>
+              <a:t>VTTBR register defines the address of the S-2 translation table.</a:t>
+            </a:r>
+          </a:p>
+          <a:p>
+            <a:pPr marL="0" indent="0">
+              <a:buNone/>
+            </a:pPr>
+            <a:r>
+              <a:rPr lang="en-US" altLang="zh-CN" dirty="0"/>
+              <a:t>Put the address of translation table into this register.</a:t>
             </a:r>
           </a:p>
           <a:p>
@@ -4100,44 +4025,90 @@
             <a:pPr marL="0" indent="0">
               <a:buNone/>
             </a:pPr>
-            <a:r>
-              <a:rPr lang="en-US" altLang="zh-CN" dirty="0"/>
-              <a:t>You may ask these questions:</a:t>
-            </a:r>
-          </a:p>
-          <a:p>
-            <a:pPr marL="0" indent="0">
-              <a:buNone/>
-            </a:pPr>
-            <a:r>
-              <a:rPr lang="en-US" altLang="zh-CN" sz="2400" dirty="0"/>
-              <a:t>How to enable it?</a:t>
-            </a:r>
-          </a:p>
-          <a:p>
-            <a:pPr marL="0" indent="0">
-              <a:buNone/>
-            </a:pPr>
-            <a:r>
-              <a:rPr lang="en-US" altLang="zh-CN" sz="2400" dirty="0"/>
-              <a:t>How to provide the table?</a:t>
-            </a:r>
-          </a:p>
-          <a:p>
-            <a:pPr marL="0" indent="0">
-              <a:buNone/>
-            </a:pPr>
-            <a:r>
-              <a:rPr lang="en-US" altLang="zh-CN" sz="2400" dirty="0"/>
-              <a:t>How to create the table?</a:t>
-            </a:r>
+            <a:endParaRPr lang="en-US" altLang="zh-CN" sz="2400" dirty="0"/>
+          </a:p>
+        </p:txBody>
+      </p:sp>
+      <p:pic>
+        <p:nvPicPr>
+          <p:cNvPr id="5" name="图片 4" descr="图片包含 文本&#10;&#10;描述已自动生成">
+            <a:extLst>
+              <a:ext uri="{FF2B5EF4-FFF2-40B4-BE49-F238E27FC236}">
+                <a16:creationId xmlns:a16="http://schemas.microsoft.com/office/drawing/2014/main" id="{E980DD44-A2A1-44AB-BA0F-F8A73F47A230}"/>
+              </a:ext>
+            </a:extLst>
+          </p:cNvPr>
+          <p:cNvPicPr>
+            <a:picLocks noChangeAspect="1"/>
+          </p:cNvPicPr>
+          <p:nvPr/>
+        </p:nvPicPr>
+        <p:blipFill>
+          <a:blip r:embed="rId2">
+            <a:extLst>
+              <a:ext uri="{28A0092B-C50C-407E-A947-70E740481C1C}">
+                <a14:useLocalDpi xmlns:a14="http://schemas.microsoft.com/office/drawing/2010/main" val="0"/>
+              </a:ext>
+            </a:extLst>
+          </a:blip>
+          <a:stretch>
+            <a:fillRect/>
+          </a:stretch>
+        </p:blipFill>
+        <p:spPr>
+          <a:xfrm>
+            <a:off x="415487" y="3628936"/>
+            <a:ext cx="11361025" cy="1530105"/>
+          </a:xfrm>
+          <a:prstGeom prst="rect">
+            <a:avLst/>
+          </a:prstGeom>
+        </p:spPr>
+      </p:pic>
+      <p:sp>
+        <p:nvSpPr>
+          <p:cNvPr id="6" name="文本框 5">
+            <a:extLst>
+              <a:ext uri="{FF2B5EF4-FFF2-40B4-BE49-F238E27FC236}">
+                <a16:creationId xmlns:a16="http://schemas.microsoft.com/office/drawing/2014/main" id="{DB193B9A-EEFF-4CCF-A9CA-14ADC82A9820}"/>
+              </a:ext>
+            </a:extLst>
+          </p:cNvPr>
+          <p:cNvSpPr txBox="1"/>
+          <p:nvPr/>
+        </p:nvSpPr>
+        <p:spPr>
+          <a:xfrm>
+            <a:off x="609600" y="6362494"/>
+            <a:ext cx="10389704" cy="369332"/>
+          </a:xfrm>
+          <a:prstGeom prst="rect">
+            <a:avLst/>
+          </a:prstGeom>
+          <a:noFill/>
+        </p:spPr>
+        <p:txBody>
+          <a:bodyPr wrap="square" rtlCol="0">
+            <a:spAutoFit/>
+          </a:bodyPr>
+          <a:lstStyle/>
+          <a:p>
+            <a:r>
+              <a:rPr lang="zh-CN" altLang="en-US" dirty="0"/>
+              <a:t>*</a:t>
+            </a:r>
+            <a:r>
+              <a:rPr lang="en-US" altLang="zh-CN" dirty="0"/>
+              <a:t>Source: G8-6942</a:t>
+            </a:r>
+            <a:endParaRPr lang="zh-CN" altLang="en-US" dirty="0"/>
           </a:p>
         </p:txBody>
       </p:sp>
     </p:spTree>
     <p:extLst>
       <p:ext uri="{BB962C8B-B14F-4D97-AF65-F5344CB8AC3E}">
-        <p14:creationId xmlns:p14="http://schemas.microsoft.com/office/powerpoint/2010/main" val="573596799"/>
+        <p14:creationId xmlns:p14="http://schemas.microsoft.com/office/powerpoint/2010/main" val="263346028"/>
       </p:ext>
     </p:extLst>
   </p:cSld>
@@ -4231,6 +4202,63 @@
             </a:pPr>
             <a:r>
               <a:rPr lang="en-US" altLang="zh-CN" dirty="0"/>
+              <a:t>How to use it?</a:t>
+            </a:r>
+          </a:p>
+          <a:p>
+            <a:pPr marL="0" indent="0">
+              <a:buNone/>
+            </a:pPr>
+            <a:r>
+              <a:rPr lang="en-US" altLang="zh-CN" sz="2400" dirty="0"/>
+              <a:t>We (1) </a:t>
+            </a:r>
+            <a:r>
+              <a:rPr lang="en-US" altLang="zh-CN" sz="2400" dirty="0">
+                <a:solidFill>
+                  <a:srgbClr val="FF0000"/>
+                </a:solidFill>
+              </a:rPr>
+              <a:t>Enable</a:t>
+            </a:r>
+            <a:r>
+              <a:rPr lang="en-US" altLang="zh-CN" sz="2400" dirty="0"/>
+              <a:t> the S-2 translation, and (2) Provide the </a:t>
+            </a:r>
+            <a:r>
+              <a:rPr lang="en-US" altLang="zh-CN" sz="2400" dirty="0">
+                <a:solidFill>
+                  <a:srgbClr val="FF0000"/>
+                </a:solidFill>
+              </a:rPr>
+              <a:t>table</a:t>
+            </a:r>
+            <a:r>
+              <a:rPr lang="en-US" altLang="zh-CN" sz="2400" dirty="0"/>
+              <a:t> of S-2 translation, then Memory Management Unit (MMU) will perform the S-2 translation after the S-1 translation.</a:t>
+            </a:r>
+          </a:p>
+          <a:p>
+            <a:pPr marL="0" indent="0">
+              <a:buNone/>
+            </a:pPr>
+            <a:endParaRPr lang="en-US" altLang="zh-CN" dirty="0"/>
+          </a:p>
+          <a:p>
+            <a:pPr marL="0" indent="0">
+              <a:buNone/>
+            </a:pPr>
+            <a:r>
+              <a:rPr lang="en-US" altLang="zh-CN" dirty="0"/>
+              <a:t>You may ask these questions:</a:t>
+            </a:r>
+          </a:p>
+          <a:p>
+            <a:pPr marL="0" indent="0">
+              <a:buNone/>
+            </a:pPr>
+            <a:r>
+              <a:rPr lang="en-US" altLang="zh-CN" sz="2400" dirty="0"/>
               <a:t>How to enable it?</a:t>
             </a:r>
           </a:p>
@@ -4239,113 +4267,25 @@
               <a:buNone/>
             </a:pPr>
             <a:r>
-              <a:rPr lang="en-US" altLang="zh-CN" dirty="0"/>
-              <a:t>HCR register controls the S-2 translation.</a:t>
-            </a:r>
-          </a:p>
-          <a:p>
-            <a:pPr marL="0" indent="0">
-              <a:buNone/>
-            </a:pPr>
-            <a:r>
-              <a:rPr lang="en-US" altLang="zh-CN" dirty="0"/>
-              <a:t>Set the bit[0] of HCR register as 0x1.</a:t>
-            </a:r>
-          </a:p>
-          <a:p>
-            <a:pPr marL="0" indent="0">
-              <a:buNone/>
-            </a:pPr>
-            <a:endParaRPr lang="en-US" altLang="zh-CN" dirty="0"/>
-          </a:p>
-          <a:p>
-            <a:pPr marL="0" indent="0">
-              <a:buNone/>
-            </a:pPr>
-            <a:endParaRPr lang="en-US" altLang="zh-CN" dirty="0"/>
-          </a:p>
-        </p:txBody>
-      </p:sp>
-      <p:pic>
-        <p:nvPicPr>
-          <p:cNvPr id="5" name="图片 4" descr="图形用户界面, 文本, 应用程序&#10;&#10;描述已自动生成">
-            <a:extLst>
-              <a:ext uri="{FF2B5EF4-FFF2-40B4-BE49-F238E27FC236}">
-                <a16:creationId xmlns:a16="http://schemas.microsoft.com/office/drawing/2014/main" id="{D0FCA2B1-B267-4FEE-8BEF-0FEE56F06ED7}"/>
-              </a:ext>
-            </a:extLst>
-          </p:cNvPr>
-          <p:cNvPicPr>
-            <a:picLocks noChangeAspect="1"/>
-          </p:cNvPicPr>
-          <p:nvPr/>
-        </p:nvPicPr>
-        <p:blipFill>
-          <a:blip r:embed="rId2">
-            <a:extLst>
-              <a:ext uri="{28A0092B-C50C-407E-A947-70E740481C1C}">
-                <a14:useLocalDpi xmlns:a14="http://schemas.microsoft.com/office/drawing/2010/main" val="0"/>
-              </a:ext>
-            </a:extLst>
-          </a:blip>
-          <a:stretch>
-            <a:fillRect/>
-          </a:stretch>
-        </p:blipFill>
-        <p:spPr>
-          <a:xfrm>
-            <a:off x="563468" y="3248646"/>
-            <a:ext cx="11065063" cy="2172943"/>
-          </a:xfrm>
-          <a:prstGeom prst="rect">
-            <a:avLst/>
-          </a:prstGeom>
-        </p:spPr>
-      </p:pic>
-      <p:sp>
-        <p:nvSpPr>
-          <p:cNvPr id="6" name="文本框 5">
-            <a:extLst>
-              <a:ext uri="{FF2B5EF4-FFF2-40B4-BE49-F238E27FC236}">
-                <a16:creationId xmlns:a16="http://schemas.microsoft.com/office/drawing/2014/main" id="{73F14030-5A9F-4F14-BA48-4618AD2219AC}"/>
-              </a:ext>
-            </a:extLst>
-          </p:cNvPr>
-          <p:cNvSpPr txBox="1"/>
-          <p:nvPr/>
-        </p:nvSpPr>
-        <p:spPr>
-          <a:xfrm>
-            <a:off x="609600" y="6362494"/>
-            <a:ext cx="10389704" cy="369332"/>
-          </a:xfrm>
-          <a:prstGeom prst="rect">
-            <a:avLst/>
-          </a:prstGeom>
-          <a:noFill/>
-        </p:spPr>
-        <p:txBody>
-          <a:bodyPr wrap="square" rtlCol="0">
-            <a:spAutoFit/>
-          </a:bodyPr>
-          <a:lstStyle/>
-          <a:p>
-            <a:r>
-              <a:rPr lang="zh-CN" altLang="en-US" dirty="0"/>
-              <a:t>*</a:t>
-            </a:r>
-            <a:r>
-              <a:rPr lang="en-US" altLang="zh-CN" dirty="0"/>
-              <a:t>Source: G8-6599</a:t>
-            </a:r>
-            <a:endParaRPr lang="zh-CN" altLang="en-US" dirty="0"/>
+              <a:rPr lang="en-US" altLang="zh-CN" sz="2400" dirty="0"/>
+              <a:t>How to provide the table?</a:t>
+            </a:r>
+          </a:p>
+          <a:p>
+            <a:pPr marL="0" indent="0">
+              <a:buNone/>
+            </a:pPr>
+            <a:r>
+              <a:rPr lang="en-US" altLang="zh-CN" sz="2400" dirty="0"/>
+              <a:t>How to create the table?</a:t>
+            </a:r>
           </a:p>
         </p:txBody>
       </p:sp>
     </p:spTree>
     <p:extLst>
       <p:ext uri="{BB962C8B-B14F-4D97-AF65-F5344CB8AC3E}">
-        <p14:creationId xmlns:p14="http://schemas.microsoft.com/office/powerpoint/2010/main" val="1137744925"/>
+        <p14:creationId xmlns:p14="http://schemas.microsoft.com/office/powerpoint/2010/main" val="573596799"/>
       </p:ext>
     </p:extLst>
   </p:cSld>
@@ -4439,16 +4379,25 @@
             </a:pPr>
             <a:r>
               <a:rPr lang="en-US" altLang="zh-CN" dirty="0"/>
-              <a:t>Actually, it does not need the specific table address.</a:t>
-            </a:r>
-          </a:p>
-          <a:p>
-            <a:pPr marL="0" indent="0">
-              <a:buNone/>
-            </a:pPr>
-            <a:r>
-              <a:rPr lang="en-US" altLang="zh-CN" dirty="0"/>
-              <a:t>It cuts the offset of the table address, which is provided in VTCR register.</a:t>
+              <a:t>How to enable it?</a:t>
+            </a:r>
+          </a:p>
+          <a:p>
+            <a:pPr marL="0" indent="0">
+              <a:buNone/>
+            </a:pPr>
+            <a:r>
+              <a:rPr lang="en-US" altLang="zh-CN" dirty="0"/>
+              <a:t>HCR register controls the S-2 translation.</a:t>
+            </a:r>
+          </a:p>
+          <a:p>
+            <a:pPr marL="0" indent="0">
+              <a:buNone/>
+            </a:pPr>
+            <a:r>
+              <a:rPr lang="en-US" altLang="zh-CN" dirty="0"/>
+              <a:t>Set the bit[0] of HCR register as 0x1.</a:t>
             </a:r>
           </a:p>
           <a:p>
@@ -4461,59 +4410,16 @@
             <a:pPr marL="0" indent="0">
               <a:buNone/>
             </a:pPr>
-            <a:r>
-              <a:rPr lang="en-US" altLang="zh-CN" dirty="0"/>
-              <a:t>We will configure this register later.</a:t>
-            </a:r>
-          </a:p>
-        </p:txBody>
-      </p:sp>
-      <p:sp>
-        <p:nvSpPr>
-          <p:cNvPr id="6" name="文本框 5">
-            <a:extLst>
-              <a:ext uri="{FF2B5EF4-FFF2-40B4-BE49-F238E27FC236}">
-                <a16:creationId xmlns:a16="http://schemas.microsoft.com/office/drawing/2014/main" id="{DB193B9A-EEFF-4CCF-A9CA-14ADC82A9820}"/>
-              </a:ext>
-            </a:extLst>
-          </p:cNvPr>
-          <p:cNvSpPr txBox="1"/>
-          <p:nvPr/>
-        </p:nvSpPr>
-        <p:spPr>
-          <a:xfrm>
-            <a:off x="609600" y="6362494"/>
-            <a:ext cx="10389704" cy="369332"/>
-          </a:xfrm>
-          <a:prstGeom prst="rect">
-            <a:avLst/>
-          </a:prstGeom>
-          <a:noFill/>
-        </p:spPr>
-        <p:txBody>
-          <a:bodyPr wrap="square" rtlCol="0">
-            <a:spAutoFit/>
-          </a:bodyPr>
-          <a:lstStyle/>
-          <a:p>
-            <a:r>
-              <a:rPr lang="zh-CN" altLang="en-US" dirty="0"/>
-              <a:t>*</a:t>
-            </a:r>
-            <a:r>
-              <a:rPr lang="en-US" altLang="zh-CN" dirty="0"/>
-              <a:t>Source: G8-6942</a:t>
-            </a:r>
-            <a:endParaRPr lang="zh-CN" altLang="en-US" dirty="0"/>
+            <a:endParaRPr lang="en-US" altLang="zh-CN" dirty="0"/>
           </a:p>
         </p:txBody>
       </p:sp>
       <p:pic>
         <p:nvPicPr>
-          <p:cNvPr id="7" name="图片 6" descr="手机屏幕截图&#10;&#10;描述已自动生成">
-            <a:extLst>
-              <a:ext uri="{FF2B5EF4-FFF2-40B4-BE49-F238E27FC236}">
-                <a16:creationId xmlns:a16="http://schemas.microsoft.com/office/drawing/2014/main" id="{47CA0170-31F7-4091-9E94-E546539C0A20}"/>
+          <p:cNvPr id="5" name="图片 4" descr="图形用户界面, 文本, 应用程序&#10;&#10;描述已自动生成">
+            <a:extLst>
+              <a:ext uri="{FF2B5EF4-FFF2-40B4-BE49-F238E27FC236}">
+                <a16:creationId xmlns:a16="http://schemas.microsoft.com/office/drawing/2014/main" id="{D0FCA2B1-B267-4FEE-8BEF-0FEE56F06ED7}"/>
               </a:ext>
             </a:extLst>
           </p:cNvPr>
@@ -4536,18 +4442,58 @@
         </p:blipFill>
         <p:spPr>
           <a:xfrm>
-            <a:off x="705677" y="3942024"/>
-            <a:ext cx="11073823" cy="1835924"/>
+            <a:off x="563468" y="3248646"/>
+            <a:ext cx="11065063" cy="2172943"/>
           </a:xfrm>
           <a:prstGeom prst="rect">
             <a:avLst/>
           </a:prstGeom>
         </p:spPr>
       </p:pic>
+      <p:sp>
+        <p:nvSpPr>
+          <p:cNvPr id="6" name="文本框 5">
+            <a:extLst>
+              <a:ext uri="{FF2B5EF4-FFF2-40B4-BE49-F238E27FC236}">
+                <a16:creationId xmlns:a16="http://schemas.microsoft.com/office/drawing/2014/main" id="{73F14030-5A9F-4F14-BA48-4618AD2219AC}"/>
+              </a:ext>
+            </a:extLst>
+          </p:cNvPr>
+          <p:cNvSpPr txBox="1"/>
+          <p:nvPr/>
+        </p:nvSpPr>
+        <p:spPr>
+          <a:xfrm>
+            <a:off x="609600" y="6362494"/>
+            <a:ext cx="10389704" cy="369332"/>
+          </a:xfrm>
+          <a:prstGeom prst="rect">
+            <a:avLst/>
+          </a:prstGeom>
+          <a:noFill/>
+        </p:spPr>
+        <p:txBody>
+          <a:bodyPr wrap="square" rtlCol="0">
+            <a:spAutoFit/>
+          </a:bodyPr>
+          <a:lstStyle/>
+          <a:p>
+            <a:r>
+              <a:rPr lang="zh-CN" altLang="en-US" dirty="0"/>
+              <a:t>*</a:t>
+            </a:r>
+            <a:r>
+              <a:rPr lang="en-US" altLang="zh-CN" dirty="0"/>
+              <a:t>Source: G8-6599</a:t>
+            </a:r>
+            <a:endParaRPr lang="zh-CN" altLang="en-US" dirty="0"/>
+          </a:p>
+        </p:txBody>
+      </p:sp>
     </p:spTree>
     <p:extLst>
       <p:ext uri="{BB962C8B-B14F-4D97-AF65-F5344CB8AC3E}">
-        <p14:creationId xmlns:p14="http://schemas.microsoft.com/office/powerpoint/2010/main" val="2636928181"/>
+        <p14:creationId xmlns:p14="http://schemas.microsoft.com/office/powerpoint/2010/main" val="1137744925"/>
       </p:ext>
     </p:extLst>
   </p:cSld>
@@ -4632,6 +4578,208 @@
         </p:spPr>
         <p:txBody>
           <a:bodyPr>
+            <a:normAutofit/>
+          </a:bodyPr>
+          <a:lstStyle/>
+          <a:p>
+            <a:pPr marL="0" indent="0">
+              <a:buNone/>
+            </a:pPr>
+            <a:r>
+              <a:rPr lang="en-US" altLang="zh-CN" dirty="0"/>
+              <a:t>Actually, it does not need the specific table address.</a:t>
+            </a:r>
+          </a:p>
+          <a:p>
+            <a:pPr marL="0" indent="0">
+              <a:buNone/>
+            </a:pPr>
+            <a:r>
+              <a:rPr lang="en-US" altLang="zh-CN" dirty="0"/>
+              <a:t>It cuts the offset of the table address, which is provided in VTCR register.</a:t>
+            </a:r>
+          </a:p>
+          <a:p>
+            <a:pPr marL="0" indent="0">
+              <a:buNone/>
+            </a:pPr>
+            <a:endParaRPr lang="en-US" altLang="zh-CN" dirty="0"/>
+          </a:p>
+          <a:p>
+            <a:pPr marL="0" indent="0">
+              <a:buNone/>
+            </a:pPr>
+            <a:r>
+              <a:rPr lang="en-US" altLang="zh-CN" dirty="0"/>
+              <a:t>We will configure this register later.</a:t>
+            </a:r>
+          </a:p>
+        </p:txBody>
+      </p:sp>
+      <p:sp>
+        <p:nvSpPr>
+          <p:cNvPr id="6" name="文本框 5">
+            <a:extLst>
+              <a:ext uri="{FF2B5EF4-FFF2-40B4-BE49-F238E27FC236}">
+                <a16:creationId xmlns:a16="http://schemas.microsoft.com/office/drawing/2014/main" id="{DB193B9A-EEFF-4CCF-A9CA-14ADC82A9820}"/>
+              </a:ext>
+            </a:extLst>
+          </p:cNvPr>
+          <p:cNvSpPr txBox="1"/>
+          <p:nvPr/>
+        </p:nvSpPr>
+        <p:spPr>
+          <a:xfrm>
+            <a:off x="609600" y="6362494"/>
+            <a:ext cx="10389704" cy="369332"/>
+          </a:xfrm>
+          <a:prstGeom prst="rect">
+            <a:avLst/>
+          </a:prstGeom>
+          <a:noFill/>
+        </p:spPr>
+        <p:txBody>
+          <a:bodyPr wrap="square" rtlCol="0">
+            <a:spAutoFit/>
+          </a:bodyPr>
+          <a:lstStyle/>
+          <a:p>
+            <a:r>
+              <a:rPr lang="zh-CN" altLang="en-US" dirty="0"/>
+              <a:t>*</a:t>
+            </a:r>
+            <a:r>
+              <a:rPr lang="en-US" altLang="zh-CN" dirty="0"/>
+              <a:t>Source: G8-6942</a:t>
+            </a:r>
+            <a:endParaRPr lang="zh-CN" altLang="en-US" dirty="0"/>
+          </a:p>
+        </p:txBody>
+      </p:sp>
+      <p:pic>
+        <p:nvPicPr>
+          <p:cNvPr id="7" name="图片 6" descr="手机屏幕截图&#10;&#10;描述已自动生成">
+            <a:extLst>
+              <a:ext uri="{FF2B5EF4-FFF2-40B4-BE49-F238E27FC236}">
+                <a16:creationId xmlns:a16="http://schemas.microsoft.com/office/drawing/2014/main" id="{47CA0170-31F7-4091-9E94-E546539C0A20}"/>
+              </a:ext>
+            </a:extLst>
+          </p:cNvPr>
+          <p:cNvPicPr>
+            <a:picLocks noChangeAspect="1"/>
+          </p:cNvPicPr>
+          <p:nvPr/>
+        </p:nvPicPr>
+        <p:blipFill>
+          <a:blip r:embed="rId2">
+            <a:extLst>
+              <a:ext uri="{28A0092B-C50C-407E-A947-70E740481C1C}">
+                <a14:useLocalDpi xmlns:a14="http://schemas.microsoft.com/office/drawing/2010/main" val="0"/>
+              </a:ext>
+            </a:extLst>
+          </a:blip>
+          <a:stretch>
+            <a:fillRect/>
+          </a:stretch>
+        </p:blipFill>
+        <p:spPr>
+          <a:xfrm>
+            <a:off x="705677" y="3942024"/>
+            <a:ext cx="11073823" cy="1835924"/>
+          </a:xfrm>
+          <a:prstGeom prst="rect">
+            <a:avLst/>
+          </a:prstGeom>
+        </p:spPr>
+      </p:pic>
+    </p:spTree>
+    <p:extLst>
+      <p:ext uri="{BB962C8B-B14F-4D97-AF65-F5344CB8AC3E}">
+        <p14:creationId xmlns:p14="http://schemas.microsoft.com/office/powerpoint/2010/main" val="2636928181"/>
+      </p:ext>
+    </p:extLst>
+  </p:cSld>
+  <p:clrMapOvr>
+    <a:masterClrMapping/>
+  </p:clrMapOvr>
+</p:sld>
+</file>
+
+<file path=ppt/slides/slide17.xml><?xml version="1.0" encoding="utf-8"?>
+<p:sld xmlns:a="http://schemas.openxmlformats.org/drawingml/2006/main" xmlns:r="http://schemas.openxmlformats.org/officeDocument/2006/relationships" xmlns:p="http://schemas.openxmlformats.org/presentationml/2006/main">
+  <p:cSld>
+    <p:spTree>
+      <p:nvGrpSpPr>
+        <p:cNvPr id="1" name=""/>
+        <p:cNvGrpSpPr/>
+        <p:nvPr/>
+      </p:nvGrpSpPr>
+      <p:grpSpPr>
+        <a:xfrm>
+          <a:off x="0" y="0"/>
+          <a:ext cx="0" cy="0"/>
+          <a:chOff x="0" y="0"/>
+          <a:chExt cx="0" cy="0"/>
+        </a:xfrm>
+      </p:grpSpPr>
+      <p:sp>
+        <p:nvSpPr>
+          <p:cNvPr id="2" name="标题 1">
+            <a:extLst>
+              <a:ext uri="{FF2B5EF4-FFF2-40B4-BE49-F238E27FC236}">
+                <a16:creationId xmlns:a16="http://schemas.microsoft.com/office/drawing/2014/main" id="{C8E4CC26-1034-4229-BFFF-91B82B8841DF}"/>
+              </a:ext>
+            </a:extLst>
+          </p:cNvPr>
+          <p:cNvSpPr>
+            <a:spLocks noGrp="1"/>
+          </p:cNvSpPr>
+          <p:nvPr>
+            <p:ph type="title"/>
+          </p:nvPr>
+        </p:nvSpPr>
+        <p:spPr>
+          <a:xfrm>
+            <a:off x="838200" y="365125"/>
+            <a:ext cx="10515600" cy="734805"/>
+          </a:xfrm>
+        </p:spPr>
+        <p:txBody>
+          <a:bodyPr/>
+          <a:lstStyle/>
+          <a:p>
+            <a:r>
+              <a:rPr lang="en-US" altLang="zh-CN" dirty="0"/>
+              <a:t>Background: Stage-2 translation</a:t>
+            </a:r>
+            <a:endParaRPr lang="zh-CN" altLang="en-US" dirty="0"/>
+          </a:p>
+        </p:txBody>
+      </p:sp>
+      <p:sp>
+        <p:nvSpPr>
+          <p:cNvPr id="3" name="内容占位符 2">
+            <a:extLst>
+              <a:ext uri="{FF2B5EF4-FFF2-40B4-BE49-F238E27FC236}">
+                <a16:creationId xmlns:a16="http://schemas.microsoft.com/office/drawing/2014/main" id="{9A6FAEDA-4286-4CB3-9B77-49C42135920F}"/>
+              </a:ext>
+            </a:extLst>
+          </p:cNvPr>
+          <p:cNvSpPr>
+            <a:spLocks noGrp="1"/>
+          </p:cNvSpPr>
+          <p:nvPr>
+            <p:ph idx="1"/>
+          </p:nvPr>
+        </p:nvSpPr>
+        <p:spPr>
+          <a:xfrm>
+            <a:off x="838200" y="1285461"/>
+            <a:ext cx="10515600" cy="4891502"/>
+          </a:xfrm>
+        </p:spPr>
+        <p:txBody>
+          <a:bodyPr>
             <a:normAutofit fontScale="92500"/>
           </a:bodyPr>
           <a:lstStyle/>
@@ -4764,7 +4912,7 @@
 </p:sld>
 </file>
 
-<file path=ppt/slides/slide17.xml><?xml version="1.0" encoding="utf-8"?>
+<file path=ppt/slides/slide18.xml><?xml version="1.0" encoding="utf-8"?>
 <p:sld xmlns:a="http://schemas.openxmlformats.org/drawingml/2006/main" xmlns:r="http://schemas.openxmlformats.org/officeDocument/2006/relationships" xmlns:p="http://schemas.openxmlformats.org/presentationml/2006/main">
   <p:cSld>
     <p:spTree>
@@ -5130,7 +5278,7 @@
 </p:sld>
 </file>
 
-<file path=ppt/slides/slide18.xml><?xml version="1.0" encoding="utf-8"?>
+<file path=ppt/slides/slide19.xml><?xml version="1.0" encoding="utf-8"?>
 <p:sld xmlns:a="http://schemas.openxmlformats.org/drawingml/2006/main" xmlns:r="http://schemas.openxmlformats.org/officeDocument/2006/relationships" xmlns:p="http://schemas.openxmlformats.org/presentationml/2006/main">
   <p:cSld>
     <p:spTree>
@@ -5483,7 +5631,151 @@
 </p:sld>
 </file>
 
-<file path=ppt/slides/slide19.xml><?xml version="1.0" encoding="utf-8"?>
+<file path=ppt/slides/slide2.xml><?xml version="1.0" encoding="utf-8"?>
+<p:sld xmlns:a="http://schemas.openxmlformats.org/drawingml/2006/main" xmlns:r="http://schemas.openxmlformats.org/officeDocument/2006/relationships" xmlns:p="http://schemas.openxmlformats.org/presentationml/2006/main">
+  <p:cSld>
+    <p:spTree>
+      <p:nvGrpSpPr>
+        <p:cNvPr id="1" name=""/>
+        <p:cNvGrpSpPr/>
+        <p:nvPr/>
+      </p:nvGrpSpPr>
+      <p:grpSpPr>
+        <a:xfrm>
+          <a:off x="0" y="0"/>
+          <a:ext cx="0" cy="0"/>
+          <a:chOff x="0" y="0"/>
+          <a:chExt cx="0" cy="0"/>
+        </a:xfrm>
+      </p:grpSpPr>
+      <p:sp>
+        <p:nvSpPr>
+          <p:cNvPr id="2" name="标题 1">
+            <a:extLst>
+              <a:ext uri="{FF2B5EF4-FFF2-40B4-BE49-F238E27FC236}">
+                <a16:creationId xmlns:a16="http://schemas.microsoft.com/office/drawing/2014/main" id="{C8E4CC26-1034-4229-BFFF-91B82B8841DF}"/>
+              </a:ext>
+            </a:extLst>
+          </p:cNvPr>
+          <p:cNvSpPr>
+            <a:spLocks noGrp="1"/>
+          </p:cNvSpPr>
+          <p:nvPr>
+            <p:ph type="title"/>
+          </p:nvPr>
+        </p:nvSpPr>
+        <p:spPr>
+          <a:xfrm>
+            <a:off x="838200" y="365125"/>
+            <a:ext cx="10515600" cy="734805"/>
+          </a:xfrm>
+        </p:spPr>
+        <p:txBody>
+          <a:bodyPr/>
+          <a:lstStyle/>
+          <a:p>
+            <a:r>
+              <a:rPr lang="en-US" altLang="zh-CN" dirty="0"/>
+              <a:t>Outline</a:t>
+            </a:r>
+            <a:endParaRPr lang="zh-CN" altLang="en-US" dirty="0"/>
+          </a:p>
+        </p:txBody>
+      </p:sp>
+      <p:sp>
+        <p:nvSpPr>
+          <p:cNvPr id="3" name="内容占位符 2">
+            <a:extLst>
+              <a:ext uri="{FF2B5EF4-FFF2-40B4-BE49-F238E27FC236}">
+                <a16:creationId xmlns:a16="http://schemas.microsoft.com/office/drawing/2014/main" id="{9A6FAEDA-4286-4CB3-9B77-49C42135920F}"/>
+              </a:ext>
+            </a:extLst>
+          </p:cNvPr>
+          <p:cNvSpPr>
+            <a:spLocks noGrp="1"/>
+          </p:cNvSpPr>
+          <p:nvPr>
+            <p:ph idx="1"/>
+          </p:nvPr>
+        </p:nvSpPr>
+        <p:spPr>
+          <a:xfrm>
+            <a:off x="838200" y="1285461"/>
+            <a:ext cx="10515600" cy="4891502"/>
+          </a:xfrm>
+        </p:spPr>
+        <p:txBody>
+          <a:bodyPr/>
+          <a:lstStyle/>
+          <a:p>
+            <a:pPr marL="0" indent="0">
+              <a:buNone/>
+            </a:pPr>
+            <a:r>
+              <a:rPr lang="en-US" altLang="zh-CN" dirty="0"/>
+              <a:t>1.</a:t>
+            </a:r>
+            <a:r>
+              <a:rPr lang="zh-CN" altLang="en-US" dirty="0"/>
+              <a:t> </a:t>
+            </a:r>
+            <a:r>
+              <a:rPr lang="en-US" altLang="zh-CN" dirty="0"/>
+              <a:t>Introduction</a:t>
+            </a:r>
+          </a:p>
+          <a:p>
+            <a:pPr marL="0" indent="0">
+              <a:buNone/>
+            </a:pPr>
+            <a:r>
+              <a:rPr lang="en-US" altLang="zh-CN" dirty="0"/>
+              <a:t>2. Background</a:t>
+            </a:r>
+          </a:p>
+          <a:p>
+            <a:pPr marL="0" indent="0">
+              <a:buNone/>
+            </a:pPr>
+            <a:r>
+              <a:rPr lang="en-US" altLang="zh-CN" dirty="0"/>
+              <a:t>3. Design and Implementation</a:t>
+            </a:r>
+          </a:p>
+          <a:p>
+            <a:pPr marL="0" indent="0">
+              <a:buNone/>
+            </a:pPr>
+            <a:r>
+              <a:rPr lang="en-US" altLang="zh-CN" dirty="0"/>
+              <a:t>4. Possible Q&amp;A</a:t>
+            </a:r>
+          </a:p>
+          <a:p>
+            <a:pPr marL="0" indent="0">
+              <a:buNone/>
+            </a:pPr>
+            <a:r>
+              <a:rPr lang="en-US" altLang="zh-CN" dirty="0"/>
+              <a:t>5. Necessary materials</a:t>
+            </a:r>
+          </a:p>
+        </p:txBody>
+      </p:sp>
+    </p:spTree>
+    <p:extLst>
+      <p:ext uri="{BB962C8B-B14F-4D97-AF65-F5344CB8AC3E}">
+        <p14:creationId xmlns:p14="http://schemas.microsoft.com/office/powerpoint/2010/main" val="1549014384"/>
+      </p:ext>
+    </p:extLst>
+  </p:cSld>
+  <p:clrMapOvr>
+    <a:masterClrMapping/>
+  </p:clrMapOvr>
+</p:sld>
+</file>
+
+<file path=ppt/slides/slide20.xml><?xml version="1.0" encoding="utf-8"?>
 <p:sld xmlns:a="http://schemas.openxmlformats.org/drawingml/2006/main" xmlns:r="http://schemas.openxmlformats.org/officeDocument/2006/relationships" xmlns:p="http://schemas.openxmlformats.org/presentationml/2006/main">
   <p:cSld>
     <p:spTree>
@@ -5899,156 +6191,7 @@
 </p:sld>
 </file>
 
-<file path=ppt/slides/slide2.xml><?xml version="1.0" encoding="utf-8"?>
-<p:sld xmlns:a="http://schemas.openxmlformats.org/drawingml/2006/main" xmlns:r="http://schemas.openxmlformats.org/officeDocument/2006/relationships" xmlns:p="http://schemas.openxmlformats.org/presentationml/2006/main">
-  <p:cSld>
-    <p:spTree>
-      <p:nvGrpSpPr>
-        <p:cNvPr id="1" name=""/>
-        <p:cNvGrpSpPr/>
-        <p:nvPr/>
-      </p:nvGrpSpPr>
-      <p:grpSpPr>
-        <a:xfrm>
-          <a:off x="0" y="0"/>
-          <a:ext cx="0" cy="0"/>
-          <a:chOff x="0" y="0"/>
-          <a:chExt cx="0" cy="0"/>
-        </a:xfrm>
-      </p:grpSpPr>
-      <p:sp>
-        <p:nvSpPr>
-          <p:cNvPr id="2" name="标题 1">
-            <a:extLst>
-              <a:ext uri="{FF2B5EF4-FFF2-40B4-BE49-F238E27FC236}">
-                <a16:creationId xmlns:a16="http://schemas.microsoft.com/office/drawing/2014/main" id="{C8E4CC26-1034-4229-BFFF-91B82B8841DF}"/>
-              </a:ext>
-            </a:extLst>
-          </p:cNvPr>
-          <p:cNvSpPr>
-            <a:spLocks noGrp="1"/>
-          </p:cNvSpPr>
-          <p:nvPr>
-            <p:ph type="title"/>
-          </p:nvPr>
-        </p:nvSpPr>
-        <p:spPr>
-          <a:xfrm>
-            <a:off x="838200" y="365125"/>
-            <a:ext cx="10515600" cy="734805"/>
-          </a:xfrm>
-        </p:spPr>
-        <p:txBody>
-          <a:bodyPr/>
-          <a:lstStyle/>
-          <a:p>
-            <a:r>
-              <a:rPr lang="en-US" altLang="zh-CN" dirty="0"/>
-              <a:t>Outline</a:t>
-            </a:r>
-            <a:endParaRPr lang="zh-CN" altLang="en-US" dirty="0"/>
-          </a:p>
-        </p:txBody>
-      </p:sp>
-      <p:sp>
-        <p:nvSpPr>
-          <p:cNvPr id="3" name="内容占位符 2">
-            <a:extLst>
-              <a:ext uri="{FF2B5EF4-FFF2-40B4-BE49-F238E27FC236}">
-                <a16:creationId xmlns:a16="http://schemas.microsoft.com/office/drawing/2014/main" id="{9A6FAEDA-4286-4CB3-9B77-49C42135920F}"/>
-              </a:ext>
-            </a:extLst>
-          </p:cNvPr>
-          <p:cNvSpPr>
-            <a:spLocks noGrp="1"/>
-          </p:cNvSpPr>
-          <p:nvPr>
-            <p:ph idx="1"/>
-          </p:nvPr>
-        </p:nvSpPr>
-        <p:spPr>
-          <a:xfrm>
-            <a:off x="838200" y="1285461"/>
-            <a:ext cx="10515600" cy="4891502"/>
-          </a:xfrm>
-        </p:spPr>
-        <p:txBody>
-          <a:bodyPr/>
-          <a:lstStyle/>
-          <a:p>
-            <a:pPr marL="0" indent="0">
-              <a:buNone/>
-            </a:pPr>
-            <a:r>
-              <a:rPr lang="en-US" altLang="zh-CN" dirty="0"/>
-              <a:t>1.</a:t>
-            </a:r>
-            <a:r>
-              <a:rPr lang="zh-CN" altLang="en-US" dirty="0"/>
-              <a:t> </a:t>
-            </a:r>
-            <a:r>
-              <a:rPr lang="en-US" altLang="zh-CN" dirty="0"/>
-              <a:t>Introduction</a:t>
-            </a:r>
-          </a:p>
-          <a:p>
-            <a:pPr marL="0" indent="0">
-              <a:buNone/>
-            </a:pPr>
-            <a:r>
-              <a:rPr lang="en-US" altLang="zh-CN" dirty="0"/>
-              <a:t>2. Background</a:t>
-            </a:r>
-          </a:p>
-          <a:p>
-            <a:pPr marL="0" indent="0">
-              <a:buNone/>
-            </a:pPr>
-            <a:r>
-              <a:rPr lang="en-US" altLang="zh-CN" dirty="0"/>
-              <a:t>3. Design and Implementation</a:t>
-            </a:r>
-          </a:p>
-          <a:p>
-            <a:pPr marL="0" indent="0">
-              <a:buNone/>
-            </a:pPr>
-            <a:r>
-              <a:rPr lang="en-US" altLang="zh-CN" dirty="0"/>
-              <a:t>4. Possible Q&amp;A</a:t>
-            </a:r>
-          </a:p>
-          <a:p>
-            <a:pPr marL="0" indent="0">
-              <a:buNone/>
-            </a:pPr>
-            <a:r>
-              <a:rPr lang="en-US" altLang="zh-CN" dirty="0"/>
-              <a:t>5. Necessary </a:t>
-            </a:r>
-            <a:r>
-              <a:rPr lang="en-US" altLang="zh-CN"/>
-              <a:t>meterials</a:t>
-            </a:r>
-            <a:endParaRPr lang="en-US" altLang="zh-CN" dirty="0"/>
-          </a:p>
-        </p:txBody>
-      </p:sp>
-    </p:spTree>
-    <p:extLst>
-      <p:ext uri="{BB962C8B-B14F-4D97-AF65-F5344CB8AC3E}">
-        <p14:creationId xmlns:p14="http://schemas.microsoft.com/office/powerpoint/2010/main" val="1549014384"/>
-      </p:ext>
-    </p:extLst>
-  </p:cSld>
-  <p:clrMapOvr>
-    <a:masterClrMapping/>
-  </p:clrMapOvr>
-</p:sld>
-</file>
-
-<file path=ppt/slides/slide20.xml><?xml version="1.0" encoding="utf-8"?>
+<file path=ppt/slides/slide21.xml><?xml version="1.0" encoding="utf-8"?>
 <p:sld xmlns:a="http://schemas.openxmlformats.org/drawingml/2006/main" xmlns:r="http://schemas.openxmlformats.org/officeDocument/2006/relationships" xmlns:p="http://schemas.openxmlformats.org/presentationml/2006/main">
   <p:cSld>
     <p:spTree>
@@ -6454,7 +6597,7 @@
 </p:sld>
 </file>
 
-<file path=ppt/slides/slide21.xml><?xml version="1.0" encoding="utf-8"?>
+<file path=ppt/slides/slide22.xml><?xml version="1.0" encoding="utf-8"?>
 <p:sld xmlns:a="http://schemas.openxmlformats.org/drawingml/2006/main" xmlns:r="http://schemas.openxmlformats.org/officeDocument/2006/relationships" xmlns:p="http://schemas.openxmlformats.org/presentationml/2006/main">
   <p:cSld>
     <p:spTree>
@@ -6837,73 +6980,6 @@
 </p:sld>
 </file>
 
-<file path=ppt/slides/slide22.xml><?xml version="1.0" encoding="utf-8"?>
-<p:sld xmlns:a="http://schemas.openxmlformats.org/drawingml/2006/main" xmlns:r="http://schemas.openxmlformats.org/officeDocument/2006/relationships" xmlns:p="http://schemas.openxmlformats.org/presentationml/2006/main">
-  <p:cSld>
-    <p:spTree>
-      <p:nvGrpSpPr>
-        <p:cNvPr id="1" name=""/>
-        <p:cNvGrpSpPr/>
-        <p:nvPr/>
-      </p:nvGrpSpPr>
-      <p:grpSpPr>
-        <a:xfrm>
-          <a:off x="0" y="0"/>
-          <a:ext cx="0" cy="0"/>
-          <a:chOff x="0" y="0"/>
-          <a:chExt cx="0" cy="0"/>
-        </a:xfrm>
-      </p:grpSpPr>
-      <p:sp>
-        <p:nvSpPr>
-          <p:cNvPr id="2" name="标题 1">
-            <a:extLst>
-              <a:ext uri="{FF2B5EF4-FFF2-40B4-BE49-F238E27FC236}">
-                <a16:creationId xmlns:a16="http://schemas.microsoft.com/office/drawing/2014/main" id="{33863609-18E9-4020-8712-92286D1B052C}"/>
-              </a:ext>
-            </a:extLst>
-          </p:cNvPr>
-          <p:cNvSpPr>
-            <a:spLocks noGrp="1"/>
-          </p:cNvSpPr>
-          <p:nvPr>
-            <p:ph type="title"/>
-          </p:nvPr>
-        </p:nvSpPr>
-        <p:spPr>
-          <a:xfrm>
-            <a:off x="838200" y="2766218"/>
-            <a:ext cx="10515600" cy="1325563"/>
-          </a:xfrm>
-        </p:spPr>
-        <p:txBody>
-          <a:bodyPr>
-            <a:normAutofit/>
-          </a:bodyPr>
-          <a:lstStyle/>
-          <a:p>
-            <a:pPr algn="ctr"/>
-            <a:r>
-              <a:rPr lang="en-US" altLang="zh-CN" sz="6000" dirty="0"/>
-              <a:t>Design</a:t>
-            </a:r>
-            <a:endParaRPr lang="zh-CN" altLang="en-US" sz="6000" dirty="0"/>
-          </a:p>
-        </p:txBody>
-      </p:sp>
-    </p:spTree>
-    <p:extLst>
-      <p:ext uri="{BB962C8B-B14F-4D97-AF65-F5344CB8AC3E}">
-        <p14:creationId xmlns:p14="http://schemas.microsoft.com/office/powerpoint/2010/main" val="3560907325"/>
-      </p:ext>
-    </p:extLst>
-  </p:cSld>
-  <p:clrMapOvr>
-    <a:masterClrMapping/>
-  </p:clrMapOvr>
-</p:sld>
-</file>
-
 <file path=ppt/slides/slide23.xml><?xml version="1.0" encoding="utf-8"?>
 <p:sld xmlns:a="http://schemas.openxmlformats.org/drawingml/2006/main" xmlns:r="http://schemas.openxmlformats.org/officeDocument/2006/relationships" xmlns:p="http://schemas.openxmlformats.org/presentationml/2006/main">
   <p:cSld>
@@ -6926,7 +7002,7 @@
           <p:cNvPr id="2" name="标题 1">
             <a:extLst>
               <a:ext uri="{FF2B5EF4-FFF2-40B4-BE49-F238E27FC236}">
-                <a16:creationId xmlns:a16="http://schemas.microsoft.com/office/drawing/2014/main" id="{C8E4CC26-1034-4229-BFFF-91B82B8841DF}"/>
+                <a16:creationId xmlns:a16="http://schemas.microsoft.com/office/drawing/2014/main" id="{33863609-18E9-4020-8712-92286D1B052C}"/>
               </a:ext>
             </a:extLst>
           </p:cNvPr>
@@ -6939,42 +7015,8 @@
         </p:nvSpPr>
         <p:spPr>
           <a:xfrm>
-            <a:off x="838200" y="365125"/>
-            <a:ext cx="10515600" cy="734805"/>
-          </a:xfrm>
-        </p:spPr>
-        <p:txBody>
-          <a:bodyPr/>
-          <a:lstStyle/>
-          <a:p>
-            <a:r>
-              <a:rPr lang="en-US" altLang="zh-CN" dirty="0"/>
-              <a:t>Design</a:t>
-            </a:r>
-            <a:endParaRPr lang="zh-CN" altLang="en-US" dirty="0"/>
-          </a:p>
-        </p:txBody>
-      </p:sp>
-      <p:sp>
-        <p:nvSpPr>
-          <p:cNvPr id="3" name="内容占位符 2">
-            <a:extLst>
-              <a:ext uri="{FF2B5EF4-FFF2-40B4-BE49-F238E27FC236}">
-                <a16:creationId xmlns:a16="http://schemas.microsoft.com/office/drawing/2014/main" id="{9A6FAEDA-4286-4CB3-9B77-49C42135920F}"/>
-              </a:ext>
-            </a:extLst>
-          </p:cNvPr>
-          <p:cNvSpPr>
-            <a:spLocks noGrp="1"/>
-          </p:cNvSpPr>
-          <p:nvPr>
-            <p:ph idx="1"/>
-          </p:nvPr>
-        </p:nvSpPr>
-        <p:spPr>
-          <a:xfrm>
-            <a:off x="838200" y="1285461"/>
-            <a:ext cx="10515600" cy="4891502"/>
+            <a:off x="838200" y="2766218"/>
+            <a:ext cx="10515600" cy="1325563"/>
           </a:xfrm>
         </p:spPr>
         <p:txBody>
@@ -6983,53 +7025,19 @@
           </a:bodyPr>
           <a:lstStyle/>
           <a:p>
-            <a:pPr marL="0" indent="0">
-              <a:buNone/>
-            </a:pPr>
-            <a:r>
-              <a:rPr lang="en-US" altLang="zh-CN" dirty="0"/>
-              <a:t>Goals in this Lab:</a:t>
-            </a:r>
-          </a:p>
-          <a:p>
-            <a:pPr marL="0" indent="0">
-              <a:buNone/>
-            </a:pPr>
-            <a:r>
-              <a:rPr lang="en-US" altLang="zh-CN" sz="2400" dirty="0"/>
-              <a:t>Enable the Stage-2 translation.</a:t>
-            </a:r>
-          </a:p>
-          <a:p>
-            <a:pPr marL="0" indent="0">
-              <a:buNone/>
-            </a:pPr>
-            <a:r>
-              <a:rPr lang="en-US" altLang="zh-CN" sz="2400" dirty="0"/>
-              <a:t>Invalid the mapping of the debug registers.</a:t>
-            </a:r>
-          </a:p>
-          <a:p>
-            <a:pPr marL="0" indent="0">
-              <a:buNone/>
-            </a:pPr>
-            <a:r>
-              <a:rPr lang="en-US" altLang="zh-CN" sz="2400" dirty="0"/>
-              <a:t>Invalid the mapping of S-2 translation table.</a:t>
-            </a:r>
-          </a:p>
-          <a:p>
-            <a:pPr marL="0" indent="0">
-              <a:buNone/>
-            </a:pPr>
-            <a:endParaRPr lang="en-US" altLang="zh-CN" sz="2400" dirty="0"/>
+            <a:pPr algn="ctr"/>
+            <a:r>
+              <a:rPr lang="en-US" altLang="zh-CN" sz="6000" dirty="0"/>
+              <a:t>Design</a:t>
+            </a:r>
+            <a:endParaRPr lang="zh-CN" altLang="en-US" sz="6000" dirty="0"/>
           </a:p>
         </p:txBody>
       </p:sp>
     </p:spTree>
     <p:extLst>
       <p:ext uri="{BB962C8B-B14F-4D97-AF65-F5344CB8AC3E}">
-        <p14:creationId xmlns:p14="http://schemas.microsoft.com/office/powerpoint/2010/main" val="682128566"/>
+        <p14:creationId xmlns:p14="http://schemas.microsoft.com/office/powerpoint/2010/main" val="3560907325"/>
       </p:ext>
     </p:extLst>
   </p:cSld>
@@ -7084,7 +7092,7 @@
           <a:p>
             <a:r>
               <a:rPr lang="en-US" altLang="zh-CN" dirty="0"/>
-              <a:t>Design: Enable Stage-2 translation</a:t>
+              <a:t>Design</a:t>
             </a:r>
             <a:endParaRPr lang="zh-CN" altLang="en-US" dirty="0"/>
           </a:p>
@@ -7122,8 +7130,35 @@
               <a:buNone/>
             </a:pPr>
             <a:r>
+              <a:rPr lang="en-US" altLang="zh-CN" dirty="0"/>
+              <a:t>Goals in this Lab:</a:t>
+            </a:r>
+          </a:p>
+          <a:p>
+            <a:pPr marL="0" indent="0">
+              <a:buNone/>
+            </a:pPr>
+            <a:r>
               <a:rPr lang="en-US" altLang="zh-CN" sz="2400" dirty="0"/>
-              <a:t>Modified the device tree files to reserve a memory for the table.</a:t>
+              <a:t>Enable the Stage-2 translation.</a:t>
+            </a:r>
+          </a:p>
+          <a:p>
+            <a:pPr marL="0" indent="0">
+              <a:buNone/>
+            </a:pPr>
+            <a:r>
+              <a:rPr lang="en-US" altLang="zh-CN" sz="2400" dirty="0"/>
+              <a:t>Invalid the mapping of the debug registers.</a:t>
+            </a:r>
+          </a:p>
+          <a:p>
+            <a:pPr marL="0" indent="0">
+              <a:buNone/>
+            </a:pPr>
+            <a:r>
+              <a:rPr lang="en-US" altLang="zh-CN" sz="2400" dirty="0"/>
+              <a:t>Invalid the mapping of S-2 translation table.</a:t>
             </a:r>
           </a:p>
           <a:p>
@@ -7131,69 +7166,13 @@
               <a:buNone/>
             </a:pPr>
             <a:endParaRPr lang="en-US" altLang="zh-CN" sz="2400" dirty="0"/>
-          </a:p>
-          <a:p>
-            <a:pPr marL="0" indent="0">
-              <a:buNone/>
-            </a:pPr>
-            <a:r>
-              <a:rPr lang="en-US" altLang="zh-CN" sz="2400" dirty="0"/>
-              <a:t>In kernel booting stages, creating the S-2 translation table.</a:t>
-            </a:r>
-          </a:p>
-          <a:p>
-            <a:pPr marL="0" indent="0">
-              <a:buNone/>
-            </a:pPr>
-            <a:r>
-              <a:rPr lang="en-US" altLang="zh-CN" sz="2400" dirty="0"/>
-              <a:t>And configure related registers.</a:t>
-            </a:r>
-          </a:p>
-          <a:p>
-            <a:pPr marL="0" indent="0">
-              <a:buNone/>
-            </a:pPr>
-            <a:endParaRPr lang="en-US" altLang="zh-CN" sz="2400" dirty="0"/>
-          </a:p>
-          <a:p>
-            <a:pPr marL="0" indent="0">
-              <a:buNone/>
-            </a:pPr>
-            <a:r>
-              <a:rPr lang="en-US" altLang="zh-CN" sz="2400" dirty="0"/>
-              <a:t>Replace the kernel image and compiled device tree files (.</a:t>
-            </a:r>
-            <a:r>
-              <a:rPr lang="en-US" altLang="zh-CN" sz="2400" dirty="0" err="1"/>
-              <a:t>dtb</a:t>
-            </a:r>
-            <a:r>
-              <a:rPr lang="en-US" altLang="zh-CN" sz="2400" dirty="0"/>
-              <a:t>) in “/boot” directory.</a:t>
-            </a:r>
-          </a:p>
-          <a:p>
-            <a:pPr marL="0" indent="0">
-              <a:buNone/>
-            </a:pPr>
-            <a:endParaRPr lang="en-US" altLang="zh-CN" sz="2400" dirty="0"/>
-          </a:p>
-          <a:p>
-            <a:pPr marL="0" indent="0">
-              <a:buNone/>
-            </a:pPr>
-            <a:r>
-              <a:rPr lang="en-US" altLang="zh-CN" sz="2400" dirty="0"/>
-              <a:t>Boot your Raspberry Pi.</a:t>
-            </a:r>
           </a:p>
         </p:txBody>
       </p:sp>
     </p:spTree>
     <p:extLst>
       <p:ext uri="{BB962C8B-B14F-4D97-AF65-F5344CB8AC3E}">
-        <p14:creationId xmlns:p14="http://schemas.microsoft.com/office/powerpoint/2010/main" val="3276527650"/>
+        <p14:creationId xmlns:p14="http://schemas.microsoft.com/office/powerpoint/2010/main" val="682128566"/>
       </p:ext>
     </p:extLst>
   </p:cSld>
@@ -7248,7 +7227,7 @@
           <a:p>
             <a:r>
               <a:rPr lang="en-US" altLang="zh-CN" dirty="0"/>
-              <a:t>Design: Invalidate Mapping </a:t>
+              <a:t>Design: Enable Stage-2 translation</a:t>
             </a:r>
             <a:endParaRPr lang="zh-CN" altLang="en-US" dirty="0"/>
           </a:p>
@@ -7287,8 +7266,14 @@
             </a:pPr>
             <a:r>
               <a:rPr lang="en-US" altLang="zh-CN" sz="2400" dirty="0"/>
-              <a:t>The mapped memory of the debug registers is 0x4003_0000 ~ 0x4003_0FFF.</a:t>
-            </a:r>
+              <a:t>Modified the device tree files to reserve a memory for the table.</a:t>
+            </a:r>
+          </a:p>
+          <a:p>
+            <a:pPr marL="0" indent="0">
+              <a:buNone/>
+            </a:pPr>
+            <a:endParaRPr lang="en-US" altLang="zh-CN" sz="2400" dirty="0"/>
           </a:p>
           <a:p>
             <a:pPr marL="0" indent="0">
@@ -7296,7 +7281,16 @@
             </a:pPr>
             <a:r>
               <a:rPr lang="en-US" altLang="zh-CN" sz="2400" dirty="0"/>
-              <a:t>It is a 4KB region, you should split your table to 4KB-size granule.</a:t>
+              <a:t>In kernel booting stages, creating the S-2 translation table.</a:t>
+            </a:r>
+          </a:p>
+          <a:p>
+            <a:pPr marL="0" indent="0">
+              <a:buNone/>
+            </a:pPr>
+            <a:r>
+              <a:rPr lang="en-US" altLang="zh-CN" sz="2400" dirty="0"/>
+              <a:t>And configure related registers.</a:t>
             </a:r>
           </a:p>
           <a:p>
@@ -7311,16 +7305,30 @@
             </a:pPr>
             <a:r>
               <a:rPr lang="en-US" altLang="zh-CN" sz="2400" dirty="0"/>
-              <a:t>Also, do not forget to invalidate the mapping of your table.</a:t>
-            </a:r>
-          </a:p>
-          <a:p>
-            <a:pPr marL="0" indent="0">
-              <a:buNone/>
-            </a:pPr>
+              <a:t>Replace the kernel image and compiled device tree files (.</a:t>
+            </a:r>
+            <a:r>
+              <a:rPr lang="en-US" altLang="zh-CN" sz="2400" dirty="0" err="1"/>
+              <a:t>dtb</a:t>
+            </a:r>
             <a:r>
               <a:rPr lang="en-US" altLang="zh-CN" sz="2400" dirty="0"/>
-              <a:t>It just affect the EL1 attacker to read it, but not affect the EL2.</a:t>
+              <a:t>) in “/boot” directory.</a:t>
+            </a:r>
+          </a:p>
+          <a:p>
+            <a:pPr marL="0" indent="0">
+              <a:buNone/>
+            </a:pPr>
+            <a:endParaRPr lang="en-US" altLang="zh-CN" sz="2400" dirty="0"/>
+          </a:p>
+          <a:p>
+            <a:pPr marL="0" indent="0">
+              <a:buNone/>
+            </a:pPr>
+            <a:r>
+              <a:rPr lang="en-US" altLang="zh-CN" sz="2400" dirty="0"/>
+              <a:t>Boot your Raspberry Pi.</a:t>
             </a:r>
           </a:p>
         </p:txBody>
@@ -7328,7 +7336,7 @@
     </p:spTree>
     <p:extLst>
       <p:ext uri="{BB962C8B-B14F-4D97-AF65-F5344CB8AC3E}">
-        <p14:creationId xmlns:p14="http://schemas.microsoft.com/office/powerpoint/2010/main" val="12284070"/>
+        <p14:creationId xmlns:p14="http://schemas.microsoft.com/office/powerpoint/2010/main" val="3276527650"/>
       </p:ext>
     </p:extLst>
   </p:cSld>
@@ -7383,7 +7391,7 @@
           <a:p>
             <a:r>
               <a:rPr lang="en-US" altLang="zh-CN" dirty="0"/>
-              <a:t>Design: Example</a:t>
+              <a:t>Design: Invalidate Mapping </a:t>
             </a:r>
             <a:endParaRPr lang="zh-CN" altLang="en-US" dirty="0"/>
           </a:p>
@@ -7408,7 +7416,7 @@
         <p:spPr>
           <a:xfrm>
             <a:off x="838200" y="1285461"/>
-            <a:ext cx="10515600" cy="5207414"/>
+            <a:ext cx="10515600" cy="4891502"/>
           </a:xfrm>
         </p:spPr>
         <p:txBody>
@@ -7422,15 +7430,16 @@
             </a:pPr>
             <a:r>
               <a:rPr lang="en-US" altLang="zh-CN" sz="2400" dirty="0"/>
-              <a:t>Here is one example of the table layout in 0x0 ~ 0xFFFF_FFFF (only invalid </a:t>
-            </a:r>
-            <a:r>
-              <a:rPr lang="en-US" altLang="zh-CN" sz="2400" dirty="0" err="1"/>
-              <a:t>dbg</a:t>
-            </a:r>
+              <a:t>The mapped memory of the debug registers is 0x4003_0000 ~ 0x4003_0FFF.</a:t>
+            </a:r>
+          </a:p>
+          <a:p>
+            <a:pPr marL="0" indent="0">
+              <a:buNone/>
+            </a:pPr>
             <a:r>
               <a:rPr lang="en-US" altLang="zh-CN" sz="2400" dirty="0"/>
-              <a:t>)</a:t>
+              <a:t>It is a 4KB region, you should split your table to 4KB-size granule.</a:t>
             </a:r>
           </a:p>
           <a:p>
@@ -7439,84 +7448,30 @@
             </a:pPr>
             <a:endParaRPr lang="en-US" altLang="zh-CN" sz="2400" dirty="0"/>
           </a:p>
-        </p:txBody>
-      </p:sp>
-      <p:pic>
-        <p:nvPicPr>
-          <p:cNvPr id="5" name="图片 4" descr="文本&#10;&#10;描述已自动生成">
-            <a:extLst>
-              <a:ext uri="{FF2B5EF4-FFF2-40B4-BE49-F238E27FC236}">
-                <a16:creationId xmlns:a16="http://schemas.microsoft.com/office/drawing/2014/main" id="{3AEB7FCF-5BC1-454D-864E-289D88D227B1}"/>
-              </a:ext>
-            </a:extLst>
-          </p:cNvPr>
-          <p:cNvPicPr>
-            <a:picLocks noChangeAspect="1"/>
-          </p:cNvPicPr>
-          <p:nvPr/>
-        </p:nvPicPr>
-        <p:blipFill>
-          <a:blip r:embed="rId2">
-            <a:extLst>
-              <a:ext uri="{28A0092B-C50C-407E-A947-70E740481C1C}">
-                <a14:useLocalDpi xmlns:a14="http://schemas.microsoft.com/office/drawing/2010/main" val="0"/>
-              </a:ext>
-            </a:extLst>
-          </a:blip>
-          <a:stretch>
-            <a:fillRect/>
-          </a:stretch>
-        </p:blipFill>
-        <p:spPr>
-          <a:xfrm>
-            <a:off x="838200" y="2000050"/>
-            <a:ext cx="4985202" cy="3795839"/>
-          </a:xfrm>
-          <a:prstGeom prst="rect">
-            <a:avLst/>
-          </a:prstGeom>
-        </p:spPr>
-      </p:pic>
-      <p:pic>
-        <p:nvPicPr>
-          <p:cNvPr id="7" name="图片 6" descr="文本&#10;&#10;描述已自动生成">
-            <a:extLst>
-              <a:ext uri="{FF2B5EF4-FFF2-40B4-BE49-F238E27FC236}">
-                <a16:creationId xmlns:a16="http://schemas.microsoft.com/office/drawing/2014/main" id="{26040E32-8E3B-41EB-8DBF-12F5BCDFAB6B}"/>
-              </a:ext>
-            </a:extLst>
-          </p:cNvPr>
-          <p:cNvPicPr>
-            <a:picLocks noChangeAspect="1"/>
-          </p:cNvPicPr>
-          <p:nvPr/>
-        </p:nvPicPr>
-        <p:blipFill>
-          <a:blip r:embed="rId3">
-            <a:extLst>
-              <a:ext uri="{28A0092B-C50C-407E-A947-70E740481C1C}">
-                <a14:useLocalDpi xmlns:a14="http://schemas.microsoft.com/office/drawing/2010/main" val="0"/>
-              </a:ext>
-            </a:extLst>
-          </a:blip>
-          <a:stretch>
-            <a:fillRect/>
-          </a:stretch>
-        </p:blipFill>
-        <p:spPr>
-          <a:xfrm>
-            <a:off x="6649041" y="2000050"/>
-            <a:ext cx="5018603" cy="3064319"/>
-          </a:xfrm>
-          <a:prstGeom prst="rect">
-            <a:avLst/>
-          </a:prstGeom>
-        </p:spPr>
-      </p:pic>
+          <a:p>
+            <a:pPr marL="0" indent="0">
+              <a:buNone/>
+            </a:pPr>
+            <a:r>
+              <a:rPr lang="en-US" altLang="zh-CN" sz="2400" dirty="0"/>
+              <a:t>Also, do not forget to invalidate the mapping of your table.</a:t>
+            </a:r>
+          </a:p>
+          <a:p>
+            <a:pPr marL="0" indent="0">
+              <a:buNone/>
+            </a:pPr>
+            <a:r>
+              <a:rPr lang="en-US" altLang="zh-CN" sz="2400" dirty="0"/>
+              <a:t>It just affect the EL1 attacker to read it, but not affect the EL2.</a:t>
+            </a:r>
+          </a:p>
+        </p:txBody>
+      </p:sp>
     </p:spTree>
     <p:extLst>
       <p:ext uri="{BB962C8B-B14F-4D97-AF65-F5344CB8AC3E}">
-        <p14:creationId xmlns:p14="http://schemas.microsoft.com/office/powerpoint/2010/main" val="2399524571"/>
+        <p14:creationId xmlns:p14="http://schemas.microsoft.com/office/powerpoint/2010/main" val="12284070"/>
       </p:ext>
     </p:extLst>
   </p:cSld>
@@ -7571,7 +7526,7 @@
           <a:p>
             <a:r>
               <a:rPr lang="en-US" altLang="zh-CN" dirty="0"/>
-              <a:t>Design: Example Translation Table Walk</a:t>
+              <a:t>Design: Example</a:t>
             </a:r>
             <a:endParaRPr lang="zh-CN" altLang="en-US" dirty="0"/>
           </a:p>
@@ -7610,16 +7565,15 @@
             </a:pPr>
             <a:r>
               <a:rPr lang="en-US" altLang="zh-CN" sz="2400" dirty="0"/>
-              <a:t>Here we give an example of a successful address translation.</a:t>
-            </a:r>
-          </a:p>
-          <a:p>
-            <a:pPr marL="0" indent="0">
-              <a:buNone/>
-            </a:pPr>
+              <a:t>Here is one example of the table layout in 0x0 ~ 0xFFFF_FFFF (only invalid </a:t>
+            </a:r>
+            <a:r>
+              <a:rPr lang="en-US" altLang="zh-CN" sz="2400" dirty="0" err="1"/>
+              <a:t>dbg</a:t>
+            </a:r>
             <a:r>
               <a:rPr lang="en-US" altLang="zh-CN" sz="2400" dirty="0"/>
-              <a:t>You can see the whole translation process in K7-8498.</a:t>
+              <a:t>)</a:t>
             </a:r>
           </a:p>
           <a:p>
@@ -7627,42 +7581,15 @@
               <a:buNone/>
             </a:pPr>
             <a:endParaRPr lang="en-US" altLang="zh-CN" sz="2400" dirty="0"/>
-          </a:p>
-          <a:p>
-            <a:pPr marL="0" indent="0">
-              <a:buNone/>
-            </a:pPr>
-            <a:r>
-              <a:rPr lang="en-US" altLang="zh-CN" sz="2400" dirty="0"/>
-              <a:t>We recommend you to configure these bits of VTCR registers</a:t>
-            </a:r>
-          </a:p>
-          <a:p>
-            <a:pPr marL="0" indent="0">
-              <a:buNone/>
-            </a:pPr>
-            <a:r>
-              <a:rPr lang="en-US" altLang="zh-CN" sz="2000" dirty="0"/>
-              <a:t>SL0[7:6]: 0x1 (Starting at Level 1)</a:t>
-            </a:r>
-          </a:p>
-          <a:p>
-            <a:pPr marL="0" indent="0">
-              <a:buNone/>
-            </a:pPr>
-            <a:r>
-              <a:rPr lang="en-US" altLang="zh-CN" sz="2000" dirty="0"/>
-              <a:t>T0SZ[3:0]: 0x0 (Indicating the PA size is 2^32-1)</a:t>
-            </a:r>
           </a:p>
         </p:txBody>
       </p:sp>
       <p:pic>
         <p:nvPicPr>
-          <p:cNvPr id="11" name="图片 10" descr="图片包含 文本&#10;&#10;描述已自动生成">
-            <a:extLst>
-              <a:ext uri="{FF2B5EF4-FFF2-40B4-BE49-F238E27FC236}">
-                <a16:creationId xmlns:a16="http://schemas.microsoft.com/office/drawing/2014/main" id="{31A0BA21-74A2-41DA-9134-6D43C40EF072}"/>
+          <p:cNvPr id="5" name="图片 4" descr="文本&#10;&#10;描述已自动生成">
+            <a:extLst>
+              <a:ext uri="{FF2B5EF4-FFF2-40B4-BE49-F238E27FC236}">
+                <a16:creationId xmlns:a16="http://schemas.microsoft.com/office/drawing/2014/main" id="{3AEB7FCF-5BC1-454D-864E-289D88D227B1}"/>
               </a:ext>
             </a:extLst>
           </p:cNvPr>
@@ -7685,8 +7612,8 @@
         </p:blipFill>
         <p:spPr>
           <a:xfrm>
-            <a:off x="838200" y="5321304"/>
-            <a:ext cx="8729630" cy="1171571"/>
+            <a:off x="838200" y="2000050"/>
+            <a:ext cx="4985202" cy="3795839"/>
           </a:xfrm>
           <a:prstGeom prst="rect">
             <a:avLst/>
@@ -7695,10 +7622,10 @@
       </p:pic>
       <p:pic>
         <p:nvPicPr>
-          <p:cNvPr id="13" name="图片 12" descr="图形用户界面, 文本&#10;&#10;描述已自动生成">
-            <a:extLst>
-              <a:ext uri="{FF2B5EF4-FFF2-40B4-BE49-F238E27FC236}">
-                <a16:creationId xmlns:a16="http://schemas.microsoft.com/office/drawing/2014/main" id="{8B0EFEAE-E628-4B0D-AE70-9BEBA01A7AF7}"/>
+          <p:cNvPr id="7" name="图片 6" descr="文本&#10;&#10;描述已自动生成">
+            <a:extLst>
+              <a:ext uri="{FF2B5EF4-FFF2-40B4-BE49-F238E27FC236}">
+                <a16:creationId xmlns:a16="http://schemas.microsoft.com/office/drawing/2014/main" id="{26040E32-8E3B-41EB-8DBF-12F5BCDFAB6B}"/>
               </a:ext>
             </a:extLst>
           </p:cNvPr>
@@ -7721,8 +7648,8 @@
         </p:blipFill>
         <p:spPr>
           <a:xfrm>
-            <a:off x="838200" y="3889168"/>
-            <a:ext cx="6063724" cy="1432136"/>
+            <a:off x="6649041" y="2000050"/>
+            <a:ext cx="5018603" cy="3064319"/>
           </a:xfrm>
           <a:prstGeom prst="rect">
             <a:avLst/>
@@ -7732,7 +7659,7 @@
     </p:spTree>
     <p:extLst>
       <p:ext uri="{BB962C8B-B14F-4D97-AF65-F5344CB8AC3E}">
-        <p14:creationId xmlns:p14="http://schemas.microsoft.com/office/powerpoint/2010/main" val="914601933"/>
+        <p14:creationId xmlns:p14="http://schemas.microsoft.com/office/powerpoint/2010/main" val="2399524571"/>
       </p:ext>
     </p:extLst>
   </p:cSld>
@@ -7826,7 +7753,7 @@
             </a:pPr>
             <a:r>
               <a:rPr lang="en-US" altLang="zh-CN" sz="2400" dirty="0"/>
-              <a:t>When we translate the IPA 0x4003_1234, starting at Level 1.</a:t>
+              <a:t>Here we give an example of a successful address translation.</a:t>
             </a:r>
           </a:p>
           <a:p>
@@ -7835,8 +7762,14 @@
             </a:pPr>
             <a:r>
               <a:rPr lang="en-US" altLang="zh-CN" sz="2400" dirty="0"/>
-              <a:t>(1) We do Level 0 translation, and VTTBR tells us to go to area 0.</a:t>
-            </a:r>
+              <a:t>You can see the whole translation process in K7-8498.</a:t>
+            </a:r>
+          </a:p>
+          <a:p>
+            <a:pPr marL="0" indent="0">
+              <a:buNone/>
+            </a:pPr>
+            <a:endParaRPr lang="en-US" altLang="zh-CN" sz="2400" dirty="0"/>
           </a:p>
           <a:p>
             <a:pPr marL="0" indent="0">
@@ -7844,17 +7777,35 @@
             </a:pPr>
             <a:r>
               <a:rPr lang="en-US" altLang="zh-CN" sz="2400" dirty="0"/>
-              <a:t>(2) We go to area 0 and get the descriptor of 0x4000_0000 ~ 0x7FFF_FFFF</a:t>
+              <a:t>We recommend you configure these bits of VTCR registers</a:t>
+            </a:r>
+          </a:p>
+          <a:p>
+            <a:pPr marL="0" indent="0">
+              <a:buNone/>
+            </a:pPr>
+            <a:r>
+              <a:rPr lang="en-US" altLang="zh-CN" sz="2000" dirty="0"/>
+              <a:t>SL0[7:6]: 0x1 (Starting at Level 1)</a:t>
+            </a:r>
+          </a:p>
+          <a:p>
+            <a:pPr marL="0" indent="0">
+              <a:buNone/>
+            </a:pPr>
+            <a:r>
+              <a:rPr lang="en-US" altLang="zh-CN" sz="2000" dirty="0"/>
+              <a:t>T0SZ[3:0]: 0x0 (Indicating the PA size is 2^32-1)</a:t>
             </a:r>
           </a:p>
         </p:txBody>
       </p:sp>
       <p:pic>
         <p:nvPicPr>
-          <p:cNvPr id="6" name="图片 5" descr="图示&#10;&#10;中度可信度描述已自动生成">
-            <a:extLst>
-              <a:ext uri="{FF2B5EF4-FFF2-40B4-BE49-F238E27FC236}">
-                <a16:creationId xmlns:a16="http://schemas.microsoft.com/office/drawing/2014/main" id="{54227612-86CB-4FF6-818E-C2FBD1EBC24B}"/>
+          <p:cNvPr id="11" name="图片 10" descr="图片包含 文本&#10;&#10;描述已自动生成">
+            <a:extLst>
+              <a:ext uri="{FF2B5EF4-FFF2-40B4-BE49-F238E27FC236}">
+                <a16:creationId xmlns:a16="http://schemas.microsoft.com/office/drawing/2014/main" id="{31A0BA21-74A2-41DA-9134-6D43C40EF072}"/>
               </a:ext>
             </a:extLst>
           </p:cNvPr>
@@ -7877,58 +7828,54 @@
         </p:blipFill>
         <p:spPr>
           <a:xfrm>
-            <a:off x="838200" y="2812435"/>
-            <a:ext cx="10172256" cy="3546162"/>
+            <a:off x="838200" y="5321304"/>
+            <a:ext cx="8729630" cy="1171571"/>
           </a:xfrm>
           <a:prstGeom prst="rect">
             <a:avLst/>
           </a:prstGeom>
         </p:spPr>
       </p:pic>
-      <p:sp>
-        <p:nvSpPr>
-          <p:cNvPr id="8" name="文本框 7">
-            <a:extLst>
-              <a:ext uri="{FF2B5EF4-FFF2-40B4-BE49-F238E27FC236}">
-                <a16:creationId xmlns:a16="http://schemas.microsoft.com/office/drawing/2014/main" id="{9FA3FC39-7E05-4D8B-86EA-3F210A0FE251}"/>
-              </a:ext>
-            </a:extLst>
-          </p:cNvPr>
-          <p:cNvSpPr txBox="1"/>
+      <p:pic>
+        <p:nvPicPr>
+          <p:cNvPr id="13" name="图片 12" descr="图形用户界面, 文本&#10;&#10;描述已自动生成">
+            <a:extLst>
+              <a:ext uri="{FF2B5EF4-FFF2-40B4-BE49-F238E27FC236}">
+                <a16:creationId xmlns:a16="http://schemas.microsoft.com/office/drawing/2014/main" id="{8B0EFEAE-E628-4B0D-AE70-9BEBA01A7AF7}"/>
+              </a:ext>
+            </a:extLst>
+          </p:cNvPr>
+          <p:cNvPicPr>
+            <a:picLocks noChangeAspect="1"/>
+          </p:cNvPicPr>
           <p:nvPr/>
-        </p:nvSpPr>
-        <p:spPr>
-          <a:xfrm>
-            <a:off x="397565" y="6386154"/>
-            <a:ext cx="10389704" cy="369332"/>
+        </p:nvPicPr>
+        <p:blipFill>
+          <a:blip r:embed="rId3">
+            <a:extLst>
+              <a:ext uri="{28A0092B-C50C-407E-A947-70E740481C1C}">
+                <a14:useLocalDpi xmlns:a14="http://schemas.microsoft.com/office/drawing/2010/main" val="0"/>
+              </a:ext>
+            </a:extLst>
+          </a:blip>
+          <a:stretch>
+            <a:fillRect/>
+          </a:stretch>
+        </p:blipFill>
+        <p:spPr>
+          <a:xfrm>
+            <a:off x="838200" y="3889168"/>
+            <a:ext cx="6063724" cy="1432136"/>
           </a:xfrm>
           <a:prstGeom prst="rect">
             <a:avLst/>
           </a:prstGeom>
-          <a:noFill/>
-        </p:spPr>
-        <p:txBody>
-          <a:bodyPr wrap="square" rtlCol="0">
-            <a:spAutoFit/>
-          </a:bodyPr>
-          <a:lstStyle/>
-          <a:p>
-            <a:r>
-              <a:rPr lang="zh-CN" altLang="en-US" dirty="0"/>
-              <a:t>*</a:t>
-            </a:r>
-            <a:r>
-              <a:rPr lang="en-US" altLang="zh-CN" dirty="0"/>
-              <a:t>Source: K7-8498</a:t>
-            </a:r>
-            <a:endParaRPr lang="zh-CN" altLang="en-US" dirty="0"/>
-          </a:p>
-        </p:txBody>
-      </p:sp>
+        </p:spPr>
+      </p:pic>
     </p:spTree>
     <p:extLst>
       <p:ext uri="{BB962C8B-B14F-4D97-AF65-F5344CB8AC3E}">
-        <p14:creationId xmlns:p14="http://schemas.microsoft.com/office/powerpoint/2010/main" val="1031113059"/>
+        <p14:creationId xmlns:p14="http://schemas.microsoft.com/office/powerpoint/2010/main" val="914601933"/>
       </p:ext>
     </p:extLst>
   </p:cSld>
@@ -8031,7 +7978,7 @@
             </a:pPr>
             <a:r>
               <a:rPr lang="en-US" altLang="zh-CN" sz="2400" dirty="0"/>
-              <a:t>(3) We do Level 1 lookup of the descriptor 0x4000_0000 ~ 0x7FFF_FFFF, it is a table, and we should go to area2 to find the next descriptor.</a:t>
+              <a:t>(1) We do Level 0 translation, and VTTBR tells us to go to area 0.</a:t>
             </a:r>
           </a:p>
           <a:p>
@@ -8040,57 +7987,17 @@
             </a:pPr>
             <a:r>
               <a:rPr lang="en-US" altLang="zh-CN" sz="2400" dirty="0"/>
-              <a:t>(4) We go to area2 and get the descriptor of 0x4000_0000 ~ 0x401F_FFFF</a:t>
-            </a:r>
-          </a:p>
-        </p:txBody>
-      </p:sp>
-      <p:sp>
-        <p:nvSpPr>
-          <p:cNvPr id="8" name="文本框 7">
-            <a:extLst>
-              <a:ext uri="{FF2B5EF4-FFF2-40B4-BE49-F238E27FC236}">
-                <a16:creationId xmlns:a16="http://schemas.microsoft.com/office/drawing/2014/main" id="{9FA3FC39-7E05-4D8B-86EA-3F210A0FE251}"/>
-              </a:ext>
-            </a:extLst>
-          </p:cNvPr>
-          <p:cNvSpPr txBox="1"/>
-          <p:nvPr/>
-        </p:nvSpPr>
-        <p:spPr>
-          <a:xfrm>
-            <a:off x="397565" y="6386154"/>
-            <a:ext cx="10389704" cy="369332"/>
-          </a:xfrm>
-          <a:prstGeom prst="rect">
-            <a:avLst/>
-          </a:prstGeom>
-          <a:noFill/>
-        </p:spPr>
-        <p:txBody>
-          <a:bodyPr wrap="square" rtlCol="0">
-            <a:spAutoFit/>
-          </a:bodyPr>
-          <a:lstStyle/>
-          <a:p>
-            <a:r>
-              <a:rPr lang="zh-CN" altLang="en-US" dirty="0"/>
-              <a:t>*</a:t>
-            </a:r>
-            <a:r>
-              <a:rPr lang="en-US" altLang="zh-CN" dirty="0"/>
-              <a:t>Source: K7-8498</a:t>
-            </a:r>
-            <a:endParaRPr lang="zh-CN" altLang="en-US" dirty="0"/>
+              <a:t>(2) We go to area 0 and get the descriptor of 0x4000_0000 ~ 0x7FFF_FFFF</a:t>
+            </a:r>
           </a:p>
         </p:txBody>
       </p:sp>
       <p:pic>
         <p:nvPicPr>
-          <p:cNvPr id="5" name="图片 4" descr="图示&#10;&#10;描述已自动生成">
-            <a:extLst>
-              <a:ext uri="{FF2B5EF4-FFF2-40B4-BE49-F238E27FC236}">
-                <a16:creationId xmlns:a16="http://schemas.microsoft.com/office/drawing/2014/main" id="{70632CC3-FC55-4B2C-9EFB-96B442A5B0F9}"/>
+          <p:cNvPr id="6" name="图片 5" descr="图示&#10;&#10;中度可信度描述已自动生成">
+            <a:extLst>
+              <a:ext uri="{FF2B5EF4-FFF2-40B4-BE49-F238E27FC236}">
+                <a16:creationId xmlns:a16="http://schemas.microsoft.com/office/drawing/2014/main" id="{54227612-86CB-4FF6-818E-C2FBD1EBC24B}"/>
               </a:ext>
             </a:extLst>
           </p:cNvPr>
@@ -8113,18 +8020,58 @@
         </p:blipFill>
         <p:spPr>
           <a:xfrm>
-            <a:off x="498150" y="2960118"/>
-            <a:ext cx="11010168" cy="3426036"/>
+            <a:off x="838200" y="2812435"/>
+            <a:ext cx="10172256" cy="3546162"/>
           </a:xfrm>
           <a:prstGeom prst="rect">
             <a:avLst/>
           </a:prstGeom>
         </p:spPr>
       </p:pic>
+      <p:sp>
+        <p:nvSpPr>
+          <p:cNvPr id="8" name="文本框 7">
+            <a:extLst>
+              <a:ext uri="{FF2B5EF4-FFF2-40B4-BE49-F238E27FC236}">
+                <a16:creationId xmlns:a16="http://schemas.microsoft.com/office/drawing/2014/main" id="{9FA3FC39-7E05-4D8B-86EA-3F210A0FE251}"/>
+              </a:ext>
+            </a:extLst>
+          </p:cNvPr>
+          <p:cNvSpPr txBox="1"/>
+          <p:nvPr/>
+        </p:nvSpPr>
+        <p:spPr>
+          <a:xfrm>
+            <a:off x="397565" y="6386154"/>
+            <a:ext cx="10389704" cy="369332"/>
+          </a:xfrm>
+          <a:prstGeom prst="rect">
+            <a:avLst/>
+          </a:prstGeom>
+          <a:noFill/>
+        </p:spPr>
+        <p:txBody>
+          <a:bodyPr wrap="square" rtlCol="0">
+            <a:spAutoFit/>
+          </a:bodyPr>
+          <a:lstStyle/>
+          <a:p>
+            <a:r>
+              <a:rPr lang="zh-CN" altLang="en-US" dirty="0"/>
+              <a:t>*</a:t>
+            </a:r>
+            <a:r>
+              <a:rPr lang="en-US" altLang="zh-CN" dirty="0"/>
+              <a:t>Source: K7-8498</a:t>
+            </a:r>
+            <a:endParaRPr lang="zh-CN" altLang="en-US" dirty="0"/>
+          </a:p>
+        </p:txBody>
+      </p:sp>
     </p:spTree>
     <p:extLst>
       <p:ext uri="{BB962C8B-B14F-4D97-AF65-F5344CB8AC3E}">
-        <p14:creationId xmlns:p14="http://schemas.microsoft.com/office/powerpoint/2010/main" val="150595395"/>
+        <p14:creationId xmlns:p14="http://schemas.microsoft.com/office/powerpoint/2010/main" val="1031113059"/>
       </p:ext>
     </p:extLst>
   </p:cSld>
@@ -8251,7 +8198,7 @@
             </a:r>
             <a:r>
               <a:rPr lang="en-US" altLang="zh-CN" dirty="0"/>
-              <a:t> the privilege of TARGET processor by sending instructions (e.g. dcps3) via </a:t>
+              <a:t> the privilege of TARGET processor by sending instructions (e.g., dcps3) via </a:t>
             </a:r>
             <a:r>
               <a:rPr lang="en-US" altLang="zh-CN" dirty="0">
@@ -8386,7 +8333,7 @@
             </a:pPr>
             <a:r>
               <a:rPr lang="en-US" altLang="zh-CN" sz="2400" dirty="0"/>
-              <a:t>(5) We do Level 2 lookup of the descriptor 0x4000_0000 ~ 0x401F_FFFF, it is a table, and we should go to area3 to find the next descriptor.</a:t>
+              <a:t>(3) We do Level 1 lookup of the descriptor 0x4000_0000 ~ 0x7FFF_FFFF, it is a table, and we should go to area2 to find the next descriptor.</a:t>
             </a:r>
           </a:p>
           <a:p>
@@ -8395,7 +8342,7 @@
             </a:pPr>
             <a:r>
               <a:rPr lang="en-US" altLang="zh-CN" sz="2400" dirty="0"/>
-              <a:t>(6) We go to area3 and get the descriptor of 0x4003_0000 ~ 0x4003_0FFF</a:t>
+              <a:t>(4) We go to area2 and get the descriptor of 0x4000_0000 ~ 0x401F_FFFF</a:t>
             </a:r>
           </a:p>
         </p:txBody>
@@ -8442,10 +8389,10 @@
       </p:sp>
       <p:pic>
         <p:nvPicPr>
-          <p:cNvPr id="6" name="图片 5" descr="图片包含 图示&#10;&#10;描述已自动生成">
-            <a:extLst>
-              <a:ext uri="{FF2B5EF4-FFF2-40B4-BE49-F238E27FC236}">
-                <a16:creationId xmlns:a16="http://schemas.microsoft.com/office/drawing/2014/main" id="{1F9F05D9-26C4-4F88-AA49-1871DF4662F3}"/>
+          <p:cNvPr id="5" name="图片 4" descr="图示&#10;&#10;描述已自动生成">
+            <a:extLst>
+              <a:ext uri="{FF2B5EF4-FFF2-40B4-BE49-F238E27FC236}">
+                <a16:creationId xmlns:a16="http://schemas.microsoft.com/office/drawing/2014/main" id="{70632CC3-FC55-4B2C-9EFB-96B442A5B0F9}"/>
               </a:ext>
             </a:extLst>
           </p:cNvPr>
@@ -8468,8 +8415,8 @@
         </p:blipFill>
         <p:spPr>
           <a:xfrm>
-            <a:off x="838199" y="2955208"/>
-            <a:ext cx="10195605" cy="3430946"/>
+            <a:off x="498150" y="2960118"/>
+            <a:ext cx="11010168" cy="3426036"/>
           </a:xfrm>
           <a:prstGeom prst="rect">
             <a:avLst/>
@@ -8479,7 +8426,7 @@
     </p:spTree>
     <p:extLst>
       <p:ext uri="{BB962C8B-B14F-4D97-AF65-F5344CB8AC3E}">
-        <p14:creationId xmlns:p14="http://schemas.microsoft.com/office/powerpoint/2010/main" val="4183097644"/>
+        <p14:creationId xmlns:p14="http://schemas.microsoft.com/office/powerpoint/2010/main" val="150595395"/>
       </p:ext>
     </p:extLst>
   </p:cSld>
@@ -8582,7 +8529,7 @@
             </a:pPr>
             <a:r>
               <a:rPr lang="en-US" altLang="zh-CN" sz="2400" dirty="0"/>
-              <a:t>(7) We do Level 3 lookup of the descriptor 0x4003_0000 ~ 0x4003_0FFF, it is a page.</a:t>
+              <a:t>(5) We do Level 2 lookup of the descriptor 0x4000_0000 ~ 0x401F_FFFF, it is a table, and we should go to area3 to find the next descriptor.</a:t>
             </a:r>
           </a:p>
           <a:p>
@@ -8591,7 +8538,7 @@
             </a:pPr>
             <a:r>
               <a:rPr lang="en-US" altLang="zh-CN" sz="2400" dirty="0"/>
-              <a:t>(8) Our translation result is (OA[39:12]&lt;&lt;12)+0x123</a:t>
+              <a:t>(6) We go to area3 and get the descriptor of 0x4003_0000 ~ 0x4003_0FFF</a:t>
             </a:r>
           </a:p>
         </p:txBody>
@@ -8638,10 +8585,10 @@
       </p:sp>
       <p:pic>
         <p:nvPicPr>
-          <p:cNvPr id="5" name="图片 4" descr="社交网络的手机截图&#10;&#10;中度可信度描述已自动生成">
-            <a:extLst>
-              <a:ext uri="{FF2B5EF4-FFF2-40B4-BE49-F238E27FC236}">
-                <a16:creationId xmlns:a16="http://schemas.microsoft.com/office/drawing/2014/main" id="{CE13CFA2-92B3-41FC-A06D-7F0B3BBFCEEC}"/>
+          <p:cNvPr id="6" name="图片 5" descr="图片包含 图示&#10;&#10;描述已自动生成">
+            <a:extLst>
+              <a:ext uri="{FF2B5EF4-FFF2-40B4-BE49-F238E27FC236}">
+                <a16:creationId xmlns:a16="http://schemas.microsoft.com/office/drawing/2014/main" id="{1F9F05D9-26C4-4F88-AA49-1871DF4662F3}"/>
               </a:ext>
             </a:extLst>
           </p:cNvPr>
@@ -8664,8 +8611,8 @@
         </p:blipFill>
         <p:spPr>
           <a:xfrm>
-            <a:off x="529373" y="3467814"/>
-            <a:ext cx="11133254" cy="2474057"/>
+            <a:off x="838199" y="2955208"/>
+            <a:ext cx="10195605" cy="3430946"/>
           </a:xfrm>
           <a:prstGeom prst="rect">
             <a:avLst/>
@@ -8675,7 +8622,7 @@
     </p:spTree>
     <p:extLst>
       <p:ext uri="{BB962C8B-B14F-4D97-AF65-F5344CB8AC3E}">
-        <p14:creationId xmlns:p14="http://schemas.microsoft.com/office/powerpoint/2010/main" val="2784295713"/>
+        <p14:creationId xmlns:p14="http://schemas.microsoft.com/office/powerpoint/2010/main" val="4183097644"/>
       </p:ext>
     </p:extLst>
   </p:cSld>
@@ -8707,7 +8654,7 @@
           <p:cNvPr id="2" name="标题 1">
             <a:extLst>
               <a:ext uri="{FF2B5EF4-FFF2-40B4-BE49-F238E27FC236}">
-                <a16:creationId xmlns:a16="http://schemas.microsoft.com/office/drawing/2014/main" id="{33863609-18E9-4020-8712-92286D1B052C}"/>
+                <a16:creationId xmlns:a16="http://schemas.microsoft.com/office/drawing/2014/main" id="{C8E4CC26-1034-4229-BFFF-91B82B8841DF}"/>
               </a:ext>
             </a:extLst>
           </p:cNvPr>
@@ -8720,8 +8667,42 @@
         </p:nvSpPr>
         <p:spPr>
           <a:xfrm>
-            <a:off x="838200" y="2766218"/>
-            <a:ext cx="10515600" cy="1325563"/>
+            <a:off x="838200" y="365125"/>
+            <a:ext cx="10515600" cy="734805"/>
+          </a:xfrm>
+        </p:spPr>
+        <p:txBody>
+          <a:bodyPr/>
+          <a:lstStyle/>
+          <a:p>
+            <a:r>
+              <a:rPr lang="en-US" altLang="zh-CN" dirty="0"/>
+              <a:t>Design: Example Translation Table Walk</a:t>
+            </a:r>
+            <a:endParaRPr lang="zh-CN" altLang="en-US" dirty="0"/>
+          </a:p>
+        </p:txBody>
+      </p:sp>
+      <p:sp>
+        <p:nvSpPr>
+          <p:cNvPr id="3" name="内容占位符 2">
+            <a:extLst>
+              <a:ext uri="{FF2B5EF4-FFF2-40B4-BE49-F238E27FC236}">
+                <a16:creationId xmlns:a16="http://schemas.microsoft.com/office/drawing/2014/main" id="{9A6FAEDA-4286-4CB3-9B77-49C42135920F}"/>
+              </a:ext>
+            </a:extLst>
+          </p:cNvPr>
+          <p:cNvSpPr>
+            <a:spLocks noGrp="1"/>
+          </p:cNvSpPr>
+          <p:nvPr>
+            <p:ph idx="1"/>
+          </p:nvPr>
+        </p:nvSpPr>
+        <p:spPr>
+          <a:xfrm>
+            <a:off x="838200" y="1285461"/>
+            <a:ext cx="10515600" cy="5207414"/>
           </a:xfrm>
         </p:spPr>
         <p:txBody>
@@ -8730,19 +8711,114 @@
           </a:bodyPr>
           <a:lstStyle/>
           <a:p>
-            <a:pPr algn="ctr"/>
-            <a:r>
-              <a:rPr lang="en-US" altLang="zh-CN" sz="6000"/>
-              <a:t>Possible Q&amp;A</a:t>
-            </a:r>
-            <a:endParaRPr lang="zh-CN" altLang="en-US" sz="6000" dirty="0"/>
-          </a:p>
-        </p:txBody>
-      </p:sp>
+            <a:pPr marL="0" indent="0">
+              <a:buNone/>
+            </a:pPr>
+            <a:r>
+              <a:rPr lang="en-US" altLang="zh-CN" sz="2400" dirty="0"/>
+              <a:t>When we translate the IPA 0x4003_1234, starting at Level 1.</a:t>
+            </a:r>
+          </a:p>
+          <a:p>
+            <a:pPr marL="0" indent="0">
+              <a:buNone/>
+            </a:pPr>
+            <a:r>
+              <a:rPr lang="en-US" altLang="zh-CN" sz="2400" dirty="0"/>
+              <a:t>(7) We do Level 3 lookup of the descriptor 0x4003_0000 ~ 0x4003_0FFF, it is a page.</a:t>
+            </a:r>
+          </a:p>
+          <a:p>
+            <a:pPr marL="0" indent="0">
+              <a:buNone/>
+            </a:pPr>
+            <a:r>
+              <a:rPr lang="en-US" altLang="zh-CN" sz="2400" dirty="0"/>
+              <a:t>(8) Our translation result is (OA[39:12]&lt;&lt;12)+0x123</a:t>
+            </a:r>
+          </a:p>
+        </p:txBody>
+      </p:sp>
+      <p:sp>
+        <p:nvSpPr>
+          <p:cNvPr id="8" name="文本框 7">
+            <a:extLst>
+              <a:ext uri="{FF2B5EF4-FFF2-40B4-BE49-F238E27FC236}">
+                <a16:creationId xmlns:a16="http://schemas.microsoft.com/office/drawing/2014/main" id="{9FA3FC39-7E05-4D8B-86EA-3F210A0FE251}"/>
+              </a:ext>
+            </a:extLst>
+          </p:cNvPr>
+          <p:cNvSpPr txBox="1"/>
+          <p:nvPr/>
+        </p:nvSpPr>
+        <p:spPr>
+          <a:xfrm>
+            <a:off x="397565" y="6386154"/>
+            <a:ext cx="10389704" cy="369332"/>
+          </a:xfrm>
+          <a:prstGeom prst="rect">
+            <a:avLst/>
+          </a:prstGeom>
+          <a:noFill/>
+        </p:spPr>
+        <p:txBody>
+          <a:bodyPr wrap="square" rtlCol="0">
+            <a:spAutoFit/>
+          </a:bodyPr>
+          <a:lstStyle/>
+          <a:p>
+            <a:r>
+              <a:rPr lang="zh-CN" altLang="en-US" dirty="0"/>
+              <a:t>*</a:t>
+            </a:r>
+            <a:r>
+              <a:rPr lang="en-US" altLang="zh-CN" dirty="0"/>
+              <a:t>Source: K7-8498</a:t>
+            </a:r>
+            <a:endParaRPr lang="zh-CN" altLang="en-US" dirty="0"/>
+          </a:p>
+        </p:txBody>
+      </p:sp>
+      <p:pic>
+        <p:nvPicPr>
+          <p:cNvPr id="5" name="图片 4" descr="社交网络的手机截图&#10;&#10;中度可信度描述已自动生成">
+            <a:extLst>
+              <a:ext uri="{FF2B5EF4-FFF2-40B4-BE49-F238E27FC236}">
+                <a16:creationId xmlns:a16="http://schemas.microsoft.com/office/drawing/2014/main" id="{CE13CFA2-92B3-41FC-A06D-7F0B3BBFCEEC}"/>
+              </a:ext>
+            </a:extLst>
+          </p:cNvPr>
+          <p:cNvPicPr>
+            <a:picLocks noChangeAspect="1"/>
+          </p:cNvPicPr>
+          <p:nvPr/>
+        </p:nvPicPr>
+        <p:blipFill>
+          <a:blip r:embed="rId2">
+            <a:extLst>
+              <a:ext uri="{28A0092B-C50C-407E-A947-70E740481C1C}">
+                <a14:useLocalDpi xmlns:a14="http://schemas.microsoft.com/office/drawing/2010/main" val="0"/>
+              </a:ext>
+            </a:extLst>
+          </a:blip>
+          <a:stretch>
+            <a:fillRect/>
+          </a:stretch>
+        </p:blipFill>
+        <p:spPr>
+          <a:xfrm>
+            <a:off x="529373" y="3467814"/>
+            <a:ext cx="11133254" cy="2474057"/>
+          </a:xfrm>
+          <a:prstGeom prst="rect">
+            <a:avLst/>
+          </a:prstGeom>
+        </p:spPr>
+      </p:pic>
     </p:spTree>
     <p:extLst>
       <p:ext uri="{BB962C8B-B14F-4D97-AF65-F5344CB8AC3E}">
-        <p14:creationId xmlns:p14="http://schemas.microsoft.com/office/powerpoint/2010/main" val="1720238183"/>
+        <p14:creationId xmlns:p14="http://schemas.microsoft.com/office/powerpoint/2010/main" val="2784295713"/>
       </p:ext>
     </p:extLst>
   </p:cSld>
@@ -8774,7 +8850,7 @@
           <p:cNvPr id="2" name="标题 1">
             <a:extLst>
               <a:ext uri="{FF2B5EF4-FFF2-40B4-BE49-F238E27FC236}">
-                <a16:creationId xmlns:a16="http://schemas.microsoft.com/office/drawing/2014/main" id="{C8E4CC26-1034-4229-BFFF-91B82B8841DF}"/>
+                <a16:creationId xmlns:a16="http://schemas.microsoft.com/office/drawing/2014/main" id="{33863609-18E9-4020-8712-92286D1B052C}"/>
               </a:ext>
             </a:extLst>
           </p:cNvPr>
@@ -8787,42 +8863,8 @@
         </p:nvSpPr>
         <p:spPr>
           <a:xfrm>
-            <a:off x="838200" y="365125"/>
-            <a:ext cx="10515600" cy="734805"/>
-          </a:xfrm>
-        </p:spPr>
-        <p:txBody>
-          <a:bodyPr/>
-          <a:lstStyle/>
-          <a:p>
-            <a:r>
-              <a:rPr lang="en-US" altLang="zh-CN" dirty="0"/>
-              <a:t>Possible Q&amp;A</a:t>
-            </a:r>
-            <a:endParaRPr lang="zh-CN" altLang="en-US" dirty="0"/>
-          </a:p>
-        </p:txBody>
-      </p:sp>
-      <p:sp>
-        <p:nvSpPr>
-          <p:cNvPr id="3" name="内容占位符 2">
-            <a:extLst>
-              <a:ext uri="{FF2B5EF4-FFF2-40B4-BE49-F238E27FC236}">
-                <a16:creationId xmlns:a16="http://schemas.microsoft.com/office/drawing/2014/main" id="{9A6FAEDA-4286-4CB3-9B77-49C42135920F}"/>
-              </a:ext>
-            </a:extLst>
-          </p:cNvPr>
-          <p:cNvSpPr>
-            <a:spLocks noGrp="1"/>
-          </p:cNvSpPr>
-          <p:nvPr>
-            <p:ph idx="1"/>
-          </p:nvPr>
-        </p:nvSpPr>
-        <p:spPr>
-          <a:xfrm>
-            <a:off x="838200" y="1285461"/>
-            <a:ext cx="10515600" cy="4891502"/>
+            <a:off x="838200" y="2766218"/>
+            <a:ext cx="10515600" cy="1325563"/>
           </a:xfrm>
         </p:spPr>
         <p:txBody>
@@ -8831,67 +8873,19 @@
           </a:bodyPr>
           <a:lstStyle/>
           <a:p>
-            <a:pPr marL="0" indent="0">
-              <a:buNone/>
-            </a:pPr>
-            <a:r>
-              <a:rPr lang="en-US" altLang="zh-CN" dirty="0"/>
-              <a:t>The system crashes when I load the </a:t>
-            </a:r>
-            <a:r>
-              <a:rPr lang="en-US" altLang="zh-CN" dirty="0" err="1"/>
-              <a:t>Nailgun</a:t>
-            </a:r>
-            <a:r>
-              <a:rPr lang="en-US" altLang="zh-CN" dirty="0"/>
-              <a:t> attack, why?</a:t>
-            </a:r>
-          </a:p>
-          <a:p>
-            <a:pPr marL="0" indent="0">
-              <a:buNone/>
-            </a:pPr>
-            <a:endParaRPr lang="en-US" altLang="zh-CN" dirty="0"/>
-          </a:p>
-          <a:p>
-            <a:pPr marL="0" indent="0">
-              <a:buNone/>
-            </a:pPr>
-            <a:r>
-              <a:rPr lang="en-US" altLang="zh-CN" dirty="0"/>
-              <a:t>When we access the invalid region, it will trigger a translation fault.</a:t>
-            </a:r>
-          </a:p>
-          <a:p>
-            <a:pPr marL="0" indent="0">
-              <a:buNone/>
-            </a:pPr>
-            <a:r>
-              <a:rPr lang="en-US" altLang="zh-CN" dirty="0"/>
-              <a:t>But we have not designed the corresponding exception handler.</a:t>
-            </a:r>
-          </a:p>
-          <a:p>
-            <a:pPr marL="0" indent="0">
-              <a:buNone/>
-            </a:pPr>
-            <a:endParaRPr lang="en-US" altLang="zh-CN" dirty="0"/>
-          </a:p>
-          <a:p>
-            <a:pPr marL="0" indent="0">
-              <a:buNone/>
-            </a:pPr>
-            <a:r>
-              <a:rPr lang="en-US" altLang="zh-CN" dirty="0"/>
-              <a:t>So the system cannot jump to the correct PC to exit the attack.</a:t>
-            </a:r>
+            <a:pPr algn="ctr"/>
+            <a:r>
+              <a:rPr lang="en-US" altLang="zh-CN" sz="6000"/>
+              <a:t>Possible Q&amp;A</a:t>
+            </a:r>
+            <a:endParaRPr lang="zh-CN" altLang="en-US" sz="6000" dirty="0"/>
           </a:p>
         </p:txBody>
       </p:sp>
     </p:spTree>
     <p:extLst>
       <p:ext uri="{BB962C8B-B14F-4D97-AF65-F5344CB8AC3E}">
-        <p14:creationId xmlns:p14="http://schemas.microsoft.com/office/powerpoint/2010/main" val="177044627"/>
+        <p14:creationId xmlns:p14="http://schemas.microsoft.com/office/powerpoint/2010/main" val="1720238183"/>
       </p:ext>
     </p:extLst>
   </p:cSld>
@@ -8985,52 +8979,54 @@
             </a:pPr>
             <a:r>
               <a:rPr lang="en-US" altLang="zh-CN" dirty="0"/>
-              <a:t>How about the cache and TLB attacks?</a:t>
-            </a:r>
-          </a:p>
-          <a:p>
-            <a:pPr marL="0" indent="0">
-              <a:buNone/>
-            </a:pPr>
-            <a:endParaRPr lang="en-US" altLang="zh-CN" sz="3200" dirty="0"/>
-          </a:p>
-          <a:p>
-            <a:pPr marL="0" indent="0">
-              <a:buNone/>
-            </a:pPr>
-            <a:r>
-              <a:rPr lang="en-US" altLang="zh-CN" dirty="0"/>
-              <a:t>Actually, this Lab have not considered these attacks.</a:t>
-            </a:r>
-          </a:p>
-          <a:p>
-            <a:pPr marL="0" indent="0">
-              <a:buNone/>
-            </a:pPr>
-            <a:r>
-              <a:rPr lang="en-US" altLang="zh-CN" dirty="0"/>
-              <a:t>You can call them as “</a:t>
-            </a:r>
-            <a:r>
-              <a:rPr lang="en-US" altLang="zh-CN" dirty="0">
-                <a:solidFill>
-                  <a:srgbClr val="FF0000"/>
-                </a:solidFill>
-              </a:rPr>
-              <a:t>side-channel attack</a:t>
-            </a:r>
-            <a:r>
-              <a:rPr lang="en-US" altLang="zh-CN" dirty="0"/>
-              <a:t>”, which is a popular topic.</a:t>
-            </a:r>
-          </a:p>
-          <a:p>
-            <a:pPr marL="0" indent="0">
-              <a:buNone/>
-            </a:pPr>
-            <a:r>
-              <a:rPr lang="en-US" altLang="zh-CN" dirty="0"/>
-              <a:t>We may extend the discussion in the future.</a:t>
+              <a:t>The system crashes when I load the </a:t>
+            </a:r>
+            <a:r>
+              <a:rPr lang="en-US" altLang="zh-CN" dirty="0" err="1"/>
+              <a:t>Nailgun</a:t>
+            </a:r>
+            <a:r>
+              <a:rPr lang="en-US" altLang="zh-CN" dirty="0"/>
+              <a:t> attack, why?</a:t>
+            </a:r>
+          </a:p>
+          <a:p>
+            <a:pPr marL="0" indent="0">
+              <a:buNone/>
+            </a:pPr>
+            <a:endParaRPr lang="en-US" altLang="zh-CN" dirty="0"/>
+          </a:p>
+          <a:p>
+            <a:pPr marL="0" indent="0">
+              <a:buNone/>
+            </a:pPr>
+            <a:r>
+              <a:rPr lang="en-US" altLang="zh-CN" dirty="0"/>
+              <a:t>When we access the invalid region, it will trigger a translation fault.</a:t>
+            </a:r>
+          </a:p>
+          <a:p>
+            <a:pPr marL="0" indent="0">
+              <a:buNone/>
+            </a:pPr>
+            <a:r>
+              <a:rPr lang="en-US" altLang="zh-CN" dirty="0"/>
+              <a:t>But we have not designed the corresponding exception handler.</a:t>
+            </a:r>
+          </a:p>
+          <a:p>
+            <a:pPr marL="0" indent="0">
+              <a:buNone/>
+            </a:pPr>
+            <a:endParaRPr lang="en-US" altLang="zh-CN" dirty="0"/>
+          </a:p>
+          <a:p>
+            <a:pPr marL="0" indent="0">
+              <a:buNone/>
+            </a:pPr>
+            <a:r>
+              <a:rPr lang="en-US" altLang="zh-CN" dirty="0"/>
+              <a:t>So the system cannot jump to the correct PC to exit the attack.</a:t>
             </a:r>
           </a:p>
         </p:txBody>
@@ -9038,7 +9034,7 @@
     </p:spTree>
     <p:extLst>
       <p:ext uri="{BB962C8B-B14F-4D97-AF65-F5344CB8AC3E}">
-        <p14:creationId xmlns:p14="http://schemas.microsoft.com/office/powerpoint/2010/main" val="3546755674"/>
+        <p14:creationId xmlns:p14="http://schemas.microsoft.com/office/powerpoint/2010/main" val="177044627"/>
       </p:ext>
     </p:extLst>
   </p:cSld>
@@ -9132,109 +9128,60 @@
             </a:pPr>
             <a:r>
               <a:rPr lang="en-US" altLang="zh-CN" dirty="0"/>
-              <a:t>How about peripheral attacks?</a:t>
-            </a:r>
-          </a:p>
-          <a:p>
-            <a:pPr marL="0" indent="0">
-              <a:buNone/>
-            </a:pPr>
-            <a:r>
-              <a:rPr lang="en-US" altLang="zh-CN" sz="2400" dirty="0"/>
-              <a:t>Attacker can use the peripherals, such as GPU and DMA, to bypass the MMU (Specifically, the MMU for CPU).</a:t>
-            </a:r>
-          </a:p>
-          <a:p>
-            <a:pPr marL="0" indent="0">
-              <a:buNone/>
-            </a:pPr>
-            <a:r>
-              <a:rPr lang="en-US" altLang="zh-CN" sz="2400" dirty="0"/>
-              <a:t>But we can config the MMU for them with S-2 translation, which is called as SMMU (or IOMMU).</a:t>
-            </a:r>
-          </a:p>
-        </p:txBody>
-      </p:sp>
-      <p:sp>
-        <p:nvSpPr>
-          <p:cNvPr id="4" name="文本框 3">
-            <a:extLst>
-              <a:ext uri="{FF2B5EF4-FFF2-40B4-BE49-F238E27FC236}">
-                <a16:creationId xmlns:a16="http://schemas.microsoft.com/office/drawing/2014/main" id="{4DCE2415-743C-428E-BA1D-5C3AEB165450}"/>
-              </a:ext>
-            </a:extLst>
-          </p:cNvPr>
-          <p:cNvSpPr txBox="1"/>
-          <p:nvPr/>
-        </p:nvSpPr>
-        <p:spPr>
-          <a:xfrm>
-            <a:off x="609600" y="6362494"/>
-            <a:ext cx="10389704" cy="369332"/>
-          </a:xfrm>
-          <a:prstGeom prst="rect">
-            <a:avLst/>
-          </a:prstGeom>
-          <a:noFill/>
-        </p:spPr>
-        <p:txBody>
-          <a:bodyPr wrap="square" rtlCol="0">
-            <a:spAutoFit/>
-          </a:bodyPr>
-          <a:lstStyle/>
-          <a:p>
-            <a:r>
-              <a:rPr lang="zh-CN" altLang="en-US" dirty="0"/>
-              <a:t>*</a:t>
-            </a:r>
-            <a:r>
-              <a:rPr lang="en-US" altLang="zh-CN" dirty="0"/>
-              <a:t>Source: https://developer.arm.com/documentation/ihi0070/latest</a:t>
-            </a:r>
-            <a:endParaRPr lang="zh-CN" altLang="en-US" dirty="0"/>
-          </a:p>
-        </p:txBody>
-      </p:sp>
-      <p:pic>
-        <p:nvPicPr>
-          <p:cNvPr id="6" name="图片 5" descr="图示&#10;&#10;描述已自动生成">
-            <a:extLst>
-              <a:ext uri="{FF2B5EF4-FFF2-40B4-BE49-F238E27FC236}">
-                <a16:creationId xmlns:a16="http://schemas.microsoft.com/office/drawing/2014/main" id="{CFBF47FA-1032-4BB0-A79E-C6E3F0F54E78}"/>
-              </a:ext>
-            </a:extLst>
-          </p:cNvPr>
-          <p:cNvPicPr>
-            <a:picLocks noChangeAspect="1"/>
-          </p:cNvPicPr>
-          <p:nvPr/>
-        </p:nvPicPr>
-        <p:blipFill>
-          <a:blip r:embed="rId2">
-            <a:extLst>
-              <a:ext uri="{28A0092B-C50C-407E-A947-70E740481C1C}">
-                <a14:useLocalDpi xmlns:a14="http://schemas.microsoft.com/office/drawing/2010/main" val="0"/>
-              </a:ext>
-            </a:extLst>
-          </a:blip>
-          <a:stretch>
-            <a:fillRect/>
-          </a:stretch>
-        </p:blipFill>
-        <p:spPr>
-          <a:xfrm>
-            <a:off x="2782957" y="3429000"/>
-            <a:ext cx="6626086" cy="2900689"/>
-          </a:xfrm>
-          <a:prstGeom prst="rect">
-            <a:avLst/>
-          </a:prstGeom>
-        </p:spPr>
-      </p:pic>
+              <a:t>How about the cache and TLB attacks?</a:t>
+            </a:r>
+          </a:p>
+          <a:p>
+            <a:pPr marL="0" indent="0">
+              <a:buNone/>
+            </a:pPr>
+            <a:endParaRPr lang="en-US" altLang="zh-CN" sz="3200" dirty="0"/>
+          </a:p>
+          <a:p>
+            <a:pPr marL="0" indent="0">
+              <a:buNone/>
+            </a:pPr>
+            <a:r>
+              <a:rPr lang="en-US" altLang="zh-CN" dirty="0"/>
+              <a:t>Actually, this Lab have not considered these attacks.</a:t>
+            </a:r>
+          </a:p>
+          <a:p>
+            <a:pPr marL="0" indent="0">
+              <a:buNone/>
+            </a:pPr>
+            <a:r>
+              <a:rPr lang="en-US" altLang="zh-CN" dirty="0"/>
+              <a:t>You can call them as “</a:t>
+            </a:r>
+            <a:r>
+              <a:rPr lang="en-US" altLang="zh-CN" dirty="0">
+                <a:solidFill>
+                  <a:srgbClr val="FF0000"/>
+                </a:solidFill>
+              </a:rPr>
+              <a:t>side-channel attack</a:t>
+            </a:r>
+            <a:r>
+              <a:rPr lang="en-US" altLang="zh-CN" dirty="0"/>
+              <a:t>”, which is a popular topic.</a:t>
+            </a:r>
+          </a:p>
+          <a:p>
+            <a:pPr marL="0" indent="0">
+              <a:buNone/>
+            </a:pPr>
+            <a:r>
+              <a:rPr lang="en-US" altLang="zh-CN" dirty="0"/>
+              <a:t>We may extend the discussion in the future.</a:t>
+            </a:r>
+          </a:p>
+        </p:txBody>
+      </p:sp>
     </p:spTree>
     <p:extLst>
       <p:ext uri="{BB962C8B-B14F-4D97-AF65-F5344CB8AC3E}">
-        <p14:creationId xmlns:p14="http://schemas.microsoft.com/office/powerpoint/2010/main" val="2933432059"/>
+        <p14:creationId xmlns:p14="http://schemas.microsoft.com/office/powerpoint/2010/main" val="3546755674"/>
       </p:ext>
     </p:extLst>
   </p:cSld>
@@ -9328,93 +9275,109 @@
             </a:pPr>
             <a:r>
               <a:rPr lang="en-US" altLang="zh-CN" dirty="0"/>
-              <a:t>Do we have technical support?</a:t>
-            </a:r>
-          </a:p>
-          <a:p>
-            <a:pPr marL="0" indent="0">
-              <a:buNone/>
-            </a:pPr>
-            <a:endParaRPr lang="en-US" altLang="zh-CN" dirty="0"/>
-          </a:p>
-          <a:p>
-            <a:pPr marL="0" indent="0">
-              <a:buNone/>
-            </a:pPr>
-            <a:r>
-              <a:rPr lang="en-US" altLang="zh-CN" dirty="0"/>
-              <a:t>The biggest support is the </a:t>
-            </a:r>
-            <a:r>
-              <a:rPr lang="en-US" altLang="zh-CN" dirty="0">
-                <a:solidFill>
-                  <a:srgbClr val="FF0000"/>
-                </a:solidFill>
-              </a:rPr>
-              <a:t>reference manual</a:t>
-            </a:r>
-            <a:r>
-              <a:rPr lang="en-US" altLang="zh-CN" dirty="0"/>
-              <a:t>.</a:t>
-            </a:r>
-          </a:p>
-          <a:p>
-            <a:pPr marL="0" indent="0">
-              <a:buNone/>
-            </a:pPr>
-            <a:r>
-              <a:rPr lang="en-US" altLang="zh-CN" dirty="0"/>
-              <a:t>Look up it and solve your problem.</a:t>
-            </a:r>
-          </a:p>
-          <a:p>
-            <a:pPr marL="0" indent="0">
-              <a:buNone/>
-            </a:pPr>
-            <a:endParaRPr lang="en-US" altLang="zh-CN" dirty="0"/>
-          </a:p>
-          <a:p>
-            <a:pPr marL="0" indent="0">
-              <a:buNone/>
-            </a:pPr>
-            <a:r>
-              <a:rPr lang="en-US" altLang="zh-CN" dirty="0"/>
-              <a:t>Also, you can contact partial designers of this Lab.</a:t>
-            </a:r>
-          </a:p>
-          <a:p>
-            <a:pPr marL="0" indent="0">
-              <a:buNone/>
-            </a:pPr>
-            <a:r>
-              <a:rPr lang="en-US" altLang="zh-CN" sz="2400" b="0" i="0" dirty="0">
-                <a:solidFill>
-                  <a:srgbClr val="2C4A77"/>
-                </a:solidFill>
-                <a:effectLst/>
-                <a:latin typeface="Helvetica Neue"/>
-                <a:hlinkClick r:id="rId2"/>
-              </a:rPr>
-              <a:t>12150073@mail.sustech.edu.cn</a:t>
-            </a:r>
-            <a:r>
-              <a:rPr lang="en-US" altLang="zh-CN" sz="2400" b="0" i="0" dirty="0">
-                <a:solidFill>
-                  <a:srgbClr val="2C4A77"/>
-                </a:solidFill>
-                <a:effectLst/>
-                <a:latin typeface="Helvetica Neue"/>
-              </a:rPr>
-              <a:t> (WANG Chenxu)</a:t>
-            </a:r>
-            <a:endParaRPr lang="en-US" altLang="zh-CN" sz="2400" dirty="0"/>
-          </a:p>
-        </p:txBody>
-      </p:sp>
+              <a:t>How about peripheral attacks?</a:t>
+            </a:r>
+          </a:p>
+          <a:p>
+            <a:pPr marL="0" indent="0">
+              <a:buNone/>
+            </a:pPr>
+            <a:r>
+              <a:rPr lang="en-US" altLang="zh-CN" sz="2400" dirty="0"/>
+              <a:t>Attacker can use the peripherals, such as GPU and DMA, to bypass the MMU (Specifically, the MMU for CPU).</a:t>
+            </a:r>
+          </a:p>
+          <a:p>
+            <a:pPr marL="0" indent="0">
+              <a:buNone/>
+            </a:pPr>
+            <a:r>
+              <a:rPr lang="en-US" altLang="zh-CN" sz="2400" dirty="0"/>
+              <a:t>But we can config the MMU for them with S-2 translation, which is called as SMMU (or IOMMU).</a:t>
+            </a:r>
+          </a:p>
+        </p:txBody>
+      </p:sp>
+      <p:sp>
+        <p:nvSpPr>
+          <p:cNvPr id="4" name="文本框 3">
+            <a:extLst>
+              <a:ext uri="{FF2B5EF4-FFF2-40B4-BE49-F238E27FC236}">
+                <a16:creationId xmlns:a16="http://schemas.microsoft.com/office/drawing/2014/main" id="{4DCE2415-743C-428E-BA1D-5C3AEB165450}"/>
+              </a:ext>
+            </a:extLst>
+          </p:cNvPr>
+          <p:cNvSpPr txBox="1"/>
+          <p:nvPr/>
+        </p:nvSpPr>
+        <p:spPr>
+          <a:xfrm>
+            <a:off x="609600" y="6362494"/>
+            <a:ext cx="10389704" cy="369332"/>
+          </a:xfrm>
+          <a:prstGeom prst="rect">
+            <a:avLst/>
+          </a:prstGeom>
+          <a:noFill/>
+        </p:spPr>
+        <p:txBody>
+          <a:bodyPr wrap="square" rtlCol="0">
+            <a:spAutoFit/>
+          </a:bodyPr>
+          <a:lstStyle/>
+          <a:p>
+            <a:r>
+              <a:rPr lang="zh-CN" altLang="en-US" dirty="0"/>
+              <a:t>*</a:t>
+            </a:r>
+            <a:r>
+              <a:rPr lang="en-US" altLang="zh-CN" dirty="0"/>
+              <a:t>Source: https://developer.arm.com/documentation/ihi0070/latest</a:t>
+            </a:r>
+            <a:endParaRPr lang="zh-CN" altLang="en-US" dirty="0"/>
+          </a:p>
+        </p:txBody>
+      </p:sp>
+      <p:pic>
+        <p:nvPicPr>
+          <p:cNvPr id="6" name="图片 5" descr="图示&#10;&#10;描述已自动生成">
+            <a:extLst>
+              <a:ext uri="{FF2B5EF4-FFF2-40B4-BE49-F238E27FC236}">
+                <a16:creationId xmlns:a16="http://schemas.microsoft.com/office/drawing/2014/main" id="{CFBF47FA-1032-4BB0-A79E-C6E3F0F54E78}"/>
+              </a:ext>
+            </a:extLst>
+          </p:cNvPr>
+          <p:cNvPicPr>
+            <a:picLocks noChangeAspect="1"/>
+          </p:cNvPicPr>
+          <p:nvPr/>
+        </p:nvPicPr>
+        <p:blipFill>
+          <a:blip r:embed="rId2">
+            <a:extLst>
+              <a:ext uri="{28A0092B-C50C-407E-A947-70E740481C1C}">
+                <a14:useLocalDpi xmlns:a14="http://schemas.microsoft.com/office/drawing/2010/main" val="0"/>
+              </a:ext>
+            </a:extLst>
+          </a:blip>
+          <a:stretch>
+            <a:fillRect/>
+          </a:stretch>
+        </p:blipFill>
+        <p:spPr>
+          <a:xfrm>
+            <a:off x="2782957" y="3429000"/>
+            <a:ext cx="6626086" cy="2900689"/>
+          </a:xfrm>
+          <a:prstGeom prst="rect">
+            <a:avLst/>
+          </a:prstGeom>
+        </p:spPr>
+      </p:pic>
     </p:spTree>
     <p:extLst>
       <p:ext uri="{BB962C8B-B14F-4D97-AF65-F5344CB8AC3E}">
-        <p14:creationId xmlns:p14="http://schemas.microsoft.com/office/powerpoint/2010/main" val="2551916228"/>
+        <p14:creationId xmlns:p14="http://schemas.microsoft.com/office/powerpoint/2010/main" val="2933432059"/>
       </p:ext>
     </p:extLst>
   </p:cSld>
@@ -9469,11 +9432,7 @@
           <a:p>
             <a:r>
               <a:rPr lang="en-US" altLang="zh-CN" dirty="0"/>
-              <a:t>Necessary </a:t>
-            </a:r>
-            <a:r>
-              <a:rPr lang="en-US" altLang="zh-CN" dirty="0" err="1"/>
-              <a:t>meterials</a:t>
+              <a:t>Possible Q&amp;A</a:t>
             </a:r>
             <a:endParaRPr lang="zh-CN" altLang="en-US" dirty="0"/>
           </a:p>
@@ -9502,15 +9461,17 @@
           </a:xfrm>
         </p:spPr>
         <p:txBody>
-          <a:bodyPr/>
-          <a:lstStyle/>
-          <a:p>
-            <a:pPr marL="0" indent="0">
-              <a:buNone/>
-            </a:pPr>
-            <a:r>
-              <a:rPr lang="en-US" altLang="zh-CN" dirty="0"/>
-              <a:t>1. Armv8-A Reference Manual</a:t>
+          <a:bodyPr>
+            <a:normAutofit/>
+          </a:bodyPr>
+          <a:lstStyle/>
+          <a:p>
+            <a:pPr marL="0" indent="0">
+              <a:buNone/>
+            </a:pPr>
+            <a:r>
+              <a:rPr lang="en-US" altLang="zh-CN" dirty="0"/>
+              <a:t>Do we have technical support?</a:t>
             </a:r>
           </a:p>
           <a:p>
@@ -9524,74 +9485,79 @@
               <a:buNone/>
             </a:pPr>
             <a:r>
-              <a:rPr lang="en-US" altLang="zh-CN" sz="2400" dirty="0"/>
-              <a:t>Download: </a:t>
-            </a:r>
-            <a:r>
-              <a:rPr lang="en-US" altLang="zh-CN" sz="2400" dirty="0">
-                <a:hlinkClick r:id="rId2"/>
-              </a:rPr>
-              <a:t>https://developer.arm.com/documentation/ddi0487/latest</a:t>
-            </a:r>
-            <a:endParaRPr lang="en-US" altLang="zh-CN" sz="2400" dirty="0"/>
-          </a:p>
-          <a:p>
-            <a:pPr marL="0" indent="0">
-              <a:buNone/>
-            </a:pPr>
-            <a:endParaRPr lang="en-US" altLang="zh-CN" sz="2400" dirty="0"/>
-          </a:p>
-          <a:p>
-            <a:pPr marL="0" indent="0">
-              <a:buNone/>
-            </a:pPr>
-            <a:r>
-              <a:rPr lang="en-US" altLang="zh-CN" sz="2400" dirty="0"/>
-              <a:t>A dictionary of Armv8-A architecture.</a:t>
-            </a:r>
-          </a:p>
-          <a:p>
-            <a:pPr marL="0" indent="0">
-              <a:buNone/>
-            </a:pPr>
-            <a:endParaRPr lang="en-US" altLang="zh-CN" sz="2400" dirty="0"/>
-          </a:p>
-          <a:p>
-            <a:pPr marL="0" indent="0">
-              <a:buNone/>
-            </a:pPr>
-            <a:r>
-              <a:rPr lang="en-US" altLang="zh-CN" sz="2400" dirty="0"/>
-              <a:t>Important part in this Lab: G5.1-G5.7, K7.2</a:t>
-            </a:r>
-          </a:p>
-          <a:p>
-            <a:pPr marL="0" indent="0">
-              <a:buNone/>
-            </a:pPr>
-            <a:r>
-              <a:rPr lang="en-US" altLang="zh-CN" sz="2400" dirty="0"/>
-              <a:t>(They are reference about </a:t>
-            </a:r>
-            <a:r>
-              <a:rPr lang="en-US" altLang="zh-CN" sz="2400" dirty="0">
+              <a:rPr lang="en-US" altLang="zh-CN" dirty="0"/>
+              <a:t>The biggest support is the </a:t>
+            </a:r>
+            <a:r>
+              <a:rPr lang="en-US" altLang="zh-CN" dirty="0">
                 <a:solidFill>
                   <a:srgbClr val="FF0000"/>
                 </a:solidFill>
               </a:rPr>
-              <a:t>32-bit</a:t>
-            </a:r>
-            <a:r>
-              <a:rPr lang="en-US" altLang="zh-CN" sz="2400" dirty="0"/>
-              <a:t> Armv8-A architecture)</a:t>
-            </a:r>
+              <a:t>reference manual</a:t>
+            </a:r>
+            <a:r>
+              <a:rPr lang="en-US" altLang="zh-CN" dirty="0"/>
+              <a:t>.</a:t>
+            </a:r>
+          </a:p>
+          <a:p>
+            <a:pPr marL="0" indent="0">
+              <a:buNone/>
+            </a:pPr>
+            <a:r>
+              <a:rPr lang="en-US" altLang="zh-CN" dirty="0"/>
+              <a:t>Look up it and solve your problem.</a:t>
+            </a:r>
+          </a:p>
+          <a:p>
+            <a:pPr marL="0" indent="0">
+              <a:buNone/>
+            </a:pPr>
+            <a:endParaRPr lang="en-US" altLang="zh-CN" dirty="0"/>
+          </a:p>
+          <a:p>
+            <a:pPr marL="0" indent="0">
+              <a:buNone/>
+            </a:pPr>
+            <a:r>
+              <a:rPr lang="en-US" altLang="zh-CN" dirty="0"/>
+              <a:t>Also, you can contact partial designers of this Lab.</a:t>
+            </a:r>
+          </a:p>
+          <a:p>
+            <a:pPr marL="0" indent="0">
+              <a:buNone/>
+            </a:pPr>
+            <a:r>
+              <a:rPr lang="en-US" altLang="zh-CN" sz="2400" b="0" i="0" dirty="0">
+                <a:solidFill>
+                  <a:srgbClr val="2C4A77"/>
+                </a:solidFill>
+                <a:effectLst/>
+                <a:latin typeface="Helvetica Neue"/>
+                <a:hlinkClick r:id="rId2"/>
+              </a:rPr>
+              <a:t>12150073@mail.sustech.edu.cn</a:t>
+            </a:r>
+            <a:r>
+              <a:rPr lang="en-US" altLang="zh-CN" sz="2400" b="0" i="0" dirty="0">
+                <a:solidFill>
+                  <a:srgbClr val="2C4A77"/>
+                </a:solidFill>
+                <a:effectLst/>
+                <a:latin typeface="Helvetica Neue"/>
+              </a:rPr>
+              <a:t> (WANG Chenxu)</a:t>
+            </a:r>
+            <a:endParaRPr lang="en-US" altLang="zh-CN" sz="2400" dirty="0"/>
           </a:p>
         </p:txBody>
       </p:sp>
     </p:spTree>
     <p:extLst>
       <p:ext uri="{BB962C8B-B14F-4D97-AF65-F5344CB8AC3E}">
-        <p14:creationId xmlns:p14="http://schemas.microsoft.com/office/powerpoint/2010/main" val="2549591889"/>
+        <p14:creationId xmlns:p14="http://schemas.microsoft.com/office/powerpoint/2010/main" val="2551916228"/>
       </p:ext>
     </p:extLst>
   </p:cSld>
@@ -9646,11 +9612,7 @@
           <a:p>
             <a:r>
               <a:rPr lang="en-US" altLang="zh-CN" dirty="0"/>
-              <a:t>Necessary </a:t>
-            </a:r>
-            <a:r>
-              <a:rPr lang="en-US" altLang="zh-CN" dirty="0" err="1"/>
-              <a:t>meterials</a:t>
+              <a:t>Necessary materials</a:t>
             </a:r>
             <a:endParaRPr lang="zh-CN" altLang="en-US" dirty="0"/>
           </a:p>
@@ -9687,30 +9649,14 @@
             </a:pPr>
             <a:r>
               <a:rPr lang="en-US" altLang="zh-CN" dirty="0"/>
-              <a:t>2. Linux Kernel Source file</a:t>
-            </a:r>
-            <a:endParaRPr lang="en-US" altLang="zh-CN" sz="2400" dirty="0"/>
-          </a:p>
-          <a:p>
-            <a:pPr marL="0" indent="0">
-              <a:buNone/>
-            </a:pPr>
-            <a:endParaRPr lang="en-US" altLang="zh-CN" sz="2400" dirty="0"/>
-          </a:p>
-          <a:p>
-            <a:pPr marL="0" indent="0">
-              <a:buNone/>
-            </a:pPr>
-            <a:r>
-              <a:rPr lang="en-US" altLang="zh-CN" sz="2400" dirty="0"/>
-              <a:t>Raspberry Pi provides the source codes for its kernel.</a:t>
-            </a:r>
-          </a:p>
-          <a:p>
-            <a:pPr marL="0" indent="0">
-              <a:buNone/>
-            </a:pPr>
-            <a:endParaRPr lang="en-US" altLang="zh-CN" sz="2400" dirty="0"/>
+              <a:t>1. Armv8-A Reference Manual</a:t>
+            </a:r>
+          </a:p>
+          <a:p>
+            <a:pPr marL="0" indent="0">
+              <a:buNone/>
+            </a:pPr>
+            <a:endParaRPr lang="en-US" altLang="zh-CN" dirty="0"/>
           </a:p>
           <a:p>
             <a:pPr marL="0" indent="0">
@@ -9724,7 +9670,7 @@
               <a:rPr lang="en-US" altLang="zh-CN" sz="2400" dirty="0">
                 <a:hlinkClick r:id="rId2"/>
               </a:rPr>
-              <a:t>https://github.com/raspberrypi/linux</a:t>
+              <a:t>https://developer.arm.com/documentation/ddi0487/latest</a:t>
             </a:r>
             <a:endParaRPr lang="en-US" altLang="zh-CN" sz="2400" dirty="0"/>
           </a:p>
@@ -9740,7 +9686,31 @@
             </a:pPr>
             <a:r>
               <a:rPr lang="en-US" altLang="zh-CN" sz="2400" dirty="0"/>
-              <a:t>Here we use the branch </a:t>
+              <a:t>A dictionary of Armv8-A architecture.</a:t>
+            </a:r>
+          </a:p>
+          <a:p>
+            <a:pPr marL="0" indent="0">
+              <a:buNone/>
+            </a:pPr>
+            <a:endParaRPr lang="en-US" altLang="zh-CN" sz="2400" dirty="0"/>
+          </a:p>
+          <a:p>
+            <a:pPr marL="0" indent="0">
+              <a:buNone/>
+            </a:pPr>
+            <a:r>
+              <a:rPr lang="en-US" altLang="zh-CN" sz="2400" dirty="0"/>
+              <a:t>Important part in this Lab: G5.1-G5.7, K7.2</a:t>
+            </a:r>
+          </a:p>
+          <a:p>
+            <a:pPr marL="0" indent="0">
+              <a:buNone/>
+            </a:pPr>
+            <a:r>
+              <a:rPr lang="en-US" altLang="zh-CN" sz="2400" dirty="0"/>
+              <a:t>(They are reference about </a:t>
             </a:r>
             <a:r>
               <a:rPr lang="en-US" altLang="zh-CN" sz="2400" dirty="0">
@@ -9748,32 +9718,19 @@
                   <a:srgbClr val="FF0000"/>
                 </a:solidFill>
               </a:rPr>
-              <a:t>rpi-4.14.y</a:t>
+              <a:t>32-bit</a:t>
             </a:r>
             <a:r>
               <a:rPr lang="en-US" altLang="zh-CN" sz="2400" dirty="0"/>
-              <a:t> or </a:t>
-            </a:r>
-            <a:r>
-              <a:rPr lang="en-US" altLang="zh-CN" sz="2400" dirty="0">
-                <a:solidFill>
-                  <a:srgbClr val="FF0000"/>
-                </a:solidFill>
-              </a:rPr>
-              <a:t>rpi-4.14.y-rt</a:t>
-            </a:r>
-            <a:r>
-              <a:rPr lang="en-US" altLang="zh-CN" sz="2400" dirty="0"/>
-              <a:t>, you can also use the other branches.</a:t>
-            </a:r>
-            <a:endParaRPr lang="en-US" altLang="zh-CN" dirty="0"/>
+              <a:t> Armv8-A architecture)</a:t>
+            </a:r>
           </a:p>
         </p:txBody>
       </p:sp>
     </p:spTree>
     <p:extLst>
       <p:ext uri="{BB962C8B-B14F-4D97-AF65-F5344CB8AC3E}">
-        <p14:creationId xmlns:p14="http://schemas.microsoft.com/office/powerpoint/2010/main" val="54274445"/>
+        <p14:creationId xmlns:p14="http://schemas.microsoft.com/office/powerpoint/2010/main" val="2549591889"/>
       </p:ext>
     </p:extLst>
   </p:cSld>
@@ -9828,11 +9785,7 @@
           <a:p>
             <a:r>
               <a:rPr lang="en-US" altLang="zh-CN" dirty="0"/>
-              <a:t>Necessary </a:t>
-            </a:r>
-            <a:r>
-              <a:rPr lang="en-US" altLang="zh-CN" dirty="0" err="1"/>
-              <a:t>meterials</a:t>
+              <a:t>Necessary materials</a:t>
             </a:r>
             <a:endParaRPr lang="zh-CN" altLang="en-US" dirty="0"/>
           </a:p>
@@ -9861,32 +9814,31 @@
           </a:xfrm>
         </p:spPr>
         <p:txBody>
-          <a:bodyPr>
-            <a:normAutofit lnSpcReduction="10000"/>
-          </a:bodyPr>
-          <a:lstStyle/>
-          <a:p>
-            <a:pPr marL="0" indent="0">
-              <a:buNone/>
-            </a:pPr>
-            <a:r>
-              <a:rPr lang="en-US" altLang="zh-CN" dirty="0"/>
-              <a:t>3. Cross-compile Tools</a:t>
-            </a:r>
-          </a:p>
-          <a:p>
-            <a:pPr marL="0" indent="0">
-              <a:buNone/>
-            </a:pPr>
+          <a:bodyPr/>
+          <a:lstStyle/>
+          <a:p>
+            <a:pPr marL="0" indent="0">
+              <a:buNone/>
+            </a:pPr>
+            <a:r>
+              <a:rPr lang="en-US" altLang="zh-CN" dirty="0"/>
+              <a:t>2. Linux Kernel Source file</a:t>
+            </a:r>
             <a:endParaRPr lang="en-US" altLang="zh-CN" sz="2400" dirty="0"/>
           </a:p>
           <a:p>
             <a:pPr marL="0" indent="0">
               <a:buNone/>
             </a:pPr>
+            <a:endParaRPr lang="en-US" altLang="zh-CN" sz="2400" dirty="0"/>
+          </a:p>
+          <a:p>
+            <a:pPr marL="0" indent="0">
+              <a:buNone/>
+            </a:pPr>
             <a:r>
               <a:rPr lang="en-US" altLang="zh-CN" sz="2400" dirty="0"/>
-              <a:t>Raspberry Pi provide it: https://github.com/raspberrypi/tools</a:t>
+              <a:t>Raspberry Pi provides the source codes for its kernel.</a:t>
             </a:r>
           </a:p>
           <a:p>
@@ -9901,22 +9853,29 @@
             </a:pPr>
             <a:r>
               <a:rPr lang="en-US" altLang="zh-CN" sz="2400" dirty="0"/>
-              <a:t>We use it because the environment of our VM and Raspberry Pi are different.</a:t>
-            </a:r>
-          </a:p>
-          <a:p>
-            <a:pPr marL="0" indent="0">
-              <a:buNone/>
-            </a:pPr>
+              <a:t>Download: </a:t>
+            </a:r>
+            <a:r>
+              <a:rPr lang="en-US" altLang="zh-CN" sz="2400" dirty="0">
+                <a:hlinkClick r:id="rId2"/>
+              </a:rPr>
+              <a:t>https://github.com/raspberrypi/linux</a:t>
+            </a:r>
             <a:endParaRPr lang="en-US" altLang="zh-CN" sz="2400" dirty="0"/>
           </a:p>
           <a:p>
             <a:pPr marL="0" indent="0">
               <a:buNone/>
             </a:pPr>
+            <a:endParaRPr lang="en-US" altLang="zh-CN" sz="2400" dirty="0"/>
+          </a:p>
+          <a:p>
+            <a:pPr marL="0" indent="0">
+              <a:buNone/>
+            </a:pPr>
             <a:r>
               <a:rPr lang="en-US" altLang="zh-CN" sz="2400" dirty="0"/>
-              <a:t>Mostly we use Ubuntu, which is based on </a:t>
+              <a:t>Here we use the branch </a:t>
             </a:r>
             <a:r>
               <a:rPr lang="en-US" altLang="zh-CN" sz="2400" dirty="0">
@@ -9924,20 +9883,11 @@
                   <a:srgbClr val="FF0000"/>
                 </a:solidFill>
               </a:rPr>
-              <a:t>Intel x86</a:t>
+              <a:t>rpi-4.14.y</a:t>
             </a:r>
             <a:r>
               <a:rPr lang="en-US" altLang="zh-CN" sz="2400" dirty="0"/>
-              <a:t> architecture.</a:t>
-            </a:r>
-          </a:p>
-          <a:p>
-            <a:pPr marL="0" indent="0">
-              <a:buNone/>
-            </a:pPr>
-            <a:r>
-              <a:rPr lang="en-US" altLang="zh-CN" sz="2400" dirty="0"/>
-              <a:t>But Raspberry Pi uses Cortex-A53 cores, which support </a:t>
+              <a:t> or </a:t>
             </a:r>
             <a:r>
               <a:rPr lang="en-US" altLang="zh-CN" sz="2400" dirty="0">
@@ -9945,34 +9895,20 @@
                   <a:srgbClr val="FF0000"/>
                 </a:solidFill>
               </a:rPr>
-              <a:t>Armv8-A</a:t>
+              <a:t>rpi-4.14.y-rt</a:t>
             </a:r>
             <a:r>
               <a:rPr lang="en-US" altLang="zh-CN" sz="2400" dirty="0"/>
-              <a:t> architecture.</a:t>
-            </a:r>
-          </a:p>
-          <a:p>
-            <a:pPr marL="0" indent="0">
-              <a:buNone/>
-            </a:pPr>
-            <a:endParaRPr lang="en-US" altLang="zh-CN" sz="2400" dirty="0"/>
-          </a:p>
-          <a:p>
-            <a:pPr marL="0" indent="0">
-              <a:buNone/>
-            </a:pPr>
-            <a:r>
-              <a:rPr lang="en-US" altLang="zh-CN" sz="2400" dirty="0"/>
-              <a:t>*If you build Kernel files on Raspberry Pi, you will not use it.</a:t>
-            </a:r>
+              <a:t>, you can also use the other branches.</a:t>
+            </a:r>
+            <a:endParaRPr lang="en-US" altLang="zh-CN" dirty="0"/>
           </a:p>
         </p:txBody>
       </p:sp>
     </p:spTree>
     <p:extLst>
       <p:ext uri="{BB962C8B-B14F-4D97-AF65-F5344CB8AC3E}">
-        <p14:creationId xmlns:p14="http://schemas.microsoft.com/office/powerpoint/2010/main" val="2292712017"/>
+        <p14:creationId xmlns:p14="http://schemas.microsoft.com/office/powerpoint/2010/main" val="54274445"/>
       </p:ext>
     </p:extLst>
   </p:cSld>
@@ -10164,6 +10100,201 @@
     <p:extLst>
       <p:ext uri="{BB962C8B-B14F-4D97-AF65-F5344CB8AC3E}">
         <p14:creationId xmlns:p14="http://schemas.microsoft.com/office/powerpoint/2010/main" val="2902568207"/>
+      </p:ext>
+    </p:extLst>
+  </p:cSld>
+  <p:clrMapOvr>
+    <a:masterClrMapping/>
+  </p:clrMapOvr>
+</p:sld>
+</file>
+
+<file path=ppt/slides/slide40.xml><?xml version="1.0" encoding="utf-8"?>
+<p:sld xmlns:a="http://schemas.openxmlformats.org/drawingml/2006/main" xmlns:r="http://schemas.openxmlformats.org/officeDocument/2006/relationships" xmlns:p="http://schemas.openxmlformats.org/presentationml/2006/main">
+  <p:cSld>
+    <p:spTree>
+      <p:nvGrpSpPr>
+        <p:cNvPr id="1" name=""/>
+        <p:cNvGrpSpPr/>
+        <p:nvPr/>
+      </p:nvGrpSpPr>
+      <p:grpSpPr>
+        <a:xfrm>
+          <a:off x="0" y="0"/>
+          <a:ext cx="0" cy="0"/>
+          <a:chOff x="0" y="0"/>
+          <a:chExt cx="0" cy="0"/>
+        </a:xfrm>
+      </p:grpSpPr>
+      <p:sp>
+        <p:nvSpPr>
+          <p:cNvPr id="2" name="标题 1">
+            <a:extLst>
+              <a:ext uri="{FF2B5EF4-FFF2-40B4-BE49-F238E27FC236}">
+                <a16:creationId xmlns:a16="http://schemas.microsoft.com/office/drawing/2014/main" id="{C8E4CC26-1034-4229-BFFF-91B82B8841DF}"/>
+              </a:ext>
+            </a:extLst>
+          </p:cNvPr>
+          <p:cNvSpPr>
+            <a:spLocks noGrp="1"/>
+          </p:cNvSpPr>
+          <p:nvPr>
+            <p:ph type="title"/>
+          </p:nvPr>
+        </p:nvSpPr>
+        <p:spPr>
+          <a:xfrm>
+            <a:off x="838200" y="365125"/>
+            <a:ext cx="10515600" cy="734805"/>
+          </a:xfrm>
+        </p:spPr>
+        <p:txBody>
+          <a:bodyPr/>
+          <a:lstStyle/>
+          <a:p>
+            <a:r>
+              <a:rPr lang="en-US" altLang="zh-CN" dirty="0"/>
+              <a:t>Necessary materials</a:t>
+            </a:r>
+            <a:endParaRPr lang="zh-CN" altLang="en-US" dirty="0"/>
+          </a:p>
+        </p:txBody>
+      </p:sp>
+      <p:sp>
+        <p:nvSpPr>
+          <p:cNvPr id="3" name="内容占位符 2">
+            <a:extLst>
+              <a:ext uri="{FF2B5EF4-FFF2-40B4-BE49-F238E27FC236}">
+                <a16:creationId xmlns:a16="http://schemas.microsoft.com/office/drawing/2014/main" id="{9A6FAEDA-4286-4CB3-9B77-49C42135920F}"/>
+              </a:ext>
+            </a:extLst>
+          </p:cNvPr>
+          <p:cNvSpPr>
+            <a:spLocks noGrp="1"/>
+          </p:cNvSpPr>
+          <p:nvPr>
+            <p:ph idx="1"/>
+          </p:nvPr>
+        </p:nvSpPr>
+        <p:spPr>
+          <a:xfrm>
+            <a:off x="838200" y="1285461"/>
+            <a:ext cx="10515600" cy="4891502"/>
+          </a:xfrm>
+        </p:spPr>
+        <p:txBody>
+          <a:bodyPr>
+            <a:normAutofit lnSpcReduction="10000"/>
+          </a:bodyPr>
+          <a:lstStyle/>
+          <a:p>
+            <a:pPr marL="0" indent="0">
+              <a:buNone/>
+            </a:pPr>
+            <a:r>
+              <a:rPr lang="en-US" altLang="zh-CN" dirty="0"/>
+              <a:t>3. Cross-compile Tools</a:t>
+            </a:r>
+          </a:p>
+          <a:p>
+            <a:pPr marL="0" indent="0">
+              <a:buNone/>
+            </a:pPr>
+            <a:endParaRPr lang="en-US" altLang="zh-CN" sz="2400" dirty="0"/>
+          </a:p>
+          <a:p>
+            <a:pPr marL="0" indent="0">
+              <a:buNone/>
+            </a:pPr>
+            <a:r>
+              <a:rPr lang="en-US" altLang="zh-CN" sz="2400" dirty="0"/>
+              <a:t>Raspberry Pi provide it: https://github.com/raspberrypi/tools</a:t>
+            </a:r>
+          </a:p>
+          <a:p>
+            <a:pPr marL="0" indent="0">
+              <a:buNone/>
+            </a:pPr>
+            <a:endParaRPr lang="en-US" altLang="zh-CN" sz="2400" dirty="0"/>
+          </a:p>
+          <a:p>
+            <a:pPr marL="0" indent="0">
+              <a:buNone/>
+            </a:pPr>
+            <a:r>
+              <a:rPr lang="en-US" altLang="zh-CN" sz="2400" dirty="0"/>
+              <a:t>We use it because the environment of our VM and Raspberry Pi are different.</a:t>
+            </a:r>
+          </a:p>
+          <a:p>
+            <a:pPr marL="0" indent="0">
+              <a:buNone/>
+            </a:pPr>
+            <a:endParaRPr lang="en-US" altLang="zh-CN" sz="2400" dirty="0"/>
+          </a:p>
+          <a:p>
+            <a:pPr marL="0" indent="0">
+              <a:buNone/>
+            </a:pPr>
+            <a:r>
+              <a:rPr lang="en-US" altLang="zh-CN" sz="2400" dirty="0"/>
+              <a:t>Mostly we use Ubuntu, which is based on </a:t>
+            </a:r>
+            <a:r>
+              <a:rPr lang="en-US" altLang="zh-CN" sz="2400" dirty="0">
+                <a:solidFill>
+                  <a:srgbClr val="FF0000"/>
+                </a:solidFill>
+              </a:rPr>
+              <a:t>Intel x86</a:t>
+            </a:r>
+            <a:r>
+              <a:rPr lang="en-US" altLang="zh-CN" sz="2400" dirty="0"/>
+              <a:t> architecture.</a:t>
+            </a:r>
+          </a:p>
+          <a:p>
+            <a:pPr marL="0" indent="0">
+              <a:buNone/>
+            </a:pPr>
+            <a:r>
+              <a:rPr lang="en-US" altLang="zh-CN" sz="2400" dirty="0"/>
+              <a:t>But Raspberry Pi uses Cortex-A53 cores, which support </a:t>
+            </a:r>
+            <a:r>
+              <a:rPr lang="en-US" altLang="zh-CN" sz="2400" dirty="0">
+                <a:solidFill>
+                  <a:srgbClr val="FF0000"/>
+                </a:solidFill>
+              </a:rPr>
+              <a:t>Armv8-A</a:t>
+            </a:r>
+            <a:r>
+              <a:rPr lang="en-US" altLang="zh-CN" sz="2400" dirty="0"/>
+              <a:t> architecture.</a:t>
+            </a:r>
+          </a:p>
+          <a:p>
+            <a:pPr marL="0" indent="0">
+              <a:buNone/>
+            </a:pPr>
+            <a:endParaRPr lang="en-US" altLang="zh-CN" sz="2400" dirty="0"/>
+          </a:p>
+          <a:p>
+            <a:pPr marL="0" indent="0">
+              <a:buNone/>
+            </a:pPr>
+            <a:r>
+              <a:rPr lang="en-US" altLang="zh-CN" sz="2400" dirty="0"/>
+              <a:t>*If you build Kernel files on Raspberry Pi, you will not use it.</a:t>
+            </a:r>
+          </a:p>
+        </p:txBody>
+      </p:sp>
+    </p:spTree>
+    <p:extLst>
+      <p:ext uri="{BB962C8B-B14F-4D97-AF65-F5344CB8AC3E}">
+        <p14:creationId xmlns:p14="http://schemas.microsoft.com/office/powerpoint/2010/main" val="2292712017"/>
       </p:ext>
     </p:extLst>
   </p:cSld>

--- a/defense-lab/NailgunDefense.pptx
+++ b/defense-lab/NailgunDefense.pptx
@@ -282,7 +282,7 @@
           <a:p>
             <a:fld id="{5AE41CFA-8DA5-4173-9573-628222844F03}" type="datetimeFigureOut">
               <a:rPr lang="zh-CN" altLang="en-US" smtClean="0"/>
-              <a:t>2021/11/6</a:t>
+              <a:t>2021/11/14</a:t>
             </a:fld>
             <a:endParaRPr lang="zh-CN" altLang="en-US"/>
           </a:p>
@@ -452,7 +452,7 @@
           <a:p>
             <a:fld id="{5AE41CFA-8DA5-4173-9573-628222844F03}" type="datetimeFigureOut">
               <a:rPr lang="zh-CN" altLang="en-US" smtClean="0"/>
-              <a:t>2021/11/6</a:t>
+              <a:t>2021/11/14</a:t>
             </a:fld>
             <a:endParaRPr lang="zh-CN" altLang="en-US"/>
           </a:p>
@@ -632,7 +632,7 @@
           <a:p>
             <a:fld id="{5AE41CFA-8DA5-4173-9573-628222844F03}" type="datetimeFigureOut">
               <a:rPr lang="zh-CN" altLang="en-US" smtClean="0"/>
-              <a:t>2021/11/6</a:t>
+              <a:t>2021/11/14</a:t>
             </a:fld>
             <a:endParaRPr lang="zh-CN" altLang="en-US"/>
           </a:p>
@@ -1111,7 +1111,7 @@
           <a:p>
             <a:fld id="{5AE41CFA-8DA5-4173-9573-628222844F03}" type="datetimeFigureOut">
               <a:rPr lang="zh-CN" altLang="en-US" smtClean="0"/>
-              <a:t>2021/11/6</a:t>
+              <a:t>2021/11/14</a:t>
             </a:fld>
             <a:endParaRPr lang="zh-CN" altLang="en-US"/>
           </a:p>
@@ -1355,7 +1355,7 @@
           <a:p>
             <a:fld id="{5AE41CFA-8DA5-4173-9573-628222844F03}" type="datetimeFigureOut">
               <a:rPr lang="zh-CN" altLang="en-US" smtClean="0"/>
-              <a:t>2021/11/6</a:t>
+              <a:t>2021/11/14</a:t>
             </a:fld>
             <a:endParaRPr lang="zh-CN" altLang="en-US"/>
           </a:p>
@@ -1587,7 +1587,7 @@
           <a:p>
             <a:fld id="{5AE41CFA-8DA5-4173-9573-628222844F03}" type="datetimeFigureOut">
               <a:rPr lang="zh-CN" altLang="en-US" smtClean="0"/>
-              <a:t>2021/11/6</a:t>
+              <a:t>2021/11/14</a:t>
             </a:fld>
             <a:endParaRPr lang="zh-CN" altLang="en-US"/>
           </a:p>
@@ -1954,7 +1954,7 @@
           <a:p>
             <a:fld id="{5AE41CFA-8DA5-4173-9573-628222844F03}" type="datetimeFigureOut">
               <a:rPr lang="zh-CN" altLang="en-US" smtClean="0"/>
-              <a:t>2021/11/6</a:t>
+              <a:t>2021/11/14</a:t>
             </a:fld>
             <a:endParaRPr lang="zh-CN" altLang="en-US"/>
           </a:p>
@@ -2072,7 +2072,7 @@
           <a:p>
             <a:fld id="{5AE41CFA-8DA5-4173-9573-628222844F03}" type="datetimeFigureOut">
               <a:rPr lang="zh-CN" altLang="en-US" smtClean="0"/>
-              <a:t>2021/11/6</a:t>
+              <a:t>2021/11/14</a:t>
             </a:fld>
             <a:endParaRPr lang="zh-CN" altLang="en-US"/>
           </a:p>
@@ -2167,7 +2167,7 @@
           <a:p>
             <a:fld id="{5AE41CFA-8DA5-4173-9573-628222844F03}" type="datetimeFigureOut">
               <a:rPr lang="zh-CN" altLang="en-US" smtClean="0"/>
-              <a:t>2021/11/6</a:t>
+              <a:t>2021/11/14</a:t>
             </a:fld>
             <a:endParaRPr lang="zh-CN" altLang="en-US"/>
           </a:p>
@@ -2444,7 +2444,7 @@
           <a:p>
             <a:fld id="{5AE41CFA-8DA5-4173-9573-628222844F03}" type="datetimeFigureOut">
               <a:rPr lang="zh-CN" altLang="en-US" smtClean="0"/>
-              <a:t>2021/11/6</a:t>
+              <a:t>2021/11/14</a:t>
             </a:fld>
             <a:endParaRPr lang="zh-CN" altLang="en-US"/>
           </a:p>
@@ -2701,7 +2701,7 @@
           <a:p>
             <a:fld id="{5AE41CFA-8DA5-4173-9573-628222844F03}" type="datetimeFigureOut">
               <a:rPr lang="zh-CN" altLang="en-US" smtClean="0"/>
-              <a:t>2021/11/6</a:t>
+              <a:t>2021/11/14</a:t>
             </a:fld>
             <a:endParaRPr lang="zh-CN" altLang="en-US"/>
           </a:p>
@@ -2923,7 +2923,7 @@
           <a:p>
             <a:fld id="{5AE41CFA-8DA5-4173-9573-628222844F03}" type="datetimeFigureOut">
               <a:rPr lang="zh-CN" altLang="en-US" smtClean="0"/>
-              <a:t>2021/11/6</a:t>
+              <a:t>2021/11/14</a:t>
             </a:fld>
             <a:endParaRPr lang="zh-CN" altLang="en-US"/>
           </a:p>
@@ -8734,8 +8734,13 @@
             </a:pPr>
             <a:r>
               <a:rPr lang="en-US" altLang="zh-CN" sz="2400" dirty="0"/>
-              <a:t>(8) Our translation result is (OA[39:12]&lt;&lt;12)+0x123</a:t>
-            </a:r>
+              <a:t>(8) Our translation result is (OA[39:12]&lt;&lt;12</a:t>
+            </a:r>
+            <a:r>
+              <a:rPr lang="en-US" altLang="zh-CN" sz="2400"/>
+              <a:t>)+0x234</a:t>
+            </a:r>
+            <a:endParaRPr lang="en-US" altLang="zh-CN" sz="2400" dirty="0"/>
           </a:p>
         </p:txBody>
       </p:sp>

--- a/defense-lab/NailgunDefense.pptx
+++ b/defense-lab/NailgunDefense.pptx
@@ -282,7 +282,7 @@
           <a:p>
             <a:fld id="{5AE41CFA-8DA5-4173-9573-628222844F03}" type="datetimeFigureOut">
               <a:rPr lang="zh-CN" altLang="en-US" smtClean="0"/>
-              <a:t>2021/11/14</a:t>
+              <a:t>2024/11/10</a:t>
             </a:fld>
             <a:endParaRPr lang="zh-CN" altLang="en-US"/>
           </a:p>
@@ -452,7 +452,7 @@
           <a:p>
             <a:fld id="{5AE41CFA-8DA5-4173-9573-628222844F03}" type="datetimeFigureOut">
               <a:rPr lang="zh-CN" altLang="en-US" smtClean="0"/>
-              <a:t>2021/11/14</a:t>
+              <a:t>2024/11/10</a:t>
             </a:fld>
             <a:endParaRPr lang="zh-CN" altLang="en-US"/>
           </a:p>
@@ -632,7 +632,7 @@
           <a:p>
             <a:fld id="{5AE41CFA-8DA5-4173-9573-628222844F03}" type="datetimeFigureOut">
               <a:rPr lang="zh-CN" altLang="en-US" smtClean="0"/>
-              <a:t>2021/11/14</a:t>
+              <a:t>2024/11/10</a:t>
             </a:fld>
             <a:endParaRPr lang="zh-CN" altLang="en-US"/>
           </a:p>
@@ -1111,7 +1111,7 @@
           <a:p>
             <a:fld id="{5AE41CFA-8DA5-4173-9573-628222844F03}" type="datetimeFigureOut">
               <a:rPr lang="zh-CN" altLang="en-US" smtClean="0"/>
-              <a:t>2021/11/14</a:t>
+              <a:t>2024/11/10</a:t>
             </a:fld>
             <a:endParaRPr lang="zh-CN" altLang="en-US"/>
           </a:p>
@@ -1355,7 +1355,7 @@
           <a:p>
             <a:fld id="{5AE41CFA-8DA5-4173-9573-628222844F03}" type="datetimeFigureOut">
               <a:rPr lang="zh-CN" altLang="en-US" smtClean="0"/>
-              <a:t>2021/11/14</a:t>
+              <a:t>2024/11/10</a:t>
             </a:fld>
             <a:endParaRPr lang="zh-CN" altLang="en-US"/>
           </a:p>
@@ -1587,7 +1587,7 @@
           <a:p>
             <a:fld id="{5AE41CFA-8DA5-4173-9573-628222844F03}" type="datetimeFigureOut">
               <a:rPr lang="zh-CN" altLang="en-US" smtClean="0"/>
-              <a:t>2021/11/14</a:t>
+              <a:t>2024/11/10</a:t>
             </a:fld>
             <a:endParaRPr lang="zh-CN" altLang="en-US"/>
           </a:p>
@@ -1954,7 +1954,7 @@
           <a:p>
             <a:fld id="{5AE41CFA-8DA5-4173-9573-628222844F03}" type="datetimeFigureOut">
               <a:rPr lang="zh-CN" altLang="en-US" smtClean="0"/>
-              <a:t>2021/11/14</a:t>
+              <a:t>2024/11/10</a:t>
             </a:fld>
             <a:endParaRPr lang="zh-CN" altLang="en-US"/>
           </a:p>
@@ -2072,7 +2072,7 @@
           <a:p>
             <a:fld id="{5AE41CFA-8DA5-4173-9573-628222844F03}" type="datetimeFigureOut">
               <a:rPr lang="zh-CN" altLang="en-US" smtClean="0"/>
-              <a:t>2021/11/14</a:t>
+              <a:t>2024/11/10</a:t>
             </a:fld>
             <a:endParaRPr lang="zh-CN" altLang="en-US"/>
           </a:p>
@@ -2167,7 +2167,7 @@
           <a:p>
             <a:fld id="{5AE41CFA-8DA5-4173-9573-628222844F03}" type="datetimeFigureOut">
               <a:rPr lang="zh-CN" altLang="en-US" smtClean="0"/>
-              <a:t>2021/11/14</a:t>
+              <a:t>2024/11/10</a:t>
             </a:fld>
             <a:endParaRPr lang="zh-CN" altLang="en-US"/>
           </a:p>
@@ -2444,7 +2444,7 @@
           <a:p>
             <a:fld id="{5AE41CFA-8DA5-4173-9573-628222844F03}" type="datetimeFigureOut">
               <a:rPr lang="zh-CN" altLang="en-US" smtClean="0"/>
-              <a:t>2021/11/14</a:t>
+              <a:t>2024/11/10</a:t>
             </a:fld>
             <a:endParaRPr lang="zh-CN" altLang="en-US"/>
           </a:p>
@@ -2701,7 +2701,7 @@
           <a:p>
             <a:fld id="{5AE41CFA-8DA5-4173-9573-628222844F03}" type="datetimeFigureOut">
               <a:rPr lang="zh-CN" altLang="en-US" smtClean="0"/>
-              <a:t>2021/11/14</a:t>
+              <a:t>2024/11/10</a:t>
             </a:fld>
             <a:endParaRPr lang="zh-CN" altLang="en-US"/>
           </a:p>
@@ -2923,7 +2923,7 @@
           <a:p>
             <a:fld id="{5AE41CFA-8DA5-4173-9573-628222844F03}" type="datetimeFigureOut">
               <a:rPr lang="zh-CN" altLang="en-US" smtClean="0"/>
-              <a:t>2021/11/14</a:t>
+              <a:t>2024/11/10</a:t>
             </a:fld>
             <a:endParaRPr lang="zh-CN" altLang="en-US"/>
           </a:p>
@@ -3388,14 +3388,6 @@
           <a:p>
             <a:r>
               <a:rPr lang="en-US" altLang="zh-CN" dirty="0" err="1"/>
-              <a:t>Chenxu</a:t>
-            </a:r>
-            <a:r>
-              <a:rPr lang="en-US" altLang="zh-CN" dirty="0"/>
-              <a:t> Wang and </a:t>
-            </a:r>
-            <a:r>
-              <a:rPr lang="en-US" altLang="zh-CN" dirty="0" err="1"/>
               <a:t>Fengwei</a:t>
             </a:r>
             <a:r>
